--- a/other-talks/A Tutorial on Adversarial Robustness.pptx
+++ b/other-talks/A Tutorial on Adversarial Robustness.pptx
@@ -5,62 +5,68 @@
     <p:sldMasterId id="2147483648" r:id="rId1"/>
   </p:sldMasterIdLst>
   <p:notesMasterIdLst>
-    <p:notesMasterId r:id="rId55"/>
+    <p:notesMasterId r:id="rId61"/>
   </p:notesMasterIdLst>
   <p:sldIdLst>
     <p:sldId id="256" r:id="rId2"/>
     <p:sldId id="491" r:id="rId3"/>
     <p:sldId id="1394" r:id="rId4"/>
     <p:sldId id="1395" r:id="rId5"/>
-    <p:sldId id="1387" r:id="rId6"/>
-    <p:sldId id="1389" r:id="rId7"/>
-    <p:sldId id="1392" r:id="rId8"/>
-    <p:sldId id="1386" r:id="rId9"/>
-    <p:sldId id="264" r:id="rId10"/>
-    <p:sldId id="500" r:id="rId11"/>
-    <p:sldId id="1382" r:id="rId12"/>
-    <p:sldId id="1383" r:id="rId13"/>
-    <p:sldId id="623" r:id="rId14"/>
-    <p:sldId id="504" r:id="rId15"/>
-    <p:sldId id="1381" r:id="rId16"/>
-    <p:sldId id="575" r:id="rId17"/>
-    <p:sldId id="493" r:id="rId18"/>
-    <p:sldId id="495" r:id="rId19"/>
-    <p:sldId id="496" r:id="rId20"/>
-    <p:sldId id="497" r:id="rId21"/>
-    <p:sldId id="498" r:id="rId22"/>
-    <p:sldId id="499" r:id="rId23"/>
-    <p:sldId id="1375" r:id="rId24"/>
-    <p:sldId id="502" r:id="rId25"/>
-    <p:sldId id="1388" r:id="rId26"/>
-    <p:sldId id="584" r:id="rId27"/>
-    <p:sldId id="586" r:id="rId28"/>
-    <p:sldId id="587" r:id="rId29"/>
-    <p:sldId id="589" r:id="rId30"/>
-    <p:sldId id="590" r:id="rId31"/>
-    <p:sldId id="591" r:id="rId32"/>
-    <p:sldId id="592" r:id="rId33"/>
-    <p:sldId id="594" r:id="rId34"/>
-    <p:sldId id="595" r:id="rId35"/>
-    <p:sldId id="596" r:id="rId36"/>
-    <p:sldId id="597" r:id="rId37"/>
-    <p:sldId id="577" r:id="rId38"/>
-    <p:sldId id="1385" r:id="rId39"/>
-    <p:sldId id="579" r:id="rId40"/>
-    <p:sldId id="673" r:id="rId41"/>
-    <p:sldId id="1376" r:id="rId42"/>
-    <p:sldId id="1259" r:id="rId43"/>
-    <p:sldId id="1377" r:id="rId44"/>
-    <p:sldId id="578" r:id="rId45"/>
-    <p:sldId id="1380" r:id="rId46"/>
-    <p:sldId id="574" r:id="rId47"/>
-    <p:sldId id="599" r:id="rId48"/>
-    <p:sldId id="580" r:id="rId49"/>
-    <p:sldId id="1378" r:id="rId50"/>
-    <p:sldId id="1379" r:id="rId51"/>
-    <p:sldId id="1391" r:id="rId52"/>
-    <p:sldId id="1390" r:id="rId53"/>
-    <p:sldId id="1393" r:id="rId54"/>
+    <p:sldId id="1389" r:id="rId6"/>
+    <p:sldId id="1396" r:id="rId7"/>
+    <p:sldId id="1397" r:id="rId8"/>
+    <p:sldId id="1392" r:id="rId9"/>
+    <p:sldId id="1386" r:id="rId10"/>
+    <p:sldId id="264" r:id="rId11"/>
+    <p:sldId id="500" r:id="rId12"/>
+    <p:sldId id="1382" r:id="rId13"/>
+    <p:sldId id="1383" r:id="rId14"/>
+    <p:sldId id="623" r:id="rId15"/>
+    <p:sldId id="504" r:id="rId16"/>
+    <p:sldId id="1381" r:id="rId17"/>
+    <p:sldId id="575" r:id="rId18"/>
+    <p:sldId id="493" r:id="rId19"/>
+    <p:sldId id="495" r:id="rId20"/>
+    <p:sldId id="496" r:id="rId21"/>
+    <p:sldId id="497" r:id="rId22"/>
+    <p:sldId id="498" r:id="rId23"/>
+    <p:sldId id="499" r:id="rId24"/>
+    <p:sldId id="1375" r:id="rId25"/>
+    <p:sldId id="502" r:id="rId26"/>
+    <p:sldId id="1388" r:id="rId27"/>
+    <p:sldId id="584" r:id="rId28"/>
+    <p:sldId id="586" r:id="rId29"/>
+    <p:sldId id="1398" r:id="rId30"/>
+    <p:sldId id="587" r:id="rId31"/>
+    <p:sldId id="589" r:id="rId32"/>
+    <p:sldId id="590" r:id="rId33"/>
+    <p:sldId id="591" r:id="rId34"/>
+    <p:sldId id="592" r:id="rId35"/>
+    <p:sldId id="594" r:id="rId36"/>
+    <p:sldId id="595" r:id="rId37"/>
+    <p:sldId id="596" r:id="rId38"/>
+    <p:sldId id="597" r:id="rId39"/>
+    <p:sldId id="577" r:id="rId40"/>
+    <p:sldId id="1385" r:id="rId41"/>
+    <p:sldId id="1399" r:id="rId42"/>
+    <p:sldId id="579" r:id="rId43"/>
+    <p:sldId id="673" r:id="rId44"/>
+    <p:sldId id="1376" r:id="rId45"/>
+    <p:sldId id="1259" r:id="rId46"/>
+    <p:sldId id="1377" r:id="rId47"/>
+    <p:sldId id="578" r:id="rId48"/>
+    <p:sldId id="1380" r:id="rId49"/>
+    <p:sldId id="574" r:id="rId50"/>
+    <p:sldId id="599" r:id="rId51"/>
+    <p:sldId id="580" r:id="rId52"/>
+    <p:sldId id="1378" r:id="rId53"/>
+    <p:sldId id="1400" r:id="rId54"/>
+    <p:sldId id="1401" r:id="rId55"/>
+    <p:sldId id="1379" r:id="rId56"/>
+    <p:sldId id="1391" r:id="rId57"/>
+    <p:sldId id="1390" r:id="rId58"/>
+    <p:sldId id="1393" r:id="rId59"/>
+    <p:sldId id="1402" r:id="rId60"/>
   </p:sldIdLst>
   <p:sldSz cx="12192000" cy="6858000"/>
   <p:notesSz cx="6858000" cy="9144000"/>
@@ -800,7 +806,7 @@
     </p:spTree>
     <p:extLst>
       <p:ext uri="{BB962C8B-B14F-4D97-AF65-F5344CB8AC3E}">
-        <p14:creationId xmlns:p14="http://schemas.microsoft.com/office/powerpoint/2010/main" val="4064932082"/>
+        <p14:creationId xmlns:p14="http://schemas.microsoft.com/office/powerpoint/2010/main" val="2803820793"/>
       </p:ext>
     </p:extLst>
   </p:cSld>
@@ -947,7 +953,7 @@
     </p:spTree>
     <p:extLst>
       <p:ext uri="{BB962C8B-B14F-4D97-AF65-F5344CB8AC3E}">
-        <p14:creationId xmlns:p14="http://schemas.microsoft.com/office/powerpoint/2010/main" val="1941489676"/>
+        <p14:creationId xmlns:p14="http://schemas.microsoft.com/office/powerpoint/2010/main" val="4064932082"/>
       </p:ext>
     </p:extLst>
   </p:cSld>
@@ -1094,7 +1100,7 @@
     </p:spTree>
     <p:extLst>
       <p:ext uri="{BB962C8B-B14F-4D97-AF65-F5344CB8AC3E}">
-        <p14:creationId xmlns:p14="http://schemas.microsoft.com/office/powerpoint/2010/main" val="1228545968"/>
+        <p14:creationId xmlns:p14="http://schemas.microsoft.com/office/powerpoint/2010/main" val="1941489676"/>
       </p:ext>
     </p:extLst>
   </p:cSld>
@@ -1241,7 +1247,7 @@
     </p:spTree>
     <p:extLst>
       <p:ext uri="{BB962C8B-B14F-4D97-AF65-F5344CB8AC3E}">
-        <p14:creationId xmlns:p14="http://schemas.microsoft.com/office/powerpoint/2010/main" val="330084882"/>
+        <p14:creationId xmlns:p14="http://schemas.microsoft.com/office/powerpoint/2010/main" val="1228545968"/>
       </p:ext>
     </p:extLst>
   </p:cSld>
@@ -1388,6 +1394,153 @@
     </p:spTree>
     <p:extLst>
       <p:ext uri="{BB962C8B-B14F-4D97-AF65-F5344CB8AC3E}">
+        <p14:creationId xmlns:p14="http://schemas.microsoft.com/office/powerpoint/2010/main" val="330084882"/>
+      </p:ext>
+    </p:extLst>
+  </p:cSld>
+  <p:clrMapOvr>
+    <a:masterClrMapping/>
+  </p:clrMapOvr>
+</p:notes>
+</file>
+
+<file path=ppt/notesSlides/notesSlide15.xml><?xml version="1.0" encoding="utf-8"?>
+<p:notes xmlns:a="http://schemas.openxmlformats.org/drawingml/2006/main" xmlns:r="http://schemas.openxmlformats.org/officeDocument/2006/relationships" xmlns:p="http://schemas.openxmlformats.org/presentationml/2006/main">
+  <p:cSld>
+    <p:spTree>
+      <p:nvGrpSpPr>
+        <p:cNvPr id="1" name=""/>
+        <p:cNvGrpSpPr/>
+        <p:nvPr/>
+      </p:nvGrpSpPr>
+      <p:grpSpPr>
+        <a:xfrm>
+          <a:off x="0" y="0"/>
+          <a:ext cx="0" cy="0"/>
+          <a:chOff x="0" y="0"/>
+          <a:chExt cx="0" cy="0"/>
+        </a:xfrm>
+      </p:grpSpPr>
+      <p:sp>
+        <p:nvSpPr>
+          <p:cNvPr id="2" name="Slide Image Placeholder 1"/>
+          <p:cNvSpPr>
+            <a:spLocks noGrp="1" noRot="1" noChangeAspect="1"/>
+          </p:cNvSpPr>
+          <p:nvPr>
+            <p:ph type="sldImg"/>
+          </p:nvPr>
+        </p:nvSpPr>
+        <p:spPr/>
+      </p:sp>
+      <p:sp>
+        <p:nvSpPr>
+          <p:cNvPr id="3" name="Notes Placeholder 2"/>
+          <p:cNvSpPr>
+            <a:spLocks noGrp="1"/>
+          </p:cNvSpPr>
+          <p:nvPr>
+            <p:ph type="body" idx="1"/>
+          </p:nvPr>
+        </p:nvSpPr>
+        <p:spPr/>
+        <p:txBody>
+          <a:bodyPr/>
+          <a:lstStyle/>
+          <a:p>
+            <a:r>
+              <a:rPr lang="en-US" dirty="0"/>
+              <a:t>Let’s start by breaking down each of the terms in the title. To understand the sliding window model, we first have to understand the streaming model of computation, in which elements of an underlying data set S, arrive sequentially and the goal is to evaluate or approximate some given function on this dataset, using space sublinear in S. In the sliding window model, only the W most recent updates form the underlying data set</a:t>
+            </a:r>
+          </a:p>
+        </p:txBody>
+      </p:sp>
+      <p:sp>
+        <p:nvSpPr>
+          <p:cNvPr id="4" name="Slide Number Placeholder 3"/>
+          <p:cNvSpPr>
+            <a:spLocks noGrp="1"/>
+          </p:cNvSpPr>
+          <p:nvPr>
+            <p:ph type="sldNum" sz="quarter" idx="5"/>
+          </p:nvPr>
+        </p:nvSpPr>
+        <p:spPr/>
+        <p:txBody>
+          <a:bodyPr/>
+          <a:lstStyle/>
+          <a:p>
+            <a:pPr marL="0" marR="0" lvl="0" indent="0" algn="r" defTabSz="914400" rtl="0" eaLnBrk="1" fontAlgn="auto" latinLnBrk="0" hangingPunct="1">
+              <a:lnSpc>
+                <a:spcPct val="100000"/>
+              </a:lnSpc>
+              <a:spcBef>
+                <a:spcPts val="0"/>
+              </a:spcBef>
+              <a:spcAft>
+                <a:spcPts val="0"/>
+              </a:spcAft>
+              <a:buClrTx/>
+              <a:buSzTx/>
+              <a:buFontTx/>
+              <a:buNone/>
+              <a:tabLst/>
+              <a:defRPr/>
+            </a:pPr>
+            <a:fld id="{3486229C-5C56-46D3-8AF7-8CB2C6C5FD7A}" type="slidenum">
+              <a:rPr kumimoji="0" lang="en-US" sz="1200" b="0" i="0" u="none" strike="noStrike" kern="1200" cap="none" spc="0" normalizeH="0" baseline="0" noProof="0" smtClean="0">
+                <a:ln>
+                  <a:noFill/>
+                </a:ln>
+                <a:solidFill>
+                  <a:prstClr val="black"/>
+                </a:solidFill>
+                <a:effectLst/>
+                <a:uLnTx/>
+                <a:uFillTx/>
+                <a:latin typeface="Calibri" panose="020F0502020204030204"/>
+                <a:ea typeface="+mn-ea"/>
+                <a:cs typeface="+mn-cs"/>
+              </a:rPr>
+              <a:pPr marL="0" marR="0" lvl="0" indent="0" algn="r" defTabSz="914400" rtl="0" eaLnBrk="1" fontAlgn="auto" latinLnBrk="0" hangingPunct="1">
+                <a:lnSpc>
+                  <a:spcPct val="100000"/>
+                </a:lnSpc>
+                <a:spcBef>
+                  <a:spcPts val="0"/>
+                </a:spcBef>
+                <a:spcAft>
+                  <a:spcPts val="0"/>
+                </a:spcAft>
+                <a:buClrTx/>
+                <a:buSzTx/>
+                <a:buFontTx/>
+                <a:buNone/>
+                <a:tabLst/>
+                <a:defRPr/>
+              </a:pPr>
+              <a:t>23</a:t>
+            </a:fld>
+            <a:endParaRPr kumimoji="0" lang="en-US" sz="1200" b="0" i="0" u="none" strike="noStrike" kern="1200" cap="none" spc="0" normalizeH="0" baseline="0" noProof="0">
+              <a:ln>
+                <a:noFill/>
+              </a:ln>
+              <a:solidFill>
+                <a:prstClr val="black"/>
+              </a:solidFill>
+              <a:effectLst/>
+              <a:uLnTx/>
+              <a:uFillTx/>
+              <a:latin typeface="Calibri" panose="020F0502020204030204"/>
+              <a:ea typeface="+mn-ea"/>
+              <a:cs typeface="+mn-cs"/>
+            </a:endParaRPr>
+          </a:p>
+        </p:txBody>
+      </p:sp>
+    </p:spTree>
+    <p:extLst>
+      <p:ext uri="{BB962C8B-B14F-4D97-AF65-F5344CB8AC3E}">
         <p14:creationId xmlns:p14="http://schemas.microsoft.com/office/powerpoint/2010/main" val="548490290"/>
       </p:ext>
     </p:extLst>
@@ -1398,7 +1551,7 @@
 </p:notes>
 </file>
 
-<file path=ppt/notesSlides/notesSlide15.xml><?xml version="1.0" encoding="utf-8"?>
+<file path=ppt/notesSlides/notesSlide16.xml><?xml version="1.0" encoding="utf-8"?>
 <p:notes xmlns:a="http://schemas.openxmlformats.org/drawingml/2006/main" xmlns:r="http://schemas.openxmlformats.org/officeDocument/2006/relationships" xmlns:p="http://schemas.openxmlformats.org/presentationml/2006/main">
   <p:cSld>
     <p:spTree>
@@ -1463,7 +1616,7 @@
           <a:p>
             <a:fld id="{3486229C-5C56-46D3-8AF7-8CB2C6C5FD7A}" type="slidenum">
               <a:rPr lang="en-US" smtClean="0"/>
-              <a:t>37</a:t>
+              <a:t>39</a:t>
             </a:fld>
             <a:endParaRPr lang="en-US"/>
           </a:p>
@@ -1473,105 +1626,6 @@
     <p:extLst>
       <p:ext uri="{BB962C8B-B14F-4D97-AF65-F5344CB8AC3E}">
         <p14:creationId xmlns:p14="http://schemas.microsoft.com/office/powerpoint/2010/main" val="3577145784"/>
-      </p:ext>
-    </p:extLst>
-  </p:cSld>
-  <p:clrMapOvr>
-    <a:masterClrMapping/>
-  </p:clrMapOvr>
-</p:notes>
-</file>
-
-<file path=ppt/notesSlides/notesSlide16.xml><?xml version="1.0" encoding="utf-8"?>
-<p:notes xmlns:a="http://schemas.openxmlformats.org/drawingml/2006/main" xmlns:r="http://schemas.openxmlformats.org/officeDocument/2006/relationships" xmlns:p="http://schemas.openxmlformats.org/presentationml/2006/main">
-  <p:cSld>
-    <p:spTree>
-      <p:nvGrpSpPr>
-        <p:cNvPr id="1" name=""/>
-        <p:cNvGrpSpPr/>
-        <p:nvPr/>
-      </p:nvGrpSpPr>
-      <p:grpSpPr>
-        <a:xfrm>
-          <a:off x="0" y="0"/>
-          <a:ext cx="0" cy="0"/>
-          <a:chOff x="0" y="0"/>
-          <a:chExt cx="0" cy="0"/>
-        </a:xfrm>
-      </p:grpSpPr>
-      <p:sp>
-        <p:nvSpPr>
-          <p:cNvPr id="2" name="Slide Image Placeholder 1"/>
-          <p:cNvSpPr>
-            <a:spLocks noGrp="1" noRot="1" noChangeAspect="1"/>
-          </p:cNvSpPr>
-          <p:nvPr>
-            <p:ph type="sldImg"/>
-          </p:nvPr>
-        </p:nvSpPr>
-        <p:spPr/>
-      </p:sp>
-      <p:sp>
-        <p:nvSpPr>
-          <p:cNvPr id="3" name="Notes Placeholder 2"/>
-          <p:cNvSpPr>
-            <a:spLocks noGrp="1"/>
-          </p:cNvSpPr>
-          <p:nvPr>
-            <p:ph type="body" idx="1"/>
-          </p:nvPr>
-        </p:nvSpPr>
-        <p:spPr/>
-        <p:txBody>
-          <a:bodyPr/>
-          <a:lstStyle/>
-          <a:p>
-            <a:r>
-              <a:rPr lang="en-US" dirty="0"/>
-              <a:t> </a:t>
-            </a:r>
-            <a:r>
-              <a:rPr lang="en-US" dirty="0">
-                <a:solidFill>
-                  <a:srgbClr val="0070C0"/>
-                </a:solidFill>
-              </a:rPr>
-              <a:t>[DworkMcSherryNissimSmith06]</a:t>
-            </a:r>
-            <a:r>
-              <a:rPr lang="en-US" dirty="0"/>
-              <a:t> </a:t>
-            </a:r>
-          </a:p>
-        </p:txBody>
-      </p:sp>
-      <p:sp>
-        <p:nvSpPr>
-          <p:cNvPr id="4" name="Slide Number Placeholder 3"/>
-          <p:cNvSpPr>
-            <a:spLocks noGrp="1"/>
-          </p:cNvSpPr>
-          <p:nvPr>
-            <p:ph type="sldNum" sz="quarter" idx="5"/>
-          </p:nvPr>
-        </p:nvSpPr>
-        <p:spPr/>
-        <p:txBody>
-          <a:bodyPr/>
-          <a:lstStyle/>
-          <a:p>
-            <a:fld id="{E2226E65-ADC9-4F29-BA00-34B3E2F9B8F0}" type="slidenum">
-              <a:rPr lang="en-US" smtClean="0"/>
-              <a:t>40</a:t>
-            </a:fld>
-            <a:endParaRPr lang="en-US"/>
-          </a:p>
-        </p:txBody>
-      </p:sp>
-    </p:spTree>
-    <p:extLst>
-      <p:ext uri="{BB962C8B-B14F-4D97-AF65-F5344CB8AC3E}">
-        <p14:creationId xmlns:p14="http://schemas.microsoft.com/office/powerpoint/2010/main" val="3029549839"/>
       </p:ext>
     </p:extLst>
   </p:cSld>
@@ -1661,7 +1715,7 @@
           <a:p>
             <a:fld id="{E2226E65-ADC9-4F29-BA00-34B3E2F9B8F0}" type="slidenum">
               <a:rPr lang="en-US" smtClean="0"/>
-              <a:t>41</a:t>
+              <a:t>43</a:t>
             </a:fld>
             <a:endParaRPr lang="en-US"/>
           </a:p>
@@ -1670,7 +1724,7 @@
     </p:spTree>
     <p:extLst>
       <p:ext uri="{BB962C8B-B14F-4D97-AF65-F5344CB8AC3E}">
-        <p14:creationId xmlns:p14="http://schemas.microsoft.com/office/powerpoint/2010/main" val="1125335512"/>
+        <p14:creationId xmlns:p14="http://schemas.microsoft.com/office/powerpoint/2010/main" val="3029549839"/>
       </p:ext>
     </p:extLst>
   </p:cSld>
@@ -1760,7 +1814,7 @@
           <a:p>
             <a:fld id="{E2226E65-ADC9-4F29-BA00-34B3E2F9B8F0}" type="slidenum">
               <a:rPr lang="en-US" smtClean="0"/>
-              <a:t>42</a:t>
+              <a:t>44</a:t>
             </a:fld>
             <a:endParaRPr lang="en-US"/>
           </a:p>
@@ -1769,7 +1823,7 @@
     </p:spTree>
     <p:extLst>
       <p:ext uri="{BB962C8B-B14F-4D97-AF65-F5344CB8AC3E}">
-        <p14:creationId xmlns:p14="http://schemas.microsoft.com/office/powerpoint/2010/main" val="2602108964"/>
+        <p14:creationId xmlns:p14="http://schemas.microsoft.com/office/powerpoint/2010/main" val="1125335512"/>
       </p:ext>
     </p:extLst>
   </p:cSld>
@@ -1859,7 +1913,7 @@
           <a:p>
             <a:fld id="{E2226E65-ADC9-4F29-BA00-34B3E2F9B8F0}" type="slidenum">
               <a:rPr lang="en-US" smtClean="0"/>
-              <a:t>43</a:t>
+              <a:t>45</a:t>
             </a:fld>
             <a:endParaRPr lang="en-US"/>
           </a:p>
@@ -1868,7 +1922,7 @@
     </p:spTree>
     <p:extLst>
       <p:ext uri="{BB962C8B-B14F-4D97-AF65-F5344CB8AC3E}">
-        <p14:creationId xmlns:p14="http://schemas.microsoft.com/office/powerpoint/2010/main" val="1149123255"/>
+        <p14:creationId xmlns:p14="http://schemas.microsoft.com/office/powerpoint/2010/main" val="2602108964"/>
       </p:ext>
     </p:extLst>
   </p:cSld>
@@ -2093,7 +2147,22 @@
           <a:bodyPr/>
           <a:lstStyle/>
           <a:p>
-            <a:endParaRPr lang="en-US" dirty="0"/>
+            <a:r>
+              <a:rPr lang="en-US" dirty="0"/>
+              <a:t> </a:t>
+            </a:r>
+            <a:r>
+              <a:rPr lang="en-US" dirty="0">
+                <a:solidFill>
+                  <a:srgbClr val="0070C0"/>
+                </a:solidFill>
+              </a:rPr>
+              <a:t>[DworkMcSherryNissimSmith06]</a:t>
+            </a:r>
+            <a:r>
+              <a:rPr lang="en-US" dirty="0"/>
+              <a:t> </a:t>
+            </a:r>
           </a:p>
         </p:txBody>
       </p:sp>
@@ -2112,9 +2181,9 @@
           <a:bodyPr/>
           <a:lstStyle/>
           <a:p>
-            <a:fld id="{3486229C-5C56-46D3-8AF7-8CB2C6C5FD7A}" type="slidenum">
+            <a:fld id="{E2226E65-ADC9-4F29-BA00-34B3E2F9B8F0}" type="slidenum">
               <a:rPr lang="en-US" smtClean="0"/>
-              <a:t>44</a:t>
+              <a:t>46</a:t>
             </a:fld>
             <a:endParaRPr lang="en-US"/>
           </a:p>
@@ -2123,7 +2192,7 @@
     </p:spTree>
     <p:extLst>
       <p:ext uri="{BB962C8B-B14F-4D97-AF65-F5344CB8AC3E}">
-        <p14:creationId xmlns:p14="http://schemas.microsoft.com/office/powerpoint/2010/main" val="3755275809"/>
+        <p14:creationId xmlns:p14="http://schemas.microsoft.com/office/powerpoint/2010/main" val="1149123255"/>
       </p:ext>
     </p:extLst>
   </p:cSld>
@@ -2198,7 +2267,7 @@
           <a:p>
             <a:fld id="{3486229C-5C56-46D3-8AF7-8CB2C6C5FD7A}" type="slidenum">
               <a:rPr lang="en-US" smtClean="0"/>
-              <a:t>45</a:t>
+              <a:t>47</a:t>
             </a:fld>
             <a:endParaRPr lang="en-US"/>
           </a:p>
@@ -2207,7 +2276,7 @@
     </p:spTree>
     <p:extLst>
       <p:ext uri="{BB962C8B-B14F-4D97-AF65-F5344CB8AC3E}">
-        <p14:creationId xmlns:p14="http://schemas.microsoft.com/office/powerpoint/2010/main" val="1035371196"/>
+        <p14:creationId xmlns:p14="http://schemas.microsoft.com/office/powerpoint/2010/main" val="3755275809"/>
       </p:ext>
     </p:extLst>
   </p:cSld>
@@ -2282,7 +2351,7 @@
           <a:p>
             <a:fld id="{3486229C-5C56-46D3-8AF7-8CB2C6C5FD7A}" type="slidenum">
               <a:rPr lang="en-US" smtClean="0"/>
-              <a:t>46</a:t>
+              <a:t>48</a:t>
             </a:fld>
             <a:endParaRPr lang="en-US"/>
           </a:p>
@@ -2291,7 +2360,7 @@
     </p:spTree>
     <p:extLst>
       <p:ext uri="{BB962C8B-B14F-4D97-AF65-F5344CB8AC3E}">
-        <p14:creationId xmlns:p14="http://schemas.microsoft.com/office/powerpoint/2010/main" val="3868581981"/>
+        <p14:creationId xmlns:p14="http://schemas.microsoft.com/office/powerpoint/2010/main" val="1035371196"/>
       </p:ext>
     </p:extLst>
   </p:cSld>
@@ -2366,7 +2435,7 @@
           <a:p>
             <a:fld id="{3486229C-5C56-46D3-8AF7-8CB2C6C5FD7A}" type="slidenum">
               <a:rPr lang="en-US" smtClean="0"/>
-              <a:t>48</a:t>
+              <a:t>49</a:t>
             </a:fld>
             <a:endParaRPr lang="en-US"/>
           </a:p>
@@ -2375,7 +2444,7 @@
     </p:spTree>
     <p:extLst>
       <p:ext uri="{BB962C8B-B14F-4D97-AF65-F5344CB8AC3E}">
-        <p14:creationId xmlns:p14="http://schemas.microsoft.com/office/powerpoint/2010/main" val="796481931"/>
+        <p14:creationId xmlns:p14="http://schemas.microsoft.com/office/powerpoint/2010/main" val="3868581981"/>
       </p:ext>
     </p:extLst>
   </p:cSld>
@@ -2450,7 +2519,7 @@
           <a:p>
             <a:fld id="{3486229C-5C56-46D3-8AF7-8CB2C6C5FD7A}" type="slidenum">
               <a:rPr lang="en-US" smtClean="0"/>
-              <a:t>49</a:t>
+              <a:t>51</a:t>
             </a:fld>
             <a:endParaRPr lang="en-US"/>
           </a:p>
@@ -2459,7 +2528,7 @@
     </p:spTree>
     <p:extLst>
       <p:ext uri="{BB962C8B-B14F-4D97-AF65-F5344CB8AC3E}">
-        <p14:creationId xmlns:p14="http://schemas.microsoft.com/office/powerpoint/2010/main" val="4291160358"/>
+        <p14:creationId xmlns:p14="http://schemas.microsoft.com/office/powerpoint/2010/main" val="796481931"/>
       </p:ext>
     </p:extLst>
   </p:cSld>
@@ -2534,7 +2603,307 @@
           <a:p>
             <a:fld id="{3486229C-5C56-46D3-8AF7-8CB2C6C5FD7A}" type="slidenum">
               <a:rPr lang="en-US" smtClean="0"/>
-              <a:t>50</a:t>
+              <a:t>52</a:t>
+            </a:fld>
+            <a:endParaRPr lang="en-US"/>
+          </a:p>
+        </p:txBody>
+      </p:sp>
+    </p:spTree>
+    <p:extLst>
+      <p:ext uri="{BB962C8B-B14F-4D97-AF65-F5344CB8AC3E}">
+        <p14:creationId xmlns:p14="http://schemas.microsoft.com/office/powerpoint/2010/main" val="4291160358"/>
+      </p:ext>
+    </p:extLst>
+  </p:cSld>
+  <p:clrMapOvr>
+    <a:masterClrMapping/>
+  </p:clrMapOvr>
+</p:notes>
+</file>
+
+<file path=ppt/notesSlides/notesSlide26.xml><?xml version="1.0" encoding="utf-8"?>
+<p:notes xmlns:a="http://schemas.openxmlformats.org/drawingml/2006/main" xmlns:r="http://schemas.openxmlformats.org/officeDocument/2006/relationships" xmlns:p="http://schemas.openxmlformats.org/presentationml/2006/main">
+  <p:cSld>
+    <p:spTree>
+      <p:nvGrpSpPr>
+        <p:cNvPr id="1" name="">
+          <a:extLst>
+            <a:ext uri="{FF2B5EF4-FFF2-40B4-BE49-F238E27FC236}">
+              <a16:creationId xmlns:a16="http://schemas.microsoft.com/office/drawing/2014/main" id="{34AC3175-B219-1A4B-229D-9D9F526BC21A}"/>
+            </a:ext>
+          </a:extLst>
+        </p:cNvPr>
+        <p:cNvGrpSpPr/>
+        <p:nvPr/>
+      </p:nvGrpSpPr>
+      <p:grpSpPr>
+        <a:xfrm>
+          <a:off x="0" y="0"/>
+          <a:ext cx="0" cy="0"/>
+          <a:chOff x="0" y="0"/>
+          <a:chExt cx="0" cy="0"/>
+        </a:xfrm>
+      </p:grpSpPr>
+      <p:sp>
+        <p:nvSpPr>
+          <p:cNvPr id="2" name="Slide Image Placeholder 1">
+            <a:extLst>
+              <a:ext uri="{FF2B5EF4-FFF2-40B4-BE49-F238E27FC236}">
+                <a16:creationId xmlns:a16="http://schemas.microsoft.com/office/drawing/2014/main" id="{FD2C53F8-464C-887A-E2B7-EAF0E7615FD6}"/>
+              </a:ext>
+            </a:extLst>
+          </p:cNvPr>
+          <p:cNvSpPr>
+            <a:spLocks noGrp="1" noRot="1" noChangeAspect="1"/>
+          </p:cNvSpPr>
+          <p:nvPr>
+            <p:ph type="sldImg"/>
+          </p:nvPr>
+        </p:nvSpPr>
+        <p:spPr/>
+      </p:sp>
+      <p:sp>
+        <p:nvSpPr>
+          <p:cNvPr id="3" name="Notes Placeholder 2">
+            <a:extLst>
+              <a:ext uri="{FF2B5EF4-FFF2-40B4-BE49-F238E27FC236}">
+                <a16:creationId xmlns:a16="http://schemas.microsoft.com/office/drawing/2014/main" id="{1B5BFB19-3473-7AD9-2075-0B2E1882C7BB}"/>
+              </a:ext>
+            </a:extLst>
+          </p:cNvPr>
+          <p:cNvSpPr>
+            <a:spLocks noGrp="1"/>
+          </p:cNvSpPr>
+          <p:nvPr>
+            <p:ph type="body" idx="1"/>
+          </p:nvPr>
+        </p:nvSpPr>
+        <p:spPr/>
+        <p:txBody>
+          <a:bodyPr/>
+          <a:lstStyle/>
+          <a:p>
+            <a:endParaRPr lang="en-US" dirty="0"/>
+          </a:p>
+        </p:txBody>
+      </p:sp>
+      <p:sp>
+        <p:nvSpPr>
+          <p:cNvPr id="4" name="Slide Number Placeholder 3">
+            <a:extLst>
+              <a:ext uri="{FF2B5EF4-FFF2-40B4-BE49-F238E27FC236}">
+                <a16:creationId xmlns:a16="http://schemas.microsoft.com/office/drawing/2014/main" id="{D2F682B0-2FC5-D121-5510-3D1F8E10A7C1}"/>
+              </a:ext>
+            </a:extLst>
+          </p:cNvPr>
+          <p:cNvSpPr>
+            <a:spLocks noGrp="1"/>
+          </p:cNvSpPr>
+          <p:nvPr>
+            <p:ph type="sldNum" sz="quarter" idx="5"/>
+          </p:nvPr>
+        </p:nvSpPr>
+        <p:spPr/>
+        <p:txBody>
+          <a:bodyPr/>
+          <a:lstStyle/>
+          <a:p>
+            <a:fld id="{3486229C-5C56-46D3-8AF7-8CB2C6C5FD7A}" type="slidenum">
+              <a:rPr lang="en-US" smtClean="0"/>
+              <a:t>53</a:t>
+            </a:fld>
+            <a:endParaRPr lang="en-US"/>
+          </a:p>
+        </p:txBody>
+      </p:sp>
+    </p:spTree>
+    <p:extLst>
+      <p:ext uri="{BB962C8B-B14F-4D97-AF65-F5344CB8AC3E}">
+        <p14:creationId xmlns:p14="http://schemas.microsoft.com/office/powerpoint/2010/main" val="4233966322"/>
+      </p:ext>
+    </p:extLst>
+  </p:cSld>
+  <p:clrMapOvr>
+    <a:masterClrMapping/>
+  </p:clrMapOvr>
+</p:notes>
+</file>
+
+<file path=ppt/notesSlides/notesSlide27.xml><?xml version="1.0" encoding="utf-8"?>
+<p:notes xmlns:a="http://schemas.openxmlformats.org/drawingml/2006/main" xmlns:r="http://schemas.openxmlformats.org/officeDocument/2006/relationships" xmlns:p="http://schemas.openxmlformats.org/presentationml/2006/main">
+  <p:cSld>
+    <p:spTree>
+      <p:nvGrpSpPr>
+        <p:cNvPr id="1" name="">
+          <a:extLst>
+            <a:ext uri="{FF2B5EF4-FFF2-40B4-BE49-F238E27FC236}">
+              <a16:creationId xmlns:a16="http://schemas.microsoft.com/office/drawing/2014/main" id="{48775EDB-F0C5-FD00-778C-3CF285D09365}"/>
+            </a:ext>
+          </a:extLst>
+        </p:cNvPr>
+        <p:cNvGrpSpPr/>
+        <p:nvPr/>
+      </p:nvGrpSpPr>
+      <p:grpSpPr>
+        <a:xfrm>
+          <a:off x="0" y="0"/>
+          <a:ext cx="0" cy="0"/>
+          <a:chOff x="0" y="0"/>
+          <a:chExt cx="0" cy="0"/>
+        </a:xfrm>
+      </p:grpSpPr>
+      <p:sp>
+        <p:nvSpPr>
+          <p:cNvPr id="2" name="Slide Image Placeholder 1">
+            <a:extLst>
+              <a:ext uri="{FF2B5EF4-FFF2-40B4-BE49-F238E27FC236}">
+                <a16:creationId xmlns:a16="http://schemas.microsoft.com/office/drawing/2014/main" id="{FE3E4ED4-7517-BB3D-BF60-3BD6899159CC}"/>
+              </a:ext>
+            </a:extLst>
+          </p:cNvPr>
+          <p:cNvSpPr>
+            <a:spLocks noGrp="1" noRot="1" noChangeAspect="1"/>
+          </p:cNvSpPr>
+          <p:nvPr>
+            <p:ph type="sldImg"/>
+          </p:nvPr>
+        </p:nvSpPr>
+        <p:spPr/>
+      </p:sp>
+      <p:sp>
+        <p:nvSpPr>
+          <p:cNvPr id="3" name="Notes Placeholder 2">
+            <a:extLst>
+              <a:ext uri="{FF2B5EF4-FFF2-40B4-BE49-F238E27FC236}">
+                <a16:creationId xmlns:a16="http://schemas.microsoft.com/office/drawing/2014/main" id="{E5912366-59D5-CE14-1633-B92E1207EF0F}"/>
+              </a:ext>
+            </a:extLst>
+          </p:cNvPr>
+          <p:cNvSpPr>
+            <a:spLocks noGrp="1"/>
+          </p:cNvSpPr>
+          <p:nvPr>
+            <p:ph type="body" idx="1"/>
+          </p:nvPr>
+        </p:nvSpPr>
+        <p:spPr/>
+        <p:txBody>
+          <a:bodyPr/>
+          <a:lstStyle/>
+          <a:p>
+            <a:endParaRPr lang="en-US" dirty="0"/>
+          </a:p>
+        </p:txBody>
+      </p:sp>
+      <p:sp>
+        <p:nvSpPr>
+          <p:cNvPr id="4" name="Slide Number Placeholder 3">
+            <a:extLst>
+              <a:ext uri="{FF2B5EF4-FFF2-40B4-BE49-F238E27FC236}">
+                <a16:creationId xmlns:a16="http://schemas.microsoft.com/office/drawing/2014/main" id="{CCDBB8B7-4D59-2843-EA02-A7D94A842CE1}"/>
+              </a:ext>
+            </a:extLst>
+          </p:cNvPr>
+          <p:cNvSpPr>
+            <a:spLocks noGrp="1"/>
+          </p:cNvSpPr>
+          <p:nvPr>
+            <p:ph type="sldNum" sz="quarter" idx="5"/>
+          </p:nvPr>
+        </p:nvSpPr>
+        <p:spPr/>
+        <p:txBody>
+          <a:bodyPr/>
+          <a:lstStyle/>
+          <a:p>
+            <a:fld id="{3486229C-5C56-46D3-8AF7-8CB2C6C5FD7A}" type="slidenum">
+              <a:rPr lang="en-US" smtClean="0"/>
+              <a:t>54</a:t>
+            </a:fld>
+            <a:endParaRPr lang="en-US"/>
+          </a:p>
+        </p:txBody>
+      </p:sp>
+    </p:spTree>
+    <p:extLst>
+      <p:ext uri="{BB962C8B-B14F-4D97-AF65-F5344CB8AC3E}">
+        <p14:creationId xmlns:p14="http://schemas.microsoft.com/office/powerpoint/2010/main" val="591448865"/>
+      </p:ext>
+    </p:extLst>
+  </p:cSld>
+  <p:clrMapOvr>
+    <a:masterClrMapping/>
+  </p:clrMapOvr>
+</p:notes>
+</file>
+
+<file path=ppt/notesSlides/notesSlide28.xml><?xml version="1.0" encoding="utf-8"?>
+<p:notes xmlns:a="http://schemas.openxmlformats.org/drawingml/2006/main" xmlns:r="http://schemas.openxmlformats.org/officeDocument/2006/relationships" xmlns:p="http://schemas.openxmlformats.org/presentationml/2006/main">
+  <p:cSld>
+    <p:spTree>
+      <p:nvGrpSpPr>
+        <p:cNvPr id="1" name=""/>
+        <p:cNvGrpSpPr/>
+        <p:nvPr/>
+      </p:nvGrpSpPr>
+      <p:grpSpPr>
+        <a:xfrm>
+          <a:off x="0" y="0"/>
+          <a:ext cx="0" cy="0"/>
+          <a:chOff x="0" y="0"/>
+          <a:chExt cx="0" cy="0"/>
+        </a:xfrm>
+      </p:grpSpPr>
+      <p:sp>
+        <p:nvSpPr>
+          <p:cNvPr id="2" name="Slide Image Placeholder 1"/>
+          <p:cNvSpPr>
+            <a:spLocks noGrp="1" noRot="1" noChangeAspect="1"/>
+          </p:cNvSpPr>
+          <p:nvPr>
+            <p:ph type="sldImg"/>
+          </p:nvPr>
+        </p:nvSpPr>
+        <p:spPr/>
+      </p:sp>
+      <p:sp>
+        <p:nvSpPr>
+          <p:cNvPr id="3" name="Notes Placeholder 2"/>
+          <p:cNvSpPr>
+            <a:spLocks noGrp="1"/>
+          </p:cNvSpPr>
+          <p:nvPr>
+            <p:ph type="body" idx="1"/>
+          </p:nvPr>
+        </p:nvSpPr>
+        <p:spPr/>
+        <p:txBody>
+          <a:bodyPr/>
+          <a:lstStyle/>
+          <a:p>
+            <a:endParaRPr lang="en-US" dirty="0"/>
+          </a:p>
+        </p:txBody>
+      </p:sp>
+      <p:sp>
+        <p:nvSpPr>
+          <p:cNvPr id="4" name="Slide Number Placeholder 3"/>
+          <p:cNvSpPr>
+            <a:spLocks noGrp="1"/>
+          </p:cNvSpPr>
+          <p:nvPr>
+            <p:ph type="sldNum" sz="quarter" idx="5"/>
+          </p:nvPr>
+        </p:nvSpPr>
+        <p:spPr/>
+        <p:txBody>
+          <a:bodyPr/>
+          <a:lstStyle/>
+          <a:p>
+            <a:fld id="{3486229C-5C56-46D3-8AF7-8CB2C6C5FD7A}" type="slidenum">
+              <a:rPr lang="en-US" smtClean="0"/>
+              <a:t>55</a:t>
             </a:fld>
             <a:endParaRPr lang="en-US"/>
           </a:p>
@@ -2553,7 +2922,7 @@
 </p:notes>
 </file>
 
-<file path=ppt/notesSlides/notesSlide26.xml><?xml version="1.0" encoding="utf-8"?>
+<file path=ppt/notesSlides/notesSlide29.xml><?xml version="1.0" encoding="utf-8"?>
 <p:notes xmlns:a="http://schemas.openxmlformats.org/drawingml/2006/main" xmlns:r="http://schemas.openxmlformats.org/officeDocument/2006/relationships" xmlns:p="http://schemas.openxmlformats.org/presentationml/2006/main">
   <p:cSld>
     <p:spTree>
@@ -2642,7 +3011,7 @@
           <a:p>
             <a:fld id="{3486229C-5C56-46D3-8AF7-8CB2C6C5FD7A}" type="slidenum">
               <a:rPr lang="en-US" smtClean="0"/>
-              <a:t>51</a:t>
+              <a:t>56</a:t>
             </a:fld>
             <a:endParaRPr lang="en-US"/>
           </a:p>
@@ -2652,222 +3021,6 @@
     <p:extLst>
       <p:ext uri="{BB962C8B-B14F-4D97-AF65-F5344CB8AC3E}">
         <p14:creationId xmlns:p14="http://schemas.microsoft.com/office/powerpoint/2010/main" val="4167110601"/>
-      </p:ext>
-    </p:extLst>
-  </p:cSld>
-  <p:clrMapOvr>
-    <a:masterClrMapping/>
-  </p:clrMapOvr>
-</p:notes>
-</file>
-
-<file path=ppt/notesSlides/notesSlide27.xml><?xml version="1.0" encoding="utf-8"?>
-<p:notes xmlns:a="http://schemas.openxmlformats.org/drawingml/2006/main" xmlns:r="http://schemas.openxmlformats.org/officeDocument/2006/relationships" xmlns:p="http://schemas.openxmlformats.org/presentationml/2006/main">
-  <p:cSld>
-    <p:spTree>
-      <p:nvGrpSpPr>
-        <p:cNvPr id="1" name="">
-          <a:extLst>
-            <a:ext uri="{FF2B5EF4-FFF2-40B4-BE49-F238E27FC236}">
-              <a16:creationId xmlns:a16="http://schemas.microsoft.com/office/drawing/2014/main" id="{EE678866-959A-AF5D-F40A-4825B8BFDDE8}"/>
-            </a:ext>
-          </a:extLst>
-        </p:cNvPr>
-        <p:cNvGrpSpPr/>
-        <p:nvPr/>
-      </p:nvGrpSpPr>
-      <p:grpSpPr>
-        <a:xfrm>
-          <a:off x="0" y="0"/>
-          <a:ext cx="0" cy="0"/>
-          <a:chOff x="0" y="0"/>
-          <a:chExt cx="0" cy="0"/>
-        </a:xfrm>
-      </p:grpSpPr>
-      <p:sp>
-        <p:nvSpPr>
-          <p:cNvPr id="2" name="Slide Image Placeholder 1">
-            <a:extLst>
-              <a:ext uri="{FF2B5EF4-FFF2-40B4-BE49-F238E27FC236}">
-                <a16:creationId xmlns:a16="http://schemas.microsoft.com/office/drawing/2014/main" id="{90BB5620-6662-E3ED-5B5A-B352F0A7282C}"/>
-              </a:ext>
-            </a:extLst>
-          </p:cNvPr>
-          <p:cNvSpPr>
-            <a:spLocks noGrp="1" noRot="1" noChangeAspect="1"/>
-          </p:cNvSpPr>
-          <p:nvPr>
-            <p:ph type="sldImg"/>
-          </p:nvPr>
-        </p:nvSpPr>
-        <p:spPr/>
-      </p:sp>
-      <p:sp>
-        <p:nvSpPr>
-          <p:cNvPr id="3" name="Notes Placeholder 2">
-            <a:extLst>
-              <a:ext uri="{FF2B5EF4-FFF2-40B4-BE49-F238E27FC236}">
-                <a16:creationId xmlns:a16="http://schemas.microsoft.com/office/drawing/2014/main" id="{0F16CE1F-88D5-FA1F-BDCF-E087F27D258C}"/>
-              </a:ext>
-            </a:extLst>
-          </p:cNvPr>
-          <p:cNvSpPr>
-            <a:spLocks noGrp="1"/>
-          </p:cNvSpPr>
-          <p:nvPr>
-            <p:ph type="body" idx="1"/>
-          </p:nvPr>
-        </p:nvSpPr>
-        <p:spPr/>
-        <p:txBody>
-          <a:bodyPr/>
-          <a:lstStyle/>
-          <a:p>
-            <a:endParaRPr lang="en-US" dirty="0"/>
-          </a:p>
-        </p:txBody>
-      </p:sp>
-      <p:sp>
-        <p:nvSpPr>
-          <p:cNvPr id="4" name="Slide Number Placeholder 3">
-            <a:extLst>
-              <a:ext uri="{FF2B5EF4-FFF2-40B4-BE49-F238E27FC236}">
-                <a16:creationId xmlns:a16="http://schemas.microsoft.com/office/drawing/2014/main" id="{0168B781-9EBD-02C7-90D2-BFA2B5B43837}"/>
-              </a:ext>
-            </a:extLst>
-          </p:cNvPr>
-          <p:cNvSpPr>
-            <a:spLocks noGrp="1"/>
-          </p:cNvSpPr>
-          <p:nvPr>
-            <p:ph type="sldNum" sz="quarter" idx="5"/>
-          </p:nvPr>
-        </p:nvSpPr>
-        <p:spPr/>
-        <p:txBody>
-          <a:bodyPr/>
-          <a:lstStyle/>
-          <a:p>
-            <a:fld id="{3486229C-5C56-46D3-8AF7-8CB2C6C5FD7A}" type="slidenum">
-              <a:rPr lang="en-US" smtClean="0"/>
-              <a:t>52</a:t>
-            </a:fld>
-            <a:endParaRPr lang="en-US"/>
-          </a:p>
-        </p:txBody>
-      </p:sp>
-    </p:spTree>
-    <p:extLst>
-      <p:ext uri="{BB962C8B-B14F-4D97-AF65-F5344CB8AC3E}">
-        <p14:creationId xmlns:p14="http://schemas.microsoft.com/office/powerpoint/2010/main" val="3974278216"/>
-      </p:ext>
-    </p:extLst>
-  </p:cSld>
-  <p:clrMapOvr>
-    <a:masterClrMapping/>
-  </p:clrMapOvr>
-</p:notes>
-</file>
-
-<file path=ppt/notesSlides/notesSlide28.xml><?xml version="1.0" encoding="utf-8"?>
-<p:notes xmlns:a="http://schemas.openxmlformats.org/drawingml/2006/main" xmlns:r="http://schemas.openxmlformats.org/officeDocument/2006/relationships" xmlns:p="http://schemas.openxmlformats.org/presentationml/2006/main">
-  <p:cSld>
-    <p:spTree>
-      <p:nvGrpSpPr>
-        <p:cNvPr id="1" name="">
-          <a:extLst>
-            <a:ext uri="{FF2B5EF4-FFF2-40B4-BE49-F238E27FC236}">
-              <a16:creationId xmlns:a16="http://schemas.microsoft.com/office/drawing/2014/main" id="{EEB31645-F607-F24B-E3BE-4D699C7124A5}"/>
-            </a:ext>
-          </a:extLst>
-        </p:cNvPr>
-        <p:cNvGrpSpPr/>
-        <p:nvPr/>
-      </p:nvGrpSpPr>
-      <p:grpSpPr>
-        <a:xfrm>
-          <a:off x="0" y="0"/>
-          <a:ext cx="0" cy="0"/>
-          <a:chOff x="0" y="0"/>
-          <a:chExt cx="0" cy="0"/>
-        </a:xfrm>
-      </p:grpSpPr>
-      <p:sp>
-        <p:nvSpPr>
-          <p:cNvPr id="2" name="Slide Image Placeholder 1">
-            <a:extLst>
-              <a:ext uri="{FF2B5EF4-FFF2-40B4-BE49-F238E27FC236}">
-                <a16:creationId xmlns:a16="http://schemas.microsoft.com/office/drawing/2014/main" id="{7366CBB2-A29F-89EF-3E1A-D14BF7EC903C}"/>
-              </a:ext>
-            </a:extLst>
-          </p:cNvPr>
-          <p:cNvSpPr>
-            <a:spLocks noGrp="1" noRot="1" noChangeAspect="1"/>
-          </p:cNvSpPr>
-          <p:nvPr>
-            <p:ph type="sldImg"/>
-          </p:nvPr>
-        </p:nvSpPr>
-        <p:spPr/>
-      </p:sp>
-      <p:sp>
-        <p:nvSpPr>
-          <p:cNvPr id="3" name="Notes Placeholder 2">
-            <a:extLst>
-              <a:ext uri="{FF2B5EF4-FFF2-40B4-BE49-F238E27FC236}">
-                <a16:creationId xmlns:a16="http://schemas.microsoft.com/office/drawing/2014/main" id="{05377047-6A29-756A-F2A0-47C7D6951126}"/>
-              </a:ext>
-            </a:extLst>
-          </p:cNvPr>
-          <p:cNvSpPr>
-            <a:spLocks noGrp="1"/>
-          </p:cNvSpPr>
-          <p:nvPr>
-            <p:ph type="body" idx="1"/>
-          </p:nvPr>
-        </p:nvSpPr>
-        <p:spPr/>
-        <p:txBody>
-          <a:bodyPr/>
-          <a:lstStyle/>
-          <a:p>
-            <a:endParaRPr lang="en-US" dirty="0"/>
-          </a:p>
-        </p:txBody>
-      </p:sp>
-      <p:sp>
-        <p:nvSpPr>
-          <p:cNvPr id="4" name="Slide Number Placeholder 3">
-            <a:extLst>
-              <a:ext uri="{FF2B5EF4-FFF2-40B4-BE49-F238E27FC236}">
-                <a16:creationId xmlns:a16="http://schemas.microsoft.com/office/drawing/2014/main" id="{4447C0DA-8EBD-D41C-29C1-192F737869F6}"/>
-              </a:ext>
-            </a:extLst>
-          </p:cNvPr>
-          <p:cNvSpPr>
-            <a:spLocks noGrp="1"/>
-          </p:cNvSpPr>
-          <p:nvPr>
-            <p:ph type="sldNum" sz="quarter" idx="5"/>
-          </p:nvPr>
-        </p:nvSpPr>
-        <p:spPr/>
-        <p:txBody>
-          <a:bodyPr/>
-          <a:lstStyle/>
-          <a:p>
-            <a:fld id="{3486229C-5C56-46D3-8AF7-8CB2C6C5FD7A}" type="slidenum">
-              <a:rPr lang="en-US" smtClean="0"/>
-              <a:t>53</a:t>
-            </a:fld>
-            <a:endParaRPr lang="en-US"/>
-          </a:p>
-        </p:txBody>
-      </p:sp>
-    </p:spTree>
-    <p:extLst>
-      <p:ext uri="{BB962C8B-B14F-4D97-AF65-F5344CB8AC3E}">
-        <p14:creationId xmlns:p14="http://schemas.microsoft.com/office/powerpoint/2010/main" val="1108727047"/>
       </p:ext>
     </p:extLst>
   </p:cSld>
@@ -3048,7 +3201,7 @@
 </p:notes>
 </file>
 
-<file path=ppt/notesSlides/notesSlide4.xml><?xml version="1.0" encoding="utf-8"?>
+<file path=ppt/notesSlides/notesSlide30.xml><?xml version="1.0" encoding="utf-8"?>
 <p:notes xmlns:a="http://schemas.openxmlformats.org/drawingml/2006/main" xmlns:r="http://schemas.openxmlformats.org/officeDocument/2006/relationships" xmlns:p="http://schemas.openxmlformats.org/presentationml/2006/main">
   <p:cSld>
     <p:spTree>
@@ -3056,7 +3209,7 @@
         <p:cNvPr id="1" name="">
           <a:extLst>
             <a:ext uri="{FF2B5EF4-FFF2-40B4-BE49-F238E27FC236}">
-              <a16:creationId xmlns:a16="http://schemas.microsoft.com/office/drawing/2014/main" id="{7D3ABCD6-F748-E6C6-A840-27E53AC1D260}"/>
+              <a16:creationId xmlns:a16="http://schemas.microsoft.com/office/drawing/2014/main" id="{EE678866-959A-AF5D-F40A-4825B8BFDDE8}"/>
             </a:ext>
           </a:extLst>
         </p:cNvPr>
@@ -3076,7 +3229,7 @@
           <p:cNvPr id="2" name="Slide Image Placeholder 1">
             <a:extLst>
               <a:ext uri="{FF2B5EF4-FFF2-40B4-BE49-F238E27FC236}">
-                <a16:creationId xmlns:a16="http://schemas.microsoft.com/office/drawing/2014/main" id="{DCE58CC5-D99B-9CBE-0CDF-9DEA6A37DEBB}"/>
+                <a16:creationId xmlns:a16="http://schemas.microsoft.com/office/drawing/2014/main" id="{90BB5620-6662-E3ED-5B5A-B352F0A7282C}"/>
               </a:ext>
             </a:extLst>
           </p:cNvPr>
@@ -3094,7 +3247,223 @@
           <p:cNvPr id="3" name="Notes Placeholder 2">
             <a:extLst>
               <a:ext uri="{FF2B5EF4-FFF2-40B4-BE49-F238E27FC236}">
-                <a16:creationId xmlns:a16="http://schemas.microsoft.com/office/drawing/2014/main" id="{FD1E7BB1-E7F1-B9A5-8CCA-AF14B3B7965A}"/>
+                <a16:creationId xmlns:a16="http://schemas.microsoft.com/office/drawing/2014/main" id="{0F16CE1F-88D5-FA1F-BDCF-E087F27D258C}"/>
+              </a:ext>
+            </a:extLst>
+          </p:cNvPr>
+          <p:cNvSpPr>
+            <a:spLocks noGrp="1"/>
+          </p:cNvSpPr>
+          <p:nvPr>
+            <p:ph type="body" idx="1"/>
+          </p:nvPr>
+        </p:nvSpPr>
+        <p:spPr/>
+        <p:txBody>
+          <a:bodyPr/>
+          <a:lstStyle/>
+          <a:p>
+            <a:endParaRPr lang="en-US" dirty="0"/>
+          </a:p>
+        </p:txBody>
+      </p:sp>
+      <p:sp>
+        <p:nvSpPr>
+          <p:cNvPr id="4" name="Slide Number Placeholder 3">
+            <a:extLst>
+              <a:ext uri="{FF2B5EF4-FFF2-40B4-BE49-F238E27FC236}">
+                <a16:creationId xmlns:a16="http://schemas.microsoft.com/office/drawing/2014/main" id="{0168B781-9EBD-02C7-90D2-BFA2B5B43837}"/>
+              </a:ext>
+            </a:extLst>
+          </p:cNvPr>
+          <p:cNvSpPr>
+            <a:spLocks noGrp="1"/>
+          </p:cNvSpPr>
+          <p:nvPr>
+            <p:ph type="sldNum" sz="quarter" idx="5"/>
+          </p:nvPr>
+        </p:nvSpPr>
+        <p:spPr/>
+        <p:txBody>
+          <a:bodyPr/>
+          <a:lstStyle/>
+          <a:p>
+            <a:fld id="{3486229C-5C56-46D3-8AF7-8CB2C6C5FD7A}" type="slidenum">
+              <a:rPr lang="en-US" smtClean="0"/>
+              <a:t>57</a:t>
+            </a:fld>
+            <a:endParaRPr lang="en-US"/>
+          </a:p>
+        </p:txBody>
+      </p:sp>
+    </p:spTree>
+    <p:extLst>
+      <p:ext uri="{BB962C8B-B14F-4D97-AF65-F5344CB8AC3E}">
+        <p14:creationId xmlns:p14="http://schemas.microsoft.com/office/powerpoint/2010/main" val="3974278216"/>
+      </p:ext>
+    </p:extLst>
+  </p:cSld>
+  <p:clrMapOvr>
+    <a:masterClrMapping/>
+  </p:clrMapOvr>
+</p:notes>
+</file>
+
+<file path=ppt/notesSlides/notesSlide31.xml><?xml version="1.0" encoding="utf-8"?>
+<p:notes xmlns:a="http://schemas.openxmlformats.org/drawingml/2006/main" xmlns:r="http://schemas.openxmlformats.org/officeDocument/2006/relationships" xmlns:p="http://schemas.openxmlformats.org/presentationml/2006/main">
+  <p:cSld>
+    <p:spTree>
+      <p:nvGrpSpPr>
+        <p:cNvPr id="1" name="">
+          <a:extLst>
+            <a:ext uri="{FF2B5EF4-FFF2-40B4-BE49-F238E27FC236}">
+              <a16:creationId xmlns:a16="http://schemas.microsoft.com/office/drawing/2014/main" id="{EEB31645-F607-F24B-E3BE-4D699C7124A5}"/>
+            </a:ext>
+          </a:extLst>
+        </p:cNvPr>
+        <p:cNvGrpSpPr/>
+        <p:nvPr/>
+      </p:nvGrpSpPr>
+      <p:grpSpPr>
+        <a:xfrm>
+          <a:off x="0" y="0"/>
+          <a:ext cx="0" cy="0"/>
+          <a:chOff x="0" y="0"/>
+          <a:chExt cx="0" cy="0"/>
+        </a:xfrm>
+      </p:grpSpPr>
+      <p:sp>
+        <p:nvSpPr>
+          <p:cNvPr id="2" name="Slide Image Placeholder 1">
+            <a:extLst>
+              <a:ext uri="{FF2B5EF4-FFF2-40B4-BE49-F238E27FC236}">
+                <a16:creationId xmlns:a16="http://schemas.microsoft.com/office/drawing/2014/main" id="{7366CBB2-A29F-89EF-3E1A-D14BF7EC903C}"/>
+              </a:ext>
+            </a:extLst>
+          </p:cNvPr>
+          <p:cNvSpPr>
+            <a:spLocks noGrp="1" noRot="1" noChangeAspect="1"/>
+          </p:cNvSpPr>
+          <p:nvPr>
+            <p:ph type="sldImg"/>
+          </p:nvPr>
+        </p:nvSpPr>
+        <p:spPr/>
+      </p:sp>
+      <p:sp>
+        <p:nvSpPr>
+          <p:cNvPr id="3" name="Notes Placeholder 2">
+            <a:extLst>
+              <a:ext uri="{FF2B5EF4-FFF2-40B4-BE49-F238E27FC236}">
+                <a16:creationId xmlns:a16="http://schemas.microsoft.com/office/drawing/2014/main" id="{05377047-6A29-756A-F2A0-47C7D6951126}"/>
+              </a:ext>
+            </a:extLst>
+          </p:cNvPr>
+          <p:cNvSpPr>
+            <a:spLocks noGrp="1"/>
+          </p:cNvSpPr>
+          <p:nvPr>
+            <p:ph type="body" idx="1"/>
+          </p:nvPr>
+        </p:nvSpPr>
+        <p:spPr/>
+        <p:txBody>
+          <a:bodyPr/>
+          <a:lstStyle/>
+          <a:p>
+            <a:endParaRPr lang="en-US" dirty="0"/>
+          </a:p>
+        </p:txBody>
+      </p:sp>
+      <p:sp>
+        <p:nvSpPr>
+          <p:cNvPr id="4" name="Slide Number Placeholder 3">
+            <a:extLst>
+              <a:ext uri="{FF2B5EF4-FFF2-40B4-BE49-F238E27FC236}">
+                <a16:creationId xmlns:a16="http://schemas.microsoft.com/office/drawing/2014/main" id="{4447C0DA-8EBD-D41C-29C1-192F737869F6}"/>
+              </a:ext>
+            </a:extLst>
+          </p:cNvPr>
+          <p:cNvSpPr>
+            <a:spLocks noGrp="1"/>
+          </p:cNvSpPr>
+          <p:nvPr>
+            <p:ph type="sldNum" sz="quarter" idx="5"/>
+          </p:nvPr>
+        </p:nvSpPr>
+        <p:spPr/>
+        <p:txBody>
+          <a:bodyPr/>
+          <a:lstStyle/>
+          <a:p>
+            <a:fld id="{3486229C-5C56-46D3-8AF7-8CB2C6C5FD7A}" type="slidenum">
+              <a:rPr lang="en-US" smtClean="0"/>
+              <a:t>58</a:t>
+            </a:fld>
+            <a:endParaRPr lang="en-US"/>
+          </a:p>
+        </p:txBody>
+      </p:sp>
+    </p:spTree>
+    <p:extLst>
+      <p:ext uri="{BB962C8B-B14F-4D97-AF65-F5344CB8AC3E}">
+        <p14:creationId xmlns:p14="http://schemas.microsoft.com/office/powerpoint/2010/main" val="1108727047"/>
+      </p:ext>
+    </p:extLst>
+  </p:cSld>
+  <p:clrMapOvr>
+    <a:masterClrMapping/>
+  </p:clrMapOvr>
+</p:notes>
+</file>
+
+<file path=ppt/notesSlides/notesSlide32.xml><?xml version="1.0" encoding="utf-8"?>
+<p:notes xmlns:a="http://schemas.openxmlformats.org/drawingml/2006/main" xmlns:r="http://schemas.openxmlformats.org/officeDocument/2006/relationships" xmlns:p="http://schemas.openxmlformats.org/presentationml/2006/main">
+  <p:cSld>
+    <p:spTree>
+      <p:nvGrpSpPr>
+        <p:cNvPr id="1" name="">
+          <a:extLst>
+            <a:ext uri="{FF2B5EF4-FFF2-40B4-BE49-F238E27FC236}">
+              <a16:creationId xmlns:a16="http://schemas.microsoft.com/office/drawing/2014/main" id="{4986EBC9-700C-F227-5679-002F9774E9C6}"/>
+            </a:ext>
+          </a:extLst>
+        </p:cNvPr>
+        <p:cNvGrpSpPr/>
+        <p:nvPr/>
+      </p:nvGrpSpPr>
+      <p:grpSpPr>
+        <a:xfrm>
+          <a:off x="0" y="0"/>
+          <a:ext cx="0" cy="0"/>
+          <a:chOff x="0" y="0"/>
+          <a:chExt cx="0" cy="0"/>
+        </a:xfrm>
+      </p:grpSpPr>
+      <p:sp>
+        <p:nvSpPr>
+          <p:cNvPr id="2" name="Slide Image Placeholder 1">
+            <a:extLst>
+              <a:ext uri="{FF2B5EF4-FFF2-40B4-BE49-F238E27FC236}">
+                <a16:creationId xmlns:a16="http://schemas.microsoft.com/office/drawing/2014/main" id="{B3478E9A-FC0D-6F16-C45B-94B3243C5E30}"/>
+              </a:ext>
+            </a:extLst>
+          </p:cNvPr>
+          <p:cNvSpPr>
+            <a:spLocks noGrp="1" noRot="1" noChangeAspect="1"/>
+          </p:cNvSpPr>
+          <p:nvPr>
+            <p:ph type="sldImg"/>
+          </p:nvPr>
+        </p:nvSpPr>
+        <p:spPr/>
+      </p:sp>
+      <p:sp>
+        <p:nvSpPr>
+          <p:cNvPr id="3" name="Notes Placeholder 2">
+            <a:extLst>
+              <a:ext uri="{FF2B5EF4-FFF2-40B4-BE49-F238E27FC236}">
+                <a16:creationId xmlns:a16="http://schemas.microsoft.com/office/drawing/2014/main" id="{B1B4E580-218B-E490-F788-75AACE82EA84}"/>
               </a:ext>
             </a:extLst>
           </p:cNvPr>
@@ -3122,7 +3491,7 @@
           <p:cNvPr id="4" name="Slide Number Placeholder 3">
             <a:extLst>
               <a:ext uri="{FF2B5EF4-FFF2-40B4-BE49-F238E27FC236}">
-                <a16:creationId xmlns:a16="http://schemas.microsoft.com/office/drawing/2014/main" id="{6685F68D-BD07-07D5-B6FC-180EFD39709F}"/>
+                <a16:creationId xmlns:a16="http://schemas.microsoft.com/office/drawing/2014/main" id="{E156D194-A107-C600-E7B0-83240A301C98}"/>
               </a:ext>
             </a:extLst>
           </p:cNvPr>
@@ -3187,7 +3556,7 @@
                 <a:tabLst/>
                 <a:defRPr/>
               </a:pPr>
-              <a:t>5</a:t>
+              <a:t>59</a:t>
             </a:fld>
             <a:endParaRPr kumimoji="0" lang="en-US" sz="1200" b="0" i="0" u="none" strike="noStrike" kern="1200" cap="none" spc="0" normalizeH="0" baseline="0" noProof="0">
               <a:ln>
@@ -3209,7 +3578,7 @@
     </p:spTree>
     <p:extLst>
       <p:ext uri="{BB962C8B-B14F-4D97-AF65-F5344CB8AC3E}">
-        <p14:creationId xmlns:p14="http://schemas.microsoft.com/office/powerpoint/2010/main" val="276438560"/>
+        <p14:creationId xmlns:p14="http://schemas.microsoft.com/office/powerpoint/2010/main" val="898124160"/>
       </p:ext>
     </p:extLst>
   </p:cSld>
@@ -3219,7 +3588,7 @@
 </p:notes>
 </file>
 
-<file path=ppt/notesSlides/notesSlide5.xml><?xml version="1.0" encoding="utf-8"?>
+<file path=ppt/notesSlides/notesSlide4.xml><?xml version="1.0" encoding="utf-8"?>
 <p:notes xmlns:a="http://schemas.openxmlformats.org/drawingml/2006/main" xmlns:r="http://schemas.openxmlformats.org/officeDocument/2006/relationships" xmlns:p="http://schemas.openxmlformats.org/presentationml/2006/main">
   <p:cSld>
     <p:spTree>
@@ -3358,7 +3727,7 @@
                 <a:tabLst/>
                 <a:defRPr/>
               </a:pPr>
-              <a:t>6</a:t>
+              <a:t>5</a:t>
             </a:fld>
             <a:endParaRPr kumimoji="0" lang="en-US" sz="1200" b="0" i="0" u="none" strike="noStrike" kern="1200" cap="none" spc="0" normalizeH="0" baseline="0" noProof="0">
               <a:ln>
@@ -3390,7 +3759,349 @@
 </p:notes>
 </file>
 
+<file path=ppt/notesSlides/notesSlide5.xml><?xml version="1.0" encoding="utf-8"?>
+<p:notes xmlns:a="http://schemas.openxmlformats.org/drawingml/2006/main" xmlns:r="http://schemas.openxmlformats.org/officeDocument/2006/relationships" xmlns:p="http://schemas.openxmlformats.org/presentationml/2006/main">
+  <p:cSld>
+    <p:spTree>
+      <p:nvGrpSpPr>
+        <p:cNvPr id="1" name="">
+          <a:extLst>
+            <a:ext uri="{FF2B5EF4-FFF2-40B4-BE49-F238E27FC236}">
+              <a16:creationId xmlns:a16="http://schemas.microsoft.com/office/drawing/2014/main" id="{02DF0420-E965-270E-B221-94B9D730F79F}"/>
+            </a:ext>
+          </a:extLst>
+        </p:cNvPr>
+        <p:cNvGrpSpPr/>
+        <p:nvPr/>
+      </p:nvGrpSpPr>
+      <p:grpSpPr>
+        <a:xfrm>
+          <a:off x="0" y="0"/>
+          <a:ext cx="0" cy="0"/>
+          <a:chOff x="0" y="0"/>
+          <a:chExt cx="0" cy="0"/>
+        </a:xfrm>
+      </p:grpSpPr>
+      <p:sp>
+        <p:nvSpPr>
+          <p:cNvPr id="2" name="Slide Image Placeholder 1">
+            <a:extLst>
+              <a:ext uri="{FF2B5EF4-FFF2-40B4-BE49-F238E27FC236}">
+                <a16:creationId xmlns:a16="http://schemas.microsoft.com/office/drawing/2014/main" id="{1F14FCB4-7B39-57CB-7E9E-FCBB375BCCE0}"/>
+              </a:ext>
+            </a:extLst>
+          </p:cNvPr>
+          <p:cNvSpPr>
+            <a:spLocks noGrp="1" noRot="1" noChangeAspect="1"/>
+          </p:cNvSpPr>
+          <p:nvPr>
+            <p:ph type="sldImg"/>
+          </p:nvPr>
+        </p:nvSpPr>
+        <p:spPr/>
+      </p:sp>
+      <p:sp>
+        <p:nvSpPr>
+          <p:cNvPr id="3" name="Notes Placeholder 2">
+            <a:extLst>
+              <a:ext uri="{FF2B5EF4-FFF2-40B4-BE49-F238E27FC236}">
+                <a16:creationId xmlns:a16="http://schemas.microsoft.com/office/drawing/2014/main" id="{3A884AEA-8AE1-20B6-4197-C6172BCB3D86}"/>
+              </a:ext>
+            </a:extLst>
+          </p:cNvPr>
+          <p:cNvSpPr>
+            <a:spLocks noGrp="1"/>
+          </p:cNvSpPr>
+          <p:nvPr>
+            <p:ph type="body" idx="1"/>
+          </p:nvPr>
+        </p:nvSpPr>
+        <p:spPr/>
+        <p:txBody>
+          <a:bodyPr/>
+          <a:lstStyle/>
+          <a:p>
+            <a:r>
+              <a:rPr lang="en-US" dirty="0"/>
+              <a:t>Let’s start by breaking down each of the terms in the title. To understand the sliding window model, we first have to understand the streaming model of computation, in which elements of an underlying data set S, arrive sequentially and the goal is to evaluate or approximate some given function on this dataset, using space sublinear in S. In the sliding window model, only the W most recent updates form the underlying data set</a:t>
+            </a:r>
+          </a:p>
+        </p:txBody>
+      </p:sp>
+      <p:sp>
+        <p:nvSpPr>
+          <p:cNvPr id="4" name="Slide Number Placeholder 3">
+            <a:extLst>
+              <a:ext uri="{FF2B5EF4-FFF2-40B4-BE49-F238E27FC236}">
+                <a16:creationId xmlns:a16="http://schemas.microsoft.com/office/drawing/2014/main" id="{6C184554-B1FF-B85F-4625-8633EA86E655}"/>
+              </a:ext>
+            </a:extLst>
+          </p:cNvPr>
+          <p:cNvSpPr>
+            <a:spLocks noGrp="1"/>
+          </p:cNvSpPr>
+          <p:nvPr>
+            <p:ph type="sldNum" sz="quarter" idx="5"/>
+          </p:nvPr>
+        </p:nvSpPr>
+        <p:spPr/>
+        <p:txBody>
+          <a:bodyPr/>
+          <a:lstStyle/>
+          <a:p>
+            <a:pPr marL="0" marR="0" lvl="0" indent="0" algn="r" defTabSz="914400" rtl="0" eaLnBrk="1" fontAlgn="auto" latinLnBrk="0" hangingPunct="1">
+              <a:lnSpc>
+                <a:spcPct val="100000"/>
+              </a:lnSpc>
+              <a:spcBef>
+                <a:spcPts val="0"/>
+              </a:spcBef>
+              <a:spcAft>
+                <a:spcPts val="0"/>
+              </a:spcAft>
+              <a:buClrTx/>
+              <a:buSzTx/>
+              <a:buFontTx/>
+              <a:buNone/>
+              <a:tabLst/>
+              <a:defRPr/>
+            </a:pPr>
+            <a:fld id="{3486229C-5C56-46D3-8AF7-8CB2C6C5FD7A}" type="slidenum">
+              <a:rPr kumimoji="0" lang="en-US" sz="1200" b="0" i="0" u="none" strike="noStrike" kern="1200" cap="none" spc="0" normalizeH="0" baseline="0" noProof="0" smtClean="0">
+                <a:ln>
+                  <a:noFill/>
+                </a:ln>
+                <a:solidFill>
+                  <a:prstClr val="black"/>
+                </a:solidFill>
+                <a:effectLst/>
+                <a:uLnTx/>
+                <a:uFillTx/>
+                <a:latin typeface="Calibri" panose="020F0502020204030204"/>
+                <a:ea typeface="+mn-ea"/>
+                <a:cs typeface="+mn-cs"/>
+              </a:rPr>
+              <a:pPr marL="0" marR="0" lvl="0" indent="0" algn="r" defTabSz="914400" rtl="0" eaLnBrk="1" fontAlgn="auto" latinLnBrk="0" hangingPunct="1">
+                <a:lnSpc>
+                  <a:spcPct val="100000"/>
+                </a:lnSpc>
+                <a:spcBef>
+                  <a:spcPts val="0"/>
+                </a:spcBef>
+                <a:spcAft>
+                  <a:spcPts val="0"/>
+                </a:spcAft>
+                <a:buClrTx/>
+                <a:buSzTx/>
+                <a:buFontTx/>
+                <a:buNone/>
+                <a:tabLst/>
+                <a:defRPr/>
+              </a:pPr>
+              <a:t>6</a:t>
+            </a:fld>
+            <a:endParaRPr kumimoji="0" lang="en-US" sz="1200" b="0" i="0" u="none" strike="noStrike" kern="1200" cap="none" spc="0" normalizeH="0" baseline="0" noProof="0">
+              <a:ln>
+                <a:noFill/>
+              </a:ln>
+              <a:solidFill>
+                <a:prstClr val="black"/>
+              </a:solidFill>
+              <a:effectLst/>
+              <a:uLnTx/>
+              <a:uFillTx/>
+              <a:latin typeface="Calibri" panose="020F0502020204030204"/>
+              <a:ea typeface="+mn-ea"/>
+              <a:cs typeface="+mn-cs"/>
+            </a:endParaRPr>
+          </a:p>
+        </p:txBody>
+      </p:sp>
+    </p:spTree>
+    <p:extLst>
+      <p:ext uri="{BB962C8B-B14F-4D97-AF65-F5344CB8AC3E}">
+        <p14:creationId xmlns:p14="http://schemas.microsoft.com/office/powerpoint/2010/main" val="3215890447"/>
+      </p:ext>
+    </p:extLst>
+  </p:cSld>
+  <p:clrMapOvr>
+    <a:masterClrMapping/>
+  </p:clrMapOvr>
+</p:notes>
+</file>
+
 <file path=ppt/notesSlides/notesSlide6.xml><?xml version="1.0" encoding="utf-8"?>
+<p:notes xmlns:a="http://schemas.openxmlformats.org/drawingml/2006/main" xmlns:r="http://schemas.openxmlformats.org/officeDocument/2006/relationships" xmlns:p="http://schemas.openxmlformats.org/presentationml/2006/main">
+  <p:cSld>
+    <p:spTree>
+      <p:nvGrpSpPr>
+        <p:cNvPr id="1" name="">
+          <a:extLst>
+            <a:ext uri="{FF2B5EF4-FFF2-40B4-BE49-F238E27FC236}">
+              <a16:creationId xmlns:a16="http://schemas.microsoft.com/office/drawing/2014/main" id="{C3504B6B-5C0C-5D34-61F2-F722312F2B62}"/>
+            </a:ext>
+          </a:extLst>
+        </p:cNvPr>
+        <p:cNvGrpSpPr/>
+        <p:nvPr/>
+      </p:nvGrpSpPr>
+      <p:grpSpPr>
+        <a:xfrm>
+          <a:off x="0" y="0"/>
+          <a:ext cx="0" cy="0"/>
+          <a:chOff x="0" y="0"/>
+          <a:chExt cx="0" cy="0"/>
+        </a:xfrm>
+      </p:grpSpPr>
+      <p:sp>
+        <p:nvSpPr>
+          <p:cNvPr id="2" name="Slide Image Placeholder 1">
+            <a:extLst>
+              <a:ext uri="{FF2B5EF4-FFF2-40B4-BE49-F238E27FC236}">
+                <a16:creationId xmlns:a16="http://schemas.microsoft.com/office/drawing/2014/main" id="{014028A1-1B42-34D1-69BF-B9CA88B83EF1}"/>
+              </a:ext>
+            </a:extLst>
+          </p:cNvPr>
+          <p:cNvSpPr>
+            <a:spLocks noGrp="1" noRot="1" noChangeAspect="1"/>
+          </p:cNvSpPr>
+          <p:nvPr>
+            <p:ph type="sldImg"/>
+          </p:nvPr>
+        </p:nvSpPr>
+        <p:spPr/>
+      </p:sp>
+      <p:sp>
+        <p:nvSpPr>
+          <p:cNvPr id="3" name="Notes Placeholder 2">
+            <a:extLst>
+              <a:ext uri="{FF2B5EF4-FFF2-40B4-BE49-F238E27FC236}">
+                <a16:creationId xmlns:a16="http://schemas.microsoft.com/office/drawing/2014/main" id="{3F087119-3ED5-CE4E-2072-C68C40A8ECB8}"/>
+              </a:ext>
+            </a:extLst>
+          </p:cNvPr>
+          <p:cNvSpPr>
+            <a:spLocks noGrp="1"/>
+          </p:cNvSpPr>
+          <p:nvPr>
+            <p:ph type="body" idx="1"/>
+          </p:nvPr>
+        </p:nvSpPr>
+        <p:spPr/>
+        <p:txBody>
+          <a:bodyPr/>
+          <a:lstStyle/>
+          <a:p>
+            <a:r>
+              <a:rPr lang="en-US" dirty="0"/>
+              <a:t>Let’s start by breaking down each of the terms in the title. To understand the sliding window model, we first have to understand the streaming model of computation, in which elements of an underlying data set S, arrive sequentially and the goal is to evaluate or approximate some given function on this dataset, using space sublinear in S. In the sliding window model, only the W most recent updates form the underlying data set</a:t>
+            </a:r>
+          </a:p>
+        </p:txBody>
+      </p:sp>
+      <p:sp>
+        <p:nvSpPr>
+          <p:cNvPr id="4" name="Slide Number Placeholder 3">
+            <a:extLst>
+              <a:ext uri="{FF2B5EF4-FFF2-40B4-BE49-F238E27FC236}">
+                <a16:creationId xmlns:a16="http://schemas.microsoft.com/office/drawing/2014/main" id="{D2E27F55-823B-C8E7-19F3-D91EA6085366}"/>
+              </a:ext>
+            </a:extLst>
+          </p:cNvPr>
+          <p:cNvSpPr>
+            <a:spLocks noGrp="1"/>
+          </p:cNvSpPr>
+          <p:nvPr>
+            <p:ph type="sldNum" sz="quarter" idx="5"/>
+          </p:nvPr>
+        </p:nvSpPr>
+        <p:spPr/>
+        <p:txBody>
+          <a:bodyPr/>
+          <a:lstStyle/>
+          <a:p>
+            <a:pPr marL="0" marR="0" lvl="0" indent="0" algn="r" defTabSz="914400" rtl="0" eaLnBrk="1" fontAlgn="auto" latinLnBrk="0" hangingPunct="1">
+              <a:lnSpc>
+                <a:spcPct val="100000"/>
+              </a:lnSpc>
+              <a:spcBef>
+                <a:spcPts val="0"/>
+              </a:spcBef>
+              <a:spcAft>
+                <a:spcPts val="0"/>
+              </a:spcAft>
+              <a:buClrTx/>
+              <a:buSzTx/>
+              <a:buFontTx/>
+              <a:buNone/>
+              <a:tabLst/>
+              <a:defRPr/>
+            </a:pPr>
+            <a:fld id="{3486229C-5C56-46D3-8AF7-8CB2C6C5FD7A}" type="slidenum">
+              <a:rPr kumimoji="0" lang="en-US" sz="1200" b="0" i="0" u="none" strike="noStrike" kern="1200" cap="none" spc="0" normalizeH="0" baseline="0" noProof="0" smtClean="0">
+                <a:ln>
+                  <a:noFill/>
+                </a:ln>
+                <a:solidFill>
+                  <a:prstClr val="black"/>
+                </a:solidFill>
+                <a:effectLst/>
+                <a:uLnTx/>
+                <a:uFillTx/>
+                <a:latin typeface="Calibri" panose="020F0502020204030204"/>
+                <a:ea typeface="+mn-ea"/>
+                <a:cs typeface="+mn-cs"/>
+              </a:rPr>
+              <a:pPr marL="0" marR="0" lvl="0" indent="0" algn="r" defTabSz="914400" rtl="0" eaLnBrk="1" fontAlgn="auto" latinLnBrk="0" hangingPunct="1">
+                <a:lnSpc>
+                  <a:spcPct val="100000"/>
+                </a:lnSpc>
+                <a:spcBef>
+                  <a:spcPts val="0"/>
+                </a:spcBef>
+                <a:spcAft>
+                  <a:spcPts val="0"/>
+                </a:spcAft>
+                <a:buClrTx/>
+                <a:buSzTx/>
+                <a:buFontTx/>
+                <a:buNone/>
+                <a:tabLst/>
+                <a:defRPr/>
+              </a:pPr>
+              <a:t>7</a:t>
+            </a:fld>
+            <a:endParaRPr kumimoji="0" lang="en-US" sz="1200" b="0" i="0" u="none" strike="noStrike" kern="1200" cap="none" spc="0" normalizeH="0" baseline="0" noProof="0">
+              <a:ln>
+                <a:noFill/>
+              </a:ln>
+              <a:solidFill>
+                <a:prstClr val="black"/>
+              </a:solidFill>
+              <a:effectLst/>
+              <a:uLnTx/>
+              <a:uFillTx/>
+              <a:latin typeface="Calibri" panose="020F0502020204030204"/>
+              <a:ea typeface="+mn-ea"/>
+              <a:cs typeface="+mn-cs"/>
+            </a:endParaRPr>
+          </a:p>
+        </p:txBody>
+      </p:sp>
+    </p:spTree>
+    <p:extLst>
+      <p:ext uri="{BB962C8B-B14F-4D97-AF65-F5344CB8AC3E}">
+        <p14:creationId xmlns:p14="http://schemas.microsoft.com/office/powerpoint/2010/main" val="3252492572"/>
+      </p:ext>
+    </p:extLst>
+  </p:cSld>
+  <p:clrMapOvr>
+    <a:masterClrMapping/>
+  </p:clrMapOvr>
+</p:notes>
+</file>
+
+<file path=ppt/notesSlides/notesSlide7.xml><?xml version="1.0" encoding="utf-8"?>
 <p:notes xmlns:a="http://schemas.openxmlformats.org/drawingml/2006/main" xmlns:r="http://schemas.openxmlformats.org/officeDocument/2006/relationships" xmlns:p="http://schemas.openxmlformats.org/presentationml/2006/main">
   <p:cSld>
     <p:spTree>
@@ -3529,7 +4240,7 @@
                 <a:tabLst/>
                 <a:defRPr/>
               </a:pPr>
-              <a:t>7</a:t>
+              <a:t>8</a:t>
             </a:fld>
             <a:endParaRPr kumimoji="0" lang="en-US" sz="1200" b="0" i="0" u="none" strike="noStrike" kern="1200" cap="none" spc="0" normalizeH="0" baseline="0" noProof="0">
               <a:ln>
@@ -3561,7 +4272,7 @@
 </p:notes>
 </file>
 
-<file path=ppt/notesSlides/notesSlide7.xml><?xml version="1.0" encoding="utf-8"?>
+<file path=ppt/notesSlides/notesSlide8.xml><?xml version="1.0" encoding="utf-8"?>
 <p:notes xmlns:a="http://schemas.openxmlformats.org/drawingml/2006/main" xmlns:r="http://schemas.openxmlformats.org/officeDocument/2006/relationships" xmlns:p="http://schemas.openxmlformats.org/presentationml/2006/main">
   <p:cSld>
     <p:spTree>
@@ -3700,7 +4411,7 @@
                 <a:tabLst/>
                 <a:defRPr/>
               </a:pPr>
-              <a:t>8</a:t>
+              <a:t>9</a:t>
             </a:fld>
             <a:endParaRPr kumimoji="0" lang="en-US" sz="1200" b="0" i="0" u="none" strike="noStrike" kern="1200" cap="none" spc="0" normalizeH="0" baseline="0" noProof="0">
               <a:ln>
@@ -3732,7 +4443,7 @@
 </p:notes>
 </file>
 
-<file path=ppt/notesSlides/notesSlide8.xml><?xml version="1.0" encoding="utf-8"?>
+<file path=ppt/notesSlides/notesSlide9.xml><?xml version="1.0" encoding="utf-8"?>
 <p:notes xmlns:a="http://schemas.openxmlformats.org/drawingml/2006/main" xmlns:r="http://schemas.openxmlformats.org/officeDocument/2006/relationships" xmlns:p="http://schemas.openxmlformats.org/presentationml/2006/main">
   <p:cSld>
     <p:spTree>
@@ -3844,7 +4555,7 @@
                 <a:tabLst/>
                 <a:defRPr/>
               </a:pPr>
-              <a:t>16</a:t>
+              <a:t>17</a:t>
             </a:fld>
             <a:endParaRPr kumimoji="0" lang="en-US" sz="1200" b="0" i="0" u="none" strike="noStrike" kern="1200" cap="none" spc="0" normalizeH="0" baseline="0" noProof="0">
               <a:ln>
@@ -3867,153 +4578,6 @@
     <p:extLst>
       <p:ext uri="{BB962C8B-B14F-4D97-AF65-F5344CB8AC3E}">
         <p14:creationId xmlns:p14="http://schemas.microsoft.com/office/powerpoint/2010/main" val="1322576563"/>
-      </p:ext>
-    </p:extLst>
-  </p:cSld>
-  <p:clrMapOvr>
-    <a:masterClrMapping/>
-  </p:clrMapOvr>
-</p:notes>
-</file>
-
-<file path=ppt/notesSlides/notesSlide9.xml><?xml version="1.0" encoding="utf-8"?>
-<p:notes xmlns:a="http://schemas.openxmlformats.org/drawingml/2006/main" xmlns:r="http://schemas.openxmlformats.org/officeDocument/2006/relationships" xmlns:p="http://schemas.openxmlformats.org/presentationml/2006/main">
-  <p:cSld>
-    <p:spTree>
-      <p:nvGrpSpPr>
-        <p:cNvPr id="1" name=""/>
-        <p:cNvGrpSpPr/>
-        <p:nvPr/>
-      </p:nvGrpSpPr>
-      <p:grpSpPr>
-        <a:xfrm>
-          <a:off x="0" y="0"/>
-          <a:ext cx="0" cy="0"/>
-          <a:chOff x="0" y="0"/>
-          <a:chExt cx="0" cy="0"/>
-        </a:xfrm>
-      </p:grpSpPr>
-      <p:sp>
-        <p:nvSpPr>
-          <p:cNvPr id="2" name="Slide Image Placeholder 1"/>
-          <p:cNvSpPr>
-            <a:spLocks noGrp="1" noRot="1" noChangeAspect="1"/>
-          </p:cNvSpPr>
-          <p:nvPr>
-            <p:ph type="sldImg"/>
-          </p:nvPr>
-        </p:nvSpPr>
-        <p:spPr/>
-      </p:sp>
-      <p:sp>
-        <p:nvSpPr>
-          <p:cNvPr id="3" name="Notes Placeholder 2"/>
-          <p:cNvSpPr>
-            <a:spLocks noGrp="1"/>
-          </p:cNvSpPr>
-          <p:nvPr>
-            <p:ph type="body" idx="1"/>
-          </p:nvPr>
-        </p:nvSpPr>
-        <p:spPr/>
-        <p:txBody>
-          <a:bodyPr/>
-          <a:lstStyle/>
-          <a:p>
-            <a:r>
-              <a:rPr lang="en-US" dirty="0"/>
-              <a:t>Let’s start by breaking down each of the terms in the title. To understand the sliding window model, we first have to understand the streaming model of computation, in which elements of an underlying data set S, arrive sequentially and the goal is to evaluate or approximate some given function on this dataset, using space sublinear in S. In the sliding window model, only the W most recent updates form the underlying data set</a:t>
-            </a:r>
-          </a:p>
-        </p:txBody>
-      </p:sp>
-      <p:sp>
-        <p:nvSpPr>
-          <p:cNvPr id="4" name="Slide Number Placeholder 3"/>
-          <p:cNvSpPr>
-            <a:spLocks noGrp="1"/>
-          </p:cNvSpPr>
-          <p:nvPr>
-            <p:ph type="sldNum" sz="quarter" idx="5"/>
-          </p:nvPr>
-        </p:nvSpPr>
-        <p:spPr/>
-        <p:txBody>
-          <a:bodyPr/>
-          <a:lstStyle/>
-          <a:p>
-            <a:pPr marL="0" marR="0" lvl="0" indent="0" algn="r" defTabSz="914400" rtl="0" eaLnBrk="1" fontAlgn="auto" latinLnBrk="0" hangingPunct="1">
-              <a:lnSpc>
-                <a:spcPct val="100000"/>
-              </a:lnSpc>
-              <a:spcBef>
-                <a:spcPts val="0"/>
-              </a:spcBef>
-              <a:spcAft>
-                <a:spcPts val="0"/>
-              </a:spcAft>
-              <a:buClrTx/>
-              <a:buSzTx/>
-              <a:buFontTx/>
-              <a:buNone/>
-              <a:tabLst/>
-              <a:defRPr/>
-            </a:pPr>
-            <a:fld id="{3486229C-5C56-46D3-8AF7-8CB2C6C5FD7A}" type="slidenum">
-              <a:rPr kumimoji="0" lang="en-US" sz="1200" b="0" i="0" u="none" strike="noStrike" kern="1200" cap="none" spc="0" normalizeH="0" baseline="0" noProof="0" smtClean="0">
-                <a:ln>
-                  <a:noFill/>
-                </a:ln>
-                <a:solidFill>
-                  <a:prstClr val="black"/>
-                </a:solidFill>
-                <a:effectLst/>
-                <a:uLnTx/>
-                <a:uFillTx/>
-                <a:latin typeface="Calibri" panose="020F0502020204030204"/>
-                <a:ea typeface="+mn-ea"/>
-                <a:cs typeface="+mn-cs"/>
-              </a:rPr>
-              <a:pPr marL="0" marR="0" lvl="0" indent="0" algn="r" defTabSz="914400" rtl="0" eaLnBrk="1" fontAlgn="auto" latinLnBrk="0" hangingPunct="1">
-                <a:lnSpc>
-                  <a:spcPct val="100000"/>
-                </a:lnSpc>
-                <a:spcBef>
-                  <a:spcPts val="0"/>
-                </a:spcBef>
-                <a:spcAft>
-                  <a:spcPts val="0"/>
-                </a:spcAft>
-                <a:buClrTx/>
-                <a:buSzTx/>
-                <a:buFontTx/>
-                <a:buNone/>
-                <a:tabLst/>
-                <a:defRPr/>
-              </a:pPr>
-              <a:t>17</a:t>
-            </a:fld>
-            <a:endParaRPr kumimoji="0" lang="en-US" sz="1200" b="0" i="0" u="none" strike="noStrike" kern="1200" cap="none" spc="0" normalizeH="0" baseline="0" noProof="0">
-              <a:ln>
-                <a:noFill/>
-              </a:ln>
-              <a:solidFill>
-                <a:prstClr val="black"/>
-              </a:solidFill>
-              <a:effectLst/>
-              <a:uLnTx/>
-              <a:uFillTx/>
-              <a:latin typeface="Calibri" panose="020F0502020204030204"/>
-              <a:ea typeface="+mn-ea"/>
-              <a:cs typeface="+mn-cs"/>
-            </a:endParaRPr>
-          </a:p>
-        </p:txBody>
-      </p:sp>
-    </p:spTree>
-    <p:extLst>
-      <p:ext uri="{BB962C8B-B14F-4D97-AF65-F5344CB8AC3E}">
-        <p14:creationId xmlns:p14="http://schemas.microsoft.com/office/powerpoint/2010/main" val="2803820793"/>
       </p:ext>
     </p:extLst>
   </p:cSld>
@@ -7264,18 +7828,63 @@
           <a:lstStyle/>
           <a:p>
             <a:r>
-              <a:rPr lang="en-US">
+              <a:rPr lang="en-US" dirty="0">
                 <a:solidFill>
                   <a:srgbClr val="C00000"/>
                 </a:solidFill>
               </a:rPr>
-              <a:t>A Tutorial on Adversarial Robustness</a:t>
+              <a:t>Adversarial Robustness:</a:t>
             </a:r>
-            <a:endParaRPr lang="en-US" dirty="0">
-              <a:solidFill>
-                <a:srgbClr val="C00000"/>
-              </a:solidFill>
-            </a:endParaRPr>
+            <a:br>
+              <a:rPr lang="en-US" dirty="0">
+                <a:solidFill>
+                  <a:srgbClr val="C00000"/>
+                </a:solidFill>
+              </a:rPr>
+            </a:br>
+            <a:r>
+              <a:rPr lang="en-US" dirty="0">
+                <a:solidFill>
+                  <a:srgbClr val="C00000"/>
+                </a:solidFill>
+              </a:rPr>
+              <a:t>A Tutorial</a:t>
+            </a:r>
+          </a:p>
+        </p:txBody>
+      </p:sp>
+      <p:sp>
+        <p:nvSpPr>
+          <p:cNvPr id="3" name="Subtitle 2">
+            <a:extLst>
+              <a:ext uri="{FF2B5EF4-FFF2-40B4-BE49-F238E27FC236}">
+                <a16:creationId xmlns:a16="http://schemas.microsoft.com/office/drawing/2014/main" id="{2BB71BF4-2665-79C9-2E8D-BEA78D7ABB40}"/>
+              </a:ext>
+            </a:extLst>
+          </p:cNvPr>
+          <p:cNvSpPr>
+            <a:spLocks noGrp="1"/>
+          </p:cNvSpPr>
+          <p:nvPr>
+            <p:ph type="subTitle" idx="1"/>
+          </p:nvPr>
+        </p:nvSpPr>
+        <p:spPr>
+          <a:xfrm>
+            <a:off x="4380523" y="3481754"/>
+            <a:ext cx="3430953" cy="772738"/>
+          </a:xfrm>
+        </p:spPr>
+        <p:txBody>
+          <a:bodyPr>
+            <a:normAutofit/>
+          </a:bodyPr>
+          <a:lstStyle/>
+          <a:p>
+            <a:r>
+              <a:rPr lang="en-US" sz="3600" dirty="0"/>
+              <a:t>Samson Zhou</a:t>
+            </a:r>
           </a:p>
         </p:txBody>
       </p:sp>
@@ -7307,7 +7916,7 @@
         </p:blipFill>
         <p:spPr>
           <a:xfrm>
-            <a:off x="8591061" y="3429000"/>
+            <a:off x="9070732" y="3739661"/>
             <a:ext cx="3036277" cy="3036277"/>
           </a:xfrm>
           <a:prstGeom prst="rect">
@@ -7343,7 +7952,7 @@
         </p:blipFill>
         <p:spPr>
           <a:xfrm>
-            <a:off x="131884" y="4540738"/>
+            <a:off x="17201" y="4867144"/>
             <a:ext cx="4618679" cy="1975949"/>
           </a:xfrm>
           <a:prstGeom prst="rect">
@@ -7379,7 +7988,7 @@
         </p:blipFill>
         <p:spPr>
           <a:xfrm>
-            <a:off x="5242062" y="5082930"/>
+            <a:off x="5335846" y="5257800"/>
             <a:ext cx="2857500" cy="1600200"/>
           </a:xfrm>
           <a:prstGeom prst="rect">
@@ -7401,6 +8010,505 @@
 </file>
 
 <file path=ppt/slides/slide10.xml><?xml version="1.0" encoding="utf-8"?>
+<p:sld xmlns:a="http://schemas.openxmlformats.org/drawingml/2006/main" xmlns:r="http://schemas.openxmlformats.org/officeDocument/2006/relationships" xmlns:p="http://schemas.openxmlformats.org/presentationml/2006/main">
+  <p:cSld>
+    <p:spTree>
+      <p:nvGrpSpPr>
+        <p:cNvPr id="1" name=""/>
+        <p:cNvGrpSpPr/>
+        <p:nvPr/>
+      </p:nvGrpSpPr>
+      <p:grpSpPr>
+        <a:xfrm>
+          <a:off x="0" y="0"/>
+          <a:ext cx="0" cy="0"/>
+          <a:chOff x="0" y="0"/>
+          <a:chExt cx="0" cy="0"/>
+        </a:xfrm>
+      </p:grpSpPr>
+      <p:sp>
+        <p:nvSpPr>
+          <p:cNvPr id="3" name="Title 2"/>
+          <p:cNvSpPr>
+            <a:spLocks noGrp="1"/>
+          </p:cNvSpPr>
+          <p:nvPr>
+            <p:ph type="title"/>
+          </p:nvPr>
+        </p:nvSpPr>
+        <p:spPr/>
+        <p:txBody>
+          <a:bodyPr/>
+          <a:lstStyle/>
+          <a:p>
+            <a:r>
+              <a:rPr lang="en-US">
+                <a:solidFill>
+                  <a:srgbClr val="C00000"/>
+                </a:solidFill>
+              </a:rPr>
+              <a:t>Frequency Vector</a:t>
+            </a:r>
+            <a:endParaRPr lang="en-US" dirty="0">
+              <a:solidFill>
+                <a:srgbClr val="C00000"/>
+              </a:solidFill>
+            </a:endParaRPr>
+          </a:p>
+        </p:txBody>
+      </p:sp>
+      <mc:AlternateContent xmlns:mc="http://schemas.openxmlformats.org/markup-compatibility/2006" xmlns:a14="http://schemas.microsoft.com/office/drawing/2010/main">
+        <mc:Choice Requires="a14">
+          <p:sp>
+            <p:nvSpPr>
+              <p:cNvPr id="4" name="Content Placeholder 3"/>
+              <p:cNvSpPr>
+                <a:spLocks noGrp="1"/>
+              </p:cNvSpPr>
+              <p:nvPr>
+                <p:ph idx="1"/>
+              </p:nvPr>
+            </p:nvSpPr>
+            <p:spPr>
+              <a:xfrm>
+                <a:off x="838200" y="1825625"/>
+                <a:ext cx="10242755" cy="4859260"/>
+              </a:xfrm>
+            </p:spPr>
+            <p:txBody>
+              <a:bodyPr>
+                <a:normAutofit/>
+              </a:bodyPr>
+              <a:lstStyle/>
+              <a:p>
+                <a:r>
+                  <a:rPr lang="en-US" dirty="0"/>
+                  <a:t>Given a set </a:t>
+                </a:r>
+                <a14:m>
+                  <m:oMath xmlns:m="http://schemas.openxmlformats.org/officeDocument/2006/math">
+                    <m:r>
+                      <a:rPr lang="en-US" i="1" smtClean="0">
+                        <a:solidFill>
+                          <a:srgbClr val="C00000"/>
+                        </a:solidFill>
+                        <a:latin typeface="Cambria Math" panose="02040503050406030204" pitchFamily="18" charset="0"/>
+                      </a:rPr>
+                      <m:t>𝑆</m:t>
+                    </m:r>
+                  </m:oMath>
+                </a14:m>
+                <a:r>
+                  <a:rPr lang="en-US" dirty="0"/>
+                  <a:t> of </a:t>
+                </a:r>
+                <a14:m>
+                  <m:oMath xmlns:m="http://schemas.openxmlformats.org/officeDocument/2006/math">
+                    <m:r>
+                      <a:rPr lang="en-US" i="1" smtClean="0">
+                        <a:solidFill>
+                          <a:srgbClr val="C00000"/>
+                        </a:solidFill>
+                        <a:latin typeface="Cambria Math" panose="02040503050406030204" pitchFamily="18" charset="0"/>
+                      </a:rPr>
+                      <m:t>𝑚</m:t>
+                    </m:r>
+                  </m:oMath>
+                </a14:m>
+                <a:r>
+                  <a:rPr lang="en-US" dirty="0"/>
+                  <a:t> elements from </a:t>
+                </a:r>
+                <a14:m>
+                  <m:oMath xmlns:m="http://schemas.openxmlformats.org/officeDocument/2006/math">
+                    <m:r>
+                      <a:rPr lang="en-US" i="1" smtClean="0">
+                        <a:solidFill>
+                          <a:srgbClr val="C00000"/>
+                        </a:solidFill>
+                        <a:latin typeface="Cambria Math" panose="02040503050406030204" pitchFamily="18" charset="0"/>
+                      </a:rPr>
+                      <m:t>[</m:t>
+                    </m:r>
+                    <m:r>
+                      <a:rPr lang="en-US" i="1" smtClean="0">
+                        <a:solidFill>
+                          <a:srgbClr val="C00000"/>
+                        </a:solidFill>
+                        <a:latin typeface="Cambria Math" panose="02040503050406030204" pitchFamily="18" charset="0"/>
+                      </a:rPr>
+                      <m:t>𝑛</m:t>
+                    </m:r>
+                    <m:r>
+                      <a:rPr lang="en-US" i="1" smtClean="0">
+                        <a:solidFill>
+                          <a:srgbClr val="C00000"/>
+                        </a:solidFill>
+                        <a:latin typeface="Cambria Math" panose="02040503050406030204" pitchFamily="18" charset="0"/>
+                      </a:rPr>
+                      <m:t>]</m:t>
+                    </m:r>
+                  </m:oMath>
+                </a14:m>
+                <a:r>
+                  <a:rPr lang="en-US" dirty="0"/>
+                  <a:t>, let </a:t>
+                </a:r>
+                <a14:m>
+                  <m:oMath xmlns:m="http://schemas.openxmlformats.org/officeDocument/2006/math">
+                    <m:sSub>
+                      <m:sSubPr>
+                        <m:ctrlPr>
+                          <a:rPr lang="en-US" b="0" i="1" smtClean="0">
+                            <a:solidFill>
+                              <a:srgbClr val="C00000"/>
+                            </a:solidFill>
+                            <a:latin typeface="Cambria Math" panose="02040503050406030204" pitchFamily="18" charset="0"/>
+                          </a:rPr>
+                        </m:ctrlPr>
+                      </m:sSubPr>
+                      <m:e>
+                        <m:r>
+                          <a:rPr lang="en-US" b="0" i="1" smtClean="0">
+                            <a:solidFill>
+                              <a:srgbClr val="C00000"/>
+                            </a:solidFill>
+                            <a:latin typeface="Cambria Math" panose="02040503050406030204" pitchFamily="18" charset="0"/>
+                          </a:rPr>
+                          <m:t>𝑓</m:t>
+                        </m:r>
+                      </m:e>
+                      <m:sub>
+                        <m:r>
+                          <a:rPr lang="en-US" b="0" i="1" smtClean="0">
+                            <a:solidFill>
+                              <a:srgbClr val="C00000"/>
+                            </a:solidFill>
+                            <a:latin typeface="Cambria Math" panose="02040503050406030204" pitchFamily="18" charset="0"/>
+                          </a:rPr>
+                          <m:t>𝑖</m:t>
+                        </m:r>
+                      </m:sub>
+                    </m:sSub>
+                  </m:oMath>
+                </a14:m>
+                <a:r>
+                  <a:rPr lang="en-US" dirty="0">
+                    <a:solidFill>
+                      <a:srgbClr val="C00000"/>
+                    </a:solidFill>
+                  </a:rPr>
+                  <a:t> </a:t>
+                </a:r>
+                <a:r>
+                  <a:rPr lang="en-US" dirty="0">
+                    <a:solidFill>
+                      <a:schemeClr val="tx1"/>
+                    </a:solidFill>
+                  </a:rPr>
+                  <a:t>be the frequency of element </a:t>
+                </a:r>
+                <a14:m>
+                  <m:oMath xmlns:m="http://schemas.openxmlformats.org/officeDocument/2006/math">
+                    <m:r>
+                      <a:rPr lang="en-US" b="0" i="1" smtClean="0">
+                        <a:solidFill>
+                          <a:srgbClr val="C00000"/>
+                        </a:solidFill>
+                        <a:latin typeface="Cambria Math" panose="02040503050406030204" pitchFamily="18" charset="0"/>
+                      </a:rPr>
+                      <m:t>𝑖</m:t>
+                    </m:r>
+                  </m:oMath>
+                </a14:m>
+                <a:r>
+                  <a:rPr lang="en-US" dirty="0">
+                    <a:solidFill>
+                      <a:schemeClr val="tx1"/>
+                    </a:solidFill>
+                  </a:rPr>
+                  <a:t>. (How often it appears)</a:t>
+                </a:r>
+              </a:p>
+            </p:txBody>
+          </p:sp>
+        </mc:Choice>
+        <mc:Fallback xmlns="">
+          <p:sp>
+            <p:nvSpPr>
+              <p:cNvPr id="4" name="Content Placeholder 3"/>
+              <p:cNvSpPr>
+                <a:spLocks noGrp="1" noRot="1" noChangeAspect="1" noMove="1" noResize="1" noEditPoints="1" noAdjustHandles="1" noChangeArrowheads="1" noChangeShapeType="1" noTextEdit="1"/>
+              </p:cNvSpPr>
+              <p:nvPr>
+                <p:ph idx="1"/>
+              </p:nvPr>
+            </p:nvSpPr>
+            <p:spPr>
+              <a:xfrm>
+                <a:off x="838200" y="1825625"/>
+                <a:ext cx="10242755" cy="4859260"/>
+              </a:xfrm>
+              <a:blipFill>
+                <a:blip r:embed="rId2"/>
+                <a:stretch>
+                  <a:fillRect l="-1071" t="-2005"/>
+                </a:stretch>
+              </a:blipFill>
+            </p:spPr>
+            <p:txBody>
+              <a:bodyPr/>
+              <a:lstStyle/>
+              <a:p>
+                <a:r>
+                  <a:rPr lang="en-US">
+                    <a:noFill/>
+                  </a:rPr>
+                  <a:t> </a:t>
+                </a:r>
+              </a:p>
+            </p:txBody>
+          </p:sp>
+        </mc:Fallback>
+      </mc:AlternateContent>
+      <mc:AlternateContent xmlns:mc="http://schemas.openxmlformats.org/markup-compatibility/2006" xmlns:a14="http://schemas.microsoft.com/office/drawing/2010/main">
+        <mc:Choice Requires="a14">
+          <p:sp>
+            <p:nvSpPr>
+              <p:cNvPr id="5" name="TextBox 4">
+                <a:extLst>
+                  <a:ext uri="{FF2B5EF4-FFF2-40B4-BE49-F238E27FC236}">
+                    <a16:creationId xmlns:a16="http://schemas.microsoft.com/office/drawing/2014/main" id="{2600D81D-0252-476F-8A28-E78DFD4FAB04}"/>
+                  </a:ext>
+                </a:extLst>
+              </p:cNvPr>
+              <p:cNvSpPr txBox="1"/>
+              <p:nvPr/>
+            </p:nvSpPr>
+            <p:spPr>
+              <a:xfrm>
+                <a:off x="2154216" y="3429000"/>
+                <a:ext cx="7262181" cy="707886"/>
+              </a:xfrm>
+              <a:prstGeom prst="rect">
+                <a:avLst/>
+              </a:prstGeom>
+              <a:noFill/>
+            </p:spPr>
+            <p:txBody>
+              <a:bodyPr wrap="none" rtlCol="0">
+                <a:spAutoFit/>
+              </a:bodyPr>
+              <a:lstStyle/>
+              <a:p>
+                <a:pPr marL="0" marR="0" lvl="0" indent="0" algn="l" defTabSz="914400" rtl="0" eaLnBrk="1" fontAlgn="auto" latinLnBrk="0" hangingPunct="1">
+                  <a:lnSpc>
+                    <a:spcPct val="100000"/>
+                  </a:lnSpc>
+                  <a:spcBef>
+                    <a:spcPts val="0"/>
+                  </a:spcBef>
+                  <a:spcAft>
+                    <a:spcPts val="0"/>
+                  </a:spcAft>
+                  <a:buClrTx/>
+                  <a:buSzTx/>
+                  <a:buFontTx/>
+                  <a:buNone/>
+                  <a:tabLst/>
+                  <a:defRPr/>
+                </a:pPr>
+                <a:r>
+                  <a:rPr kumimoji="0" lang="en-US" sz="4000" b="0" i="0" u="none" strike="noStrike" kern="1200" cap="none" spc="0" normalizeH="0" baseline="0" noProof="0" dirty="0">
+                    <a:ln>
+                      <a:noFill/>
+                    </a:ln>
+                    <a:solidFill>
+                      <a:prstClr val="black"/>
+                    </a:solidFill>
+                    <a:effectLst/>
+                    <a:uLnTx/>
+                    <a:uFillTx/>
+                    <a:latin typeface="Calibri" panose="020F0502020204030204"/>
+                    <a:ea typeface="+mn-ea"/>
+                    <a:cs typeface="+mn-cs"/>
+                  </a:rPr>
+                  <a:t>1 1 2 1 2 1 1 2 3 </a:t>
+                </a:r>
+                <a:r>
+                  <a:rPr kumimoji="0" lang="en-US" sz="4000" b="0" i="0" u="none" strike="noStrike" kern="1200" cap="none" spc="0" normalizeH="0" baseline="0" noProof="0" dirty="0">
+                    <a:ln>
+                      <a:noFill/>
+                    </a:ln>
+                    <a:solidFill>
+                      <a:prstClr val="black"/>
+                    </a:solidFill>
+                    <a:effectLst/>
+                    <a:uLnTx/>
+                    <a:uFillTx/>
+                    <a:latin typeface="Calibri" panose="020F0502020204030204"/>
+                    <a:ea typeface="+mn-ea"/>
+                    <a:cs typeface="+mn-cs"/>
+                    <a:sym typeface="Wingdings 3" panose="05040102010807070707" pitchFamily="18" charset="2"/>
+                  </a:rPr>
+                  <a:t> </a:t>
+                </a:r>
+                <a14:m>
+                  <m:oMath xmlns:m="http://schemas.openxmlformats.org/officeDocument/2006/math">
+                    <m:d>
+                      <m:dPr>
+                        <m:begChr m:val="["/>
+                        <m:endChr m:val="]"/>
+                        <m:ctrlPr>
+                          <a:rPr kumimoji="0" lang="en-US" sz="4000" b="0" i="1" u="none" strike="noStrike" kern="1200" cap="none" spc="0" normalizeH="0" baseline="0" noProof="0" smtClean="0">
+                            <a:ln>
+                              <a:noFill/>
+                            </a:ln>
+                            <a:solidFill>
+                              <a:srgbClr val="C00000"/>
+                            </a:solidFill>
+                            <a:effectLst/>
+                            <a:uLnTx/>
+                            <a:uFillTx/>
+                            <a:latin typeface="Cambria Math" panose="02040503050406030204" pitchFamily="18" charset="0"/>
+                            <a:ea typeface="+mn-ea"/>
+                            <a:cs typeface="+mn-cs"/>
+                          </a:rPr>
+                        </m:ctrlPr>
+                      </m:dPr>
+                      <m:e>
+                        <m:r>
+                          <a:rPr kumimoji="0" lang="en-US" sz="4000" b="0" i="1" u="none" strike="noStrike" kern="1200" cap="none" spc="0" normalizeH="0" baseline="0" noProof="0" smtClean="0">
+                            <a:ln>
+                              <a:noFill/>
+                            </a:ln>
+                            <a:solidFill>
+                              <a:srgbClr val="C00000"/>
+                            </a:solidFill>
+                            <a:effectLst/>
+                            <a:uLnTx/>
+                            <a:uFillTx/>
+                            <a:latin typeface="Cambria Math" panose="02040503050406030204" pitchFamily="18" charset="0"/>
+                            <a:ea typeface="+mn-ea"/>
+                            <a:cs typeface="+mn-cs"/>
+                          </a:rPr>
+                          <m:t>5, 3, 1, 0</m:t>
+                        </m:r>
+                      </m:e>
+                    </m:d>
+                    <m:r>
+                      <a:rPr kumimoji="0" lang="en-US" sz="4000" b="0" i="1" u="none" strike="noStrike" kern="1200" cap="none" spc="0" normalizeH="0" baseline="0" noProof="0" smtClean="0">
+                        <a:ln>
+                          <a:noFill/>
+                        </a:ln>
+                        <a:solidFill>
+                          <a:srgbClr val="C00000"/>
+                        </a:solidFill>
+                        <a:effectLst/>
+                        <a:uLnTx/>
+                        <a:uFillTx/>
+                        <a:latin typeface="Cambria Math" panose="02040503050406030204" pitchFamily="18" charset="0"/>
+                        <a:ea typeface="+mn-ea"/>
+                        <a:cs typeface="+mn-cs"/>
+                      </a:rPr>
+                      <m:t>≔</m:t>
+                    </m:r>
+                    <m:r>
+                      <a:rPr kumimoji="0" lang="en-US" sz="4000" b="0" i="1" u="none" strike="noStrike" kern="1200" cap="none" spc="0" normalizeH="0" baseline="0" noProof="0" smtClean="0">
+                        <a:ln>
+                          <a:noFill/>
+                        </a:ln>
+                        <a:solidFill>
+                          <a:srgbClr val="C00000"/>
+                        </a:solidFill>
+                        <a:effectLst/>
+                        <a:uLnTx/>
+                        <a:uFillTx/>
+                        <a:latin typeface="Cambria Math" panose="02040503050406030204" pitchFamily="18" charset="0"/>
+                        <a:ea typeface="+mn-ea"/>
+                        <a:cs typeface="+mn-cs"/>
+                      </a:rPr>
+                      <m:t>𝑓</m:t>
+                    </m:r>
+                  </m:oMath>
+                </a14:m>
+                <a:endParaRPr kumimoji="0" lang="en-US" sz="4000" b="0" i="0" u="none" strike="noStrike" kern="1200" cap="none" spc="0" normalizeH="0" baseline="0" noProof="0" dirty="0">
+                  <a:ln>
+                    <a:noFill/>
+                  </a:ln>
+                  <a:solidFill>
+                    <a:prstClr val="black"/>
+                  </a:solidFill>
+                  <a:effectLst/>
+                  <a:uLnTx/>
+                  <a:uFillTx/>
+                  <a:latin typeface="Calibri" panose="020F0502020204030204"/>
+                  <a:ea typeface="+mn-ea"/>
+                  <a:cs typeface="+mn-cs"/>
+                </a:endParaRPr>
+              </a:p>
+            </p:txBody>
+          </p:sp>
+        </mc:Choice>
+        <mc:Fallback xmlns="">
+          <p:sp>
+            <p:nvSpPr>
+              <p:cNvPr id="5" name="TextBox 4">
+                <a:extLst>
+                  <a:ext uri="{FF2B5EF4-FFF2-40B4-BE49-F238E27FC236}">
+                    <a16:creationId xmlns:a16="http://schemas.microsoft.com/office/drawing/2014/main" id="{2600D81D-0252-476F-8A28-E78DFD4FAB04}"/>
+                  </a:ext>
+                </a:extLst>
+              </p:cNvPr>
+              <p:cNvSpPr txBox="1">
+                <a:spLocks noRot="1" noChangeAspect="1" noMove="1" noResize="1" noEditPoints="1" noAdjustHandles="1" noChangeArrowheads="1" noChangeShapeType="1" noTextEdit="1"/>
+              </p:cNvSpPr>
+              <p:nvPr/>
+            </p:nvSpPr>
+            <p:spPr>
+              <a:xfrm>
+                <a:off x="2154216" y="3429000"/>
+                <a:ext cx="7262181" cy="707886"/>
+              </a:xfrm>
+              <a:prstGeom prst="rect">
+                <a:avLst/>
+              </a:prstGeom>
+              <a:blipFill>
+                <a:blip r:embed="rId3"/>
+                <a:stretch>
+                  <a:fillRect l="-2936" t="-17241" b="-36207"/>
+                </a:stretch>
+              </a:blipFill>
+            </p:spPr>
+            <p:txBody>
+              <a:bodyPr/>
+              <a:lstStyle/>
+              <a:p>
+                <a:r>
+                  <a:rPr lang="en-US">
+                    <a:noFill/>
+                  </a:rPr>
+                  <a:t> </a:t>
+                </a:r>
+              </a:p>
+            </p:txBody>
+          </p:sp>
+        </mc:Fallback>
+      </mc:AlternateContent>
+    </p:spTree>
+    <p:extLst>
+      <p:ext uri="{BB962C8B-B14F-4D97-AF65-F5344CB8AC3E}">
+        <p14:creationId xmlns:p14="http://schemas.microsoft.com/office/powerpoint/2010/main" val="3757202892"/>
+      </p:ext>
+    </p:extLst>
+  </p:cSld>
+  <p:clrMapOvr>
+    <a:masterClrMapping/>
+  </p:clrMapOvr>
+</p:sld>
+</file>
+
+<file path=ppt/slides/slide11.xml><?xml version="1.0" encoding="utf-8"?>
 <p:sld xmlns:a="http://schemas.openxmlformats.org/drawingml/2006/main" xmlns:r="http://schemas.openxmlformats.org/officeDocument/2006/relationships" xmlns:p="http://schemas.openxmlformats.org/presentationml/2006/main">
   <p:cSld>
     <p:spTree>
@@ -8491,7 +9599,7 @@
 </p:sld>
 </file>
 
-<file path=ppt/slides/slide11.xml><?xml version="1.0" encoding="utf-8"?>
+<file path=ppt/slides/slide12.xml><?xml version="1.0" encoding="utf-8"?>
 <p:sld xmlns:a="http://schemas.openxmlformats.org/drawingml/2006/main" xmlns:r="http://schemas.openxmlformats.org/officeDocument/2006/relationships" xmlns:p="http://schemas.openxmlformats.org/presentationml/2006/main">
   <p:cSld>
     <p:spTree>
@@ -8627,8 +9735,8 @@
           </p:sp>
         </mc:Fallback>
       </mc:AlternateContent>
-      <mc:AlternateContent xmlns:mc="http://schemas.openxmlformats.org/markup-compatibility/2006" xmlns:a14="http://schemas.microsoft.com/office/drawing/2010/main">
-        <mc:Choice Requires="a14">
+      <mc:AlternateContent xmlns:mc="http://schemas.openxmlformats.org/markup-compatibility/2006">
+        <mc:Choice xmlns:a14="http://schemas.microsoft.com/office/drawing/2010/main" Requires="a14">
           <p:sp>
             <p:nvSpPr>
               <p:cNvPr id="5" name="Content Placeholder 3">
@@ -8876,7 +9984,7 @@
                       <a:schemeClr val="accent1"/>
                     </a:solidFill>
                   </a:rPr>
-                  <a:t>[AMS99]</a:t>
+                  <a:t>[AlonMatiasSzegedy99]</a:t>
                 </a:r>
               </a:p>
               <a:p>
@@ -9289,7 +10397,7 @@
             </p:txBody>
           </p:sp>
         </mc:Choice>
-        <mc:Fallback xmlns="">
+        <mc:Fallback>
           <p:sp>
             <p:nvSpPr>
               <p:cNvPr id="5" name="Content Placeholder 3">
@@ -9346,7 +10454,7 @@
 </p:sld>
 </file>
 
-<file path=ppt/slides/slide12.xml><?xml version="1.0" encoding="utf-8"?>
+<file path=ppt/slides/slide13.xml><?xml version="1.0" encoding="utf-8"?>
 <p:sld xmlns:a="http://schemas.openxmlformats.org/drawingml/2006/main" xmlns:r="http://schemas.openxmlformats.org/officeDocument/2006/relationships" xmlns:p="http://schemas.openxmlformats.org/presentationml/2006/main">
   <p:cSld>
     <p:spTree>
@@ -9369,119 +10477,38 @@
           <a:chExt cx="0" cy="0"/>
         </a:xfrm>
       </p:grpSpPr>
-      <mc:AlternateContent xmlns:mc="http://schemas.openxmlformats.org/markup-compatibility/2006" xmlns:a14="http://schemas.microsoft.com/office/drawing/2010/main">
-        <mc:Choice Requires="a14">
-          <p:sp>
-            <p:nvSpPr>
-              <p:cNvPr id="2" name="Title 1">
-                <a:extLst>
-                  <a:ext uri="{FF2B5EF4-FFF2-40B4-BE49-F238E27FC236}">
-                    <a16:creationId xmlns:a16="http://schemas.microsoft.com/office/drawing/2014/main" id="{D9263005-D7FE-4C66-C984-53A956EBE685}"/>
-                  </a:ext>
-                </a:extLst>
-              </p:cNvPr>
-              <p:cNvSpPr>
-                <a:spLocks noGrp="1"/>
-              </p:cNvSpPr>
-              <p:nvPr>
-                <p:ph type="title"/>
-              </p:nvPr>
-            </p:nvSpPr>
-            <p:spPr/>
-            <p:txBody>
-              <a:bodyPr/>
-              <a:lstStyle/>
-              <a:p>
-                <a14:m>
-                  <m:oMath xmlns:m="http://schemas.openxmlformats.org/officeDocument/2006/math">
-                    <m:sSub>
-                      <m:sSubPr>
-                        <m:ctrlPr>
-                          <a:rPr lang="en-US" i="1" smtClean="0">
-                            <a:solidFill>
-                              <a:srgbClr val="C00000"/>
-                            </a:solidFill>
-                            <a:latin typeface="Cambria Math" panose="02040503050406030204" pitchFamily="18" charset="0"/>
-                          </a:rPr>
-                        </m:ctrlPr>
-                      </m:sSubPr>
-                      <m:e>
-                        <m:r>
-                          <a:rPr lang="en-US" i="1">
-                            <a:solidFill>
-                              <a:srgbClr val="C00000"/>
-                            </a:solidFill>
-                            <a:latin typeface="Cambria Math" panose="02040503050406030204" pitchFamily="18" charset="0"/>
-                          </a:rPr>
-                          <m:t>𝐹</m:t>
-                        </m:r>
-                      </m:e>
-                      <m:sub>
-                        <m:r>
-                          <a:rPr lang="en-US" b="0" i="1" smtClean="0">
-                            <a:solidFill>
-                              <a:srgbClr val="C00000"/>
-                            </a:solidFill>
-                            <a:latin typeface="Cambria Math" panose="02040503050406030204" pitchFamily="18" charset="0"/>
-                          </a:rPr>
-                          <m:t>2</m:t>
-                        </m:r>
-                      </m:sub>
-                    </m:sSub>
-                  </m:oMath>
-                </a14:m>
-                <a:r>
-                  <a:rPr lang="en-US" dirty="0">
-                    <a:solidFill>
-                      <a:srgbClr val="C00000"/>
-                    </a:solidFill>
-                  </a:rPr>
-                  <a:t> Estimation</a:t>
-                </a:r>
-              </a:p>
-            </p:txBody>
-          </p:sp>
-        </mc:Choice>
-        <mc:Fallback xmlns="">
-          <p:sp>
-            <p:nvSpPr>
-              <p:cNvPr id="2" name="Title 1">
-                <a:extLst>
-                  <a:ext uri="{FF2B5EF4-FFF2-40B4-BE49-F238E27FC236}">
-                    <a16:creationId xmlns:a16="http://schemas.microsoft.com/office/drawing/2014/main" id="{D9263005-D7FE-4C66-C984-53A956EBE685}"/>
-                  </a:ext>
-                </a:extLst>
-              </p:cNvPr>
-              <p:cNvSpPr>
-                <a:spLocks noGrp="1" noRot="1" noChangeAspect="1" noMove="1" noResize="1" noEditPoints="1" noAdjustHandles="1" noChangeArrowheads="1" noChangeShapeType="1" noTextEdit="1"/>
-              </p:cNvSpPr>
-              <p:nvPr>
-                <p:ph type="title"/>
-              </p:nvPr>
-            </p:nvSpPr>
-            <p:spPr>
-              <a:blipFill>
-                <a:blip r:embed="rId2"/>
-                <a:stretch>
-                  <a:fillRect/>
-                </a:stretch>
-              </a:blipFill>
-            </p:spPr>
-            <p:txBody>
-              <a:bodyPr/>
-              <a:lstStyle/>
-              <a:p>
-                <a:r>
-                  <a:rPr lang="en-US">
-                    <a:noFill/>
-                  </a:rPr>
-                  <a:t> </a:t>
-                </a:r>
-              </a:p>
-            </p:txBody>
-          </p:sp>
-        </mc:Fallback>
-      </mc:AlternateContent>
+      <p:sp>
+        <p:nvSpPr>
+          <p:cNvPr id="2" name="Title 1">
+            <a:extLst>
+              <a:ext uri="{FF2B5EF4-FFF2-40B4-BE49-F238E27FC236}">
+                <a16:creationId xmlns:a16="http://schemas.microsoft.com/office/drawing/2014/main" id="{D9263005-D7FE-4C66-C984-53A956EBE685}"/>
+              </a:ext>
+            </a:extLst>
+          </p:cNvPr>
+          <p:cNvSpPr>
+            <a:spLocks noGrp="1"/>
+          </p:cNvSpPr>
+          <p:nvPr>
+            <p:ph type="title"/>
+          </p:nvPr>
+        </p:nvSpPr>
+        <p:spPr/>
+        <p:txBody>
+          <a:bodyPr/>
+          <a:lstStyle/>
+          <a:p>
+            <a:r>
+              <a:rPr lang="en-US" dirty="0">
+                <a:solidFill>
+                  <a:srgbClr val="C00000"/>
+                </a:solidFill>
+              </a:rPr>
+              <a:t>AMS Algorithm</a:t>
+            </a:r>
+          </a:p>
+        </p:txBody>
+      </p:sp>
       <mc:AlternateContent xmlns:mc="http://schemas.openxmlformats.org/markup-compatibility/2006" xmlns:a14="http://schemas.microsoft.com/office/drawing/2010/main">
         <mc:Choice Requires="a14">
           <p:sp>
@@ -11389,7 +12416,7 @@
 </p:sld>
 </file>
 
-<file path=ppt/slides/slide13.xml><?xml version="1.0" encoding="utf-8"?>
+<file path=ppt/slides/slide14.xml><?xml version="1.0" encoding="utf-8"?>
 <p:sld xmlns:a="http://schemas.openxmlformats.org/drawingml/2006/main" xmlns:r="http://schemas.openxmlformats.org/officeDocument/2006/relationships" xmlns:p="http://schemas.openxmlformats.org/presentationml/2006/main">
   <p:cSld>
     <p:spTree>
@@ -12681,7 +13708,7 @@
 </p:sld>
 </file>
 
-<file path=ppt/slides/slide14.xml><?xml version="1.0" encoding="utf-8"?>
+<file path=ppt/slides/slide15.xml><?xml version="1.0" encoding="utf-8"?>
 <p:sld xmlns:a="http://schemas.openxmlformats.org/drawingml/2006/main" xmlns:r="http://schemas.openxmlformats.org/officeDocument/2006/relationships" xmlns:p="http://schemas.openxmlformats.org/presentationml/2006/main">
   <p:cSld>
     <p:spTree>
@@ -13633,8 +14660,8 @@
 </p:sld>
 </file>
 
-<file path=ppt/slides/slide15.xml><?xml version="1.0" encoding="utf-8"?>
-<p:sld xmlns:a="http://schemas.openxmlformats.org/drawingml/2006/main" xmlns:r="http://schemas.openxmlformats.org/officeDocument/2006/relationships" xmlns:p="http://schemas.openxmlformats.org/presentationml/2006/main">
+<file path=ppt/slides/slide16.xml><?xml version="1.0" encoding="utf-8"?>
+<p:sld xmlns:a="http://schemas.openxmlformats.org/drawingml/2006/main" xmlns:r="http://schemas.openxmlformats.org/officeDocument/2006/relationships" xmlns:p="http://schemas.openxmlformats.org/presentationml/2006/main" show="0">
   <p:cSld>
     <p:spTree>
       <p:nvGrpSpPr>
@@ -13776,7 +14803,7 @@
 </p:sld>
 </file>
 
-<file path=ppt/slides/slide16.xml><?xml version="1.0" encoding="utf-8"?>
+<file path=ppt/slides/slide17.xml><?xml version="1.0" encoding="utf-8"?>
 <p:sld xmlns:a="http://schemas.openxmlformats.org/drawingml/2006/main" xmlns:r="http://schemas.openxmlformats.org/officeDocument/2006/relationships" xmlns:p="http://schemas.openxmlformats.org/presentationml/2006/main">
   <p:cSld>
     <p:spTree>
@@ -14885,7 +15912,7 @@
 </p:sld>
 </file>
 
-<file path=ppt/slides/slide17.xml><?xml version="1.0" encoding="utf-8"?>
+<file path=ppt/slides/slide18.xml><?xml version="1.0" encoding="utf-8"?>
 <p:sld xmlns:a="http://schemas.openxmlformats.org/drawingml/2006/main" xmlns:r="http://schemas.openxmlformats.org/officeDocument/2006/relationships" xmlns:p="http://schemas.openxmlformats.org/presentationml/2006/main">
   <p:cSld>
     <p:spTree>
@@ -15519,7 +16546,7 @@
 </p:sld>
 </file>
 
-<file path=ppt/slides/slide18.xml><?xml version="1.0" encoding="utf-8"?>
+<file path=ppt/slides/slide19.xml><?xml version="1.0" encoding="utf-8"?>
 <p:sld xmlns:a="http://schemas.openxmlformats.org/drawingml/2006/main" xmlns:r="http://schemas.openxmlformats.org/officeDocument/2006/relationships" xmlns:p="http://schemas.openxmlformats.org/presentationml/2006/main">
   <p:cSld>
     <p:spTree>
@@ -16010,588 +17037,6 @@
     <p:extLst>
       <p:ext uri="{BB962C8B-B14F-4D97-AF65-F5344CB8AC3E}">
         <p14:creationId xmlns:p14="http://schemas.microsoft.com/office/powerpoint/2010/main" val="2294312893"/>
-      </p:ext>
-    </p:extLst>
-  </p:cSld>
-  <p:clrMapOvr>
-    <a:masterClrMapping/>
-  </p:clrMapOvr>
-  <p:timing>
-    <p:tnLst>
-      <p:par>
-        <p:cTn id="1" dur="indefinite" restart="never" nodeType="tmRoot">
-          <p:childTnLst>
-            <p:seq concurrent="1" nextAc="seek">
-              <p:cTn id="2" dur="indefinite" nodeType="mainSeq">
-                <p:childTnLst>
-                  <p:par>
-                    <p:cTn id="3" fill="hold">
-                      <p:stCondLst>
-                        <p:cond delay="indefinite"/>
-                      </p:stCondLst>
-                      <p:childTnLst>
-                        <p:par>
-                          <p:cTn id="4" fill="hold">
-                            <p:stCondLst>
-                              <p:cond delay="0"/>
-                            </p:stCondLst>
-                            <p:childTnLst>
-                              <p:par>
-                                <p:cTn id="5" presetID="1" presetClass="entr" presetSubtype="0" fill="hold" nodeType="clickEffect">
-                                  <p:stCondLst>
-                                    <p:cond delay="0"/>
-                                  </p:stCondLst>
-                                  <p:iterate type="lt">
-                                    <p:tmAbs val="1000"/>
-                                  </p:iterate>
-                                  <p:childTnLst>
-                                    <p:set>
-                                      <p:cBhvr>
-                                        <p:cTn id="6" dur="1" fill="hold">
-                                          <p:stCondLst>
-                                            <p:cond delay="0"/>
-                                          </p:stCondLst>
-                                        </p:cTn>
-                                        <p:tgtEl>
-                                          <p:spTgt spid="12">
-                                            <p:txEl>
-                                              <p:pRg st="0" end="0"/>
-                                            </p:txEl>
-                                          </p:spTgt>
-                                        </p:tgtEl>
-                                        <p:attrNameLst>
-                                          <p:attrName>style.visibility</p:attrName>
-                                        </p:attrNameLst>
-                                      </p:cBhvr>
-                                      <p:to>
-                                        <p:strVal val="visible"/>
-                                      </p:to>
-                                    </p:set>
-                                  </p:childTnLst>
-                                </p:cTn>
-                              </p:par>
-                            </p:childTnLst>
-                          </p:cTn>
-                        </p:par>
-                      </p:childTnLst>
-                    </p:cTn>
-                  </p:par>
-                </p:childTnLst>
-              </p:cTn>
-              <p:prevCondLst>
-                <p:cond evt="onPrev" delay="0">
-                  <p:tgtEl>
-                    <p:sldTgt/>
-                  </p:tgtEl>
-                </p:cond>
-              </p:prevCondLst>
-              <p:nextCondLst>
-                <p:cond evt="onNext" delay="0">
-                  <p:tgtEl>
-                    <p:sldTgt/>
-                  </p:tgtEl>
-                </p:cond>
-              </p:nextCondLst>
-            </p:seq>
-          </p:childTnLst>
-        </p:cTn>
-      </p:par>
-    </p:tnLst>
-  </p:timing>
-</p:sld>
-</file>
-
-<file path=ppt/slides/slide19.xml><?xml version="1.0" encoding="utf-8"?>
-<p:sld xmlns:a="http://schemas.openxmlformats.org/drawingml/2006/main" xmlns:r="http://schemas.openxmlformats.org/officeDocument/2006/relationships" xmlns:p="http://schemas.openxmlformats.org/presentationml/2006/main">
-  <p:cSld>
-    <p:spTree>
-      <p:nvGrpSpPr>
-        <p:cNvPr id="1" name=""/>
-        <p:cNvGrpSpPr/>
-        <p:nvPr/>
-      </p:nvGrpSpPr>
-      <p:grpSpPr>
-        <a:xfrm>
-          <a:off x="0" y="0"/>
-          <a:ext cx="0" cy="0"/>
-          <a:chOff x="0" y="0"/>
-          <a:chExt cx="0" cy="0"/>
-        </a:xfrm>
-      </p:grpSpPr>
-      <p:sp>
-        <p:nvSpPr>
-          <p:cNvPr id="2" name="Title 1">
-            <a:extLst>
-              <a:ext uri="{FF2B5EF4-FFF2-40B4-BE49-F238E27FC236}">
-                <a16:creationId xmlns:a16="http://schemas.microsoft.com/office/drawing/2014/main" id="{6D984B7A-8516-47FC-9176-8158CF0B5C45}"/>
-              </a:ext>
-            </a:extLst>
-          </p:cNvPr>
-          <p:cNvSpPr>
-            <a:spLocks noGrp="1"/>
-          </p:cNvSpPr>
-          <p:nvPr>
-            <p:ph type="title"/>
-          </p:nvPr>
-        </p:nvSpPr>
-        <p:spPr/>
-        <p:txBody>
-          <a:bodyPr/>
-          <a:lstStyle/>
-          <a:p>
-            <a:r>
-              <a:rPr lang="en-US" dirty="0">
-                <a:solidFill>
-                  <a:srgbClr val="C00000"/>
-                </a:solidFill>
-              </a:rPr>
-              <a:t>Model #2: </a:t>
-            </a:r>
-            <a:r>
-              <a:rPr lang="en-US" dirty="0" err="1">
-                <a:solidFill>
-                  <a:srgbClr val="C00000"/>
-                </a:solidFill>
-              </a:rPr>
-              <a:t>Adversarially</a:t>
-            </a:r>
-            <a:r>
-              <a:rPr lang="en-US" dirty="0">
-                <a:solidFill>
-                  <a:srgbClr val="C00000"/>
-                </a:solidFill>
-              </a:rPr>
-              <a:t> Robust Streaming</a:t>
-            </a:r>
-            <a:endParaRPr lang="en-US" dirty="0"/>
-          </a:p>
-        </p:txBody>
-      </p:sp>
-      <mc:AlternateContent xmlns:mc="http://schemas.openxmlformats.org/markup-compatibility/2006" xmlns:a14="http://schemas.microsoft.com/office/drawing/2010/main">
-        <mc:Choice Requires="a14">
-          <p:sp>
-            <p:nvSpPr>
-              <p:cNvPr id="3" name="Content Placeholder 2">
-                <a:extLst>
-                  <a:ext uri="{FF2B5EF4-FFF2-40B4-BE49-F238E27FC236}">
-                    <a16:creationId xmlns:a16="http://schemas.microsoft.com/office/drawing/2014/main" id="{15255D49-9D60-44DD-910D-2EBD0529DEC9}"/>
-                  </a:ext>
-                </a:extLst>
-              </p:cNvPr>
-              <p:cNvSpPr>
-                <a:spLocks noGrp="1"/>
-              </p:cNvSpPr>
-              <p:nvPr>
-                <p:ph idx="1"/>
-              </p:nvPr>
-            </p:nvSpPr>
-            <p:spPr/>
-            <p:txBody>
-              <a:bodyPr/>
-              <a:lstStyle/>
-              <a:p>
-                <a:pPr>
-                  <a:buClr>
-                    <a:schemeClr val="tx1"/>
-                  </a:buClr>
-                </a:pPr>
-                <a:r>
-                  <a:rPr lang="en-US" dirty="0">
-                    <a:solidFill>
-                      <a:srgbClr val="00B050"/>
-                    </a:solidFill>
-                  </a:rPr>
-                  <a:t>Input</a:t>
-                </a:r>
-                <a:r>
-                  <a:rPr lang="en-US" dirty="0"/>
-                  <a:t>: Elements of an underlying data set </a:t>
-                </a:r>
-                <a14:m>
-                  <m:oMath xmlns:m="http://schemas.openxmlformats.org/officeDocument/2006/math">
-                    <m:r>
-                      <a:rPr lang="en-US" i="1">
-                        <a:solidFill>
-                          <a:srgbClr val="C00000"/>
-                        </a:solidFill>
-                        <a:latin typeface="Cambria Math" panose="02040503050406030204" pitchFamily="18" charset="0"/>
-                      </a:rPr>
-                      <m:t>𝑆</m:t>
-                    </m:r>
-                  </m:oMath>
-                </a14:m>
-                <a:r>
-                  <a:rPr lang="en-US" dirty="0"/>
-                  <a:t>, which arrives sequentially and </a:t>
-                </a:r>
-                <a:r>
-                  <a:rPr lang="en-US" i="1" dirty="0" err="1">
-                    <a:solidFill>
-                      <a:srgbClr val="C00000"/>
-                    </a:solidFill>
-                  </a:rPr>
-                  <a:t>adversarially</a:t>
-                </a:r>
-                <a:endParaRPr lang="en-US" i="1" dirty="0"/>
-              </a:p>
-              <a:p>
-                <a:pPr>
-                  <a:buClr>
-                    <a:schemeClr val="tx1"/>
-                  </a:buClr>
-                </a:pPr>
-                <a:r>
-                  <a:rPr lang="en-US" dirty="0">
-                    <a:solidFill>
-                      <a:srgbClr val="00B050"/>
-                    </a:solidFill>
-                  </a:rPr>
-                  <a:t>Output</a:t>
-                </a:r>
-                <a:r>
-                  <a:rPr lang="en-US" dirty="0"/>
-                  <a:t>: Evaluation (or approximation) of a given function</a:t>
-                </a:r>
-              </a:p>
-              <a:p>
-                <a:pPr>
-                  <a:buClr>
-                    <a:schemeClr val="tx1"/>
-                  </a:buClr>
-                </a:pPr>
-                <a:r>
-                  <a:rPr lang="en-US" dirty="0">
-                    <a:solidFill>
-                      <a:srgbClr val="00B050"/>
-                    </a:solidFill>
-                  </a:rPr>
-                  <a:t>Goal</a:t>
-                </a:r>
-                <a:r>
-                  <a:rPr lang="en-US" dirty="0"/>
-                  <a:t>: Use space </a:t>
-                </a:r>
-                <a:r>
-                  <a:rPr lang="en-US" i="1" dirty="0">
-                    <a:solidFill>
-                      <a:srgbClr val="7030A0"/>
-                    </a:solidFill>
-                  </a:rPr>
-                  <a:t>sublinear</a:t>
-                </a:r>
-                <a:r>
-                  <a:rPr lang="en-US" i="1" dirty="0"/>
-                  <a:t> </a:t>
-                </a:r>
-                <a:r>
-                  <a:rPr lang="en-US" dirty="0"/>
-                  <a:t>in the size </a:t>
-                </a:r>
-                <a14:m>
-                  <m:oMath xmlns:m="http://schemas.openxmlformats.org/officeDocument/2006/math">
-                    <m:r>
-                      <a:rPr lang="en-US" i="1">
-                        <a:solidFill>
-                          <a:srgbClr val="C00000"/>
-                        </a:solidFill>
-                        <a:latin typeface="Cambria Math" panose="02040503050406030204" pitchFamily="18" charset="0"/>
-                      </a:rPr>
-                      <m:t>𝑚</m:t>
-                    </m:r>
-                    <m:r>
-                      <a:rPr lang="en-US" i="1">
-                        <a:solidFill>
-                          <a:srgbClr val="C00000"/>
-                        </a:solidFill>
-                        <a:latin typeface="Cambria Math" panose="02040503050406030204" pitchFamily="18" charset="0"/>
-                      </a:rPr>
-                      <m:t> </m:t>
-                    </m:r>
-                  </m:oMath>
-                </a14:m>
-                <a:r>
-                  <a:rPr lang="en-US" dirty="0"/>
-                  <a:t>of the input </a:t>
-                </a:r>
-                <a14:m>
-                  <m:oMath xmlns:m="http://schemas.openxmlformats.org/officeDocument/2006/math">
-                    <m:r>
-                      <a:rPr lang="en-US" i="1">
-                        <a:solidFill>
-                          <a:srgbClr val="C00000"/>
-                        </a:solidFill>
-                        <a:latin typeface="Cambria Math" panose="02040503050406030204" pitchFamily="18" charset="0"/>
-                      </a:rPr>
-                      <m:t>𝑆</m:t>
-                    </m:r>
-                  </m:oMath>
-                </a14:m>
-                <a:endParaRPr lang="en-US" dirty="0">
-                  <a:solidFill>
-                    <a:srgbClr val="C00000"/>
-                  </a:solidFill>
-                </a:endParaRPr>
-              </a:p>
-            </p:txBody>
-          </p:sp>
-        </mc:Choice>
-        <mc:Fallback xmlns="">
-          <p:sp>
-            <p:nvSpPr>
-              <p:cNvPr id="3" name="Content Placeholder 2">
-                <a:extLst>
-                  <a:ext uri="{FF2B5EF4-FFF2-40B4-BE49-F238E27FC236}">
-                    <a16:creationId xmlns:a16="http://schemas.microsoft.com/office/drawing/2014/main" id="{15255D49-9D60-44DD-910D-2EBD0529DEC9}"/>
-                  </a:ext>
-                </a:extLst>
-              </p:cNvPr>
-              <p:cNvSpPr>
-                <a:spLocks noGrp="1" noRot="1" noChangeAspect="1" noMove="1" noResize="1" noEditPoints="1" noAdjustHandles="1" noChangeArrowheads="1" noChangeShapeType="1" noTextEdit="1"/>
-              </p:cNvSpPr>
-              <p:nvPr>
-                <p:ph idx="1"/>
-              </p:nvPr>
-            </p:nvSpPr>
-            <p:spPr>
-              <a:blipFill>
-                <a:blip r:embed="rId3"/>
-                <a:stretch>
-                  <a:fillRect l="-1043" t="-2241"/>
-                </a:stretch>
-              </a:blipFill>
-            </p:spPr>
-            <p:txBody>
-              <a:bodyPr/>
-              <a:lstStyle/>
-              <a:p>
-                <a:r>
-                  <a:rPr lang="en-US">
-                    <a:noFill/>
-                  </a:rPr>
-                  <a:t> </a:t>
-                </a:r>
-              </a:p>
-            </p:txBody>
-          </p:sp>
-        </mc:Fallback>
-      </mc:AlternateContent>
-      <p:pic>
-        <p:nvPicPr>
-          <p:cNvPr id="1026" name="Picture 2" descr="Image result for hacker clipart">
-            <a:extLst>
-              <a:ext uri="{FF2B5EF4-FFF2-40B4-BE49-F238E27FC236}">
-                <a16:creationId xmlns:a16="http://schemas.microsoft.com/office/drawing/2014/main" id="{6157BAA3-7F96-4ED9-BBF4-8361607E3A09}"/>
-              </a:ext>
-            </a:extLst>
-          </p:cNvPr>
-          <p:cNvPicPr>
-            <a:picLocks noChangeAspect="1" noChangeArrowheads="1"/>
-          </p:cNvPicPr>
-          <p:nvPr/>
-        </p:nvPicPr>
-        <p:blipFill>
-          <a:blip r:embed="rId4">
-            <a:extLst>
-              <a:ext uri="{28A0092B-C50C-407E-A947-70E740481C1C}">
-                <a14:useLocalDpi xmlns:a14="http://schemas.microsoft.com/office/drawing/2010/main" val="0"/>
-              </a:ext>
-            </a:extLst>
-          </a:blip>
-          <a:srcRect/>
-          <a:stretch>
-            <a:fillRect/>
-          </a:stretch>
-        </p:blipFill>
-        <p:spPr bwMode="auto">
-          <a:xfrm>
-            <a:off x="1043081" y="4158264"/>
-            <a:ext cx="1743075" cy="1790700"/>
-          </a:xfrm>
-          <a:prstGeom prst="rect">
-            <a:avLst/>
-          </a:prstGeom>
-          <a:noFill/>
-          <a:extLst>
-            <a:ext uri="{909E8E84-426E-40DD-AFC4-6F175D3DCCD1}">
-              <a14:hiddenFill xmlns:a14="http://schemas.microsoft.com/office/drawing/2010/main">
-                <a:solidFill>
-                  <a:srgbClr val="FFFFFF"/>
-                </a:solidFill>
-              </a14:hiddenFill>
-            </a:ext>
-          </a:extLst>
-        </p:spPr>
-      </p:pic>
-      <p:sp>
-        <p:nvSpPr>
-          <p:cNvPr id="9" name="TextBox 8">
-            <a:extLst>
-              <a:ext uri="{FF2B5EF4-FFF2-40B4-BE49-F238E27FC236}">
-                <a16:creationId xmlns:a16="http://schemas.microsoft.com/office/drawing/2014/main" id="{28942A8E-5218-4DA2-9563-772E9BC3A65A}"/>
-              </a:ext>
-            </a:extLst>
-          </p:cNvPr>
-          <p:cNvSpPr txBox="1"/>
-          <p:nvPr/>
-        </p:nvSpPr>
-        <p:spPr>
-          <a:xfrm>
-            <a:off x="3175148" y="4699671"/>
-            <a:ext cx="963725" cy="707886"/>
-          </a:xfrm>
-          <a:prstGeom prst="rect">
-            <a:avLst/>
-          </a:prstGeom>
-          <a:noFill/>
-        </p:spPr>
-        <p:txBody>
-          <a:bodyPr wrap="none" rtlCol="0">
-            <a:spAutoFit/>
-          </a:bodyPr>
-          <a:lstStyle/>
-          <a:p>
-            <a:pPr marL="0" marR="0" lvl="0" indent="0" algn="l" defTabSz="914400" rtl="0" eaLnBrk="1" fontAlgn="auto" latinLnBrk="0" hangingPunct="1">
-              <a:lnSpc>
-                <a:spcPct val="100000"/>
-              </a:lnSpc>
-              <a:spcBef>
-                <a:spcPts val="0"/>
-              </a:spcBef>
-              <a:spcAft>
-                <a:spcPts val="0"/>
-              </a:spcAft>
-              <a:buClrTx/>
-              <a:buSzTx/>
-              <a:buFontTx/>
-              <a:buNone/>
-              <a:tabLst/>
-              <a:defRPr/>
-            </a:pPr>
-            <a:r>
-              <a:rPr kumimoji="0" lang="en-US" sz="4000" b="0" i="0" u="none" strike="noStrike" kern="1200" cap="none" spc="0" normalizeH="0" baseline="0" noProof="0" dirty="0">
-                <a:ln>
-                  <a:noFill/>
-                </a:ln>
-                <a:solidFill>
-                  <a:prstClr val="black"/>
-                </a:solidFill>
-                <a:effectLst/>
-                <a:uLnTx/>
-                <a:uFillTx/>
-                <a:latin typeface="Calibri" panose="020F0502020204030204"/>
-                <a:ea typeface="+mn-ea"/>
-                <a:cs typeface="+mn-cs"/>
-              </a:rPr>
-              <a:t>101</a:t>
-            </a:r>
-          </a:p>
-        </p:txBody>
-      </p:sp>
-      <p:pic>
-        <p:nvPicPr>
-          <p:cNvPr id="10" name="Picture 9" descr="A picture containing clipart&#10;&#10;Description automatically generated">
-            <a:extLst>
-              <a:ext uri="{FF2B5EF4-FFF2-40B4-BE49-F238E27FC236}">
-                <a16:creationId xmlns:a16="http://schemas.microsoft.com/office/drawing/2014/main" id="{8DC6FE31-B607-4356-85E4-A2BE83D9C961}"/>
-              </a:ext>
-            </a:extLst>
-          </p:cNvPr>
-          <p:cNvPicPr>
-            <a:picLocks noChangeAspect="1"/>
-          </p:cNvPicPr>
-          <p:nvPr/>
-        </p:nvPicPr>
-        <p:blipFill>
-          <a:blip r:embed="rId5">
-            <a:extLst>
-              <a:ext uri="{28A0092B-C50C-407E-A947-70E740481C1C}">
-                <a14:useLocalDpi xmlns:a14="http://schemas.microsoft.com/office/drawing/2010/main" val="0"/>
-              </a:ext>
-            </a:extLst>
-          </a:blip>
-          <a:stretch>
-            <a:fillRect/>
-          </a:stretch>
-        </p:blipFill>
-        <p:spPr>
-          <a:xfrm>
-            <a:off x="9390078" y="4001294"/>
-            <a:ext cx="1620520" cy="2025650"/>
-          </a:xfrm>
-          <a:prstGeom prst="rect">
-            <a:avLst/>
-          </a:prstGeom>
-        </p:spPr>
-      </p:pic>
-      <p:sp>
-        <p:nvSpPr>
-          <p:cNvPr id="12" name="TextBox 11">
-            <a:extLst>
-              <a:ext uri="{FF2B5EF4-FFF2-40B4-BE49-F238E27FC236}">
-                <a16:creationId xmlns:a16="http://schemas.microsoft.com/office/drawing/2014/main" id="{353B686B-0020-4DE7-BA6E-01AEFC87D6C2}"/>
-              </a:ext>
-            </a:extLst>
-          </p:cNvPr>
-          <p:cNvSpPr txBox="1"/>
-          <p:nvPr/>
-        </p:nvSpPr>
-        <p:spPr>
-          <a:xfrm>
-            <a:off x="8350326" y="4699671"/>
-            <a:ext cx="444352" cy="707886"/>
-          </a:xfrm>
-          <a:prstGeom prst="rect">
-            <a:avLst/>
-          </a:prstGeom>
-          <a:noFill/>
-        </p:spPr>
-        <p:txBody>
-          <a:bodyPr wrap="none" rtlCol="0">
-            <a:spAutoFit/>
-          </a:bodyPr>
-          <a:lstStyle/>
-          <a:p>
-            <a:pPr marL="0" marR="0" lvl="0" indent="0" algn="l" defTabSz="914400" rtl="0" eaLnBrk="1" fontAlgn="auto" latinLnBrk="0" hangingPunct="1">
-              <a:lnSpc>
-                <a:spcPct val="100000"/>
-              </a:lnSpc>
-              <a:spcBef>
-                <a:spcPts val="0"/>
-              </a:spcBef>
-              <a:spcAft>
-                <a:spcPts val="0"/>
-              </a:spcAft>
-              <a:buClrTx/>
-              <a:buSzTx/>
-              <a:buFontTx/>
-              <a:buNone/>
-              <a:tabLst/>
-              <a:defRPr/>
-            </a:pPr>
-            <a:r>
-              <a:rPr kumimoji="0" lang="en-US" sz="4000" b="0" i="0" u="none" strike="noStrike" kern="1200" cap="none" spc="0" normalizeH="0" baseline="0" noProof="0" dirty="0">
-                <a:ln>
-                  <a:noFill/>
-                </a:ln>
-                <a:solidFill>
-                  <a:srgbClr val="00B050"/>
-                </a:solidFill>
-                <a:effectLst/>
-                <a:uLnTx/>
-                <a:uFillTx/>
-                <a:latin typeface="Calibri" panose="020F0502020204030204"/>
-                <a:ea typeface="+mn-ea"/>
-                <a:cs typeface="+mn-cs"/>
-              </a:rPr>
-              <a:t>2</a:t>
-            </a:r>
-          </a:p>
-        </p:txBody>
-      </p:sp>
-    </p:spTree>
-    <p:extLst>
-      <p:ext uri="{BB962C8B-B14F-4D97-AF65-F5344CB8AC3E}">
-        <p14:creationId xmlns:p14="http://schemas.microsoft.com/office/powerpoint/2010/main" val="3603564388"/>
       </p:ext>
     </p:extLst>
   </p:cSld>
@@ -17198,6 +17643,588 @@
         <p:spPr>
           <a:xfrm>
             <a:off x="3175148" y="4699671"/>
+            <a:ext cx="963725" cy="707886"/>
+          </a:xfrm>
+          <a:prstGeom prst="rect">
+            <a:avLst/>
+          </a:prstGeom>
+          <a:noFill/>
+        </p:spPr>
+        <p:txBody>
+          <a:bodyPr wrap="none" rtlCol="0">
+            <a:spAutoFit/>
+          </a:bodyPr>
+          <a:lstStyle/>
+          <a:p>
+            <a:pPr marL="0" marR="0" lvl="0" indent="0" algn="l" defTabSz="914400" rtl="0" eaLnBrk="1" fontAlgn="auto" latinLnBrk="0" hangingPunct="1">
+              <a:lnSpc>
+                <a:spcPct val="100000"/>
+              </a:lnSpc>
+              <a:spcBef>
+                <a:spcPts val="0"/>
+              </a:spcBef>
+              <a:spcAft>
+                <a:spcPts val="0"/>
+              </a:spcAft>
+              <a:buClrTx/>
+              <a:buSzTx/>
+              <a:buFontTx/>
+              <a:buNone/>
+              <a:tabLst/>
+              <a:defRPr/>
+            </a:pPr>
+            <a:r>
+              <a:rPr kumimoji="0" lang="en-US" sz="4000" b="0" i="0" u="none" strike="noStrike" kern="1200" cap="none" spc="0" normalizeH="0" baseline="0" noProof="0" dirty="0">
+                <a:ln>
+                  <a:noFill/>
+                </a:ln>
+                <a:solidFill>
+                  <a:prstClr val="black"/>
+                </a:solidFill>
+                <a:effectLst/>
+                <a:uLnTx/>
+                <a:uFillTx/>
+                <a:latin typeface="Calibri" panose="020F0502020204030204"/>
+                <a:ea typeface="+mn-ea"/>
+                <a:cs typeface="+mn-cs"/>
+              </a:rPr>
+              <a:t>101</a:t>
+            </a:r>
+          </a:p>
+        </p:txBody>
+      </p:sp>
+      <p:pic>
+        <p:nvPicPr>
+          <p:cNvPr id="10" name="Picture 9" descr="A picture containing clipart&#10;&#10;Description automatically generated">
+            <a:extLst>
+              <a:ext uri="{FF2B5EF4-FFF2-40B4-BE49-F238E27FC236}">
+                <a16:creationId xmlns:a16="http://schemas.microsoft.com/office/drawing/2014/main" id="{8DC6FE31-B607-4356-85E4-A2BE83D9C961}"/>
+              </a:ext>
+            </a:extLst>
+          </p:cNvPr>
+          <p:cNvPicPr>
+            <a:picLocks noChangeAspect="1"/>
+          </p:cNvPicPr>
+          <p:nvPr/>
+        </p:nvPicPr>
+        <p:blipFill>
+          <a:blip r:embed="rId5">
+            <a:extLst>
+              <a:ext uri="{28A0092B-C50C-407E-A947-70E740481C1C}">
+                <a14:useLocalDpi xmlns:a14="http://schemas.microsoft.com/office/drawing/2010/main" val="0"/>
+              </a:ext>
+            </a:extLst>
+          </a:blip>
+          <a:stretch>
+            <a:fillRect/>
+          </a:stretch>
+        </p:blipFill>
+        <p:spPr>
+          <a:xfrm>
+            <a:off x="9390078" y="4001294"/>
+            <a:ext cx="1620520" cy="2025650"/>
+          </a:xfrm>
+          <a:prstGeom prst="rect">
+            <a:avLst/>
+          </a:prstGeom>
+        </p:spPr>
+      </p:pic>
+      <p:sp>
+        <p:nvSpPr>
+          <p:cNvPr id="12" name="TextBox 11">
+            <a:extLst>
+              <a:ext uri="{FF2B5EF4-FFF2-40B4-BE49-F238E27FC236}">
+                <a16:creationId xmlns:a16="http://schemas.microsoft.com/office/drawing/2014/main" id="{353B686B-0020-4DE7-BA6E-01AEFC87D6C2}"/>
+              </a:ext>
+            </a:extLst>
+          </p:cNvPr>
+          <p:cNvSpPr txBox="1"/>
+          <p:nvPr/>
+        </p:nvSpPr>
+        <p:spPr>
+          <a:xfrm>
+            <a:off x="8350326" y="4699671"/>
+            <a:ext cx="444352" cy="707886"/>
+          </a:xfrm>
+          <a:prstGeom prst="rect">
+            <a:avLst/>
+          </a:prstGeom>
+          <a:noFill/>
+        </p:spPr>
+        <p:txBody>
+          <a:bodyPr wrap="none" rtlCol="0">
+            <a:spAutoFit/>
+          </a:bodyPr>
+          <a:lstStyle/>
+          <a:p>
+            <a:pPr marL="0" marR="0" lvl="0" indent="0" algn="l" defTabSz="914400" rtl="0" eaLnBrk="1" fontAlgn="auto" latinLnBrk="0" hangingPunct="1">
+              <a:lnSpc>
+                <a:spcPct val="100000"/>
+              </a:lnSpc>
+              <a:spcBef>
+                <a:spcPts val="0"/>
+              </a:spcBef>
+              <a:spcAft>
+                <a:spcPts val="0"/>
+              </a:spcAft>
+              <a:buClrTx/>
+              <a:buSzTx/>
+              <a:buFontTx/>
+              <a:buNone/>
+              <a:tabLst/>
+              <a:defRPr/>
+            </a:pPr>
+            <a:r>
+              <a:rPr kumimoji="0" lang="en-US" sz="4000" b="0" i="0" u="none" strike="noStrike" kern="1200" cap="none" spc="0" normalizeH="0" baseline="0" noProof="0" dirty="0">
+                <a:ln>
+                  <a:noFill/>
+                </a:ln>
+                <a:solidFill>
+                  <a:srgbClr val="00B050"/>
+                </a:solidFill>
+                <a:effectLst/>
+                <a:uLnTx/>
+                <a:uFillTx/>
+                <a:latin typeface="Calibri" panose="020F0502020204030204"/>
+                <a:ea typeface="+mn-ea"/>
+                <a:cs typeface="+mn-cs"/>
+              </a:rPr>
+              <a:t>2</a:t>
+            </a:r>
+          </a:p>
+        </p:txBody>
+      </p:sp>
+    </p:spTree>
+    <p:extLst>
+      <p:ext uri="{BB962C8B-B14F-4D97-AF65-F5344CB8AC3E}">
+        <p14:creationId xmlns:p14="http://schemas.microsoft.com/office/powerpoint/2010/main" val="3603564388"/>
+      </p:ext>
+    </p:extLst>
+  </p:cSld>
+  <p:clrMapOvr>
+    <a:masterClrMapping/>
+  </p:clrMapOvr>
+  <p:timing>
+    <p:tnLst>
+      <p:par>
+        <p:cTn id="1" dur="indefinite" restart="never" nodeType="tmRoot">
+          <p:childTnLst>
+            <p:seq concurrent="1" nextAc="seek">
+              <p:cTn id="2" dur="indefinite" nodeType="mainSeq">
+                <p:childTnLst>
+                  <p:par>
+                    <p:cTn id="3" fill="hold">
+                      <p:stCondLst>
+                        <p:cond delay="indefinite"/>
+                      </p:stCondLst>
+                      <p:childTnLst>
+                        <p:par>
+                          <p:cTn id="4" fill="hold">
+                            <p:stCondLst>
+                              <p:cond delay="0"/>
+                            </p:stCondLst>
+                            <p:childTnLst>
+                              <p:par>
+                                <p:cTn id="5" presetID="1" presetClass="entr" presetSubtype="0" fill="hold" nodeType="clickEffect">
+                                  <p:stCondLst>
+                                    <p:cond delay="0"/>
+                                  </p:stCondLst>
+                                  <p:iterate type="lt">
+                                    <p:tmAbs val="1000"/>
+                                  </p:iterate>
+                                  <p:childTnLst>
+                                    <p:set>
+                                      <p:cBhvr>
+                                        <p:cTn id="6" dur="1" fill="hold">
+                                          <p:stCondLst>
+                                            <p:cond delay="0"/>
+                                          </p:stCondLst>
+                                        </p:cTn>
+                                        <p:tgtEl>
+                                          <p:spTgt spid="12">
+                                            <p:txEl>
+                                              <p:pRg st="0" end="0"/>
+                                            </p:txEl>
+                                          </p:spTgt>
+                                        </p:tgtEl>
+                                        <p:attrNameLst>
+                                          <p:attrName>style.visibility</p:attrName>
+                                        </p:attrNameLst>
+                                      </p:cBhvr>
+                                      <p:to>
+                                        <p:strVal val="visible"/>
+                                      </p:to>
+                                    </p:set>
+                                  </p:childTnLst>
+                                </p:cTn>
+                              </p:par>
+                            </p:childTnLst>
+                          </p:cTn>
+                        </p:par>
+                      </p:childTnLst>
+                    </p:cTn>
+                  </p:par>
+                </p:childTnLst>
+              </p:cTn>
+              <p:prevCondLst>
+                <p:cond evt="onPrev" delay="0">
+                  <p:tgtEl>
+                    <p:sldTgt/>
+                  </p:tgtEl>
+                </p:cond>
+              </p:prevCondLst>
+              <p:nextCondLst>
+                <p:cond evt="onNext" delay="0">
+                  <p:tgtEl>
+                    <p:sldTgt/>
+                  </p:tgtEl>
+                </p:cond>
+              </p:nextCondLst>
+            </p:seq>
+          </p:childTnLst>
+        </p:cTn>
+      </p:par>
+    </p:tnLst>
+  </p:timing>
+</p:sld>
+</file>
+
+<file path=ppt/slides/slide21.xml><?xml version="1.0" encoding="utf-8"?>
+<p:sld xmlns:a="http://schemas.openxmlformats.org/drawingml/2006/main" xmlns:r="http://schemas.openxmlformats.org/officeDocument/2006/relationships" xmlns:p="http://schemas.openxmlformats.org/presentationml/2006/main">
+  <p:cSld>
+    <p:spTree>
+      <p:nvGrpSpPr>
+        <p:cNvPr id="1" name=""/>
+        <p:cNvGrpSpPr/>
+        <p:nvPr/>
+      </p:nvGrpSpPr>
+      <p:grpSpPr>
+        <a:xfrm>
+          <a:off x="0" y="0"/>
+          <a:ext cx="0" cy="0"/>
+          <a:chOff x="0" y="0"/>
+          <a:chExt cx="0" cy="0"/>
+        </a:xfrm>
+      </p:grpSpPr>
+      <p:sp>
+        <p:nvSpPr>
+          <p:cNvPr id="2" name="Title 1">
+            <a:extLst>
+              <a:ext uri="{FF2B5EF4-FFF2-40B4-BE49-F238E27FC236}">
+                <a16:creationId xmlns:a16="http://schemas.microsoft.com/office/drawing/2014/main" id="{6D984B7A-8516-47FC-9176-8158CF0B5C45}"/>
+              </a:ext>
+            </a:extLst>
+          </p:cNvPr>
+          <p:cNvSpPr>
+            <a:spLocks noGrp="1"/>
+          </p:cNvSpPr>
+          <p:nvPr>
+            <p:ph type="title"/>
+          </p:nvPr>
+        </p:nvSpPr>
+        <p:spPr/>
+        <p:txBody>
+          <a:bodyPr/>
+          <a:lstStyle/>
+          <a:p>
+            <a:r>
+              <a:rPr lang="en-US" dirty="0">
+                <a:solidFill>
+                  <a:srgbClr val="C00000"/>
+                </a:solidFill>
+              </a:rPr>
+              <a:t>Model #2: </a:t>
+            </a:r>
+            <a:r>
+              <a:rPr lang="en-US" dirty="0" err="1">
+                <a:solidFill>
+                  <a:srgbClr val="C00000"/>
+                </a:solidFill>
+              </a:rPr>
+              <a:t>Adversarially</a:t>
+            </a:r>
+            <a:r>
+              <a:rPr lang="en-US" dirty="0">
+                <a:solidFill>
+                  <a:srgbClr val="C00000"/>
+                </a:solidFill>
+              </a:rPr>
+              <a:t> Robust Streaming</a:t>
+            </a:r>
+            <a:endParaRPr lang="en-US" dirty="0"/>
+          </a:p>
+        </p:txBody>
+      </p:sp>
+      <mc:AlternateContent xmlns:mc="http://schemas.openxmlformats.org/markup-compatibility/2006" xmlns:a14="http://schemas.microsoft.com/office/drawing/2010/main">
+        <mc:Choice Requires="a14">
+          <p:sp>
+            <p:nvSpPr>
+              <p:cNvPr id="3" name="Content Placeholder 2">
+                <a:extLst>
+                  <a:ext uri="{FF2B5EF4-FFF2-40B4-BE49-F238E27FC236}">
+                    <a16:creationId xmlns:a16="http://schemas.microsoft.com/office/drawing/2014/main" id="{15255D49-9D60-44DD-910D-2EBD0529DEC9}"/>
+                  </a:ext>
+                </a:extLst>
+              </p:cNvPr>
+              <p:cNvSpPr>
+                <a:spLocks noGrp="1"/>
+              </p:cNvSpPr>
+              <p:nvPr>
+                <p:ph idx="1"/>
+              </p:nvPr>
+            </p:nvSpPr>
+            <p:spPr/>
+            <p:txBody>
+              <a:bodyPr/>
+              <a:lstStyle/>
+              <a:p>
+                <a:pPr>
+                  <a:buClr>
+                    <a:schemeClr val="tx1"/>
+                  </a:buClr>
+                </a:pPr>
+                <a:r>
+                  <a:rPr lang="en-US" dirty="0">
+                    <a:solidFill>
+                      <a:srgbClr val="00B050"/>
+                    </a:solidFill>
+                  </a:rPr>
+                  <a:t>Input</a:t>
+                </a:r>
+                <a:r>
+                  <a:rPr lang="en-US" dirty="0"/>
+                  <a:t>: Elements of an underlying data set </a:t>
+                </a:r>
+                <a14:m>
+                  <m:oMath xmlns:m="http://schemas.openxmlformats.org/officeDocument/2006/math">
+                    <m:r>
+                      <a:rPr lang="en-US" i="1">
+                        <a:solidFill>
+                          <a:srgbClr val="C00000"/>
+                        </a:solidFill>
+                        <a:latin typeface="Cambria Math" panose="02040503050406030204" pitchFamily="18" charset="0"/>
+                      </a:rPr>
+                      <m:t>𝑆</m:t>
+                    </m:r>
+                  </m:oMath>
+                </a14:m>
+                <a:r>
+                  <a:rPr lang="en-US" dirty="0"/>
+                  <a:t>, which arrives sequentially and </a:t>
+                </a:r>
+                <a:r>
+                  <a:rPr lang="en-US" i="1" dirty="0" err="1">
+                    <a:solidFill>
+                      <a:srgbClr val="C00000"/>
+                    </a:solidFill>
+                  </a:rPr>
+                  <a:t>adversarially</a:t>
+                </a:r>
+                <a:endParaRPr lang="en-US" i="1" dirty="0"/>
+              </a:p>
+              <a:p>
+                <a:pPr>
+                  <a:buClr>
+                    <a:schemeClr val="tx1"/>
+                  </a:buClr>
+                </a:pPr>
+                <a:r>
+                  <a:rPr lang="en-US" dirty="0">
+                    <a:solidFill>
+                      <a:srgbClr val="00B050"/>
+                    </a:solidFill>
+                  </a:rPr>
+                  <a:t>Output</a:t>
+                </a:r>
+                <a:r>
+                  <a:rPr lang="en-US" dirty="0"/>
+                  <a:t>: Evaluation (or approximation) of a given function</a:t>
+                </a:r>
+              </a:p>
+              <a:p>
+                <a:pPr>
+                  <a:buClr>
+                    <a:schemeClr val="tx1"/>
+                  </a:buClr>
+                </a:pPr>
+                <a:r>
+                  <a:rPr lang="en-US" dirty="0">
+                    <a:solidFill>
+                      <a:srgbClr val="00B050"/>
+                    </a:solidFill>
+                  </a:rPr>
+                  <a:t>Goal</a:t>
+                </a:r>
+                <a:r>
+                  <a:rPr lang="en-US" dirty="0"/>
+                  <a:t>: Use space </a:t>
+                </a:r>
+                <a:r>
+                  <a:rPr lang="en-US" i="1" dirty="0">
+                    <a:solidFill>
+                      <a:srgbClr val="7030A0"/>
+                    </a:solidFill>
+                  </a:rPr>
+                  <a:t>sublinear</a:t>
+                </a:r>
+                <a:r>
+                  <a:rPr lang="en-US" i="1" dirty="0"/>
+                  <a:t> </a:t>
+                </a:r>
+                <a:r>
+                  <a:rPr lang="en-US" dirty="0"/>
+                  <a:t>in the size </a:t>
+                </a:r>
+                <a14:m>
+                  <m:oMath xmlns:m="http://schemas.openxmlformats.org/officeDocument/2006/math">
+                    <m:r>
+                      <a:rPr lang="en-US" i="1">
+                        <a:solidFill>
+                          <a:srgbClr val="C00000"/>
+                        </a:solidFill>
+                        <a:latin typeface="Cambria Math" panose="02040503050406030204" pitchFamily="18" charset="0"/>
+                      </a:rPr>
+                      <m:t>𝑚</m:t>
+                    </m:r>
+                    <m:r>
+                      <a:rPr lang="en-US" i="1">
+                        <a:solidFill>
+                          <a:srgbClr val="C00000"/>
+                        </a:solidFill>
+                        <a:latin typeface="Cambria Math" panose="02040503050406030204" pitchFamily="18" charset="0"/>
+                      </a:rPr>
+                      <m:t> </m:t>
+                    </m:r>
+                  </m:oMath>
+                </a14:m>
+                <a:r>
+                  <a:rPr lang="en-US" dirty="0"/>
+                  <a:t>of the input </a:t>
+                </a:r>
+                <a14:m>
+                  <m:oMath xmlns:m="http://schemas.openxmlformats.org/officeDocument/2006/math">
+                    <m:r>
+                      <a:rPr lang="en-US" i="1">
+                        <a:solidFill>
+                          <a:srgbClr val="C00000"/>
+                        </a:solidFill>
+                        <a:latin typeface="Cambria Math" panose="02040503050406030204" pitchFamily="18" charset="0"/>
+                      </a:rPr>
+                      <m:t>𝑆</m:t>
+                    </m:r>
+                  </m:oMath>
+                </a14:m>
+                <a:endParaRPr lang="en-US" dirty="0">
+                  <a:solidFill>
+                    <a:srgbClr val="C00000"/>
+                  </a:solidFill>
+                </a:endParaRPr>
+              </a:p>
+            </p:txBody>
+          </p:sp>
+        </mc:Choice>
+        <mc:Fallback xmlns="">
+          <p:sp>
+            <p:nvSpPr>
+              <p:cNvPr id="3" name="Content Placeholder 2">
+                <a:extLst>
+                  <a:ext uri="{FF2B5EF4-FFF2-40B4-BE49-F238E27FC236}">
+                    <a16:creationId xmlns:a16="http://schemas.microsoft.com/office/drawing/2014/main" id="{15255D49-9D60-44DD-910D-2EBD0529DEC9}"/>
+                  </a:ext>
+                </a:extLst>
+              </p:cNvPr>
+              <p:cNvSpPr>
+                <a:spLocks noGrp="1" noRot="1" noChangeAspect="1" noMove="1" noResize="1" noEditPoints="1" noAdjustHandles="1" noChangeArrowheads="1" noChangeShapeType="1" noTextEdit="1"/>
+              </p:cNvSpPr>
+              <p:nvPr>
+                <p:ph idx="1"/>
+              </p:nvPr>
+            </p:nvSpPr>
+            <p:spPr>
+              <a:blipFill>
+                <a:blip r:embed="rId3"/>
+                <a:stretch>
+                  <a:fillRect l="-1043" t="-2241"/>
+                </a:stretch>
+              </a:blipFill>
+            </p:spPr>
+            <p:txBody>
+              <a:bodyPr/>
+              <a:lstStyle/>
+              <a:p>
+                <a:r>
+                  <a:rPr lang="en-US">
+                    <a:noFill/>
+                  </a:rPr>
+                  <a:t> </a:t>
+                </a:r>
+              </a:p>
+            </p:txBody>
+          </p:sp>
+        </mc:Fallback>
+      </mc:AlternateContent>
+      <p:pic>
+        <p:nvPicPr>
+          <p:cNvPr id="1026" name="Picture 2" descr="Image result for hacker clipart">
+            <a:extLst>
+              <a:ext uri="{FF2B5EF4-FFF2-40B4-BE49-F238E27FC236}">
+                <a16:creationId xmlns:a16="http://schemas.microsoft.com/office/drawing/2014/main" id="{6157BAA3-7F96-4ED9-BBF4-8361607E3A09}"/>
+              </a:ext>
+            </a:extLst>
+          </p:cNvPr>
+          <p:cNvPicPr>
+            <a:picLocks noChangeAspect="1" noChangeArrowheads="1"/>
+          </p:cNvPicPr>
+          <p:nvPr/>
+        </p:nvPicPr>
+        <p:blipFill>
+          <a:blip r:embed="rId4">
+            <a:extLst>
+              <a:ext uri="{28A0092B-C50C-407E-A947-70E740481C1C}">
+                <a14:useLocalDpi xmlns:a14="http://schemas.microsoft.com/office/drawing/2010/main" val="0"/>
+              </a:ext>
+            </a:extLst>
+          </a:blip>
+          <a:srcRect/>
+          <a:stretch>
+            <a:fillRect/>
+          </a:stretch>
+        </p:blipFill>
+        <p:spPr bwMode="auto">
+          <a:xfrm>
+            <a:off x="1043081" y="4158264"/>
+            <a:ext cx="1743075" cy="1790700"/>
+          </a:xfrm>
+          <a:prstGeom prst="rect">
+            <a:avLst/>
+          </a:prstGeom>
+          <a:noFill/>
+          <a:extLst>
+            <a:ext uri="{909E8E84-426E-40DD-AFC4-6F175D3DCCD1}">
+              <a14:hiddenFill xmlns:a14="http://schemas.microsoft.com/office/drawing/2010/main">
+                <a:solidFill>
+                  <a:srgbClr val="FFFFFF"/>
+                </a:solidFill>
+              </a14:hiddenFill>
+            </a:ext>
+          </a:extLst>
+        </p:spPr>
+      </p:pic>
+      <p:sp>
+        <p:nvSpPr>
+          <p:cNvPr id="9" name="TextBox 8">
+            <a:extLst>
+              <a:ext uri="{FF2B5EF4-FFF2-40B4-BE49-F238E27FC236}">
+                <a16:creationId xmlns:a16="http://schemas.microsoft.com/office/drawing/2014/main" id="{28942A8E-5218-4DA2-9563-772E9BC3A65A}"/>
+              </a:ext>
+            </a:extLst>
+          </p:cNvPr>
+          <p:cNvSpPr txBox="1"/>
+          <p:nvPr/>
+        </p:nvSpPr>
+        <p:spPr>
+          <a:xfrm>
+            <a:off x="3175148" y="4699671"/>
             <a:ext cx="1223412" cy="707886"/>
           </a:xfrm>
           <a:prstGeom prst="rect">
@@ -17444,7 +18471,7 @@
 </p:sld>
 </file>
 
-<file path=ppt/slides/slide21.xml><?xml version="1.0" encoding="utf-8"?>
+<file path=ppt/slides/slide22.xml><?xml version="1.0" encoding="utf-8"?>
 <p:sld xmlns:a="http://schemas.openxmlformats.org/drawingml/2006/main" xmlns:r="http://schemas.openxmlformats.org/officeDocument/2006/relationships" xmlns:p="http://schemas.openxmlformats.org/presentationml/2006/main">
   <p:cSld>
     <p:spTree>
@@ -17955,7 +18982,7 @@
 </p:sld>
 </file>
 
-<file path=ppt/slides/slide22.xml><?xml version="1.0" encoding="utf-8"?>
+<file path=ppt/slides/slide23.xml><?xml version="1.0" encoding="utf-8"?>
 <p:sld xmlns:a="http://schemas.openxmlformats.org/drawingml/2006/main" xmlns:r="http://schemas.openxmlformats.org/officeDocument/2006/relationships" xmlns:p="http://schemas.openxmlformats.org/presentationml/2006/main">
   <p:cSld>
     <p:spTree>
@@ -18021,8 +19048,8 @@
           </a:p>
         </p:txBody>
       </p:sp>
-      <mc:AlternateContent xmlns:mc="http://schemas.openxmlformats.org/markup-compatibility/2006" xmlns:a14="http://schemas.microsoft.com/office/drawing/2010/main">
-        <mc:Choice Requires="a14">
+      <mc:AlternateContent xmlns:mc="http://schemas.openxmlformats.org/markup-compatibility/2006">
+        <mc:Choice xmlns:a14="http://schemas.microsoft.com/office/drawing/2010/main" Requires="a14">
           <p:sp>
             <p:nvSpPr>
               <p:cNvPr id="3" name="Content Placeholder 2">
@@ -18218,7 +19245,7 @@
                       <a:srgbClr val="00B050"/>
                     </a:solidFill>
                   </a:rPr>
-                  <a:t> Robust</a:t>
+                  <a:t> robust</a:t>
                 </a:r>
                 <a:r>
                   <a:rPr lang="en-US" dirty="0"/>
@@ -18247,7 +19274,7 @@
             </p:txBody>
           </p:sp>
         </mc:Choice>
-        <mc:Fallback xmlns="">
+        <mc:Fallback>
           <p:sp>
             <p:nvSpPr>
               <p:cNvPr id="3" name="Content Placeholder 2">
@@ -18300,7 +19327,7 @@
 </p:sld>
 </file>
 
-<file path=ppt/slides/slide23.xml><?xml version="1.0" encoding="utf-8"?>
+<file path=ppt/slides/slide24.xml><?xml version="1.0" encoding="utf-8"?>
 <p:sld xmlns:a="http://schemas.openxmlformats.org/drawingml/2006/main" xmlns:r="http://schemas.openxmlformats.org/officeDocument/2006/relationships" xmlns:p="http://schemas.openxmlformats.org/presentationml/2006/main">
   <p:cSld>
     <p:spTree>
@@ -19306,7 +20333,7 @@
 </p:sld>
 </file>
 
-<file path=ppt/slides/slide24.xml><?xml version="1.0" encoding="utf-8"?>
+<file path=ppt/slides/slide25.xml><?xml version="1.0" encoding="utf-8"?>
 <p:sld xmlns:a="http://schemas.openxmlformats.org/drawingml/2006/main" xmlns:r="http://schemas.openxmlformats.org/officeDocument/2006/relationships" xmlns:p="http://schemas.openxmlformats.org/presentationml/2006/main">
   <p:cSld>
     <p:spTree>
@@ -19964,7 +20991,7 @@
 </p:sld>
 </file>
 
-<file path=ppt/slides/slide25.xml><?xml version="1.0" encoding="utf-8"?>
+<file path=ppt/slides/slide26.xml><?xml version="1.0" encoding="utf-8"?>
 <p:sld xmlns:a="http://schemas.openxmlformats.org/drawingml/2006/main" xmlns:r="http://schemas.openxmlformats.org/officeDocument/2006/relationships" xmlns:p="http://schemas.openxmlformats.org/presentationml/2006/main" show="0">
   <p:cSld>
     <p:spTree>
@@ -20641,7 +21668,7 @@
 </p:sld>
 </file>
 
-<file path=ppt/slides/slide26.xml><?xml version="1.0" encoding="utf-8"?>
+<file path=ppt/slides/slide27.xml><?xml version="1.0" encoding="utf-8"?>
 <p:sld xmlns:a="http://schemas.openxmlformats.org/drawingml/2006/main" xmlns:r="http://schemas.openxmlformats.org/officeDocument/2006/relationships" xmlns:p="http://schemas.openxmlformats.org/presentationml/2006/main">
   <p:cSld>
     <p:spTree>
@@ -20799,7 +21826,7 @@
 </p:sld>
 </file>
 
-<file path=ppt/slides/slide27.xml><?xml version="1.0" encoding="utf-8"?>
+<file path=ppt/slides/slide28.xml><?xml version="1.0" encoding="utf-8"?>
 <p:sld xmlns:a="http://schemas.openxmlformats.org/drawingml/2006/main" xmlns:r="http://schemas.openxmlformats.org/officeDocument/2006/relationships" xmlns:p="http://schemas.openxmlformats.org/presentationml/2006/main">
   <p:cSld>
     <p:spTree>
@@ -20849,14 +21876,156 @@
           </a:p>
         </p:txBody>
       </p:sp>
-      <mc:AlternateContent xmlns:mc="http://schemas.openxmlformats.org/markup-compatibility/2006" xmlns:a14="http://schemas.microsoft.com/office/drawing/2010/main">
-        <mc:Choice Requires="a14">
+      <p:sp>
+        <p:nvSpPr>
+          <p:cNvPr id="3" name="Content Placeholder 2">
+            <a:extLst>
+              <a:ext uri="{FF2B5EF4-FFF2-40B4-BE49-F238E27FC236}">
+                <a16:creationId xmlns:a16="http://schemas.microsoft.com/office/drawing/2014/main" id="{15255D49-9D60-44DD-910D-2EBD0529DEC9}"/>
+              </a:ext>
+            </a:extLst>
+          </p:cNvPr>
+          <p:cNvSpPr>
+            <a:spLocks noGrp="1"/>
+          </p:cNvSpPr>
+          <p:nvPr>
+            <p:ph idx="1"/>
+          </p:nvPr>
+        </p:nvSpPr>
+        <p:spPr>
+          <a:xfrm>
+            <a:off x="838200" y="1825624"/>
+            <a:ext cx="10515600" cy="4514215"/>
+          </a:xfrm>
+        </p:spPr>
+        <p:txBody>
+          <a:bodyPr>
+            <a:normAutofit/>
+          </a:bodyPr>
+          <a:lstStyle/>
+          <a:p>
+            <a:r>
+              <a:rPr lang="en-US" dirty="0"/>
+              <a:t>Suppose we are trying to approximate some given function</a:t>
+            </a:r>
+          </a:p>
+          <a:p>
+            <a:pPr lvl="1"/>
+            <a:r>
+              <a:rPr lang="en-US" dirty="0"/>
+              <a:t>Suppose we have a streaming algorithm for this function</a:t>
+            </a:r>
+          </a:p>
+          <a:p>
+            <a:pPr lvl="1"/>
+            <a:r>
+              <a:rPr lang="en-US" dirty="0"/>
+              <a:t>Suppose this function is monotonic and the stream is insertion-only</a:t>
+            </a:r>
+          </a:p>
+          <a:p>
+            <a:endParaRPr lang="en-US" dirty="0"/>
+          </a:p>
+          <a:p>
+            <a:endParaRPr lang="en-US" dirty="0"/>
+          </a:p>
+          <a:p>
+            <a:r>
+              <a:rPr lang="en-US" dirty="0"/>
+              <a:t>Sketch switching framework </a:t>
+            </a:r>
+            <a:r>
+              <a:rPr lang="en-US" dirty="0">
+                <a:solidFill>
+                  <a:schemeClr val="accent1"/>
+                </a:solidFill>
+              </a:rPr>
+              <a:t>[Ben-EliezerJayaramWoodruffYogev20] </a:t>
+            </a:r>
+            <a:r>
+              <a:rPr lang="en-US" dirty="0"/>
+              <a:t>gives a robust for this function </a:t>
+            </a:r>
+          </a:p>
+        </p:txBody>
+      </p:sp>
+    </p:spTree>
+    <p:extLst>
+      <p:ext uri="{BB962C8B-B14F-4D97-AF65-F5344CB8AC3E}">
+        <p14:creationId xmlns:p14="http://schemas.microsoft.com/office/powerpoint/2010/main" val="3435428996"/>
+      </p:ext>
+    </p:extLst>
+  </p:cSld>
+  <p:clrMapOvr>
+    <a:masterClrMapping/>
+  </p:clrMapOvr>
+</p:sld>
+</file>
+
+<file path=ppt/slides/slide29.xml><?xml version="1.0" encoding="utf-8"?>
+<p:sld xmlns:a="http://schemas.openxmlformats.org/drawingml/2006/main" xmlns:r="http://schemas.openxmlformats.org/officeDocument/2006/relationships" xmlns:p="http://schemas.openxmlformats.org/presentationml/2006/main" show="0">
+  <p:cSld>
+    <p:spTree>
+      <p:nvGrpSpPr>
+        <p:cNvPr id="1" name="">
+          <a:extLst>
+            <a:ext uri="{FF2B5EF4-FFF2-40B4-BE49-F238E27FC236}">
+              <a16:creationId xmlns:a16="http://schemas.microsoft.com/office/drawing/2014/main" id="{8A4EBB16-B5E7-880C-E932-C11C117AEC62}"/>
+            </a:ext>
+          </a:extLst>
+        </p:cNvPr>
+        <p:cNvGrpSpPr/>
+        <p:nvPr/>
+      </p:nvGrpSpPr>
+      <p:grpSpPr>
+        <a:xfrm>
+          <a:off x="0" y="0"/>
+          <a:ext cx="0" cy="0"/>
+          <a:chOff x="0" y="0"/>
+          <a:chExt cx="0" cy="0"/>
+        </a:xfrm>
+      </p:grpSpPr>
+      <p:sp>
+        <p:nvSpPr>
+          <p:cNvPr id="2" name="Title 1">
+            <a:extLst>
+              <a:ext uri="{FF2B5EF4-FFF2-40B4-BE49-F238E27FC236}">
+                <a16:creationId xmlns:a16="http://schemas.microsoft.com/office/drawing/2014/main" id="{BE3A29B0-6824-CB85-3513-32002DC0693B}"/>
+              </a:ext>
+            </a:extLst>
+          </p:cNvPr>
+          <p:cNvSpPr>
+            <a:spLocks noGrp="1"/>
+          </p:cNvSpPr>
+          <p:nvPr>
+            <p:ph type="title"/>
+          </p:nvPr>
+        </p:nvSpPr>
+        <p:spPr/>
+        <p:txBody>
+          <a:bodyPr/>
+          <a:lstStyle/>
+          <a:p>
+            <a:r>
+              <a:rPr lang="en-US" dirty="0">
+                <a:solidFill>
+                  <a:srgbClr val="C00000"/>
+                </a:solidFill>
+              </a:rPr>
+              <a:t>Robust Algorithms</a:t>
+            </a:r>
+            <a:endParaRPr lang="en-US" dirty="0"/>
+          </a:p>
+        </p:txBody>
+      </p:sp>
+      <mc:AlternateContent xmlns:mc="http://schemas.openxmlformats.org/markup-compatibility/2006">
+        <mc:Choice xmlns:a14="http://schemas.microsoft.com/office/drawing/2010/main" Requires="a14">
           <p:sp>
             <p:nvSpPr>
               <p:cNvPr id="3" name="Content Placeholder 2">
                 <a:extLst>
                   <a:ext uri="{FF2B5EF4-FFF2-40B4-BE49-F238E27FC236}">
-                    <a16:creationId xmlns:a16="http://schemas.microsoft.com/office/drawing/2014/main" id="{15255D49-9D60-44DD-910D-2EBD0529DEC9}"/>
+                    <a16:creationId xmlns:a16="http://schemas.microsoft.com/office/drawing/2014/main" id="{E29F0898-BBD0-4B7B-762D-31ACC81B54B1}"/>
                   </a:ext>
                 </a:extLst>
               </p:cNvPr>
@@ -20995,13 +22164,13 @@
             </p:txBody>
           </p:sp>
         </mc:Choice>
-        <mc:Fallback xmlns="">
+        <mc:Fallback>
           <p:sp>
             <p:nvSpPr>
               <p:cNvPr id="3" name="Content Placeholder 2">
                 <a:extLst>
                   <a:ext uri="{FF2B5EF4-FFF2-40B4-BE49-F238E27FC236}">
-                    <a16:creationId xmlns:a16="http://schemas.microsoft.com/office/drawing/2014/main" id="{15255D49-9D60-44DD-910D-2EBD0529DEC9}"/>
+                    <a16:creationId xmlns:a16="http://schemas.microsoft.com/office/drawing/2014/main" id="{E29F0898-BBD0-4B7B-762D-31ACC81B54B1}"/>
                   </a:ext>
                 </a:extLst>
               </p:cNvPr>
@@ -21042,7 +22211,7 @@
     </p:spTree>
     <p:extLst>
       <p:ext uri="{BB962C8B-B14F-4D97-AF65-F5344CB8AC3E}">
-        <p14:creationId xmlns:p14="http://schemas.microsoft.com/office/powerpoint/2010/main" val="3435428996"/>
+        <p14:creationId xmlns:p14="http://schemas.microsoft.com/office/powerpoint/2010/main" val="1499179605"/>
       </p:ext>
     </p:extLst>
   </p:cSld>
@@ -21052,7 +22221,150 @@
 </p:sld>
 </file>
 
-<file path=ppt/slides/slide28.xml><?xml version="1.0" encoding="utf-8"?>
+<file path=ppt/slides/slide3.xml><?xml version="1.0" encoding="utf-8"?>
+<p:sld xmlns:a="http://schemas.openxmlformats.org/drawingml/2006/main" xmlns:r="http://schemas.openxmlformats.org/officeDocument/2006/relationships" xmlns:p="http://schemas.openxmlformats.org/presentationml/2006/main">
+  <p:cSld>
+    <p:spTree>
+      <p:nvGrpSpPr>
+        <p:cNvPr id="1" name="">
+          <a:extLst>
+            <a:ext uri="{FF2B5EF4-FFF2-40B4-BE49-F238E27FC236}">
+              <a16:creationId xmlns:a16="http://schemas.microsoft.com/office/drawing/2014/main" id="{BCFE5130-D175-5BC8-7C60-2A2A5DDBBD12}"/>
+            </a:ext>
+          </a:extLst>
+        </p:cNvPr>
+        <p:cNvGrpSpPr/>
+        <p:nvPr/>
+      </p:nvGrpSpPr>
+      <p:grpSpPr>
+        <a:xfrm>
+          <a:off x="0" y="0"/>
+          <a:ext cx="0" cy="0"/>
+          <a:chOff x="0" y="0"/>
+          <a:chExt cx="0" cy="0"/>
+        </a:xfrm>
+      </p:grpSpPr>
+      <p:sp>
+        <p:nvSpPr>
+          <p:cNvPr id="2" name="Title 1">
+            <a:extLst>
+              <a:ext uri="{FF2B5EF4-FFF2-40B4-BE49-F238E27FC236}">
+                <a16:creationId xmlns:a16="http://schemas.microsoft.com/office/drawing/2014/main" id="{C7ACF5B7-1B7F-6FBB-4769-1EC9733175D8}"/>
+              </a:ext>
+            </a:extLst>
+          </p:cNvPr>
+          <p:cNvSpPr>
+            <a:spLocks noGrp="1"/>
+          </p:cNvSpPr>
+          <p:nvPr>
+            <p:ph type="title"/>
+          </p:nvPr>
+        </p:nvSpPr>
+        <p:spPr/>
+        <p:txBody>
+          <a:bodyPr/>
+          <a:lstStyle/>
+          <a:p>
+            <a:r>
+              <a:rPr lang="en-US" dirty="0">
+                <a:solidFill>
+                  <a:srgbClr val="C00000"/>
+                </a:solidFill>
+              </a:rPr>
+              <a:t>Why Adversarial Robustness?</a:t>
+            </a:r>
+            <a:endParaRPr lang="en-US" dirty="0"/>
+          </a:p>
+        </p:txBody>
+      </p:sp>
+      <p:sp>
+        <p:nvSpPr>
+          <p:cNvPr id="3" name="Content Placeholder 2">
+            <a:extLst>
+              <a:ext uri="{FF2B5EF4-FFF2-40B4-BE49-F238E27FC236}">
+                <a16:creationId xmlns:a16="http://schemas.microsoft.com/office/drawing/2014/main" id="{6FABFA49-1B9F-A32F-D105-D697DD808923}"/>
+              </a:ext>
+            </a:extLst>
+          </p:cNvPr>
+          <p:cNvSpPr>
+            <a:spLocks noGrp="1"/>
+          </p:cNvSpPr>
+          <p:nvPr>
+            <p:ph idx="1"/>
+          </p:nvPr>
+        </p:nvSpPr>
+        <p:spPr/>
+        <p:txBody>
+          <a:bodyPr/>
+          <a:lstStyle/>
+          <a:p>
+            <a:pPr>
+              <a:buClr>
+                <a:schemeClr val="tx1"/>
+              </a:buClr>
+            </a:pPr>
+            <a:r>
+              <a:rPr lang="en-US" sz="2800" dirty="0"/>
+              <a:t>Adversarial input</a:t>
+            </a:r>
+          </a:p>
+          <a:p>
+            <a:pPr lvl="1">
+              <a:buClr>
+                <a:schemeClr val="tx1"/>
+              </a:buClr>
+            </a:pPr>
+            <a:r>
+              <a:rPr lang="en-US" sz="2800" dirty="0"/>
+              <a:t>Adversarial ML</a:t>
+            </a:r>
+          </a:p>
+        </p:txBody>
+      </p:sp>
+      <p:pic>
+        <p:nvPicPr>
+          <p:cNvPr id="7" name="Picture 6">
+            <a:extLst>
+              <a:ext uri="{FF2B5EF4-FFF2-40B4-BE49-F238E27FC236}">
+                <a16:creationId xmlns:a16="http://schemas.microsoft.com/office/drawing/2014/main" id="{E7309ED2-EA16-D8BC-DD60-616F04679B3C}"/>
+              </a:ext>
+            </a:extLst>
+          </p:cNvPr>
+          <p:cNvPicPr>
+            <a:picLocks noChangeAspect="1"/>
+          </p:cNvPicPr>
+          <p:nvPr/>
+        </p:nvPicPr>
+        <p:blipFill>
+          <a:blip r:embed="rId3"/>
+          <a:stretch>
+            <a:fillRect/>
+          </a:stretch>
+        </p:blipFill>
+        <p:spPr>
+          <a:xfrm>
+            <a:off x="1882077" y="2950778"/>
+            <a:ext cx="7574538" cy="3739107"/>
+          </a:xfrm>
+          <a:prstGeom prst="rect">
+            <a:avLst/>
+          </a:prstGeom>
+        </p:spPr>
+      </p:pic>
+    </p:spTree>
+    <p:extLst>
+      <p:ext uri="{BB962C8B-B14F-4D97-AF65-F5344CB8AC3E}">
+        <p14:creationId xmlns:p14="http://schemas.microsoft.com/office/powerpoint/2010/main" val="555953416"/>
+      </p:ext>
+    </p:extLst>
+  </p:cSld>
+  <p:clrMapOvr>
+    <a:masterClrMapping/>
+  </p:clrMapOvr>
+</p:sld>
+</file>
+
+<file path=ppt/slides/slide30.xml><?xml version="1.0" encoding="utf-8"?>
 <p:sld xmlns:a="http://schemas.openxmlformats.org/drawingml/2006/main" xmlns:r="http://schemas.openxmlformats.org/officeDocument/2006/relationships" xmlns:p="http://schemas.openxmlformats.org/presentationml/2006/main">
   <p:cSld>
     <p:spTree>
@@ -21697,7 +23009,7 @@
 </p:sld>
 </file>
 
-<file path=ppt/slides/slide29.xml><?xml version="1.0" encoding="utf-8"?>
+<file path=ppt/slides/slide31.xml><?xml version="1.0" encoding="utf-8"?>
 <p:sld xmlns:a="http://schemas.openxmlformats.org/drawingml/2006/main" xmlns:r="http://schemas.openxmlformats.org/officeDocument/2006/relationships" xmlns:p="http://schemas.openxmlformats.org/presentationml/2006/main">
   <p:cSld>
     <p:spTree>
@@ -22342,150 +23654,7 @@
 </p:sld>
 </file>
 
-<file path=ppt/slides/slide3.xml><?xml version="1.0" encoding="utf-8"?>
-<p:sld xmlns:a="http://schemas.openxmlformats.org/drawingml/2006/main" xmlns:r="http://schemas.openxmlformats.org/officeDocument/2006/relationships" xmlns:p="http://schemas.openxmlformats.org/presentationml/2006/main">
-  <p:cSld>
-    <p:spTree>
-      <p:nvGrpSpPr>
-        <p:cNvPr id="1" name="">
-          <a:extLst>
-            <a:ext uri="{FF2B5EF4-FFF2-40B4-BE49-F238E27FC236}">
-              <a16:creationId xmlns:a16="http://schemas.microsoft.com/office/drawing/2014/main" id="{BCFE5130-D175-5BC8-7C60-2A2A5DDBBD12}"/>
-            </a:ext>
-          </a:extLst>
-        </p:cNvPr>
-        <p:cNvGrpSpPr/>
-        <p:nvPr/>
-      </p:nvGrpSpPr>
-      <p:grpSpPr>
-        <a:xfrm>
-          <a:off x="0" y="0"/>
-          <a:ext cx="0" cy="0"/>
-          <a:chOff x="0" y="0"/>
-          <a:chExt cx="0" cy="0"/>
-        </a:xfrm>
-      </p:grpSpPr>
-      <p:sp>
-        <p:nvSpPr>
-          <p:cNvPr id="2" name="Title 1">
-            <a:extLst>
-              <a:ext uri="{FF2B5EF4-FFF2-40B4-BE49-F238E27FC236}">
-                <a16:creationId xmlns:a16="http://schemas.microsoft.com/office/drawing/2014/main" id="{C7ACF5B7-1B7F-6FBB-4769-1EC9733175D8}"/>
-              </a:ext>
-            </a:extLst>
-          </p:cNvPr>
-          <p:cNvSpPr>
-            <a:spLocks noGrp="1"/>
-          </p:cNvSpPr>
-          <p:nvPr>
-            <p:ph type="title"/>
-          </p:nvPr>
-        </p:nvSpPr>
-        <p:spPr/>
-        <p:txBody>
-          <a:bodyPr/>
-          <a:lstStyle/>
-          <a:p>
-            <a:r>
-              <a:rPr lang="en-US" dirty="0">
-                <a:solidFill>
-                  <a:srgbClr val="C00000"/>
-                </a:solidFill>
-              </a:rPr>
-              <a:t>Why Adversarial Robustness?</a:t>
-            </a:r>
-            <a:endParaRPr lang="en-US" dirty="0"/>
-          </a:p>
-        </p:txBody>
-      </p:sp>
-      <p:sp>
-        <p:nvSpPr>
-          <p:cNvPr id="3" name="Content Placeholder 2">
-            <a:extLst>
-              <a:ext uri="{FF2B5EF4-FFF2-40B4-BE49-F238E27FC236}">
-                <a16:creationId xmlns:a16="http://schemas.microsoft.com/office/drawing/2014/main" id="{6FABFA49-1B9F-A32F-D105-D697DD808923}"/>
-              </a:ext>
-            </a:extLst>
-          </p:cNvPr>
-          <p:cNvSpPr>
-            <a:spLocks noGrp="1"/>
-          </p:cNvSpPr>
-          <p:nvPr>
-            <p:ph idx="1"/>
-          </p:nvPr>
-        </p:nvSpPr>
-        <p:spPr/>
-        <p:txBody>
-          <a:bodyPr/>
-          <a:lstStyle/>
-          <a:p>
-            <a:pPr>
-              <a:buClr>
-                <a:schemeClr val="tx1"/>
-              </a:buClr>
-            </a:pPr>
-            <a:r>
-              <a:rPr lang="en-US" sz="2800" dirty="0"/>
-              <a:t>Adversarial input</a:t>
-            </a:r>
-          </a:p>
-          <a:p>
-            <a:pPr lvl="1">
-              <a:buClr>
-                <a:schemeClr val="tx1"/>
-              </a:buClr>
-            </a:pPr>
-            <a:r>
-              <a:rPr lang="en-US" sz="2800" dirty="0"/>
-              <a:t>Adversarial ML</a:t>
-            </a:r>
-          </a:p>
-        </p:txBody>
-      </p:sp>
-      <p:pic>
-        <p:nvPicPr>
-          <p:cNvPr id="7" name="Picture 6">
-            <a:extLst>
-              <a:ext uri="{FF2B5EF4-FFF2-40B4-BE49-F238E27FC236}">
-                <a16:creationId xmlns:a16="http://schemas.microsoft.com/office/drawing/2014/main" id="{E7309ED2-EA16-D8BC-DD60-616F04679B3C}"/>
-              </a:ext>
-            </a:extLst>
-          </p:cNvPr>
-          <p:cNvPicPr>
-            <a:picLocks noChangeAspect="1"/>
-          </p:cNvPicPr>
-          <p:nvPr/>
-        </p:nvPicPr>
-        <p:blipFill>
-          <a:blip r:embed="rId3"/>
-          <a:stretch>
-            <a:fillRect/>
-          </a:stretch>
-        </p:blipFill>
-        <p:spPr>
-          <a:xfrm>
-            <a:off x="1882077" y="2950778"/>
-            <a:ext cx="7574538" cy="3739107"/>
-          </a:xfrm>
-          <a:prstGeom prst="rect">
-            <a:avLst/>
-          </a:prstGeom>
-        </p:spPr>
-      </p:pic>
-    </p:spTree>
-    <p:extLst>
-      <p:ext uri="{BB962C8B-B14F-4D97-AF65-F5344CB8AC3E}">
-        <p14:creationId xmlns:p14="http://schemas.microsoft.com/office/powerpoint/2010/main" val="555953416"/>
-      </p:ext>
-    </p:extLst>
-  </p:cSld>
-  <p:clrMapOvr>
-    <a:masterClrMapping/>
-  </p:clrMapOvr>
-</p:sld>
-</file>
-
-<file path=ppt/slides/slide30.xml><?xml version="1.0" encoding="utf-8"?>
+<file path=ppt/slides/slide32.xml><?xml version="1.0" encoding="utf-8"?>
 <p:sld xmlns:a="http://schemas.openxmlformats.org/drawingml/2006/main" xmlns:r="http://schemas.openxmlformats.org/officeDocument/2006/relationships" xmlns:p="http://schemas.openxmlformats.org/presentationml/2006/main">
   <p:cSld>
     <p:spTree>
@@ -23130,7 +24299,7 @@
 </p:sld>
 </file>
 
-<file path=ppt/slides/slide31.xml><?xml version="1.0" encoding="utf-8"?>
+<file path=ppt/slides/slide33.xml><?xml version="1.0" encoding="utf-8"?>
 <p:sld xmlns:a="http://schemas.openxmlformats.org/drawingml/2006/main" xmlns:r="http://schemas.openxmlformats.org/officeDocument/2006/relationships" xmlns:p="http://schemas.openxmlformats.org/presentationml/2006/main">
   <p:cSld>
     <p:spTree>
@@ -23775,7 +24944,7 @@
 </p:sld>
 </file>
 
-<file path=ppt/slides/slide32.xml><?xml version="1.0" encoding="utf-8"?>
+<file path=ppt/slides/slide34.xml><?xml version="1.0" encoding="utf-8"?>
 <p:sld xmlns:a="http://schemas.openxmlformats.org/drawingml/2006/main" xmlns:r="http://schemas.openxmlformats.org/officeDocument/2006/relationships" xmlns:p="http://schemas.openxmlformats.org/presentationml/2006/main">
   <p:cSld>
     <p:spTree>
@@ -24420,7 +25589,7 @@
 </p:sld>
 </file>
 
-<file path=ppt/slides/slide33.xml><?xml version="1.0" encoding="utf-8"?>
+<file path=ppt/slides/slide35.xml><?xml version="1.0" encoding="utf-8"?>
 <p:sld xmlns:a="http://schemas.openxmlformats.org/drawingml/2006/main" xmlns:r="http://schemas.openxmlformats.org/officeDocument/2006/relationships" xmlns:p="http://schemas.openxmlformats.org/presentationml/2006/main">
   <p:cSld>
     <p:spTree>
@@ -25065,7 +26234,7 @@
 </p:sld>
 </file>
 
-<file path=ppt/slides/slide34.xml><?xml version="1.0" encoding="utf-8"?>
+<file path=ppt/slides/slide36.xml><?xml version="1.0" encoding="utf-8"?>
 <p:sld xmlns:a="http://schemas.openxmlformats.org/drawingml/2006/main" xmlns:r="http://schemas.openxmlformats.org/officeDocument/2006/relationships" xmlns:p="http://schemas.openxmlformats.org/presentationml/2006/main">
   <p:cSld>
     <p:spTree>
@@ -25710,7 +26879,7 @@
 </p:sld>
 </file>
 
-<file path=ppt/slides/slide35.xml><?xml version="1.0" encoding="utf-8"?>
+<file path=ppt/slides/slide37.xml><?xml version="1.0" encoding="utf-8"?>
 <p:sld xmlns:a="http://schemas.openxmlformats.org/drawingml/2006/main" xmlns:r="http://schemas.openxmlformats.org/officeDocument/2006/relationships" xmlns:p="http://schemas.openxmlformats.org/presentationml/2006/main">
   <p:cSld>
     <p:spTree>
@@ -26375,7 +27544,7 @@
 </p:sld>
 </file>
 
-<file path=ppt/slides/slide36.xml><?xml version="1.0" encoding="utf-8"?>
+<file path=ppt/slides/slide38.xml><?xml version="1.0" encoding="utf-8"?>
 <p:sld xmlns:a="http://schemas.openxmlformats.org/drawingml/2006/main" xmlns:r="http://schemas.openxmlformats.org/officeDocument/2006/relationships" xmlns:p="http://schemas.openxmlformats.org/presentationml/2006/main">
   <p:cSld>
     <p:spTree>
@@ -26787,7 +27956,7 @@
 </p:sld>
 </file>
 
-<file path=ppt/slides/slide37.xml><?xml version="1.0" encoding="utf-8"?>
+<file path=ppt/slides/slide39.xml><?xml version="1.0" encoding="utf-8"?>
 <p:sld xmlns:a="http://schemas.openxmlformats.org/drawingml/2006/main" xmlns:r="http://schemas.openxmlformats.org/officeDocument/2006/relationships" xmlns:p="http://schemas.openxmlformats.org/presentationml/2006/main">
   <p:cSld>
     <p:spTree>
@@ -28001,542 +29170,6 @@
     <p:extLst>
       <p:ext uri="{BB962C8B-B14F-4D97-AF65-F5344CB8AC3E}">
         <p14:creationId xmlns:p14="http://schemas.microsoft.com/office/powerpoint/2010/main" val="933371983"/>
-      </p:ext>
-    </p:extLst>
-  </p:cSld>
-  <p:clrMapOvr>
-    <a:masterClrMapping/>
-  </p:clrMapOvr>
-</p:sld>
-</file>
-
-<file path=ppt/slides/slide38.xml><?xml version="1.0" encoding="utf-8"?>
-<p:sld xmlns:a="http://schemas.openxmlformats.org/drawingml/2006/main" xmlns:r="http://schemas.openxmlformats.org/officeDocument/2006/relationships" xmlns:p="http://schemas.openxmlformats.org/presentationml/2006/main">
-  <p:cSld>
-    <p:spTree>
-      <p:nvGrpSpPr>
-        <p:cNvPr id="1" name="">
-          <a:extLst>
-            <a:ext uri="{FF2B5EF4-FFF2-40B4-BE49-F238E27FC236}">
-              <a16:creationId xmlns:a16="http://schemas.microsoft.com/office/drawing/2014/main" id="{A392F748-7448-4F57-F97E-AB22169FA578}"/>
-            </a:ext>
-          </a:extLst>
-        </p:cNvPr>
-        <p:cNvGrpSpPr/>
-        <p:nvPr/>
-      </p:nvGrpSpPr>
-      <p:grpSpPr>
-        <a:xfrm>
-          <a:off x="0" y="0"/>
-          <a:ext cx="0" cy="0"/>
-          <a:chOff x="0" y="0"/>
-          <a:chExt cx="0" cy="0"/>
-        </a:xfrm>
-      </p:grpSpPr>
-      <p:sp>
-        <p:nvSpPr>
-          <p:cNvPr id="2" name="Title 1">
-            <a:extLst>
-              <a:ext uri="{FF2B5EF4-FFF2-40B4-BE49-F238E27FC236}">
-                <a16:creationId xmlns:a16="http://schemas.microsoft.com/office/drawing/2014/main" id="{1EFA0748-207A-8DAE-217A-3B42D272AED6}"/>
-              </a:ext>
-            </a:extLst>
-          </p:cNvPr>
-          <p:cNvSpPr>
-            <a:spLocks noGrp="1"/>
-          </p:cNvSpPr>
-          <p:nvPr>
-            <p:ph type="title"/>
-          </p:nvPr>
-        </p:nvSpPr>
-        <p:spPr/>
-        <p:txBody>
-          <a:bodyPr/>
-          <a:lstStyle/>
-          <a:p>
-            <a:r>
-              <a:rPr lang="en-US" dirty="0">
-                <a:solidFill>
-                  <a:srgbClr val="C00000"/>
-                </a:solidFill>
-              </a:rPr>
-              <a:t>Computation Paths</a:t>
-            </a:r>
-            <a:endParaRPr lang="en-US" dirty="0"/>
-          </a:p>
-        </p:txBody>
-      </p:sp>
-      <p:sp>
-        <p:nvSpPr>
-          <p:cNvPr id="21" name="Content Placeholder 2">
-            <a:extLst>
-              <a:ext uri="{FF2B5EF4-FFF2-40B4-BE49-F238E27FC236}">
-                <a16:creationId xmlns:a16="http://schemas.microsoft.com/office/drawing/2014/main" id="{12C43B23-1164-F9FD-BB81-1D6C97F79C36}"/>
-              </a:ext>
-            </a:extLst>
-          </p:cNvPr>
-          <p:cNvSpPr>
-            <a:spLocks noGrp="1"/>
-          </p:cNvSpPr>
-          <p:nvPr>
-            <p:ph idx="1"/>
-          </p:nvPr>
-        </p:nvSpPr>
-        <p:spPr>
-          <a:xfrm>
-            <a:off x="838200" y="1825624"/>
-            <a:ext cx="10515600" cy="4514215"/>
-          </a:xfrm>
-        </p:spPr>
-        <p:txBody>
-          <a:bodyPr>
-            <a:normAutofit/>
-          </a:bodyPr>
-          <a:lstStyle/>
-          <a:p>
-            <a:r>
-              <a:rPr lang="en-US" dirty="0"/>
-              <a:t>Upper bound the number of total possible inputs</a:t>
-            </a:r>
-          </a:p>
-          <a:p>
-            <a:r>
-              <a:rPr lang="en-US" dirty="0"/>
-              <a:t>Union bound over all of these inputs</a:t>
-            </a:r>
-          </a:p>
-        </p:txBody>
-      </p:sp>
-    </p:spTree>
-    <p:extLst>
-      <p:ext uri="{BB962C8B-B14F-4D97-AF65-F5344CB8AC3E}">
-        <p14:creationId xmlns:p14="http://schemas.microsoft.com/office/powerpoint/2010/main" val="3093591329"/>
-      </p:ext>
-    </p:extLst>
-  </p:cSld>
-  <p:clrMapOvr>
-    <a:masterClrMapping/>
-  </p:clrMapOvr>
-</p:sld>
-</file>
-
-<file path=ppt/slides/slide39.xml><?xml version="1.0" encoding="utf-8"?>
-<p:sld xmlns:a="http://schemas.openxmlformats.org/drawingml/2006/main" xmlns:r="http://schemas.openxmlformats.org/officeDocument/2006/relationships" xmlns:p="http://schemas.openxmlformats.org/presentationml/2006/main">
-  <p:cSld>
-    <p:spTree>
-      <p:nvGrpSpPr>
-        <p:cNvPr id="1" name=""/>
-        <p:cNvGrpSpPr/>
-        <p:nvPr/>
-      </p:nvGrpSpPr>
-      <p:grpSpPr>
-        <a:xfrm>
-          <a:off x="0" y="0"/>
-          <a:ext cx="0" cy="0"/>
-          <a:chOff x="0" y="0"/>
-          <a:chExt cx="0" cy="0"/>
-        </a:xfrm>
-      </p:grpSpPr>
-      <p:sp>
-        <p:nvSpPr>
-          <p:cNvPr id="2" name="Title 1">
-            <a:extLst>
-              <a:ext uri="{FF2B5EF4-FFF2-40B4-BE49-F238E27FC236}">
-                <a16:creationId xmlns:a16="http://schemas.microsoft.com/office/drawing/2014/main" id="{AD73C1B2-3A6C-40C6-8E68-EF9A0F4941EA}"/>
-              </a:ext>
-            </a:extLst>
-          </p:cNvPr>
-          <p:cNvSpPr>
-            <a:spLocks noGrp="1"/>
-          </p:cNvSpPr>
-          <p:nvPr>
-            <p:ph type="title"/>
-          </p:nvPr>
-        </p:nvSpPr>
-        <p:spPr/>
-        <p:txBody>
-          <a:bodyPr>
-            <a:normAutofit/>
-          </a:bodyPr>
-          <a:lstStyle/>
-          <a:p>
-            <a:r>
-              <a:rPr lang="en-US" b="0" dirty="0">
-                <a:solidFill>
-                  <a:srgbClr val="C00000"/>
-                </a:solidFill>
-              </a:rPr>
-              <a:t>“What’s an epsilon between friends?</a:t>
-            </a:r>
-            <a:endParaRPr lang="en-US" dirty="0"/>
-          </a:p>
-        </p:txBody>
-      </p:sp>
-      <mc:AlternateContent xmlns:mc="http://schemas.openxmlformats.org/markup-compatibility/2006" xmlns:a14="http://schemas.microsoft.com/office/drawing/2010/main">
-        <mc:Choice Requires="a14">
-          <p:sp>
-            <p:nvSpPr>
-              <p:cNvPr id="3" name="Content Placeholder 2">
-                <a:extLst>
-                  <a:ext uri="{FF2B5EF4-FFF2-40B4-BE49-F238E27FC236}">
-                    <a16:creationId xmlns:a16="http://schemas.microsoft.com/office/drawing/2014/main" id="{45391914-389D-439F-9A02-832CD8BD0F39}"/>
-                  </a:ext>
-                </a:extLst>
-              </p:cNvPr>
-              <p:cNvSpPr>
-                <a:spLocks noGrp="1"/>
-              </p:cNvSpPr>
-              <p:nvPr>
-                <p:ph idx="1"/>
-              </p:nvPr>
-            </p:nvSpPr>
-            <p:spPr/>
-            <p:txBody>
-              <a:bodyPr>
-                <a:normAutofit/>
-              </a:bodyPr>
-              <a:lstStyle/>
-              <a:p>
-                <a:r>
-                  <a:rPr lang="en-US" sz="3200" dirty="0"/>
-                  <a:t>Statista: </a:t>
-                </a:r>
-                <a14:m>
-                  <m:oMath xmlns:m="http://schemas.openxmlformats.org/officeDocument/2006/math">
-                    <m:r>
-                      <a:rPr lang="en-US" sz="3200" b="0" i="1" smtClean="0">
-                        <a:solidFill>
-                          <a:srgbClr val="C00000"/>
-                        </a:solidFill>
-                        <a:latin typeface="Cambria Math" panose="02040503050406030204" pitchFamily="18" charset="0"/>
-                      </a:rPr>
-                      <m:t>∼</m:t>
-                    </m:r>
-                    <m:r>
-                      <a:rPr lang="en-US" sz="3200" i="1">
-                        <a:solidFill>
-                          <a:srgbClr val="C00000"/>
-                        </a:solidFill>
-                        <a:latin typeface="Cambria Math" panose="02040503050406030204" pitchFamily="18" charset="0"/>
-                      </a:rPr>
-                      <m:t>3</m:t>
-                    </m:r>
-                    <m:r>
-                      <a:rPr lang="en-US" sz="3200" b="0" i="1" smtClean="0">
-                        <a:solidFill>
-                          <a:srgbClr val="C00000"/>
-                        </a:solidFill>
-                        <a:latin typeface="Cambria Math" panose="02040503050406030204" pitchFamily="18" charset="0"/>
-                      </a:rPr>
-                      <m:t>00</m:t>
-                    </m:r>
-                    <m:r>
-                      <a:rPr lang="en-US" sz="3200" b="0" i="1" smtClean="0">
-                        <a:solidFill>
-                          <a:srgbClr val="C00000"/>
-                        </a:solidFill>
-                        <a:latin typeface="Cambria Math" panose="02040503050406030204" pitchFamily="18" charset="0"/>
-                      </a:rPr>
-                      <m:t>𝐵</m:t>
-                    </m:r>
-                  </m:oMath>
-                </a14:m>
-                <a:r>
-                  <a:rPr lang="en-US" sz="3200" dirty="0"/>
-                  <a:t> e-mails sent per day</a:t>
-                </a:r>
-              </a:p>
-              <a:p>
-                <a:r>
-                  <a:rPr lang="en-US" sz="3200" dirty="0"/>
-                  <a:t>Unsigned integer range: </a:t>
-                </a:r>
-                <a14:m>
-                  <m:oMath xmlns:m="http://schemas.openxmlformats.org/officeDocument/2006/math">
-                    <m:r>
-                      <a:rPr lang="en-US" sz="3200" b="0" i="1" smtClean="0">
-                        <a:solidFill>
-                          <a:srgbClr val="C00000"/>
-                        </a:solidFill>
-                        <a:latin typeface="Cambria Math" panose="02040503050406030204" pitchFamily="18" charset="0"/>
-                      </a:rPr>
-                      <m:t>𝑛</m:t>
-                    </m:r>
-                    <m:r>
-                      <a:rPr lang="en-US" sz="3200" b="0" i="0" smtClean="0">
-                        <a:solidFill>
-                          <a:srgbClr val="C00000"/>
-                        </a:solidFill>
-                        <a:latin typeface="Cambria Math" panose="02040503050406030204" pitchFamily="18" charset="0"/>
-                      </a:rPr>
-                      <m:t>=</m:t>
-                    </m:r>
-                    <m:sSup>
-                      <m:sSupPr>
-                        <m:ctrlPr>
-                          <a:rPr lang="en-US" sz="3200" b="0" i="1" smtClean="0">
-                            <a:solidFill>
-                              <a:srgbClr val="C00000"/>
-                            </a:solidFill>
-                            <a:latin typeface="Cambria Math" panose="02040503050406030204" pitchFamily="18" charset="0"/>
-                          </a:rPr>
-                        </m:ctrlPr>
-                      </m:sSupPr>
-                      <m:e>
-                        <m:r>
-                          <a:rPr lang="en-US" sz="3200" i="1" smtClean="0">
-                            <a:solidFill>
-                              <a:srgbClr val="C00000"/>
-                            </a:solidFill>
-                            <a:latin typeface="Cambria Math" panose="02040503050406030204" pitchFamily="18" charset="0"/>
-                          </a:rPr>
-                          <m:t>2</m:t>
-                        </m:r>
-                      </m:e>
-                      <m:sup>
-                        <m:r>
-                          <a:rPr lang="en-US" sz="3200" b="0" i="1" smtClean="0">
-                            <a:solidFill>
-                              <a:srgbClr val="C00000"/>
-                            </a:solidFill>
-                            <a:latin typeface="Cambria Math" panose="02040503050406030204" pitchFamily="18" charset="0"/>
-                          </a:rPr>
-                          <m:t>32</m:t>
-                        </m:r>
-                      </m:sup>
-                    </m:sSup>
-                    <m:r>
-                      <a:rPr lang="en-US" sz="3200" b="0" i="1" smtClean="0">
-                        <a:solidFill>
-                          <a:srgbClr val="C00000"/>
-                        </a:solidFill>
-                        <a:latin typeface="Cambria Math" panose="02040503050406030204" pitchFamily="18" charset="0"/>
-                      </a:rPr>
-                      <m:t>∼4</m:t>
-                    </m:r>
-                    <m:r>
-                      <a:rPr lang="en-US" sz="3200" b="0" i="1" smtClean="0">
-                        <a:solidFill>
-                          <a:srgbClr val="C00000"/>
-                        </a:solidFill>
-                        <a:latin typeface="Cambria Math" panose="02040503050406030204" pitchFamily="18" charset="0"/>
-                      </a:rPr>
-                      <m:t>𝐵</m:t>
-                    </m:r>
-                  </m:oMath>
-                </a14:m>
-                <a:endParaRPr lang="en-US" sz="3200" dirty="0"/>
-              </a:p>
-              <a:p>
-                <a:r>
-                  <a:rPr lang="en-US" sz="3200" dirty="0"/>
-                  <a:t>Accuracy: </a:t>
-                </a:r>
-                <a14:m>
-                  <m:oMath xmlns:m="http://schemas.openxmlformats.org/officeDocument/2006/math">
-                    <m:r>
-                      <a:rPr lang="en-US" sz="3200" i="1" smtClean="0">
-                        <a:solidFill>
-                          <a:srgbClr val="C00000"/>
-                        </a:solidFill>
-                        <a:latin typeface="Cambria Math" panose="02040503050406030204" pitchFamily="18" charset="0"/>
-                      </a:rPr>
-                      <m:t>𝜀</m:t>
-                    </m:r>
-                    <m:r>
-                      <a:rPr lang="en-US" sz="3200" b="0" i="0" smtClean="0">
-                        <a:solidFill>
-                          <a:srgbClr val="C00000"/>
-                        </a:solidFill>
-                        <a:latin typeface="Cambria Math" panose="02040503050406030204" pitchFamily="18" charset="0"/>
-                      </a:rPr>
-                      <m:t>=0.01</m:t>
-                    </m:r>
-                  </m:oMath>
-                </a14:m>
-                <a:endParaRPr lang="en-US" sz="3200" i="1" dirty="0">
-                  <a:solidFill>
-                    <a:srgbClr val="00B0F0"/>
-                  </a:solidFill>
-                  <a:latin typeface="Cambria Math" panose="02040503050406030204" pitchFamily="18" charset="0"/>
-                </a:endParaRPr>
-              </a:p>
-              <a:p>
-                <a:r>
-                  <a:rPr lang="en-US" sz="3200" dirty="0"/>
-                  <a:t>Since </a:t>
-                </a:r>
-                <a14:m>
-                  <m:oMath xmlns:m="http://schemas.openxmlformats.org/officeDocument/2006/math">
-                    <m:f>
-                      <m:fPr>
-                        <m:ctrlPr>
-                          <a:rPr lang="en-US" sz="3200" b="0" i="1" smtClean="0">
-                            <a:solidFill>
-                              <a:srgbClr val="C00000"/>
-                            </a:solidFill>
-                            <a:latin typeface="Cambria Math" panose="02040503050406030204" pitchFamily="18" charset="0"/>
-                          </a:rPr>
-                        </m:ctrlPr>
-                      </m:fPr>
-                      <m:num>
-                        <m:r>
-                          <a:rPr lang="en-US" sz="3200" b="0" i="0" smtClean="0">
-                            <a:solidFill>
-                              <a:srgbClr val="C00000"/>
-                            </a:solidFill>
-                            <a:latin typeface="Cambria Math" panose="02040503050406030204" pitchFamily="18" charset="0"/>
-                          </a:rPr>
-                          <m:t>1</m:t>
-                        </m:r>
-                      </m:num>
-                      <m:den>
-                        <m:r>
-                          <a:rPr lang="en-US" sz="3200" i="1" smtClean="0">
-                            <a:solidFill>
-                              <a:srgbClr val="C00000"/>
-                            </a:solidFill>
-                            <a:latin typeface="Cambria Math" panose="02040503050406030204" pitchFamily="18" charset="0"/>
-                          </a:rPr>
-                          <m:t>𝜀</m:t>
-                        </m:r>
-                      </m:den>
-                    </m:f>
-                    <m:r>
-                      <a:rPr lang="en-US" sz="3200" b="0" i="0" smtClean="0">
-                        <a:solidFill>
-                          <a:srgbClr val="C00000"/>
-                        </a:solidFill>
-                        <a:latin typeface="Cambria Math" panose="02040503050406030204" pitchFamily="18" charset="0"/>
-                      </a:rPr>
-                      <m:t>&gt;</m:t>
-                    </m:r>
-                    <m:r>
-                      <m:rPr>
-                        <m:sty m:val="p"/>
-                      </m:rPr>
-                      <a:rPr lang="en-US" sz="3200" b="0" i="0" smtClean="0">
-                        <a:solidFill>
-                          <a:srgbClr val="C00000"/>
-                        </a:solidFill>
-                        <a:latin typeface="Cambria Math" panose="02040503050406030204" pitchFamily="18" charset="0"/>
-                      </a:rPr>
-                      <m:t>log</m:t>
-                    </m:r>
-                    <m:r>
-                      <a:rPr lang="en-US" sz="3200" b="0" i="1" smtClean="0">
-                        <a:solidFill>
-                          <a:srgbClr val="C00000"/>
-                        </a:solidFill>
-                        <a:latin typeface="Cambria Math" panose="02040503050406030204" pitchFamily="18" charset="0"/>
-                      </a:rPr>
-                      <m:t> </m:t>
-                    </m:r>
-                    <m:r>
-                      <a:rPr lang="en-US" sz="3200" i="1">
-                        <a:solidFill>
-                          <a:srgbClr val="C00000"/>
-                        </a:solidFill>
-                        <a:latin typeface="Cambria Math" panose="02040503050406030204" pitchFamily="18" charset="0"/>
-                      </a:rPr>
-                      <m:t>𝑛</m:t>
-                    </m:r>
-                  </m:oMath>
-                </a14:m>
-                <a:r>
-                  <a:rPr lang="en-US" sz="3200" dirty="0"/>
-                  <a:t>, we should care about </a:t>
-                </a:r>
-                <a14:m>
-                  <m:oMath xmlns:m="http://schemas.openxmlformats.org/officeDocument/2006/math">
-                    <m:f>
-                      <m:fPr>
-                        <m:ctrlPr>
-                          <a:rPr lang="en-US" sz="3200" b="0" i="1" smtClean="0">
-                            <a:solidFill>
-                              <a:srgbClr val="C00000"/>
-                            </a:solidFill>
-                            <a:latin typeface="Cambria Math" panose="02040503050406030204" pitchFamily="18" charset="0"/>
-                          </a:rPr>
-                        </m:ctrlPr>
-                      </m:fPr>
-                      <m:num>
-                        <m:r>
-                          <a:rPr lang="en-US" sz="3200" b="0" i="0" smtClean="0">
-                            <a:solidFill>
-                              <a:srgbClr val="C00000"/>
-                            </a:solidFill>
-                            <a:latin typeface="Cambria Math" panose="02040503050406030204" pitchFamily="18" charset="0"/>
-                          </a:rPr>
-                          <m:t>1</m:t>
-                        </m:r>
-                      </m:num>
-                      <m:den>
-                        <m:r>
-                          <a:rPr lang="en-US" sz="3200" i="1" smtClean="0">
-                            <a:solidFill>
-                              <a:srgbClr val="C00000"/>
-                            </a:solidFill>
-                            <a:latin typeface="Cambria Math" panose="02040503050406030204" pitchFamily="18" charset="0"/>
-                          </a:rPr>
-                          <m:t>𝜀</m:t>
-                        </m:r>
-                      </m:den>
-                    </m:f>
-                  </m:oMath>
-                </a14:m>
-                <a:r>
-                  <a:rPr lang="en-US" sz="3200" dirty="0"/>
-                  <a:t> factors!</a:t>
-                </a:r>
-              </a:p>
-            </p:txBody>
-          </p:sp>
-        </mc:Choice>
-        <mc:Fallback xmlns="">
-          <p:sp>
-            <p:nvSpPr>
-              <p:cNvPr id="3" name="Content Placeholder 2">
-                <a:extLst>
-                  <a:ext uri="{FF2B5EF4-FFF2-40B4-BE49-F238E27FC236}">
-                    <a16:creationId xmlns:a16="http://schemas.microsoft.com/office/drawing/2014/main" id="{45391914-389D-439F-9A02-832CD8BD0F39}"/>
-                  </a:ext>
-                </a:extLst>
-              </p:cNvPr>
-              <p:cNvSpPr>
-                <a:spLocks noGrp="1" noRot="1" noChangeAspect="1" noMove="1" noResize="1" noEditPoints="1" noAdjustHandles="1" noChangeArrowheads="1" noChangeShapeType="1" noTextEdit="1"/>
-              </p:cNvSpPr>
-              <p:nvPr>
-                <p:ph idx="1"/>
-              </p:nvPr>
-            </p:nvSpPr>
-            <p:spPr>
-              <a:blipFill>
-                <a:blip r:embed="rId2"/>
-                <a:stretch>
-                  <a:fillRect l="-1333" t="-2801"/>
-                </a:stretch>
-              </a:blipFill>
-            </p:spPr>
-            <p:txBody>
-              <a:bodyPr/>
-              <a:lstStyle/>
-              <a:p>
-                <a:r>
-                  <a:rPr lang="en-US">
-                    <a:noFill/>
-                  </a:rPr>
-                  <a:t> </a:t>
-                </a:r>
-              </a:p>
-            </p:txBody>
-          </p:sp>
-        </mc:Fallback>
-      </mc:AlternateContent>
-    </p:spTree>
-    <p:extLst>
-      <p:ext uri="{BB962C8B-B14F-4D97-AF65-F5344CB8AC3E}">
-        <p14:creationId xmlns:p14="http://schemas.microsoft.com/office/powerpoint/2010/main" val="4252115211"/>
       </p:ext>
     </p:extLst>
   </p:cSld>
@@ -28889,6 +29522,1860 @@
   <p:cSld>
     <p:spTree>
       <p:nvGrpSpPr>
+        <p:cNvPr id="1" name="">
+          <a:extLst>
+            <a:ext uri="{FF2B5EF4-FFF2-40B4-BE49-F238E27FC236}">
+              <a16:creationId xmlns:a16="http://schemas.microsoft.com/office/drawing/2014/main" id="{A392F748-7448-4F57-F97E-AB22169FA578}"/>
+            </a:ext>
+          </a:extLst>
+        </p:cNvPr>
+        <p:cNvGrpSpPr/>
+        <p:nvPr/>
+      </p:nvGrpSpPr>
+      <p:grpSpPr>
+        <a:xfrm>
+          <a:off x="0" y="0"/>
+          <a:ext cx="0" cy="0"/>
+          <a:chOff x="0" y="0"/>
+          <a:chExt cx="0" cy="0"/>
+        </a:xfrm>
+      </p:grpSpPr>
+      <p:sp>
+        <p:nvSpPr>
+          <p:cNvPr id="2" name="Title 1">
+            <a:extLst>
+              <a:ext uri="{FF2B5EF4-FFF2-40B4-BE49-F238E27FC236}">
+                <a16:creationId xmlns:a16="http://schemas.microsoft.com/office/drawing/2014/main" id="{1EFA0748-207A-8DAE-217A-3B42D272AED6}"/>
+              </a:ext>
+            </a:extLst>
+          </p:cNvPr>
+          <p:cNvSpPr>
+            <a:spLocks noGrp="1"/>
+          </p:cNvSpPr>
+          <p:nvPr>
+            <p:ph type="title"/>
+          </p:nvPr>
+        </p:nvSpPr>
+        <p:spPr/>
+        <p:txBody>
+          <a:bodyPr/>
+          <a:lstStyle/>
+          <a:p>
+            <a:r>
+              <a:rPr lang="en-US" dirty="0">
+                <a:solidFill>
+                  <a:srgbClr val="C00000"/>
+                </a:solidFill>
+              </a:rPr>
+              <a:t>Computation Paths</a:t>
+            </a:r>
+            <a:endParaRPr lang="en-US" dirty="0"/>
+          </a:p>
+        </p:txBody>
+      </p:sp>
+      <mc:AlternateContent xmlns:mc="http://schemas.openxmlformats.org/markup-compatibility/2006">
+        <mc:Choice xmlns:a14="http://schemas.microsoft.com/office/drawing/2010/main" Requires="a14">
+          <p:sp>
+            <p:nvSpPr>
+              <p:cNvPr id="21" name="Content Placeholder 2">
+                <a:extLst>
+                  <a:ext uri="{FF2B5EF4-FFF2-40B4-BE49-F238E27FC236}">
+                    <a16:creationId xmlns:a16="http://schemas.microsoft.com/office/drawing/2014/main" id="{12C43B23-1164-F9FD-BB81-1D6C97F79C36}"/>
+                  </a:ext>
+                </a:extLst>
+              </p:cNvPr>
+              <p:cNvSpPr>
+                <a:spLocks noGrp="1"/>
+              </p:cNvSpPr>
+              <p:nvPr>
+                <p:ph idx="1"/>
+              </p:nvPr>
+            </p:nvSpPr>
+            <p:spPr>
+              <a:xfrm>
+                <a:off x="838200" y="1825624"/>
+                <a:ext cx="10515600" cy="4514215"/>
+              </a:xfrm>
+            </p:spPr>
+            <p:txBody>
+              <a:bodyPr>
+                <a:normAutofit/>
+              </a:bodyPr>
+              <a:lstStyle/>
+              <a:p>
+                <a:r>
+                  <a:rPr lang="en-US" dirty="0"/>
+                  <a:t>Upper bound the number of total possible inputs</a:t>
+                </a:r>
+              </a:p>
+              <a:p>
+                <a:r>
+                  <a:rPr lang="en-US" dirty="0"/>
+                  <a:t>Union bound over all of these inputs</a:t>
+                </a:r>
+              </a:p>
+              <a:p>
+                <a:endParaRPr lang="en-US" dirty="0"/>
+              </a:p>
+              <a:p>
+                <a:r>
+                  <a:rPr lang="en-US" dirty="0"/>
+                  <a:t>How many different streams can there be?</a:t>
+                </a:r>
+              </a:p>
+              <a:p>
+                <a:r>
+                  <a:rPr lang="en-US" dirty="0"/>
+                  <a:t>Length </a:t>
+                </a:r>
+                <a14:m>
+                  <m:oMath xmlns:m="http://schemas.openxmlformats.org/officeDocument/2006/math">
+                    <m:r>
+                      <a:rPr lang="en-US" b="0" i="1" smtClean="0">
+                        <a:solidFill>
+                          <a:srgbClr val="C00000"/>
+                        </a:solidFill>
+                        <a:latin typeface="Cambria Math" panose="02040503050406030204" pitchFamily="18" charset="0"/>
+                      </a:rPr>
+                      <m:t>𝑚</m:t>
+                    </m:r>
+                  </m:oMath>
+                </a14:m>
+                <a:r>
+                  <a:rPr lang="en-US" dirty="0"/>
+                  <a:t> stream can increase by </a:t>
+                </a:r>
+                <a14:m>
+                  <m:oMath xmlns:m="http://schemas.openxmlformats.org/officeDocument/2006/math">
+                    <m:d>
+                      <m:dPr>
+                        <m:ctrlPr>
+                          <a:rPr lang="en-US" b="0" i="1" smtClean="0">
+                            <a:solidFill>
+                              <a:srgbClr val="C00000"/>
+                            </a:solidFill>
+                            <a:latin typeface="Cambria Math" panose="02040503050406030204" pitchFamily="18" charset="0"/>
+                          </a:rPr>
+                        </m:ctrlPr>
+                      </m:dPr>
+                      <m:e>
+                        <m:r>
+                          <a:rPr lang="en-US" b="0" i="1" smtClean="0">
+                            <a:solidFill>
+                              <a:srgbClr val="C00000"/>
+                            </a:solidFill>
+                            <a:latin typeface="Cambria Math" panose="02040503050406030204" pitchFamily="18" charset="0"/>
+                          </a:rPr>
+                          <m:t>1+</m:t>
+                        </m:r>
+                        <m:r>
+                          <a:rPr lang="en-US" b="0" i="1" smtClean="0">
+                            <a:solidFill>
+                              <a:srgbClr val="C00000"/>
+                            </a:solidFill>
+                            <a:latin typeface="Cambria Math" panose="02040503050406030204" pitchFamily="18" charset="0"/>
+                          </a:rPr>
+                          <m:t>𝜀</m:t>
+                        </m:r>
+                      </m:e>
+                    </m:d>
+                  </m:oMath>
+                </a14:m>
+                <a:r>
+                  <a:rPr lang="en-US" dirty="0"/>
+                  <a:t> at most </a:t>
+                </a:r>
+                <a14:m>
+                  <m:oMath xmlns:m="http://schemas.openxmlformats.org/officeDocument/2006/math">
+                    <m:r>
+                      <a:rPr lang="en-US" b="0" i="1" smtClean="0">
+                        <a:solidFill>
+                          <a:srgbClr val="C00000"/>
+                        </a:solidFill>
+                        <a:latin typeface="Cambria Math" panose="02040503050406030204" pitchFamily="18" charset="0"/>
+                      </a:rPr>
+                      <m:t>𝐿</m:t>
+                    </m:r>
+                    <m:r>
+                      <a:rPr lang="en-US" b="0" i="1" smtClean="0">
+                        <a:solidFill>
+                          <a:srgbClr val="C00000"/>
+                        </a:solidFill>
+                        <a:latin typeface="Cambria Math" panose="02040503050406030204" pitchFamily="18" charset="0"/>
+                      </a:rPr>
+                      <m:t>=</m:t>
+                    </m:r>
+                    <m:r>
+                      <a:rPr lang="en-US" b="0" i="1" smtClean="0">
+                        <a:solidFill>
+                          <a:srgbClr val="C00000"/>
+                        </a:solidFill>
+                        <a:latin typeface="Cambria Math" panose="02040503050406030204" pitchFamily="18" charset="0"/>
+                      </a:rPr>
+                      <m:t>𝑂</m:t>
+                    </m:r>
+                    <m:d>
+                      <m:dPr>
+                        <m:ctrlPr>
+                          <a:rPr lang="en-US" b="0" i="1" smtClean="0">
+                            <a:solidFill>
+                              <a:srgbClr val="C00000"/>
+                            </a:solidFill>
+                            <a:latin typeface="Cambria Math" panose="02040503050406030204" pitchFamily="18" charset="0"/>
+                          </a:rPr>
+                        </m:ctrlPr>
+                      </m:dPr>
+                      <m:e>
+                        <m:f>
+                          <m:fPr>
+                            <m:ctrlPr>
+                              <a:rPr lang="en-US" b="0" i="1" smtClean="0">
+                                <a:solidFill>
+                                  <a:srgbClr val="C00000"/>
+                                </a:solidFill>
+                                <a:latin typeface="Cambria Math" panose="02040503050406030204" pitchFamily="18" charset="0"/>
+                              </a:rPr>
+                            </m:ctrlPr>
+                          </m:fPr>
+                          <m:num>
+                            <m:r>
+                              <a:rPr lang="en-US" b="0" i="1" smtClean="0">
+                                <a:solidFill>
+                                  <a:srgbClr val="C00000"/>
+                                </a:solidFill>
+                                <a:latin typeface="Cambria Math" panose="02040503050406030204" pitchFamily="18" charset="0"/>
+                              </a:rPr>
+                              <m:t>1</m:t>
+                            </m:r>
+                          </m:num>
+                          <m:den>
+                            <m:r>
+                              <a:rPr lang="en-US" b="0" i="1" smtClean="0">
+                                <a:solidFill>
+                                  <a:srgbClr val="C00000"/>
+                                </a:solidFill>
+                                <a:latin typeface="Cambria Math" panose="02040503050406030204" pitchFamily="18" charset="0"/>
+                              </a:rPr>
+                              <m:t>𝜀</m:t>
+                            </m:r>
+                          </m:den>
+                        </m:f>
+                        <m:func>
+                          <m:funcPr>
+                            <m:ctrlPr>
+                              <a:rPr lang="en-US" b="0" i="1" smtClean="0">
+                                <a:solidFill>
+                                  <a:srgbClr val="C00000"/>
+                                </a:solidFill>
+                                <a:latin typeface="Cambria Math" panose="02040503050406030204" pitchFamily="18" charset="0"/>
+                              </a:rPr>
+                            </m:ctrlPr>
+                          </m:funcPr>
+                          <m:fName>
+                            <m:r>
+                              <m:rPr>
+                                <m:sty m:val="p"/>
+                              </m:rPr>
+                              <a:rPr lang="en-US" b="0" i="0" smtClean="0">
+                                <a:solidFill>
+                                  <a:srgbClr val="C00000"/>
+                                </a:solidFill>
+                                <a:latin typeface="Cambria Math" panose="02040503050406030204" pitchFamily="18" charset="0"/>
+                              </a:rPr>
+                              <m:t>log</m:t>
+                            </m:r>
+                          </m:fName>
+                          <m:e>
+                            <m:r>
+                              <a:rPr lang="en-US" b="0" i="1" smtClean="0">
+                                <a:solidFill>
+                                  <a:srgbClr val="C00000"/>
+                                </a:solidFill>
+                                <a:latin typeface="Cambria Math" panose="02040503050406030204" pitchFamily="18" charset="0"/>
+                              </a:rPr>
+                              <m:t>𝑚</m:t>
+                            </m:r>
+                          </m:e>
+                        </m:func>
+                      </m:e>
+                    </m:d>
+                  </m:oMath>
+                </a14:m>
+                <a:r>
+                  <a:rPr lang="en-US" dirty="0"/>
+                  <a:t> times, so there are roughly </a:t>
+                </a:r>
+                <a14:m>
+                  <m:oMath xmlns:m="http://schemas.openxmlformats.org/officeDocument/2006/math">
+                    <m:d>
+                      <m:dPr>
+                        <m:ctrlPr>
+                          <a:rPr lang="en-US" i="1" smtClean="0">
+                            <a:solidFill>
+                              <a:srgbClr val="C00000"/>
+                            </a:solidFill>
+                            <a:latin typeface="Cambria Math" panose="02040503050406030204" pitchFamily="18" charset="0"/>
+                          </a:rPr>
+                        </m:ctrlPr>
+                      </m:dPr>
+                      <m:e>
+                        <m:f>
+                          <m:fPr>
+                            <m:type m:val="noBar"/>
+                            <m:ctrlPr>
+                              <a:rPr lang="en-US" i="1" smtClean="0">
+                                <a:solidFill>
+                                  <a:srgbClr val="C00000"/>
+                                </a:solidFill>
+                                <a:latin typeface="Cambria Math" panose="02040503050406030204" pitchFamily="18" charset="0"/>
+                              </a:rPr>
+                            </m:ctrlPr>
+                          </m:fPr>
+                          <m:num>
+                            <m:r>
+                              <a:rPr lang="en-US" b="0" i="1" smtClean="0">
+                                <a:solidFill>
+                                  <a:srgbClr val="C00000"/>
+                                </a:solidFill>
+                                <a:latin typeface="Cambria Math" panose="02040503050406030204" pitchFamily="18" charset="0"/>
+                              </a:rPr>
+                              <m:t>𝑚</m:t>
+                            </m:r>
+                          </m:num>
+                          <m:den>
+                            <m:r>
+                              <a:rPr lang="en-US" b="0" i="1" smtClean="0">
+                                <a:solidFill>
+                                  <a:srgbClr val="C00000"/>
+                                </a:solidFill>
+                                <a:latin typeface="Cambria Math" panose="02040503050406030204" pitchFamily="18" charset="0"/>
+                              </a:rPr>
+                              <m:t>𝐿</m:t>
+                            </m:r>
+                          </m:den>
+                        </m:f>
+                      </m:e>
+                    </m:d>
+                    <m:r>
+                      <a:rPr lang="en-US" b="0" i="1" smtClean="0">
+                        <a:solidFill>
+                          <a:srgbClr val="C00000"/>
+                        </a:solidFill>
+                        <a:latin typeface="Cambria Math" panose="02040503050406030204" pitchFamily="18" charset="0"/>
+                      </a:rPr>
+                      <m:t>=</m:t>
+                    </m:r>
+                    <m:sSup>
+                      <m:sSupPr>
+                        <m:ctrlPr>
+                          <a:rPr lang="en-US" b="0" i="1" smtClean="0">
+                            <a:solidFill>
+                              <a:srgbClr val="C00000"/>
+                            </a:solidFill>
+                            <a:latin typeface="Cambria Math" panose="02040503050406030204" pitchFamily="18" charset="0"/>
+                          </a:rPr>
+                        </m:ctrlPr>
+                      </m:sSupPr>
+                      <m:e>
+                        <m:r>
+                          <a:rPr lang="en-US" b="0" i="1" smtClean="0">
+                            <a:solidFill>
+                              <a:srgbClr val="C00000"/>
+                            </a:solidFill>
+                            <a:latin typeface="Cambria Math" panose="02040503050406030204" pitchFamily="18" charset="0"/>
+                          </a:rPr>
+                          <m:t>𝑚</m:t>
+                        </m:r>
+                      </m:e>
+                      <m:sup>
+                        <m:r>
+                          <a:rPr lang="en-US" b="0" i="1" smtClean="0">
+                            <a:solidFill>
+                              <a:srgbClr val="C00000"/>
+                            </a:solidFill>
+                            <a:latin typeface="Cambria Math" panose="02040503050406030204" pitchFamily="18" charset="0"/>
+                          </a:rPr>
+                          <m:t>𝑂</m:t>
+                        </m:r>
+                        <m:r>
+                          <a:rPr lang="en-US" b="0" i="1" smtClean="0">
+                            <a:solidFill>
+                              <a:srgbClr val="C00000"/>
+                            </a:solidFill>
+                            <a:latin typeface="Cambria Math" panose="02040503050406030204" pitchFamily="18" charset="0"/>
+                          </a:rPr>
+                          <m:t>(</m:t>
+                        </m:r>
+                        <m:r>
+                          <a:rPr lang="en-US" b="0" i="1" smtClean="0">
+                            <a:solidFill>
+                              <a:srgbClr val="C00000"/>
+                            </a:solidFill>
+                            <a:latin typeface="Cambria Math" panose="02040503050406030204" pitchFamily="18" charset="0"/>
+                          </a:rPr>
+                          <m:t>𝐿</m:t>
+                        </m:r>
+                        <m:r>
+                          <a:rPr lang="en-US" b="0" i="1" smtClean="0">
+                            <a:solidFill>
+                              <a:srgbClr val="C00000"/>
+                            </a:solidFill>
+                            <a:latin typeface="Cambria Math" panose="02040503050406030204" pitchFamily="18" charset="0"/>
+                          </a:rPr>
+                          <m:t>)</m:t>
+                        </m:r>
+                      </m:sup>
+                    </m:sSup>
+                  </m:oMath>
+                </a14:m>
+                <a:r>
+                  <a:rPr lang="en-US" dirty="0"/>
+                  <a:t> possible inputs</a:t>
+                </a:r>
+              </a:p>
+              <a:p>
+                <a:r>
+                  <a:rPr lang="en-US" dirty="0"/>
+                  <a:t>Failure probability </a:t>
+                </a:r>
+                <a14:m>
+                  <m:oMath xmlns:m="http://schemas.openxmlformats.org/officeDocument/2006/math">
+                    <m:f>
+                      <m:fPr>
+                        <m:ctrlPr>
+                          <a:rPr lang="en-US" b="0" i="1" smtClean="0">
+                            <a:solidFill>
+                              <a:srgbClr val="C00000"/>
+                            </a:solidFill>
+                            <a:latin typeface="Cambria Math" panose="02040503050406030204" pitchFamily="18" charset="0"/>
+                          </a:rPr>
+                        </m:ctrlPr>
+                      </m:fPr>
+                      <m:num>
+                        <m:r>
+                          <a:rPr lang="en-US" b="0" i="1" smtClean="0">
+                            <a:solidFill>
+                              <a:srgbClr val="C00000"/>
+                            </a:solidFill>
+                            <a:latin typeface="Cambria Math" panose="02040503050406030204" pitchFamily="18" charset="0"/>
+                          </a:rPr>
+                          <m:t>1</m:t>
+                        </m:r>
+                      </m:num>
+                      <m:den>
+                        <m:sSup>
+                          <m:sSupPr>
+                            <m:ctrlPr>
+                              <a:rPr lang="en-US" b="0" i="1" smtClean="0">
+                                <a:solidFill>
+                                  <a:srgbClr val="C00000"/>
+                                </a:solidFill>
+                                <a:latin typeface="Cambria Math" panose="02040503050406030204" pitchFamily="18" charset="0"/>
+                              </a:rPr>
+                            </m:ctrlPr>
+                          </m:sSupPr>
+                          <m:e>
+                            <m:r>
+                              <a:rPr lang="en-US" b="0" i="1" smtClean="0">
+                                <a:solidFill>
+                                  <a:srgbClr val="C00000"/>
+                                </a:solidFill>
+                                <a:latin typeface="Cambria Math" panose="02040503050406030204" pitchFamily="18" charset="0"/>
+                              </a:rPr>
+                              <m:t>𝑚</m:t>
+                            </m:r>
+                          </m:e>
+                          <m:sup>
+                            <m:r>
+                              <a:rPr lang="en-US" b="0" i="1" smtClean="0">
+                                <a:solidFill>
+                                  <a:srgbClr val="C00000"/>
+                                </a:solidFill>
+                                <a:latin typeface="Cambria Math" panose="02040503050406030204" pitchFamily="18" charset="0"/>
+                              </a:rPr>
+                              <m:t>𝑂</m:t>
+                            </m:r>
+                            <m:d>
+                              <m:dPr>
+                                <m:ctrlPr>
+                                  <a:rPr lang="en-US" b="0" i="1" smtClean="0">
+                                    <a:solidFill>
+                                      <a:srgbClr val="C00000"/>
+                                    </a:solidFill>
+                                    <a:latin typeface="Cambria Math" panose="02040503050406030204" pitchFamily="18" charset="0"/>
+                                  </a:rPr>
+                                </m:ctrlPr>
+                              </m:dPr>
+                              <m:e>
+                                <m:r>
+                                  <a:rPr lang="en-US" b="0" i="1" smtClean="0">
+                                    <a:solidFill>
+                                      <a:srgbClr val="C00000"/>
+                                    </a:solidFill>
+                                    <a:latin typeface="Cambria Math" panose="02040503050406030204" pitchFamily="18" charset="0"/>
+                                  </a:rPr>
+                                  <m:t>𝐿</m:t>
+                                </m:r>
+                              </m:e>
+                            </m:d>
+                          </m:sup>
+                        </m:sSup>
+                      </m:den>
+                    </m:f>
+                  </m:oMath>
+                </a14:m>
+                <a:r>
+                  <a:rPr lang="en-US" dirty="0"/>
+                  <a:t> needed, set </a:t>
+                </a:r>
+                <a14:m>
+                  <m:oMath xmlns:m="http://schemas.openxmlformats.org/officeDocument/2006/math">
+                    <m:func>
+                      <m:funcPr>
+                        <m:ctrlPr>
+                          <a:rPr lang="en-US" b="0" i="1" smtClean="0">
+                            <a:solidFill>
+                              <a:srgbClr val="C00000"/>
+                            </a:solidFill>
+                            <a:latin typeface="Cambria Math" panose="02040503050406030204" pitchFamily="18" charset="0"/>
+                          </a:rPr>
+                        </m:ctrlPr>
+                      </m:funcPr>
+                      <m:fName>
+                        <m:r>
+                          <m:rPr>
+                            <m:sty m:val="p"/>
+                          </m:rPr>
+                          <a:rPr lang="en-US" b="0" i="0" smtClean="0">
+                            <a:solidFill>
+                              <a:srgbClr val="C00000"/>
+                            </a:solidFill>
+                            <a:latin typeface="Cambria Math" panose="02040503050406030204" pitchFamily="18" charset="0"/>
+                          </a:rPr>
+                          <m:t>log</m:t>
+                        </m:r>
+                      </m:fName>
+                      <m:e>
+                        <m:f>
+                          <m:fPr>
+                            <m:ctrlPr>
+                              <a:rPr lang="en-US" b="0" i="1" smtClean="0">
+                                <a:solidFill>
+                                  <a:srgbClr val="C00000"/>
+                                </a:solidFill>
+                                <a:latin typeface="Cambria Math" panose="02040503050406030204" pitchFamily="18" charset="0"/>
+                              </a:rPr>
+                            </m:ctrlPr>
+                          </m:fPr>
+                          <m:num>
+                            <m:r>
+                              <a:rPr lang="en-US" b="0" i="1" smtClean="0">
+                                <a:solidFill>
+                                  <a:srgbClr val="C00000"/>
+                                </a:solidFill>
+                                <a:latin typeface="Cambria Math" panose="02040503050406030204" pitchFamily="18" charset="0"/>
+                              </a:rPr>
+                              <m:t>1</m:t>
+                            </m:r>
+                          </m:num>
+                          <m:den>
+                            <m:r>
+                              <a:rPr lang="en-US" b="0" i="1" smtClean="0">
+                                <a:solidFill>
+                                  <a:srgbClr val="C00000"/>
+                                </a:solidFill>
+                                <a:latin typeface="Cambria Math" panose="02040503050406030204" pitchFamily="18" charset="0"/>
+                              </a:rPr>
+                              <m:t>𝛿</m:t>
+                            </m:r>
+                          </m:den>
+                        </m:f>
+                      </m:e>
+                    </m:func>
+                    <m:r>
+                      <a:rPr lang="en-US" b="0" i="1" smtClean="0">
+                        <a:solidFill>
+                          <a:srgbClr val="C00000"/>
+                        </a:solidFill>
+                        <a:latin typeface="Cambria Math" panose="02040503050406030204" pitchFamily="18" charset="0"/>
+                      </a:rPr>
+                      <m:t>=</m:t>
+                    </m:r>
+                    <m:r>
+                      <a:rPr lang="en-US" b="0" i="1" smtClean="0">
+                        <a:solidFill>
+                          <a:srgbClr val="C00000"/>
+                        </a:solidFill>
+                        <a:latin typeface="Cambria Math" panose="02040503050406030204" pitchFamily="18" charset="0"/>
+                      </a:rPr>
+                      <m:t>𝑂</m:t>
+                    </m:r>
+                    <m:r>
+                      <a:rPr lang="en-US" b="0" i="1" smtClean="0">
+                        <a:solidFill>
+                          <a:srgbClr val="C00000"/>
+                        </a:solidFill>
+                        <a:latin typeface="Cambria Math" panose="02040503050406030204" pitchFamily="18" charset="0"/>
+                      </a:rPr>
+                      <m:t>(</m:t>
+                    </m:r>
+                    <m:r>
+                      <a:rPr lang="en-US" b="0" i="1" smtClean="0">
+                        <a:solidFill>
+                          <a:srgbClr val="C00000"/>
+                        </a:solidFill>
+                        <a:latin typeface="Cambria Math" panose="02040503050406030204" pitchFamily="18" charset="0"/>
+                      </a:rPr>
+                      <m:t>𝐿</m:t>
+                    </m:r>
+                    <m:func>
+                      <m:funcPr>
+                        <m:ctrlPr>
+                          <a:rPr lang="en-US" b="0" i="1" smtClean="0">
+                            <a:solidFill>
+                              <a:srgbClr val="C00000"/>
+                            </a:solidFill>
+                            <a:latin typeface="Cambria Math" panose="02040503050406030204" pitchFamily="18" charset="0"/>
+                          </a:rPr>
+                        </m:ctrlPr>
+                      </m:funcPr>
+                      <m:fName>
+                        <m:r>
+                          <m:rPr>
+                            <m:sty m:val="p"/>
+                          </m:rPr>
+                          <a:rPr lang="en-US" b="0" i="0" smtClean="0">
+                            <a:solidFill>
+                              <a:srgbClr val="C00000"/>
+                            </a:solidFill>
+                            <a:latin typeface="Cambria Math" panose="02040503050406030204" pitchFamily="18" charset="0"/>
+                          </a:rPr>
+                          <m:t>log</m:t>
+                        </m:r>
+                      </m:fName>
+                      <m:e>
+                        <m:r>
+                          <a:rPr lang="en-US" b="0" i="1" smtClean="0">
+                            <a:solidFill>
+                              <a:srgbClr val="C00000"/>
+                            </a:solidFill>
+                            <a:latin typeface="Cambria Math" panose="02040503050406030204" pitchFamily="18" charset="0"/>
+                          </a:rPr>
+                          <m:t>𝑚</m:t>
+                        </m:r>
+                      </m:e>
+                    </m:func>
+                    <m:r>
+                      <a:rPr lang="en-US" b="0" i="1" smtClean="0">
+                        <a:solidFill>
+                          <a:srgbClr val="C00000"/>
+                        </a:solidFill>
+                        <a:latin typeface="Cambria Math" panose="02040503050406030204" pitchFamily="18" charset="0"/>
+                      </a:rPr>
+                      <m:t>)</m:t>
+                    </m:r>
+                  </m:oMath>
+                </a14:m>
+                <a:endParaRPr lang="en-US" dirty="0"/>
+              </a:p>
+            </p:txBody>
+          </p:sp>
+        </mc:Choice>
+        <mc:Fallback>
+          <p:sp>
+            <p:nvSpPr>
+              <p:cNvPr id="21" name="Content Placeholder 2">
+                <a:extLst>
+                  <a:ext uri="{FF2B5EF4-FFF2-40B4-BE49-F238E27FC236}">
+                    <a16:creationId xmlns:a16="http://schemas.microsoft.com/office/drawing/2014/main" id="{12C43B23-1164-F9FD-BB81-1D6C97F79C36}"/>
+                  </a:ext>
+                </a:extLst>
+              </p:cNvPr>
+              <p:cNvSpPr>
+                <a:spLocks noGrp="1" noRot="1" noChangeAspect="1" noMove="1" noResize="1" noEditPoints="1" noAdjustHandles="1" noChangeArrowheads="1" noChangeShapeType="1" noTextEdit="1"/>
+              </p:cNvSpPr>
+              <p:nvPr>
+                <p:ph idx="1"/>
+              </p:nvPr>
+            </p:nvSpPr>
+            <p:spPr>
+              <a:xfrm>
+                <a:off x="838200" y="1825624"/>
+                <a:ext cx="10515600" cy="4514215"/>
+              </a:xfrm>
+              <a:blipFill>
+                <a:blip r:embed="rId2"/>
+                <a:stretch>
+                  <a:fillRect l="-1043" t="-2159"/>
+                </a:stretch>
+              </a:blipFill>
+            </p:spPr>
+            <p:txBody>
+              <a:bodyPr/>
+              <a:lstStyle/>
+              <a:p>
+                <a:r>
+                  <a:rPr lang="en-US">
+                    <a:noFill/>
+                  </a:rPr>
+                  <a:t> </a:t>
+                </a:r>
+              </a:p>
+            </p:txBody>
+          </p:sp>
+        </mc:Fallback>
+      </mc:AlternateContent>
+    </p:spTree>
+    <p:extLst>
+      <p:ext uri="{BB962C8B-B14F-4D97-AF65-F5344CB8AC3E}">
+        <p14:creationId xmlns:p14="http://schemas.microsoft.com/office/powerpoint/2010/main" val="3093591329"/>
+      </p:ext>
+    </p:extLst>
+  </p:cSld>
+  <p:clrMapOvr>
+    <a:masterClrMapping/>
+  </p:clrMapOvr>
+</p:sld>
+</file>
+
+<file path=ppt/slides/slide41.xml><?xml version="1.0" encoding="utf-8"?>
+<p:sld xmlns:a="http://schemas.openxmlformats.org/drawingml/2006/main" xmlns:r="http://schemas.openxmlformats.org/officeDocument/2006/relationships" xmlns:p="http://schemas.openxmlformats.org/presentationml/2006/main">
+  <p:cSld>
+    <p:spTree>
+      <p:nvGrpSpPr>
+        <p:cNvPr id="1" name="">
+          <a:extLst>
+            <a:ext uri="{FF2B5EF4-FFF2-40B4-BE49-F238E27FC236}">
+              <a16:creationId xmlns:a16="http://schemas.microsoft.com/office/drawing/2014/main" id="{ABC21C2D-ABB1-3C0B-C96A-C074FCDB0793}"/>
+            </a:ext>
+          </a:extLst>
+        </p:cNvPr>
+        <p:cNvGrpSpPr/>
+        <p:nvPr/>
+      </p:nvGrpSpPr>
+      <p:grpSpPr>
+        <a:xfrm>
+          <a:off x="0" y="0"/>
+          <a:ext cx="0" cy="0"/>
+          <a:chOff x="0" y="0"/>
+          <a:chExt cx="0" cy="0"/>
+        </a:xfrm>
+      </p:grpSpPr>
+      <p:sp>
+        <p:nvSpPr>
+          <p:cNvPr id="2" name="Title 1">
+            <a:extLst>
+              <a:ext uri="{FF2B5EF4-FFF2-40B4-BE49-F238E27FC236}">
+                <a16:creationId xmlns:a16="http://schemas.microsoft.com/office/drawing/2014/main" id="{0401D874-4FB4-1E6F-054D-0C8AE95BC423}"/>
+              </a:ext>
+            </a:extLst>
+          </p:cNvPr>
+          <p:cNvSpPr>
+            <a:spLocks noGrp="1"/>
+          </p:cNvSpPr>
+          <p:nvPr>
+            <p:ph type="title"/>
+          </p:nvPr>
+        </p:nvSpPr>
+        <p:spPr/>
+        <p:txBody>
+          <a:bodyPr/>
+          <a:lstStyle/>
+          <a:p>
+            <a:r>
+              <a:rPr lang="en-US" dirty="0">
+                <a:solidFill>
+                  <a:srgbClr val="C00000"/>
+                </a:solidFill>
+              </a:rPr>
+              <a:t>Computation Paths</a:t>
+            </a:r>
+            <a:endParaRPr lang="en-US" dirty="0"/>
+          </a:p>
+        </p:txBody>
+      </p:sp>
+      <mc:AlternateContent xmlns:mc="http://schemas.openxmlformats.org/markup-compatibility/2006">
+        <mc:Choice xmlns:a14="http://schemas.microsoft.com/office/drawing/2010/main" Requires="a14">
+          <p:sp>
+            <p:nvSpPr>
+              <p:cNvPr id="21" name="Content Placeholder 2">
+                <a:extLst>
+                  <a:ext uri="{FF2B5EF4-FFF2-40B4-BE49-F238E27FC236}">
+                    <a16:creationId xmlns:a16="http://schemas.microsoft.com/office/drawing/2014/main" id="{1AFBE8E6-DEB0-FA54-CF34-0BEA5639F294}"/>
+                  </a:ext>
+                </a:extLst>
+              </p:cNvPr>
+              <p:cNvSpPr>
+                <a:spLocks noGrp="1"/>
+              </p:cNvSpPr>
+              <p:nvPr>
+                <p:ph idx="1"/>
+              </p:nvPr>
+            </p:nvSpPr>
+            <p:spPr>
+              <a:xfrm>
+                <a:off x="838200" y="1825624"/>
+                <a:ext cx="10515600" cy="4514215"/>
+              </a:xfrm>
+            </p:spPr>
+            <p:txBody>
+              <a:bodyPr>
+                <a:normAutofit/>
+              </a:bodyPr>
+              <a:lstStyle/>
+              <a:p>
+                <a:r>
+                  <a:rPr lang="en-US" dirty="0"/>
+                  <a:t>If space overhead for non-robust algorithm is </a:t>
+                </a:r>
+                <a14:m>
+                  <m:oMath xmlns:m="http://schemas.openxmlformats.org/officeDocument/2006/math">
+                    <m:func>
+                      <m:funcPr>
+                        <m:ctrlPr>
+                          <a:rPr lang="en-US" b="0" i="1" smtClean="0">
+                            <a:solidFill>
+                              <a:srgbClr val="C00000"/>
+                            </a:solidFill>
+                            <a:latin typeface="Cambria Math" panose="02040503050406030204" pitchFamily="18" charset="0"/>
+                          </a:rPr>
+                        </m:ctrlPr>
+                      </m:funcPr>
+                      <m:fName>
+                        <m:r>
+                          <m:rPr>
+                            <m:sty m:val="p"/>
+                          </m:rPr>
+                          <a:rPr lang="en-US" b="0" i="0" smtClean="0">
+                            <a:solidFill>
+                              <a:srgbClr val="C00000"/>
+                            </a:solidFill>
+                            <a:latin typeface="Cambria Math" panose="02040503050406030204" pitchFamily="18" charset="0"/>
+                          </a:rPr>
+                          <m:t>log</m:t>
+                        </m:r>
+                      </m:fName>
+                      <m:e>
+                        <m:f>
+                          <m:fPr>
+                            <m:ctrlPr>
+                              <a:rPr lang="en-US" b="0" i="1" smtClean="0">
+                                <a:solidFill>
+                                  <a:srgbClr val="C00000"/>
+                                </a:solidFill>
+                                <a:latin typeface="Cambria Math" panose="02040503050406030204" pitchFamily="18" charset="0"/>
+                              </a:rPr>
+                            </m:ctrlPr>
+                          </m:fPr>
+                          <m:num>
+                            <m:r>
+                              <a:rPr lang="en-US" b="0" i="1" smtClean="0">
+                                <a:solidFill>
+                                  <a:srgbClr val="C00000"/>
+                                </a:solidFill>
+                                <a:latin typeface="Cambria Math" panose="02040503050406030204" pitchFamily="18" charset="0"/>
+                              </a:rPr>
+                              <m:t>1</m:t>
+                            </m:r>
+                          </m:num>
+                          <m:den>
+                            <m:r>
+                              <a:rPr lang="en-US" b="0" i="1" smtClean="0">
+                                <a:solidFill>
+                                  <a:srgbClr val="C00000"/>
+                                </a:solidFill>
+                                <a:latin typeface="Cambria Math" panose="02040503050406030204" pitchFamily="18" charset="0"/>
+                              </a:rPr>
+                              <m:t>𝛿</m:t>
+                            </m:r>
+                          </m:den>
+                        </m:f>
+                      </m:e>
+                    </m:func>
+                    <m:r>
+                      <a:rPr lang="en-US" b="0" i="1" smtClean="0">
+                        <a:solidFill>
+                          <a:srgbClr val="C00000"/>
+                        </a:solidFill>
+                        <a:latin typeface="Cambria Math" panose="02040503050406030204" pitchFamily="18" charset="0"/>
+                      </a:rPr>
+                      <m:t>=</m:t>
+                    </m:r>
+                    <m:r>
+                      <a:rPr lang="en-US" b="0" i="1" smtClean="0">
+                        <a:solidFill>
+                          <a:srgbClr val="C00000"/>
+                        </a:solidFill>
+                        <a:latin typeface="Cambria Math" panose="02040503050406030204" pitchFamily="18" charset="0"/>
+                      </a:rPr>
+                      <m:t>𝑂</m:t>
+                    </m:r>
+                    <m:r>
+                      <a:rPr lang="en-US" b="0" i="1" smtClean="0">
+                        <a:solidFill>
+                          <a:srgbClr val="C00000"/>
+                        </a:solidFill>
+                        <a:latin typeface="Cambria Math" panose="02040503050406030204" pitchFamily="18" charset="0"/>
+                      </a:rPr>
+                      <m:t>(</m:t>
+                    </m:r>
+                    <m:r>
+                      <a:rPr lang="en-US" b="0" i="1" smtClean="0">
+                        <a:solidFill>
+                          <a:srgbClr val="C00000"/>
+                        </a:solidFill>
+                        <a:latin typeface="Cambria Math" panose="02040503050406030204" pitchFamily="18" charset="0"/>
+                      </a:rPr>
+                      <m:t>𝐿</m:t>
+                    </m:r>
+                    <m:func>
+                      <m:funcPr>
+                        <m:ctrlPr>
+                          <a:rPr lang="en-US" b="0" i="1" smtClean="0">
+                            <a:solidFill>
+                              <a:srgbClr val="C00000"/>
+                            </a:solidFill>
+                            <a:latin typeface="Cambria Math" panose="02040503050406030204" pitchFamily="18" charset="0"/>
+                          </a:rPr>
+                        </m:ctrlPr>
+                      </m:funcPr>
+                      <m:fName>
+                        <m:r>
+                          <m:rPr>
+                            <m:sty m:val="p"/>
+                          </m:rPr>
+                          <a:rPr lang="en-US" b="0" i="0" smtClean="0">
+                            <a:solidFill>
+                              <a:srgbClr val="C00000"/>
+                            </a:solidFill>
+                            <a:latin typeface="Cambria Math" panose="02040503050406030204" pitchFamily="18" charset="0"/>
+                          </a:rPr>
+                          <m:t>log</m:t>
+                        </m:r>
+                      </m:fName>
+                      <m:e>
+                        <m:r>
+                          <a:rPr lang="en-US" b="0" i="1" smtClean="0">
+                            <a:solidFill>
+                              <a:srgbClr val="C00000"/>
+                            </a:solidFill>
+                            <a:latin typeface="Cambria Math" panose="02040503050406030204" pitchFamily="18" charset="0"/>
+                          </a:rPr>
+                          <m:t>𝑚</m:t>
+                        </m:r>
+                      </m:e>
+                    </m:func>
+                    <m:r>
+                      <a:rPr lang="en-US" b="0" i="1" smtClean="0">
+                        <a:solidFill>
+                          <a:srgbClr val="C00000"/>
+                        </a:solidFill>
+                        <a:latin typeface="Cambria Math" panose="02040503050406030204" pitchFamily="18" charset="0"/>
+                      </a:rPr>
+                      <m:t>)</m:t>
+                    </m:r>
+                  </m:oMath>
+                </a14:m>
+                <a:r>
+                  <a:rPr lang="en-US" dirty="0"/>
+                  <a:t>, this is </a:t>
+                </a:r>
+                <a14:m>
+                  <m:oMath xmlns:m="http://schemas.openxmlformats.org/officeDocument/2006/math">
+                    <m:r>
+                      <a:rPr lang="en-US" i="1">
+                        <a:solidFill>
+                          <a:srgbClr val="C00000"/>
+                        </a:solidFill>
+                        <a:latin typeface="Cambria Math" panose="02040503050406030204" pitchFamily="18" charset="0"/>
+                      </a:rPr>
+                      <m:t>𝑂</m:t>
+                    </m:r>
+                    <m:d>
+                      <m:dPr>
+                        <m:ctrlPr>
+                          <a:rPr lang="en-US" i="1">
+                            <a:solidFill>
+                              <a:srgbClr val="C00000"/>
+                            </a:solidFill>
+                            <a:latin typeface="Cambria Math" panose="02040503050406030204" pitchFamily="18" charset="0"/>
+                          </a:rPr>
+                        </m:ctrlPr>
+                      </m:dPr>
+                      <m:e>
+                        <m:f>
+                          <m:fPr>
+                            <m:ctrlPr>
+                              <a:rPr lang="en-US" i="1">
+                                <a:solidFill>
+                                  <a:srgbClr val="C00000"/>
+                                </a:solidFill>
+                                <a:latin typeface="Cambria Math" panose="02040503050406030204" pitchFamily="18" charset="0"/>
+                              </a:rPr>
+                            </m:ctrlPr>
+                          </m:fPr>
+                          <m:num>
+                            <m:r>
+                              <a:rPr lang="en-US" i="1">
+                                <a:solidFill>
+                                  <a:srgbClr val="C00000"/>
+                                </a:solidFill>
+                                <a:latin typeface="Cambria Math" panose="02040503050406030204" pitchFamily="18" charset="0"/>
+                              </a:rPr>
+                              <m:t>1</m:t>
+                            </m:r>
+                          </m:num>
+                          <m:den>
+                            <m:r>
+                              <a:rPr lang="en-US" i="1">
+                                <a:solidFill>
+                                  <a:srgbClr val="C00000"/>
+                                </a:solidFill>
+                                <a:latin typeface="Cambria Math" panose="02040503050406030204" pitchFamily="18" charset="0"/>
+                              </a:rPr>
+                              <m:t>𝜀</m:t>
+                            </m:r>
+                          </m:den>
+                        </m:f>
+                        <m:func>
+                          <m:funcPr>
+                            <m:ctrlPr>
+                              <a:rPr lang="en-US" i="1">
+                                <a:solidFill>
+                                  <a:srgbClr val="C00000"/>
+                                </a:solidFill>
+                                <a:latin typeface="Cambria Math" panose="02040503050406030204" pitchFamily="18" charset="0"/>
+                              </a:rPr>
+                            </m:ctrlPr>
+                          </m:funcPr>
+                          <m:fName>
+                            <m:sSup>
+                              <m:sSupPr>
+                                <m:ctrlPr>
+                                  <a:rPr lang="en-US" b="0" i="1" smtClean="0">
+                                    <a:solidFill>
+                                      <a:srgbClr val="C00000"/>
+                                    </a:solidFill>
+                                    <a:latin typeface="Cambria Math" panose="02040503050406030204" pitchFamily="18" charset="0"/>
+                                  </a:rPr>
+                                </m:ctrlPr>
+                              </m:sSupPr>
+                              <m:e>
+                                <m:r>
+                                  <m:rPr>
+                                    <m:sty m:val="p"/>
+                                  </m:rPr>
+                                  <a:rPr lang="en-US">
+                                    <a:solidFill>
+                                      <a:srgbClr val="C00000"/>
+                                    </a:solidFill>
+                                    <a:latin typeface="Cambria Math" panose="02040503050406030204" pitchFamily="18" charset="0"/>
+                                  </a:rPr>
+                                  <m:t>log</m:t>
+                                </m:r>
+                              </m:e>
+                              <m:sup>
+                                <m:r>
+                                  <a:rPr lang="en-US" b="0" i="1" smtClean="0">
+                                    <a:solidFill>
+                                      <a:srgbClr val="C00000"/>
+                                    </a:solidFill>
+                                    <a:latin typeface="Cambria Math" panose="02040503050406030204" pitchFamily="18" charset="0"/>
+                                  </a:rPr>
+                                  <m:t>2</m:t>
+                                </m:r>
+                              </m:sup>
+                            </m:sSup>
+                          </m:fName>
+                          <m:e>
+                            <m:r>
+                              <a:rPr lang="en-US" i="1">
+                                <a:solidFill>
+                                  <a:srgbClr val="C00000"/>
+                                </a:solidFill>
+                                <a:latin typeface="Cambria Math" panose="02040503050406030204" pitchFamily="18" charset="0"/>
+                              </a:rPr>
+                              <m:t>𝑚</m:t>
+                            </m:r>
+                          </m:e>
+                        </m:func>
+                      </m:e>
+                    </m:d>
+                  </m:oMath>
+                </a14:m>
+                <a:r>
+                  <a:rPr lang="en-US" dirty="0"/>
+                  <a:t> space overhead for robust algorithm</a:t>
+                </a:r>
+              </a:p>
+              <a:p>
+                <a:endParaRPr lang="en-US" dirty="0"/>
+              </a:p>
+              <a:p>
+                <a:endParaRPr lang="en-US" dirty="0"/>
+              </a:p>
+              <a:p>
+                <a:r>
+                  <a:rPr lang="en-US" dirty="0"/>
+                  <a:t>Some algorithms have space overhead </a:t>
+                </a:r>
+                <a14:m>
+                  <m:oMath xmlns:m="http://schemas.openxmlformats.org/officeDocument/2006/math">
+                    <m:func>
+                      <m:funcPr>
+                        <m:ctrlPr>
+                          <a:rPr lang="en-US" b="0" i="1" smtClean="0">
+                            <a:solidFill>
+                              <a:srgbClr val="C00000"/>
+                            </a:solidFill>
+                            <a:latin typeface="Cambria Math" panose="02040503050406030204" pitchFamily="18" charset="0"/>
+                          </a:rPr>
+                        </m:ctrlPr>
+                      </m:funcPr>
+                      <m:fName>
+                        <m:r>
+                          <m:rPr>
+                            <m:sty m:val="p"/>
+                          </m:rPr>
+                          <a:rPr lang="en-US" b="0" i="0" smtClean="0">
+                            <a:solidFill>
+                              <a:srgbClr val="C00000"/>
+                            </a:solidFill>
+                            <a:latin typeface="Cambria Math" panose="02040503050406030204" pitchFamily="18" charset="0"/>
+                          </a:rPr>
+                          <m:t>log</m:t>
+                        </m:r>
+                      </m:fName>
+                      <m:e>
+                        <m:func>
+                          <m:funcPr>
+                            <m:ctrlPr>
+                              <a:rPr lang="en-US" b="0" i="1" smtClean="0">
+                                <a:solidFill>
+                                  <a:srgbClr val="C00000"/>
+                                </a:solidFill>
+                                <a:latin typeface="Cambria Math" panose="02040503050406030204" pitchFamily="18" charset="0"/>
+                              </a:rPr>
+                            </m:ctrlPr>
+                          </m:funcPr>
+                          <m:fName>
+                            <m:r>
+                              <m:rPr>
+                                <m:sty m:val="p"/>
+                              </m:rPr>
+                              <a:rPr lang="en-US" b="0" i="0" smtClean="0">
+                                <a:solidFill>
+                                  <a:srgbClr val="C00000"/>
+                                </a:solidFill>
+                                <a:latin typeface="Cambria Math" panose="02040503050406030204" pitchFamily="18" charset="0"/>
+                              </a:rPr>
+                              <m:t>log</m:t>
+                            </m:r>
+                          </m:fName>
+                          <m:e>
+                            <m:f>
+                              <m:fPr>
+                                <m:ctrlPr>
+                                  <a:rPr lang="en-US" b="0" i="1" smtClean="0">
+                                    <a:solidFill>
+                                      <a:srgbClr val="C00000"/>
+                                    </a:solidFill>
+                                    <a:latin typeface="Cambria Math" panose="02040503050406030204" pitchFamily="18" charset="0"/>
+                                  </a:rPr>
+                                </m:ctrlPr>
+                              </m:fPr>
+                              <m:num>
+                                <m:r>
+                                  <a:rPr lang="en-US" b="0" i="1" smtClean="0">
+                                    <a:solidFill>
+                                      <a:srgbClr val="C00000"/>
+                                    </a:solidFill>
+                                    <a:latin typeface="Cambria Math" panose="02040503050406030204" pitchFamily="18" charset="0"/>
+                                  </a:rPr>
+                                  <m:t>1</m:t>
+                                </m:r>
+                              </m:num>
+                              <m:den>
+                                <m:r>
+                                  <a:rPr lang="en-US" b="0" i="1" smtClean="0">
+                                    <a:solidFill>
+                                      <a:srgbClr val="C00000"/>
+                                    </a:solidFill>
+                                    <a:latin typeface="Cambria Math" panose="02040503050406030204" pitchFamily="18" charset="0"/>
+                                  </a:rPr>
+                                  <m:t>𝛿</m:t>
+                                </m:r>
+                              </m:den>
+                            </m:f>
+                          </m:e>
+                        </m:func>
+                      </m:e>
+                    </m:func>
+                  </m:oMath>
+                </a14:m>
+                <a:r>
+                  <a:rPr lang="en-US" dirty="0"/>
+                  <a:t>, which is only </a:t>
+                </a:r>
+                <a14:m>
+                  <m:oMath xmlns:m="http://schemas.openxmlformats.org/officeDocument/2006/math">
+                    <m:r>
+                      <a:rPr lang="en-US" i="1">
+                        <a:solidFill>
+                          <a:srgbClr val="C00000"/>
+                        </a:solidFill>
+                        <a:latin typeface="Cambria Math" panose="02040503050406030204" pitchFamily="18" charset="0"/>
+                      </a:rPr>
+                      <m:t>𝑂</m:t>
+                    </m:r>
+                    <m:d>
+                      <m:dPr>
+                        <m:ctrlPr>
+                          <a:rPr lang="en-US" i="1">
+                            <a:solidFill>
+                              <a:srgbClr val="C00000"/>
+                            </a:solidFill>
+                            <a:latin typeface="Cambria Math" panose="02040503050406030204" pitchFamily="18" charset="0"/>
+                          </a:rPr>
+                        </m:ctrlPr>
+                      </m:dPr>
+                      <m:e>
+                        <m:func>
+                          <m:funcPr>
+                            <m:ctrlPr>
+                              <a:rPr lang="en-US" b="0" i="1" smtClean="0">
+                                <a:solidFill>
+                                  <a:srgbClr val="C00000"/>
+                                </a:solidFill>
+                                <a:latin typeface="Cambria Math" panose="02040503050406030204" pitchFamily="18" charset="0"/>
+                              </a:rPr>
+                            </m:ctrlPr>
+                          </m:funcPr>
+                          <m:fName>
+                            <m:r>
+                              <m:rPr>
+                                <m:sty m:val="p"/>
+                              </m:rPr>
+                              <a:rPr lang="en-US" b="0" i="0" smtClean="0">
+                                <a:solidFill>
+                                  <a:srgbClr val="C00000"/>
+                                </a:solidFill>
+                                <a:latin typeface="Cambria Math" panose="02040503050406030204" pitchFamily="18" charset="0"/>
+                              </a:rPr>
+                              <m:t>log</m:t>
+                            </m:r>
+                          </m:fName>
+                          <m:e>
+                            <m:f>
+                              <m:fPr>
+                                <m:ctrlPr>
+                                  <a:rPr lang="en-US" i="1">
+                                    <a:solidFill>
+                                      <a:srgbClr val="C00000"/>
+                                    </a:solidFill>
+                                    <a:latin typeface="Cambria Math" panose="02040503050406030204" pitchFamily="18" charset="0"/>
+                                  </a:rPr>
+                                </m:ctrlPr>
+                              </m:fPr>
+                              <m:num>
+                                <m:r>
+                                  <a:rPr lang="en-US" i="1">
+                                    <a:solidFill>
+                                      <a:srgbClr val="C00000"/>
+                                    </a:solidFill>
+                                    <a:latin typeface="Cambria Math" panose="02040503050406030204" pitchFamily="18" charset="0"/>
+                                  </a:rPr>
+                                  <m:t>1</m:t>
+                                </m:r>
+                              </m:num>
+                              <m:den>
+                                <m:r>
+                                  <a:rPr lang="en-US" i="1">
+                                    <a:solidFill>
+                                      <a:srgbClr val="C00000"/>
+                                    </a:solidFill>
+                                    <a:latin typeface="Cambria Math" panose="02040503050406030204" pitchFamily="18" charset="0"/>
+                                  </a:rPr>
+                                  <m:t>𝜀</m:t>
+                                </m:r>
+                              </m:den>
+                            </m:f>
+                          </m:e>
+                        </m:func>
+                        <m:r>
+                          <a:rPr lang="en-US" b="0" i="1" smtClean="0">
+                            <a:solidFill>
+                              <a:srgbClr val="C00000"/>
+                            </a:solidFill>
+                            <a:latin typeface="Cambria Math" panose="02040503050406030204" pitchFamily="18" charset="0"/>
+                          </a:rPr>
+                          <m:t>+</m:t>
+                        </m:r>
+                        <m:func>
+                          <m:funcPr>
+                            <m:ctrlPr>
+                              <a:rPr lang="en-US" b="0" i="1" smtClean="0">
+                                <a:solidFill>
+                                  <a:srgbClr val="C00000"/>
+                                </a:solidFill>
+                                <a:latin typeface="Cambria Math" panose="02040503050406030204" pitchFamily="18" charset="0"/>
+                              </a:rPr>
+                            </m:ctrlPr>
+                          </m:funcPr>
+                          <m:fName>
+                            <m:r>
+                              <m:rPr>
+                                <m:sty m:val="p"/>
+                              </m:rPr>
+                              <a:rPr lang="en-US" b="0" i="0" smtClean="0">
+                                <a:solidFill>
+                                  <a:srgbClr val="C00000"/>
+                                </a:solidFill>
+                                <a:latin typeface="Cambria Math" panose="02040503050406030204" pitchFamily="18" charset="0"/>
+                              </a:rPr>
+                              <m:t>log</m:t>
+                            </m:r>
+                          </m:fName>
+                          <m:e>
+                            <m:func>
+                              <m:funcPr>
+                                <m:ctrlPr>
+                                  <a:rPr lang="en-US" b="0" i="1" smtClean="0">
+                                    <a:solidFill>
+                                      <a:srgbClr val="C00000"/>
+                                    </a:solidFill>
+                                    <a:latin typeface="Cambria Math" panose="02040503050406030204" pitchFamily="18" charset="0"/>
+                                  </a:rPr>
+                                </m:ctrlPr>
+                              </m:funcPr>
+                              <m:fName>
+                                <m:r>
+                                  <m:rPr>
+                                    <m:sty m:val="p"/>
+                                  </m:rPr>
+                                  <a:rPr lang="en-US" b="0" i="0" smtClean="0">
+                                    <a:solidFill>
+                                      <a:srgbClr val="C00000"/>
+                                    </a:solidFill>
+                                    <a:latin typeface="Cambria Math" panose="02040503050406030204" pitchFamily="18" charset="0"/>
+                                  </a:rPr>
+                                  <m:t>log</m:t>
+                                </m:r>
+                              </m:fName>
+                              <m:e>
+                                <m:r>
+                                  <a:rPr lang="en-US" b="0" i="1" smtClean="0">
+                                    <a:solidFill>
+                                      <a:srgbClr val="C00000"/>
+                                    </a:solidFill>
+                                    <a:latin typeface="Cambria Math" panose="02040503050406030204" pitchFamily="18" charset="0"/>
+                                  </a:rPr>
+                                  <m:t>𝑚</m:t>
+                                </m:r>
+                              </m:e>
+                            </m:func>
+                          </m:e>
+                        </m:func>
+                      </m:e>
+                    </m:d>
+                  </m:oMath>
+                </a14:m>
+                <a:r>
+                  <a:rPr lang="en-US" dirty="0"/>
+                  <a:t> overhead! </a:t>
+                </a:r>
+              </a:p>
+            </p:txBody>
+          </p:sp>
+        </mc:Choice>
+        <mc:Fallback>
+          <p:sp>
+            <p:nvSpPr>
+              <p:cNvPr id="21" name="Content Placeholder 2">
+                <a:extLst>
+                  <a:ext uri="{FF2B5EF4-FFF2-40B4-BE49-F238E27FC236}">
+                    <a16:creationId xmlns:a16="http://schemas.microsoft.com/office/drawing/2014/main" id="{1AFBE8E6-DEB0-FA54-CF34-0BEA5639F294}"/>
+                  </a:ext>
+                </a:extLst>
+              </p:cNvPr>
+              <p:cNvSpPr>
+                <a:spLocks noGrp="1" noRot="1" noChangeAspect="1" noMove="1" noResize="1" noEditPoints="1" noAdjustHandles="1" noChangeArrowheads="1" noChangeShapeType="1" noTextEdit="1"/>
+              </p:cNvSpPr>
+              <p:nvPr>
+                <p:ph idx="1"/>
+              </p:nvPr>
+            </p:nvSpPr>
+            <p:spPr>
+              <a:xfrm>
+                <a:off x="838200" y="1825624"/>
+                <a:ext cx="10515600" cy="4514215"/>
+              </a:xfrm>
+              <a:blipFill>
+                <a:blip r:embed="rId2"/>
+                <a:stretch>
+                  <a:fillRect l="-1043" t="-270" r="-1507"/>
+                </a:stretch>
+              </a:blipFill>
+            </p:spPr>
+            <p:txBody>
+              <a:bodyPr/>
+              <a:lstStyle/>
+              <a:p>
+                <a:r>
+                  <a:rPr lang="en-US">
+                    <a:noFill/>
+                  </a:rPr>
+                  <a:t> </a:t>
+                </a:r>
+              </a:p>
+            </p:txBody>
+          </p:sp>
+        </mc:Fallback>
+      </mc:AlternateContent>
+    </p:spTree>
+    <p:extLst>
+      <p:ext uri="{BB962C8B-B14F-4D97-AF65-F5344CB8AC3E}">
+        <p14:creationId xmlns:p14="http://schemas.microsoft.com/office/powerpoint/2010/main" val="1783121883"/>
+      </p:ext>
+    </p:extLst>
+  </p:cSld>
+  <p:clrMapOvr>
+    <a:masterClrMapping/>
+  </p:clrMapOvr>
+</p:sld>
+</file>
+
+<file path=ppt/slides/slide42.xml><?xml version="1.0" encoding="utf-8"?>
+<p:sld xmlns:a="http://schemas.openxmlformats.org/drawingml/2006/main" xmlns:r="http://schemas.openxmlformats.org/officeDocument/2006/relationships" xmlns:p="http://schemas.openxmlformats.org/presentationml/2006/main">
+  <p:cSld>
+    <p:spTree>
+      <p:nvGrpSpPr>
+        <p:cNvPr id="1" name=""/>
+        <p:cNvGrpSpPr/>
+        <p:nvPr/>
+      </p:nvGrpSpPr>
+      <p:grpSpPr>
+        <a:xfrm>
+          <a:off x="0" y="0"/>
+          <a:ext cx="0" cy="0"/>
+          <a:chOff x="0" y="0"/>
+          <a:chExt cx="0" cy="0"/>
+        </a:xfrm>
+      </p:grpSpPr>
+      <p:sp>
+        <p:nvSpPr>
+          <p:cNvPr id="2" name="Title 1">
+            <a:extLst>
+              <a:ext uri="{FF2B5EF4-FFF2-40B4-BE49-F238E27FC236}">
+                <a16:creationId xmlns:a16="http://schemas.microsoft.com/office/drawing/2014/main" id="{AD73C1B2-3A6C-40C6-8E68-EF9A0F4941EA}"/>
+              </a:ext>
+            </a:extLst>
+          </p:cNvPr>
+          <p:cNvSpPr>
+            <a:spLocks noGrp="1"/>
+          </p:cNvSpPr>
+          <p:nvPr>
+            <p:ph type="title"/>
+          </p:nvPr>
+        </p:nvSpPr>
+        <p:spPr/>
+        <p:txBody>
+          <a:bodyPr>
+            <a:normAutofit/>
+          </a:bodyPr>
+          <a:lstStyle/>
+          <a:p>
+            <a:r>
+              <a:rPr lang="en-US" b="0" dirty="0">
+                <a:solidFill>
+                  <a:srgbClr val="C00000"/>
+                </a:solidFill>
+              </a:rPr>
+              <a:t>“What’s an epsilon between friends?</a:t>
+            </a:r>
+            <a:endParaRPr lang="en-US" dirty="0"/>
+          </a:p>
+        </p:txBody>
+      </p:sp>
+      <mc:AlternateContent xmlns:mc="http://schemas.openxmlformats.org/markup-compatibility/2006" xmlns:a14="http://schemas.microsoft.com/office/drawing/2010/main">
+        <mc:Choice Requires="a14">
+          <p:sp>
+            <p:nvSpPr>
+              <p:cNvPr id="3" name="Content Placeholder 2">
+                <a:extLst>
+                  <a:ext uri="{FF2B5EF4-FFF2-40B4-BE49-F238E27FC236}">
+                    <a16:creationId xmlns:a16="http://schemas.microsoft.com/office/drawing/2014/main" id="{45391914-389D-439F-9A02-832CD8BD0F39}"/>
+                  </a:ext>
+                </a:extLst>
+              </p:cNvPr>
+              <p:cNvSpPr>
+                <a:spLocks noGrp="1"/>
+              </p:cNvSpPr>
+              <p:nvPr>
+                <p:ph idx="1"/>
+              </p:nvPr>
+            </p:nvSpPr>
+            <p:spPr/>
+            <p:txBody>
+              <a:bodyPr>
+                <a:normAutofit/>
+              </a:bodyPr>
+              <a:lstStyle/>
+              <a:p>
+                <a:r>
+                  <a:rPr lang="en-US" sz="3200" dirty="0"/>
+                  <a:t>Statista: </a:t>
+                </a:r>
+                <a14:m>
+                  <m:oMath xmlns:m="http://schemas.openxmlformats.org/officeDocument/2006/math">
+                    <m:r>
+                      <a:rPr lang="en-US" sz="3200" b="0" i="1" smtClean="0">
+                        <a:solidFill>
+                          <a:srgbClr val="C00000"/>
+                        </a:solidFill>
+                        <a:latin typeface="Cambria Math" panose="02040503050406030204" pitchFamily="18" charset="0"/>
+                      </a:rPr>
+                      <m:t>∼</m:t>
+                    </m:r>
+                    <m:r>
+                      <a:rPr lang="en-US" sz="3200" i="1">
+                        <a:solidFill>
+                          <a:srgbClr val="C00000"/>
+                        </a:solidFill>
+                        <a:latin typeface="Cambria Math" panose="02040503050406030204" pitchFamily="18" charset="0"/>
+                      </a:rPr>
+                      <m:t>3</m:t>
+                    </m:r>
+                    <m:r>
+                      <a:rPr lang="en-US" sz="3200" b="0" i="1" smtClean="0">
+                        <a:solidFill>
+                          <a:srgbClr val="C00000"/>
+                        </a:solidFill>
+                        <a:latin typeface="Cambria Math" panose="02040503050406030204" pitchFamily="18" charset="0"/>
+                      </a:rPr>
+                      <m:t>00</m:t>
+                    </m:r>
+                    <m:r>
+                      <a:rPr lang="en-US" sz="3200" b="0" i="1" smtClean="0">
+                        <a:solidFill>
+                          <a:srgbClr val="C00000"/>
+                        </a:solidFill>
+                        <a:latin typeface="Cambria Math" panose="02040503050406030204" pitchFamily="18" charset="0"/>
+                      </a:rPr>
+                      <m:t>𝐵</m:t>
+                    </m:r>
+                  </m:oMath>
+                </a14:m>
+                <a:r>
+                  <a:rPr lang="en-US" sz="3200" dirty="0"/>
+                  <a:t> e-mails sent per day</a:t>
+                </a:r>
+              </a:p>
+              <a:p>
+                <a:r>
+                  <a:rPr lang="en-US" sz="3200" dirty="0"/>
+                  <a:t>Unsigned integer range: </a:t>
+                </a:r>
+                <a14:m>
+                  <m:oMath xmlns:m="http://schemas.openxmlformats.org/officeDocument/2006/math">
+                    <m:r>
+                      <a:rPr lang="en-US" sz="3200" b="0" i="1" smtClean="0">
+                        <a:solidFill>
+                          <a:srgbClr val="C00000"/>
+                        </a:solidFill>
+                        <a:latin typeface="Cambria Math" panose="02040503050406030204" pitchFamily="18" charset="0"/>
+                      </a:rPr>
+                      <m:t>𝑛</m:t>
+                    </m:r>
+                    <m:r>
+                      <a:rPr lang="en-US" sz="3200" b="0" i="0" smtClean="0">
+                        <a:solidFill>
+                          <a:srgbClr val="C00000"/>
+                        </a:solidFill>
+                        <a:latin typeface="Cambria Math" panose="02040503050406030204" pitchFamily="18" charset="0"/>
+                      </a:rPr>
+                      <m:t>=</m:t>
+                    </m:r>
+                    <m:sSup>
+                      <m:sSupPr>
+                        <m:ctrlPr>
+                          <a:rPr lang="en-US" sz="3200" b="0" i="1" smtClean="0">
+                            <a:solidFill>
+                              <a:srgbClr val="C00000"/>
+                            </a:solidFill>
+                            <a:latin typeface="Cambria Math" panose="02040503050406030204" pitchFamily="18" charset="0"/>
+                          </a:rPr>
+                        </m:ctrlPr>
+                      </m:sSupPr>
+                      <m:e>
+                        <m:r>
+                          <a:rPr lang="en-US" sz="3200" i="1" smtClean="0">
+                            <a:solidFill>
+                              <a:srgbClr val="C00000"/>
+                            </a:solidFill>
+                            <a:latin typeface="Cambria Math" panose="02040503050406030204" pitchFamily="18" charset="0"/>
+                          </a:rPr>
+                          <m:t>2</m:t>
+                        </m:r>
+                      </m:e>
+                      <m:sup>
+                        <m:r>
+                          <a:rPr lang="en-US" sz="3200" b="0" i="1" smtClean="0">
+                            <a:solidFill>
+                              <a:srgbClr val="C00000"/>
+                            </a:solidFill>
+                            <a:latin typeface="Cambria Math" panose="02040503050406030204" pitchFamily="18" charset="0"/>
+                          </a:rPr>
+                          <m:t>32</m:t>
+                        </m:r>
+                      </m:sup>
+                    </m:sSup>
+                    <m:r>
+                      <a:rPr lang="en-US" sz="3200" b="0" i="1" smtClean="0">
+                        <a:solidFill>
+                          <a:srgbClr val="C00000"/>
+                        </a:solidFill>
+                        <a:latin typeface="Cambria Math" panose="02040503050406030204" pitchFamily="18" charset="0"/>
+                      </a:rPr>
+                      <m:t>∼4</m:t>
+                    </m:r>
+                    <m:r>
+                      <a:rPr lang="en-US" sz="3200" b="0" i="1" smtClean="0">
+                        <a:solidFill>
+                          <a:srgbClr val="C00000"/>
+                        </a:solidFill>
+                        <a:latin typeface="Cambria Math" panose="02040503050406030204" pitchFamily="18" charset="0"/>
+                      </a:rPr>
+                      <m:t>𝐵</m:t>
+                    </m:r>
+                  </m:oMath>
+                </a14:m>
+                <a:endParaRPr lang="en-US" sz="3200" dirty="0"/>
+              </a:p>
+              <a:p>
+                <a:r>
+                  <a:rPr lang="en-US" sz="3200" dirty="0"/>
+                  <a:t>Accuracy: </a:t>
+                </a:r>
+                <a14:m>
+                  <m:oMath xmlns:m="http://schemas.openxmlformats.org/officeDocument/2006/math">
+                    <m:r>
+                      <a:rPr lang="en-US" sz="3200" i="1" smtClean="0">
+                        <a:solidFill>
+                          <a:srgbClr val="C00000"/>
+                        </a:solidFill>
+                        <a:latin typeface="Cambria Math" panose="02040503050406030204" pitchFamily="18" charset="0"/>
+                      </a:rPr>
+                      <m:t>𝜀</m:t>
+                    </m:r>
+                    <m:r>
+                      <a:rPr lang="en-US" sz="3200" b="0" i="0" smtClean="0">
+                        <a:solidFill>
+                          <a:srgbClr val="C00000"/>
+                        </a:solidFill>
+                        <a:latin typeface="Cambria Math" panose="02040503050406030204" pitchFamily="18" charset="0"/>
+                      </a:rPr>
+                      <m:t>=0.01</m:t>
+                    </m:r>
+                  </m:oMath>
+                </a14:m>
+                <a:endParaRPr lang="en-US" sz="3200" i="1" dirty="0">
+                  <a:solidFill>
+                    <a:srgbClr val="00B0F0"/>
+                  </a:solidFill>
+                  <a:latin typeface="Cambria Math" panose="02040503050406030204" pitchFamily="18" charset="0"/>
+                </a:endParaRPr>
+              </a:p>
+              <a:p>
+                <a:r>
+                  <a:rPr lang="en-US" sz="3200" dirty="0"/>
+                  <a:t>Since </a:t>
+                </a:r>
+                <a14:m>
+                  <m:oMath xmlns:m="http://schemas.openxmlformats.org/officeDocument/2006/math">
+                    <m:f>
+                      <m:fPr>
+                        <m:ctrlPr>
+                          <a:rPr lang="en-US" sz="3200" b="0" i="1" smtClean="0">
+                            <a:solidFill>
+                              <a:srgbClr val="C00000"/>
+                            </a:solidFill>
+                            <a:latin typeface="Cambria Math" panose="02040503050406030204" pitchFamily="18" charset="0"/>
+                          </a:rPr>
+                        </m:ctrlPr>
+                      </m:fPr>
+                      <m:num>
+                        <m:r>
+                          <a:rPr lang="en-US" sz="3200" b="0" i="0" smtClean="0">
+                            <a:solidFill>
+                              <a:srgbClr val="C00000"/>
+                            </a:solidFill>
+                            <a:latin typeface="Cambria Math" panose="02040503050406030204" pitchFamily="18" charset="0"/>
+                          </a:rPr>
+                          <m:t>1</m:t>
+                        </m:r>
+                      </m:num>
+                      <m:den>
+                        <m:r>
+                          <a:rPr lang="en-US" sz="3200" i="1" smtClean="0">
+                            <a:solidFill>
+                              <a:srgbClr val="C00000"/>
+                            </a:solidFill>
+                            <a:latin typeface="Cambria Math" panose="02040503050406030204" pitchFamily="18" charset="0"/>
+                          </a:rPr>
+                          <m:t>𝜀</m:t>
+                        </m:r>
+                      </m:den>
+                    </m:f>
+                    <m:r>
+                      <a:rPr lang="en-US" sz="3200" b="0" i="0" smtClean="0">
+                        <a:solidFill>
+                          <a:srgbClr val="C00000"/>
+                        </a:solidFill>
+                        <a:latin typeface="Cambria Math" panose="02040503050406030204" pitchFamily="18" charset="0"/>
+                      </a:rPr>
+                      <m:t>&gt;</m:t>
+                    </m:r>
+                    <m:r>
+                      <m:rPr>
+                        <m:sty m:val="p"/>
+                      </m:rPr>
+                      <a:rPr lang="en-US" sz="3200" b="0" i="0" smtClean="0">
+                        <a:solidFill>
+                          <a:srgbClr val="C00000"/>
+                        </a:solidFill>
+                        <a:latin typeface="Cambria Math" panose="02040503050406030204" pitchFamily="18" charset="0"/>
+                      </a:rPr>
+                      <m:t>log</m:t>
+                    </m:r>
+                    <m:r>
+                      <a:rPr lang="en-US" sz="3200" b="0" i="1" smtClean="0">
+                        <a:solidFill>
+                          <a:srgbClr val="C00000"/>
+                        </a:solidFill>
+                        <a:latin typeface="Cambria Math" panose="02040503050406030204" pitchFamily="18" charset="0"/>
+                      </a:rPr>
+                      <m:t> </m:t>
+                    </m:r>
+                    <m:r>
+                      <a:rPr lang="en-US" sz="3200" i="1">
+                        <a:solidFill>
+                          <a:srgbClr val="C00000"/>
+                        </a:solidFill>
+                        <a:latin typeface="Cambria Math" panose="02040503050406030204" pitchFamily="18" charset="0"/>
+                      </a:rPr>
+                      <m:t>𝑛</m:t>
+                    </m:r>
+                  </m:oMath>
+                </a14:m>
+                <a:r>
+                  <a:rPr lang="en-US" sz="3200" dirty="0"/>
+                  <a:t>, we should care about </a:t>
+                </a:r>
+                <a14:m>
+                  <m:oMath xmlns:m="http://schemas.openxmlformats.org/officeDocument/2006/math">
+                    <m:f>
+                      <m:fPr>
+                        <m:ctrlPr>
+                          <a:rPr lang="en-US" sz="3200" b="0" i="1" smtClean="0">
+                            <a:solidFill>
+                              <a:srgbClr val="C00000"/>
+                            </a:solidFill>
+                            <a:latin typeface="Cambria Math" panose="02040503050406030204" pitchFamily="18" charset="0"/>
+                          </a:rPr>
+                        </m:ctrlPr>
+                      </m:fPr>
+                      <m:num>
+                        <m:r>
+                          <a:rPr lang="en-US" sz="3200" b="0" i="0" smtClean="0">
+                            <a:solidFill>
+                              <a:srgbClr val="C00000"/>
+                            </a:solidFill>
+                            <a:latin typeface="Cambria Math" panose="02040503050406030204" pitchFamily="18" charset="0"/>
+                          </a:rPr>
+                          <m:t>1</m:t>
+                        </m:r>
+                      </m:num>
+                      <m:den>
+                        <m:r>
+                          <a:rPr lang="en-US" sz="3200" i="1" smtClean="0">
+                            <a:solidFill>
+                              <a:srgbClr val="C00000"/>
+                            </a:solidFill>
+                            <a:latin typeface="Cambria Math" panose="02040503050406030204" pitchFamily="18" charset="0"/>
+                          </a:rPr>
+                          <m:t>𝜀</m:t>
+                        </m:r>
+                      </m:den>
+                    </m:f>
+                  </m:oMath>
+                </a14:m>
+                <a:r>
+                  <a:rPr lang="en-US" sz="3200" dirty="0"/>
+                  <a:t> factors!</a:t>
+                </a:r>
+              </a:p>
+            </p:txBody>
+          </p:sp>
+        </mc:Choice>
+        <mc:Fallback xmlns="">
+          <p:sp>
+            <p:nvSpPr>
+              <p:cNvPr id="3" name="Content Placeholder 2">
+                <a:extLst>
+                  <a:ext uri="{FF2B5EF4-FFF2-40B4-BE49-F238E27FC236}">
+                    <a16:creationId xmlns:a16="http://schemas.microsoft.com/office/drawing/2014/main" id="{45391914-389D-439F-9A02-832CD8BD0F39}"/>
+                  </a:ext>
+                </a:extLst>
+              </p:cNvPr>
+              <p:cNvSpPr>
+                <a:spLocks noGrp="1" noRot="1" noChangeAspect="1" noMove="1" noResize="1" noEditPoints="1" noAdjustHandles="1" noChangeArrowheads="1" noChangeShapeType="1" noTextEdit="1"/>
+              </p:cNvSpPr>
+              <p:nvPr>
+                <p:ph idx="1"/>
+              </p:nvPr>
+            </p:nvSpPr>
+            <p:spPr>
+              <a:blipFill>
+                <a:blip r:embed="rId2"/>
+                <a:stretch>
+                  <a:fillRect l="-1333" t="-2801"/>
+                </a:stretch>
+              </a:blipFill>
+            </p:spPr>
+            <p:txBody>
+              <a:bodyPr/>
+              <a:lstStyle/>
+              <a:p>
+                <a:r>
+                  <a:rPr lang="en-US">
+                    <a:noFill/>
+                  </a:rPr>
+                  <a:t> </a:t>
+                </a:r>
+              </a:p>
+            </p:txBody>
+          </p:sp>
+        </mc:Fallback>
+      </mc:AlternateContent>
+    </p:spTree>
+    <p:extLst>
+      <p:ext uri="{BB962C8B-B14F-4D97-AF65-F5344CB8AC3E}">
+        <p14:creationId xmlns:p14="http://schemas.microsoft.com/office/powerpoint/2010/main" val="4252115211"/>
+      </p:ext>
+    </p:extLst>
+  </p:cSld>
+  <p:clrMapOvr>
+    <a:masterClrMapping/>
+  </p:clrMapOvr>
+</p:sld>
+</file>
+
+<file path=ppt/slides/slide43.xml><?xml version="1.0" encoding="utf-8"?>
+<p:sld xmlns:a="http://schemas.openxmlformats.org/drawingml/2006/main" xmlns:r="http://schemas.openxmlformats.org/officeDocument/2006/relationships" xmlns:p="http://schemas.openxmlformats.org/presentationml/2006/main">
+  <p:cSld>
+    <p:spTree>
+      <p:nvGrpSpPr>
         <p:cNvPr id="1" name=""/>
         <p:cNvGrpSpPr/>
         <p:nvPr/>
@@ -30054,7 +32541,7 @@
 </p:sld>
 </file>
 
-<file path=ppt/slides/slide41.xml><?xml version="1.0" encoding="utf-8"?>
+<file path=ppt/slides/slide44.xml><?xml version="1.0" encoding="utf-8"?>
 <p:sld xmlns:a="http://schemas.openxmlformats.org/drawingml/2006/main" xmlns:r="http://schemas.openxmlformats.org/officeDocument/2006/relationships" xmlns:p="http://schemas.openxmlformats.org/presentationml/2006/main">
   <p:cSld>
     <p:spTree>
@@ -31450,7 +33937,7 @@
 </p:sld>
 </file>
 
-<file path=ppt/slides/slide42.xml><?xml version="1.0" encoding="utf-8"?>
+<file path=ppt/slides/slide45.xml><?xml version="1.0" encoding="utf-8"?>
 <p:sld xmlns:a="http://schemas.openxmlformats.org/drawingml/2006/main" xmlns:r="http://schemas.openxmlformats.org/officeDocument/2006/relationships" xmlns:p="http://schemas.openxmlformats.org/presentationml/2006/main">
   <p:cSld>
     <p:spTree>
@@ -31994,7 +34481,7 @@
 </p:sld>
 </file>
 
-<file path=ppt/slides/slide43.xml><?xml version="1.0" encoding="utf-8"?>
+<file path=ppt/slides/slide46.xml><?xml version="1.0" encoding="utf-8"?>
 <p:sld xmlns:a="http://schemas.openxmlformats.org/drawingml/2006/main" xmlns:r="http://schemas.openxmlformats.org/officeDocument/2006/relationships" xmlns:p="http://schemas.openxmlformats.org/presentationml/2006/main">
   <p:cSld>
     <p:spTree>
@@ -32491,7 +34978,7 @@
 </p:sld>
 </file>
 
-<file path=ppt/slides/slide44.xml><?xml version="1.0" encoding="utf-8"?>
+<file path=ppt/slides/slide47.xml><?xml version="1.0" encoding="utf-8"?>
 <p:sld xmlns:a="http://schemas.openxmlformats.org/drawingml/2006/main" xmlns:r="http://schemas.openxmlformats.org/officeDocument/2006/relationships" xmlns:p="http://schemas.openxmlformats.org/presentationml/2006/main">
   <p:cSld>
     <p:spTree>
@@ -33768,7 +36255,7 @@
 </p:sld>
 </file>
 
-<file path=ppt/slides/slide45.xml><?xml version="1.0" encoding="utf-8"?>
+<file path=ppt/slides/slide48.xml><?xml version="1.0" encoding="utf-8"?>
 <p:sld xmlns:a="http://schemas.openxmlformats.org/drawingml/2006/main" xmlns:r="http://schemas.openxmlformats.org/officeDocument/2006/relationships" xmlns:p="http://schemas.openxmlformats.org/presentationml/2006/main">
   <p:cSld>
     <p:spTree>
@@ -34060,7 +36547,7 @@
 </p:sld>
 </file>
 
-<file path=ppt/slides/slide46.xml><?xml version="1.0" encoding="utf-8"?>
+<file path=ppt/slides/slide49.xml><?xml version="1.0" encoding="utf-8"?>
 <p:sld xmlns:a="http://schemas.openxmlformats.org/drawingml/2006/main" xmlns:r="http://schemas.openxmlformats.org/officeDocument/2006/relationships" xmlns:p="http://schemas.openxmlformats.org/presentationml/2006/main">
   <p:cSld>
     <p:spTree>
@@ -35175,7 +37662,291 @@
 </p:sld>
 </file>
 
-<file path=ppt/slides/slide47.xml><?xml version="1.0" encoding="utf-8"?>
+<file path=ppt/slides/slide5.xml><?xml version="1.0" encoding="utf-8"?>
+<p:sld xmlns:a="http://schemas.openxmlformats.org/drawingml/2006/main" xmlns:r="http://schemas.openxmlformats.org/officeDocument/2006/relationships" xmlns:p="http://schemas.openxmlformats.org/presentationml/2006/main">
+  <p:cSld>
+    <p:spTree>
+      <p:nvGrpSpPr>
+        <p:cNvPr id="1" name="">
+          <a:extLst>
+            <a:ext uri="{FF2B5EF4-FFF2-40B4-BE49-F238E27FC236}">
+              <a16:creationId xmlns:a16="http://schemas.microsoft.com/office/drawing/2014/main" id="{CEE838C6-1E94-D565-5F77-00F5455AE7BC}"/>
+            </a:ext>
+          </a:extLst>
+        </p:cNvPr>
+        <p:cNvGrpSpPr/>
+        <p:nvPr/>
+      </p:nvGrpSpPr>
+      <p:grpSpPr>
+        <a:xfrm>
+          <a:off x="0" y="0"/>
+          <a:ext cx="0" cy="0"/>
+          <a:chOff x="0" y="0"/>
+          <a:chExt cx="0" cy="0"/>
+        </a:xfrm>
+      </p:grpSpPr>
+      <p:sp>
+        <p:nvSpPr>
+          <p:cNvPr id="2" name="Title 1">
+            <a:extLst>
+              <a:ext uri="{FF2B5EF4-FFF2-40B4-BE49-F238E27FC236}">
+                <a16:creationId xmlns:a16="http://schemas.microsoft.com/office/drawing/2014/main" id="{7C88946E-7A01-97BB-18A4-5E0A8CFF5428}"/>
+              </a:ext>
+            </a:extLst>
+          </p:cNvPr>
+          <p:cNvSpPr>
+            <a:spLocks noGrp="1"/>
+          </p:cNvSpPr>
+          <p:nvPr>
+            <p:ph type="title"/>
+          </p:nvPr>
+        </p:nvSpPr>
+        <p:spPr/>
+        <p:txBody>
+          <a:bodyPr/>
+          <a:lstStyle/>
+          <a:p>
+            <a:r>
+              <a:rPr lang="en-US" dirty="0">
+                <a:solidFill>
+                  <a:srgbClr val="C00000"/>
+                </a:solidFill>
+              </a:rPr>
+              <a:t>Sampling and Adversarial Input</a:t>
+            </a:r>
+            <a:endParaRPr lang="en-US" dirty="0"/>
+          </a:p>
+        </p:txBody>
+      </p:sp>
+      <mc:AlternateContent xmlns:mc="http://schemas.openxmlformats.org/markup-compatibility/2006">
+        <mc:Choice xmlns:a14="http://schemas.microsoft.com/office/drawing/2010/main" Requires="a14">
+          <p:sp>
+            <p:nvSpPr>
+              <p:cNvPr id="3" name="Content Placeholder 2">
+                <a:extLst>
+                  <a:ext uri="{FF2B5EF4-FFF2-40B4-BE49-F238E27FC236}">
+                    <a16:creationId xmlns:a16="http://schemas.microsoft.com/office/drawing/2014/main" id="{33E10F43-86CC-0EDE-7C48-CC6A912E4D3C}"/>
+                  </a:ext>
+                </a:extLst>
+              </p:cNvPr>
+              <p:cNvSpPr>
+                <a:spLocks noGrp="1"/>
+              </p:cNvSpPr>
+              <p:nvPr>
+                <p:ph idx="1"/>
+              </p:nvPr>
+            </p:nvSpPr>
+            <p:spPr/>
+            <p:txBody>
+              <a:bodyPr>
+                <a:normAutofit/>
+              </a:bodyPr>
+              <a:lstStyle/>
+              <a:p>
+                <a:pPr>
+                  <a:buClr>
+                    <a:schemeClr val="tx1"/>
+                  </a:buClr>
+                </a:pPr>
+                <a:r>
+                  <a:rPr lang="en-US" sz="2800" dirty="0"/>
+                  <a:t>See a sequence of </a:t>
+                </a:r>
+                <a14:m>
+                  <m:oMath xmlns:m="http://schemas.openxmlformats.org/officeDocument/2006/math">
+                    <m:r>
+                      <a:rPr lang="en-US" b="0" i="1" smtClean="0">
+                        <a:solidFill>
+                          <a:srgbClr val="C00000"/>
+                        </a:solidFill>
+                        <a:latin typeface="Cambria Math" panose="02040503050406030204" pitchFamily="18" charset="0"/>
+                      </a:rPr>
+                      <m:t>𝑛</m:t>
+                    </m:r>
+                  </m:oMath>
+                </a14:m>
+                <a:r>
+                  <a:rPr lang="en-US" sz="2800" dirty="0"/>
+                  <a:t> updates, maintain a “representative” sample at all times</a:t>
+                </a:r>
+              </a:p>
+              <a:p>
+                <a:pPr marL="0" indent="0">
+                  <a:buClr>
+                    <a:schemeClr val="tx1"/>
+                  </a:buClr>
+                  <a:buNone/>
+                </a:pPr>
+                <a:endParaRPr lang="en-US" dirty="0"/>
+              </a:p>
+              <a:p>
+                <a:pPr>
+                  <a:buClr>
+                    <a:schemeClr val="tx1"/>
+                  </a:buClr>
+                </a:pPr>
+                <a:r>
+                  <a:rPr lang="en-US" dirty="0">
+                    <a:solidFill>
+                      <a:srgbClr val="00B050"/>
+                    </a:solidFill>
+                  </a:rPr>
+                  <a:t>Reservoir sampling</a:t>
+                </a:r>
+                <a:r>
+                  <a:rPr lang="en-US" dirty="0"/>
+                  <a:t>: On the </a:t>
+                </a:r>
+                <a14:m>
+                  <m:oMath xmlns:m="http://schemas.openxmlformats.org/officeDocument/2006/math">
+                    <m:r>
+                      <a:rPr lang="en-US" b="0" i="1" smtClean="0">
+                        <a:solidFill>
+                          <a:srgbClr val="C00000"/>
+                        </a:solidFill>
+                        <a:latin typeface="Cambria Math" panose="02040503050406030204" pitchFamily="18" charset="0"/>
+                      </a:rPr>
+                      <m:t>𝑡</m:t>
+                    </m:r>
+                  </m:oMath>
+                </a14:m>
+                <a:r>
+                  <a:rPr lang="en-US" dirty="0"/>
+                  <a:t>-</a:t>
+                </a:r>
+                <a:r>
+                  <a:rPr lang="en-US" dirty="0" err="1"/>
+                  <a:t>th</a:t>
+                </a:r>
+                <a:r>
+                  <a:rPr lang="en-US" dirty="0"/>
+                  <a:t> item, replace the current sample with probability </a:t>
+                </a:r>
+                <a14:m>
+                  <m:oMath xmlns:m="http://schemas.openxmlformats.org/officeDocument/2006/math">
+                    <m:f>
+                      <m:fPr>
+                        <m:ctrlPr>
+                          <a:rPr lang="en-US" b="0" i="1" smtClean="0">
+                            <a:solidFill>
+                              <a:srgbClr val="C00000"/>
+                            </a:solidFill>
+                            <a:latin typeface="Cambria Math" panose="02040503050406030204" pitchFamily="18" charset="0"/>
+                          </a:rPr>
+                        </m:ctrlPr>
+                      </m:fPr>
+                      <m:num>
+                        <m:r>
+                          <a:rPr lang="en-US" b="0" i="1" smtClean="0">
+                            <a:solidFill>
+                              <a:srgbClr val="C00000"/>
+                            </a:solidFill>
+                            <a:latin typeface="Cambria Math" panose="02040503050406030204" pitchFamily="18" charset="0"/>
+                          </a:rPr>
+                          <m:t>1</m:t>
+                        </m:r>
+                      </m:num>
+                      <m:den>
+                        <m:r>
+                          <a:rPr lang="en-US" b="0" i="1" smtClean="0">
+                            <a:solidFill>
+                              <a:srgbClr val="C00000"/>
+                            </a:solidFill>
+                            <a:latin typeface="Cambria Math" panose="02040503050406030204" pitchFamily="18" charset="0"/>
+                          </a:rPr>
+                          <m:t>𝑡</m:t>
+                        </m:r>
+                      </m:den>
+                    </m:f>
+                  </m:oMath>
+                </a14:m>
+                <a:endParaRPr lang="en-US" dirty="0"/>
+              </a:p>
+              <a:p>
+                <a:pPr>
+                  <a:buClr>
+                    <a:schemeClr val="tx1"/>
+                  </a:buClr>
+                </a:pPr>
+                <a:endParaRPr lang="en-US" dirty="0"/>
+              </a:p>
+              <a:p>
+                <a:pPr>
+                  <a:buClr>
+                    <a:schemeClr val="tx1"/>
+                  </a:buClr>
+                </a:pPr>
+                <a:r>
+                  <a:rPr lang="en-US" sz="2800" dirty="0"/>
+                  <a:t>Can always make the random sample among the largest (or smallest) element of a set </a:t>
+                </a:r>
+                <a:r>
+                  <a:rPr lang="en-US" sz="2800" dirty="0">
+                    <a:solidFill>
+                      <a:schemeClr val="accent1"/>
+                    </a:solidFill>
+                  </a:rPr>
+                  <a:t>[Ben-EliezerYogev20]</a:t>
+                </a:r>
+                <a:endParaRPr lang="en-US" dirty="0"/>
+              </a:p>
+            </p:txBody>
+          </p:sp>
+        </mc:Choice>
+        <mc:Fallback>
+          <p:sp>
+            <p:nvSpPr>
+              <p:cNvPr id="3" name="Content Placeholder 2">
+                <a:extLst>
+                  <a:ext uri="{FF2B5EF4-FFF2-40B4-BE49-F238E27FC236}">
+                    <a16:creationId xmlns:a16="http://schemas.microsoft.com/office/drawing/2014/main" id="{33E10F43-86CC-0EDE-7C48-CC6A912E4D3C}"/>
+                  </a:ext>
+                </a:extLst>
+              </p:cNvPr>
+              <p:cNvSpPr>
+                <a:spLocks noGrp="1" noRot="1" noChangeAspect="1" noMove="1" noResize="1" noEditPoints="1" noAdjustHandles="1" noChangeArrowheads="1" noChangeShapeType="1" noTextEdit="1"/>
+              </p:cNvSpPr>
+              <p:nvPr>
+                <p:ph idx="1"/>
+              </p:nvPr>
+            </p:nvSpPr>
+            <p:spPr>
+              <a:blipFill>
+                <a:blip r:embed="rId3"/>
+                <a:stretch>
+                  <a:fillRect l="-1043" t="-2241" r="-1449"/>
+                </a:stretch>
+              </a:blipFill>
+            </p:spPr>
+            <p:txBody>
+              <a:bodyPr/>
+              <a:lstStyle/>
+              <a:p>
+                <a:r>
+                  <a:rPr lang="en-US">
+                    <a:noFill/>
+                  </a:rPr>
+                  <a:t> </a:t>
+                </a:r>
+              </a:p>
+            </p:txBody>
+          </p:sp>
+        </mc:Fallback>
+      </mc:AlternateContent>
+    </p:spTree>
+    <p:extLst>
+      <p:ext uri="{BB962C8B-B14F-4D97-AF65-F5344CB8AC3E}">
+        <p14:creationId xmlns:p14="http://schemas.microsoft.com/office/powerpoint/2010/main" val="2726656973"/>
+      </p:ext>
+    </p:extLst>
+  </p:cSld>
+  <p:clrMapOvr>
+    <a:masterClrMapping/>
+  </p:clrMapOvr>
+</p:sld>
+</file>
+
+<file path=ppt/slides/slide50.xml><?xml version="1.0" encoding="utf-8"?>
 <p:sld xmlns:a="http://schemas.openxmlformats.org/drawingml/2006/main" xmlns:r="http://schemas.openxmlformats.org/officeDocument/2006/relationships" xmlns:p="http://schemas.openxmlformats.org/presentationml/2006/main">
   <p:cSld>
     <p:spTree>
@@ -36897,7 +39668,7 @@
 </p:sld>
 </file>
 
-<file path=ppt/slides/slide48.xml><?xml version="1.0" encoding="utf-8"?>
+<file path=ppt/slides/slide51.xml><?xml version="1.0" encoding="utf-8"?>
 <p:sld xmlns:a="http://schemas.openxmlformats.org/drawingml/2006/main" xmlns:r="http://schemas.openxmlformats.org/officeDocument/2006/relationships" xmlns:p="http://schemas.openxmlformats.org/presentationml/2006/main">
   <p:cSld>
     <p:spTree>
@@ -36949,10 +39720,10 @@
       </p:sp>
       <p:pic>
         <p:nvPicPr>
-          <p:cNvPr id="4" name="Picture 3">
+          <p:cNvPr id="5" name="Picture 4">
             <a:extLst>
               <a:ext uri="{FF2B5EF4-FFF2-40B4-BE49-F238E27FC236}">
-                <a16:creationId xmlns:a16="http://schemas.microsoft.com/office/drawing/2014/main" id="{90B82B1A-0F65-4562-ABD5-31AF24F5B1A8}"/>
+                <a16:creationId xmlns:a16="http://schemas.microsoft.com/office/drawing/2014/main" id="{C7BB29D7-EBA3-7E77-432E-BCD4CC88764E}"/>
               </a:ext>
             </a:extLst>
           </p:cNvPr>
@@ -36969,14 +39740,131 @@
         </p:blipFill>
         <p:spPr>
           <a:xfrm>
-            <a:off x="165558" y="1690688"/>
-            <a:ext cx="11610975" cy="4848225"/>
+            <a:off x="672127" y="2252662"/>
+            <a:ext cx="11260121" cy="4020111"/>
           </a:xfrm>
           <a:prstGeom prst="rect">
             <a:avLst/>
           </a:prstGeom>
         </p:spPr>
       </p:pic>
+      <p:sp>
+        <p:nvSpPr>
+          <p:cNvPr id="7" name="TextBox 6">
+            <a:extLst>
+              <a:ext uri="{FF2B5EF4-FFF2-40B4-BE49-F238E27FC236}">
+                <a16:creationId xmlns:a16="http://schemas.microsoft.com/office/drawing/2014/main" id="{ACEBB1D5-E4D4-3D3F-90B8-1FA4CF470582}"/>
+              </a:ext>
+            </a:extLst>
+          </p:cNvPr>
+          <p:cNvSpPr txBox="1"/>
+          <p:nvPr/>
+        </p:nvSpPr>
+        <p:spPr>
+          <a:xfrm>
+            <a:off x="6096000" y="1690688"/>
+            <a:ext cx="1574470" cy="523220"/>
+          </a:xfrm>
+          <a:prstGeom prst="rect">
+            <a:avLst/>
+          </a:prstGeom>
+          <a:noFill/>
+        </p:spPr>
+        <p:txBody>
+          <a:bodyPr wrap="none" rtlCol="0">
+            <a:spAutoFit/>
+          </a:bodyPr>
+          <a:lstStyle/>
+          <a:p>
+            <a:r>
+              <a:rPr lang="en-US" sz="2800" dirty="0">
+                <a:solidFill>
+                  <a:schemeClr val="accent1"/>
+                </a:solidFill>
+              </a:rPr>
+              <a:t>[BJWY20]</a:t>
+            </a:r>
+          </a:p>
+        </p:txBody>
+      </p:sp>
+      <p:sp>
+        <p:nvSpPr>
+          <p:cNvPr id="8" name="TextBox 7">
+            <a:extLst>
+              <a:ext uri="{FF2B5EF4-FFF2-40B4-BE49-F238E27FC236}">
+                <a16:creationId xmlns:a16="http://schemas.microsoft.com/office/drawing/2014/main" id="{2F401ABC-68EE-77EE-0F08-46420D3A39BE}"/>
+              </a:ext>
+            </a:extLst>
+          </p:cNvPr>
+          <p:cNvSpPr txBox="1"/>
+          <p:nvPr/>
+        </p:nvSpPr>
+        <p:spPr>
+          <a:xfrm>
+            <a:off x="8113059" y="1690688"/>
+            <a:ext cx="1962397" cy="523220"/>
+          </a:xfrm>
+          <a:prstGeom prst="rect">
+            <a:avLst/>
+          </a:prstGeom>
+          <a:noFill/>
+        </p:spPr>
+        <p:txBody>
+          <a:bodyPr wrap="none" rtlCol="0">
+            <a:spAutoFit/>
+          </a:bodyPr>
+          <a:lstStyle/>
+          <a:p>
+            <a:r>
+              <a:rPr lang="en-US" sz="2800" dirty="0">
+                <a:solidFill>
+                  <a:schemeClr val="accent1"/>
+                </a:solidFill>
+              </a:rPr>
+              <a:t>[HKMMS20]</a:t>
+            </a:r>
+          </a:p>
+        </p:txBody>
+      </p:sp>
+      <p:sp>
+        <p:nvSpPr>
+          <p:cNvPr id="10" name="TextBox 9">
+            <a:extLst>
+              <a:ext uri="{FF2B5EF4-FFF2-40B4-BE49-F238E27FC236}">
+                <a16:creationId xmlns:a16="http://schemas.microsoft.com/office/drawing/2014/main" id="{E478EFCD-D8D3-2F1B-5DEF-AA4FE673AB94}"/>
+              </a:ext>
+            </a:extLst>
+          </p:cNvPr>
+          <p:cNvSpPr txBox="1"/>
+          <p:nvPr/>
+        </p:nvSpPr>
+        <p:spPr>
+          <a:xfrm>
+            <a:off x="10417862" y="1687047"/>
+            <a:ext cx="1265090" cy="523220"/>
+          </a:xfrm>
+          <a:prstGeom prst="rect">
+            <a:avLst/>
+          </a:prstGeom>
+          <a:noFill/>
+        </p:spPr>
+        <p:txBody>
+          <a:bodyPr wrap="none" rtlCol="0">
+            <a:spAutoFit/>
+          </a:bodyPr>
+          <a:lstStyle/>
+          <a:p>
+            <a:r>
+              <a:rPr lang="en-US" sz="2800" dirty="0">
+                <a:solidFill>
+                  <a:schemeClr val="accent1"/>
+                </a:solidFill>
+              </a:rPr>
+              <a:t>[WY21]</a:t>
+            </a:r>
+          </a:p>
+        </p:txBody>
+      </p:sp>
     </p:spTree>
     <p:extLst>
       <p:ext uri="{BB962C8B-B14F-4D97-AF65-F5344CB8AC3E}">
@@ -36990,7 +39878,7 @@
 </p:sld>
 </file>
 
-<file path=ppt/slides/slide49.xml><?xml version="1.0" encoding="utf-8"?>
+<file path=ppt/slides/slide52.xml><?xml version="1.0" encoding="utf-8"?>
 <p:sld xmlns:a="http://schemas.openxmlformats.org/drawingml/2006/main" xmlns:r="http://schemas.openxmlformats.org/officeDocument/2006/relationships" xmlns:p="http://schemas.openxmlformats.org/presentationml/2006/main">
   <p:cSld>
     <p:spTree>
@@ -37173,7 +40061,7 @@
 </p:sld>
 </file>
 
-<file path=ppt/slides/slide5.xml><?xml version="1.0" encoding="utf-8"?>
+<file path=ppt/slides/slide53.xml><?xml version="1.0" encoding="utf-8"?>
 <p:sld xmlns:a="http://schemas.openxmlformats.org/drawingml/2006/main" xmlns:r="http://schemas.openxmlformats.org/officeDocument/2006/relationships" xmlns:p="http://schemas.openxmlformats.org/presentationml/2006/main">
   <p:cSld>
     <p:spTree>
@@ -37181,7 +40069,7 @@
         <p:cNvPr id="1" name="">
           <a:extLst>
             <a:ext uri="{FF2B5EF4-FFF2-40B4-BE49-F238E27FC236}">
-              <a16:creationId xmlns:a16="http://schemas.microsoft.com/office/drawing/2014/main" id="{55E67616-7312-D11C-CB23-1D3A7B465F8D}"/>
+              <a16:creationId xmlns:a16="http://schemas.microsoft.com/office/drawing/2014/main" id="{1586296A-3943-631D-B0F1-32349521E3EE}"/>
             </a:ext>
           </a:extLst>
         </p:cNvPr>
@@ -37201,7 +40089,7 @@
           <p:cNvPr id="2" name="Title 1">
             <a:extLst>
               <a:ext uri="{FF2B5EF4-FFF2-40B4-BE49-F238E27FC236}">
-                <a16:creationId xmlns:a16="http://schemas.microsoft.com/office/drawing/2014/main" id="{D061FF2B-BBDF-C20E-A19C-83D00796EAA8}"/>
+                <a16:creationId xmlns:a16="http://schemas.microsoft.com/office/drawing/2014/main" id="{7DB94F43-7ED5-8683-209F-149451CCB56E}"/>
               </a:ext>
             </a:extLst>
           </p:cNvPr>
@@ -37214,7 +40102,9 @@
         </p:nvSpPr>
         <p:spPr/>
         <p:txBody>
-          <a:bodyPr/>
+          <a:bodyPr>
+            <a:normAutofit/>
+          </a:bodyPr>
           <a:lstStyle/>
           <a:p>
             <a:r>
@@ -37223,9 +40113,13 @@
                   <a:srgbClr val="C00000"/>
                 </a:solidFill>
               </a:rPr>
-              <a:t>Why Adversarial Robustness?</a:t>
+              <a:t>Sampling</a:t>
             </a:r>
-            <a:endParaRPr lang="en-US" dirty="0"/>
+            <a:endParaRPr lang="en-US" dirty="0">
+              <a:solidFill>
+                <a:schemeClr val="accent1"/>
+              </a:solidFill>
+            </a:endParaRPr>
           </a:p>
         </p:txBody>
       </p:sp>
@@ -37234,7 +40128,7 @@
           <p:cNvPr id="3" name="Content Placeholder 2">
             <a:extLst>
               <a:ext uri="{FF2B5EF4-FFF2-40B4-BE49-F238E27FC236}">
-                <a16:creationId xmlns:a16="http://schemas.microsoft.com/office/drawing/2014/main" id="{D27AF591-F835-F506-321A-10EDF712D86E}"/>
+                <a16:creationId xmlns:a16="http://schemas.microsoft.com/office/drawing/2014/main" id="{2D34818D-360C-6DB0-8C6F-4F412002632D}"/>
               </a:ext>
             </a:extLst>
           </p:cNvPr>
@@ -37245,9 +40139,176 @@
             <p:ph idx="1"/>
           </p:nvPr>
         </p:nvSpPr>
+        <p:spPr>
+          <a:xfrm>
+            <a:off x="838200" y="1825624"/>
+            <a:ext cx="10515600" cy="4788239"/>
+          </a:xfrm>
+        </p:spPr>
+        <p:txBody>
+          <a:bodyPr>
+            <a:normAutofit/>
+          </a:bodyPr>
+          <a:lstStyle/>
+          <a:p>
+            <a:r>
+              <a:rPr lang="en-US" sz="3200" dirty="0"/>
+              <a:t>Uniform sampling with a small overhead is robust for capturing the “density” of a dataset </a:t>
+            </a:r>
+            <a:r>
+              <a:rPr lang="en-US" sz="3200" dirty="0">
+                <a:solidFill>
+                  <a:schemeClr val="accent1"/>
+                </a:solidFill>
+              </a:rPr>
+              <a:t>[Ben-EliezerYogev20]</a:t>
+            </a:r>
+          </a:p>
+          <a:p>
+            <a:pPr marL="0" indent="0">
+              <a:buNone/>
+            </a:pPr>
+            <a:endParaRPr lang="en-US" sz="3200" dirty="0">
+              <a:solidFill>
+                <a:schemeClr val="accent1"/>
+              </a:solidFill>
+            </a:endParaRPr>
+          </a:p>
+          <a:p>
+            <a:r>
+              <a:rPr lang="en-US" sz="3200" dirty="0"/>
+              <a:t>Importance sampling is robust with various overheads </a:t>
+            </a:r>
+            <a:r>
+              <a:rPr lang="en-US" sz="3200" dirty="0">
+                <a:solidFill>
+                  <a:srgbClr val="0070C0"/>
+                </a:solidFill>
+              </a:rPr>
+              <a:t>[BravermanHassidimMattiasSchainSilwalZhou22, JiangPengWeinstein23, Kenneth-MordochSapir25]</a:t>
+            </a:r>
+          </a:p>
+          <a:p>
+            <a:endParaRPr lang="en-US" sz="3200" dirty="0"/>
+          </a:p>
+          <a:p>
+            <a:r>
+              <a:rPr lang="en-US" sz="3200" dirty="0"/>
+              <a:t>Certain sampling algorithms are robust even to white-box adversaries</a:t>
+            </a:r>
+          </a:p>
+          <a:p>
+            <a:endParaRPr lang="en-US" sz="3200" dirty="0"/>
+          </a:p>
+          <a:p>
+            <a:endParaRPr lang="en-US" sz="3200" dirty="0"/>
+          </a:p>
+          <a:p>
+            <a:endParaRPr lang="en-US" sz="3200" dirty="0"/>
+          </a:p>
+        </p:txBody>
+      </p:sp>
+    </p:spTree>
+    <p:extLst>
+      <p:ext uri="{BB962C8B-B14F-4D97-AF65-F5344CB8AC3E}">
+        <p14:creationId xmlns:p14="http://schemas.microsoft.com/office/powerpoint/2010/main" val="2645163124"/>
+      </p:ext>
+    </p:extLst>
+  </p:cSld>
+  <p:clrMapOvr>
+    <a:masterClrMapping/>
+  </p:clrMapOvr>
+</p:sld>
+</file>
+
+<file path=ppt/slides/slide54.xml><?xml version="1.0" encoding="utf-8"?>
+<p:sld xmlns:a="http://schemas.openxmlformats.org/drawingml/2006/main" xmlns:r="http://schemas.openxmlformats.org/officeDocument/2006/relationships" xmlns:p="http://schemas.openxmlformats.org/presentationml/2006/main">
+  <p:cSld>
+    <p:spTree>
+      <p:nvGrpSpPr>
+        <p:cNvPr id="1" name="">
+          <a:extLst>
+            <a:ext uri="{FF2B5EF4-FFF2-40B4-BE49-F238E27FC236}">
+              <a16:creationId xmlns:a16="http://schemas.microsoft.com/office/drawing/2014/main" id="{6654DF79-253A-03F1-1B5A-A74D4CFC9EC5}"/>
+            </a:ext>
+          </a:extLst>
+        </p:cNvPr>
+        <p:cNvGrpSpPr/>
+        <p:nvPr/>
+      </p:nvGrpSpPr>
+      <p:grpSpPr>
+        <a:xfrm>
+          <a:off x="0" y="0"/>
+          <a:ext cx="0" cy="0"/>
+          <a:chOff x="0" y="0"/>
+          <a:chExt cx="0" cy="0"/>
+        </a:xfrm>
+      </p:grpSpPr>
+      <p:sp>
+        <p:nvSpPr>
+          <p:cNvPr id="2" name="Title 1">
+            <a:extLst>
+              <a:ext uri="{FF2B5EF4-FFF2-40B4-BE49-F238E27FC236}">
+                <a16:creationId xmlns:a16="http://schemas.microsoft.com/office/drawing/2014/main" id="{A66E3EC2-3A38-A919-69F5-2CF3DB66C808}"/>
+              </a:ext>
+            </a:extLst>
+          </p:cNvPr>
+          <p:cNvSpPr>
+            <a:spLocks noGrp="1"/>
+          </p:cNvSpPr>
+          <p:nvPr>
+            <p:ph type="title"/>
+          </p:nvPr>
+        </p:nvSpPr>
         <p:spPr/>
         <p:txBody>
-          <a:bodyPr/>
+          <a:bodyPr>
+            <a:normAutofit/>
+          </a:bodyPr>
+          <a:lstStyle/>
+          <a:p>
+            <a:r>
+              <a:rPr lang="en-US" dirty="0">
+                <a:solidFill>
+                  <a:srgbClr val="C00000"/>
+                </a:solidFill>
+              </a:rPr>
+              <a:t>Separations</a:t>
+            </a:r>
+            <a:endParaRPr lang="en-US" dirty="0">
+              <a:solidFill>
+                <a:schemeClr val="accent1"/>
+              </a:solidFill>
+            </a:endParaRPr>
+          </a:p>
+        </p:txBody>
+      </p:sp>
+      <p:sp>
+        <p:nvSpPr>
+          <p:cNvPr id="3" name="Content Placeholder 2">
+            <a:extLst>
+              <a:ext uri="{FF2B5EF4-FFF2-40B4-BE49-F238E27FC236}">
+                <a16:creationId xmlns:a16="http://schemas.microsoft.com/office/drawing/2014/main" id="{D88912A4-97B3-6655-7508-14B87300E21E}"/>
+              </a:ext>
+            </a:extLst>
+          </p:cNvPr>
+          <p:cNvSpPr>
+            <a:spLocks noGrp="1"/>
+          </p:cNvSpPr>
+          <p:nvPr>
+            <p:ph idx="1"/>
+          </p:nvPr>
+        </p:nvSpPr>
+        <p:spPr>
+          <a:xfrm>
+            <a:off x="838200" y="1825624"/>
+            <a:ext cx="10515600" cy="4788239"/>
+          </a:xfrm>
+        </p:spPr>
+        <p:txBody>
+          <a:bodyPr>
+            <a:normAutofit/>
+          </a:bodyPr>
           <a:lstStyle/>
           <a:p>
             <a:pPr>
@@ -37256,8 +40317,8 @@
               </a:buClr>
             </a:pPr>
             <a:r>
-              <a:rPr lang="en-US" dirty="0"/>
-              <a:t>Connections across many areas: </a:t>
+              <a:rPr lang="en-US" sz="3200" dirty="0"/>
+              <a:t>Separation between non-adaptive and adaptive streaming model, for black-box adversaries in the insertion-only setting for problems of:</a:t>
             </a:r>
           </a:p>
           <a:p>
@@ -37267,71 +40328,49 @@
               </a:buClr>
             </a:pPr>
             <a:r>
-              <a:rPr lang="en-US" sz="2800" dirty="0"/>
-              <a:t>Sublinear algorithms</a:t>
+              <a:rPr lang="en-US" sz="3200" dirty="0"/>
+              <a:t>Streaming Adaptive Data Analysis Problem (SADA) </a:t>
+            </a:r>
+            <a:r>
+              <a:rPr lang="en-US" sz="3200" dirty="0">
+                <a:solidFill>
+                  <a:srgbClr val="0070C0"/>
+                </a:solidFill>
+              </a:rPr>
+              <a:t>[KaplanMansourNissimStemmer21]</a:t>
             </a:r>
           </a:p>
           <a:p>
-            <a:pPr lvl="1">
-              <a:buClr>
-                <a:schemeClr val="tx1"/>
-              </a:buClr>
-            </a:pPr>
+            <a:pPr lvl="1"/>
             <a:r>
-              <a:rPr lang="en-US" sz="2800" dirty="0"/>
-              <a:t>Graph theory</a:t>
+              <a:rPr lang="en-US" sz="3200" dirty="0"/>
+              <a:t>Graph Coloring </a:t>
             </a:r>
+            <a:r>
+              <a:rPr lang="en-US" sz="3200" dirty="0">
+                <a:solidFill>
+                  <a:srgbClr val="0070C0"/>
+                </a:solidFill>
+              </a:rPr>
+              <a:t>[ChakrabartiGhoshStoeckl22]</a:t>
+            </a:r>
+            <a:endParaRPr lang="en-US" sz="3200" dirty="0"/>
           </a:p>
           <a:p>
-            <a:pPr lvl="1">
-              <a:buClr>
-                <a:schemeClr val="tx1"/>
-              </a:buClr>
-            </a:pPr>
-            <a:r>
-              <a:rPr lang="en-US" sz="2800" dirty="0"/>
-              <a:t>Functional analysis</a:t>
-            </a:r>
+            <a:endParaRPr lang="en-US" sz="3200" dirty="0"/>
           </a:p>
           <a:p>
-            <a:pPr lvl="1">
-              <a:buClr>
-                <a:schemeClr val="tx1"/>
-              </a:buClr>
-            </a:pPr>
-            <a:r>
-              <a:rPr lang="en-US" sz="2800" dirty="0"/>
-              <a:t>Information theory</a:t>
-            </a:r>
+            <a:endParaRPr lang="en-US" sz="3200" dirty="0"/>
           </a:p>
           <a:p>
-            <a:pPr lvl="1">
-              <a:buClr>
-                <a:schemeClr val="tx1"/>
-              </a:buClr>
-            </a:pPr>
-            <a:r>
-              <a:rPr lang="en-US" sz="2800" dirty="0"/>
-              <a:t>Differential privacy and adaptive data analysis</a:t>
-            </a:r>
-          </a:p>
-          <a:p>
-            <a:pPr lvl="1">
-              <a:buClr>
-                <a:schemeClr val="tx1"/>
-              </a:buClr>
-            </a:pPr>
-            <a:r>
-              <a:rPr lang="en-US" sz="2800" dirty="0"/>
-              <a:t>Cryptography</a:t>
-            </a:r>
+            <a:endParaRPr lang="en-US" sz="3200" dirty="0"/>
           </a:p>
         </p:txBody>
       </p:sp>
     </p:spTree>
     <p:extLst>
       <p:ext uri="{BB962C8B-B14F-4D97-AF65-F5344CB8AC3E}">
-        <p14:creationId xmlns:p14="http://schemas.microsoft.com/office/powerpoint/2010/main" val="1892711522"/>
+        <p14:creationId xmlns:p14="http://schemas.microsoft.com/office/powerpoint/2010/main" val="578324353"/>
       </p:ext>
     </p:extLst>
   </p:cSld>
@@ -37341,7 +40380,7 @@
 </p:sld>
 </file>
 
-<file path=ppt/slides/slide50.xml><?xml version="1.0" encoding="utf-8"?>
+<file path=ppt/slides/slide55.xml><?xml version="1.0" encoding="utf-8"?>
 <p:sld xmlns:a="http://schemas.openxmlformats.org/drawingml/2006/main" xmlns:r="http://schemas.openxmlformats.org/officeDocument/2006/relationships" xmlns:p="http://schemas.openxmlformats.org/presentationml/2006/main">
   <p:cSld>
     <p:spTree>
@@ -37451,23 +40490,22 @@
           <a:p>
             <a:r>
               <a:rPr lang="en-US" sz="3200" dirty="0"/>
-              <a:t>Certain sampling algorithms are robust even to white-box adversaries </a:t>
+              <a:t>Reductions to deterministic communication complexity protocols </a:t>
             </a:r>
             <a:r>
               <a:rPr lang="en-US" sz="3200" dirty="0">
                 <a:solidFill>
-                  <a:srgbClr val="0070C0"/>
+                  <a:schemeClr val="accent1"/>
                 </a:solidFill>
               </a:rPr>
-              <a:t>[BravermanHassidimMattiasSchainSilwalZhou22]</a:t>
+              <a:t>[AjtaiBravermanJayramSilwalWoodruffZhou22]</a:t>
             </a:r>
           </a:p>
           <a:p>
-            <a:endParaRPr lang="en-US" sz="3200" dirty="0">
-              <a:solidFill>
-                <a:srgbClr val="0070C0"/>
-              </a:solidFill>
-            </a:endParaRPr>
+            <a:r>
+              <a:rPr lang="en-US" sz="3200" dirty="0"/>
+              <a:t>No non-trivial algorithms for many central problems</a:t>
+            </a:r>
           </a:p>
           <a:p>
             <a:r>
@@ -37502,7 +40540,7 @@
 </p:sld>
 </file>
 
-<file path=ppt/slides/slide51.xml><?xml version="1.0" encoding="utf-8"?>
+<file path=ppt/slides/slide56.xml><?xml version="1.0" encoding="utf-8"?>
 <p:sld xmlns:a="http://schemas.openxmlformats.org/drawingml/2006/main" xmlns:r="http://schemas.openxmlformats.org/officeDocument/2006/relationships" xmlns:p="http://schemas.openxmlformats.org/presentationml/2006/main">
   <p:cSld>
     <p:spTree>
@@ -37592,7 +40630,43 @@
           </a:bodyPr>
           <a:lstStyle/>
           <a:p>
+            <a:r>
+              <a:rPr lang="en-US" sz="3200" dirty="0"/>
+              <a:t>Attacks on classic data structures and algorithms:</a:t>
+            </a:r>
+          </a:p>
+          <a:p>
+            <a:pPr marL="0" indent="0">
+              <a:buNone/>
+            </a:pPr>
+            <a:r>
+              <a:rPr lang="en-US" sz="3200" dirty="0">
+                <a:solidFill>
+                  <a:schemeClr val="accent1"/>
+                </a:solidFill>
+              </a:rPr>
+              <a:t>[CohenLyuNelsonSarlosShechnerStemmer22], [CohenNelsonSarlosStemmer23], [CohenNelsonSarlosSinghalStemmer23], [AhmadianCohen24], [GribelyukLinWoodruffYuZhou24, 25]</a:t>
+            </a:r>
             <a:endParaRPr lang="en-US" sz="3200" dirty="0"/>
+          </a:p>
+          <a:p>
+            <a:r>
+              <a:rPr lang="en-US" sz="3200" dirty="0"/>
+              <a:t>Adapting classic data structures:</a:t>
+            </a:r>
+          </a:p>
+          <a:p>
+            <a:pPr marL="0" indent="0">
+              <a:buNone/>
+            </a:pPr>
+            <a:r>
+              <a:rPr lang="en-US" sz="3200" dirty="0">
+                <a:solidFill>
+                  <a:schemeClr val="accent1"/>
+                </a:solidFill>
+              </a:rPr>
+              <a:t>[CherapanamjeriNelson20], [CohenLyuNelsonSarlosShechnerStemmer22], [NaorOved22], </a:t>
+            </a:r>
           </a:p>
         </p:txBody>
       </p:sp>
@@ -37609,7 +40683,7 @@
 </p:sld>
 </file>
 
-<file path=ppt/slides/slide52.xml><?xml version="1.0" encoding="utf-8"?>
+<file path=ppt/slides/slide57.xml><?xml version="1.0" encoding="utf-8"?>
 <p:sld xmlns:a="http://schemas.openxmlformats.org/drawingml/2006/main" xmlns:r="http://schemas.openxmlformats.org/officeDocument/2006/relationships" xmlns:p="http://schemas.openxmlformats.org/presentationml/2006/main">
   <p:cSld>
     <p:spTree>
@@ -37690,7 +40764,7 @@
         <p:spPr>
           <a:xfrm>
             <a:off x="838200" y="1825624"/>
-            <a:ext cx="10515600" cy="4788239"/>
+            <a:ext cx="10797988" cy="4788239"/>
           </a:xfrm>
         </p:spPr>
         <p:txBody>
@@ -37710,7 +40784,7 @@
           <a:p>
             <a:r>
               <a:rPr lang="en-US" sz="3200" dirty="0"/>
-              <a:t>Refining adversary models and interactions, e.g., computationally restricted adversaries (bounded time, space , etc.), delayed observations, partial visibility of randomness</a:t>
+              <a:t>Refining adversary models and interactions, e.g., computationally restricted adversaries (bounded time, space, etc.), delayed observations, partial visibility of randomness</a:t>
             </a:r>
           </a:p>
           <a:p>
@@ -37719,7 +40793,7 @@
           <a:p>
             <a:r>
               <a:rPr lang="en-US" sz="3200" dirty="0"/>
-              <a:t>Adversarial input in other models, e.g., distributed monitoring, MPC</a:t>
+              <a:t>Adversarial input in new problems and models, e.g., distributed monitoring, MPC</a:t>
             </a:r>
           </a:p>
           <a:p>
@@ -37743,7 +40817,7 @@
 </p:sld>
 </file>
 
-<file path=ppt/slides/slide53.xml><?xml version="1.0" encoding="utf-8"?>
+<file path=ppt/slides/slide58.xml><?xml version="1.0" encoding="utf-8"?>
 <p:sld xmlns:a="http://schemas.openxmlformats.org/drawingml/2006/main" xmlns:r="http://schemas.openxmlformats.org/officeDocument/2006/relationships" xmlns:p="http://schemas.openxmlformats.org/presentationml/2006/main">
   <p:cSld>
     <p:spTree>
@@ -37887,7 +40961,7 @@
 </p:sld>
 </file>
 
-<file path=ppt/slides/slide6.xml><?xml version="1.0" encoding="utf-8"?>
+<file path=ppt/slides/slide59.xml><?xml version="1.0" encoding="utf-8"?>
 <p:sld xmlns:a="http://schemas.openxmlformats.org/drawingml/2006/main" xmlns:r="http://schemas.openxmlformats.org/officeDocument/2006/relationships" xmlns:p="http://schemas.openxmlformats.org/presentationml/2006/main">
   <p:cSld>
     <p:spTree>
@@ -37895,7 +40969,7 @@
         <p:cNvPr id="1" name="">
           <a:extLst>
             <a:ext uri="{FF2B5EF4-FFF2-40B4-BE49-F238E27FC236}">
-              <a16:creationId xmlns:a16="http://schemas.microsoft.com/office/drawing/2014/main" id="{CEE838C6-1E94-D565-5F77-00F5455AE7BC}"/>
+              <a16:creationId xmlns:a16="http://schemas.microsoft.com/office/drawing/2014/main" id="{E02994E1-755A-D4D6-C576-1CAC7560CE84}"/>
             </a:ext>
           </a:extLst>
         </p:cNvPr>
@@ -37915,7 +40989,202 @@
           <p:cNvPr id="2" name="Title 1">
             <a:extLst>
               <a:ext uri="{FF2B5EF4-FFF2-40B4-BE49-F238E27FC236}">
-                <a16:creationId xmlns:a16="http://schemas.microsoft.com/office/drawing/2014/main" id="{7C88946E-7A01-97BB-18A4-5E0A8CFF5428}"/>
+                <a16:creationId xmlns:a16="http://schemas.microsoft.com/office/drawing/2014/main" id="{16C9DD00-3183-4509-88AA-98A53468A869}"/>
+              </a:ext>
+            </a:extLst>
+          </p:cNvPr>
+          <p:cNvSpPr>
+            <a:spLocks noGrp="1"/>
+          </p:cNvSpPr>
+          <p:nvPr>
+            <p:ph type="title"/>
+          </p:nvPr>
+        </p:nvSpPr>
+        <p:spPr/>
+        <p:txBody>
+          <a:bodyPr/>
+          <a:lstStyle/>
+          <a:p>
+            <a:r>
+              <a:rPr lang="en-US" dirty="0">
+                <a:solidFill>
+                  <a:srgbClr val="C00000"/>
+                </a:solidFill>
+              </a:rPr>
+              <a:t>Workshop Themes</a:t>
+            </a:r>
+            <a:endParaRPr lang="en-US" dirty="0"/>
+          </a:p>
+        </p:txBody>
+      </p:sp>
+      <p:sp>
+        <p:nvSpPr>
+          <p:cNvPr id="3" name="Content Placeholder 2">
+            <a:extLst>
+              <a:ext uri="{FF2B5EF4-FFF2-40B4-BE49-F238E27FC236}">
+                <a16:creationId xmlns:a16="http://schemas.microsoft.com/office/drawing/2014/main" id="{36AF91AA-8391-64F4-811D-4AA5D57F7FF5}"/>
+              </a:ext>
+            </a:extLst>
+          </p:cNvPr>
+          <p:cNvSpPr>
+            <a:spLocks noGrp="1"/>
+          </p:cNvSpPr>
+          <p:nvPr>
+            <p:ph idx="1"/>
+          </p:nvPr>
+        </p:nvSpPr>
+        <p:spPr/>
+        <p:txBody>
+          <a:bodyPr>
+            <a:normAutofit/>
+          </a:bodyPr>
+          <a:lstStyle/>
+          <a:p>
+            <a:pPr>
+              <a:buClr>
+                <a:schemeClr val="tx1"/>
+              </a:buClr>
+            </a:pPr>
+            <a:r>
+              <a:rPr lang="en-US" sz="2800" dirty="0">
+                <a:solidFill>
+                  <a:schemeClr val="accent1"/>
+                </a:solidFill>
+              </a:rPr>
+              <a:t>What attacks are possible against classical data structure and algorithms? How efficient can we make them?</a:t>
+            </a:r>
+          </a:p>
+          <a:p>
+            <a:pPr marL="457200" lvl="1" indent="0">
+              <a:buClr>
+                <a:schemeClr val="tx1"/>
+              </a:buClr>
+              <a:buNone/>
+            </a:pPr>
+            <a:r>
+              <a:rPr lang="en-US" sz="2800" dirty="0"/>
+              <a:t>Xin, Mihir, Sara, Edith</a:t>
+            </a:r>
+          </a:p>
+          <a:p>
+            <a:pPr>
+              <a:buClr>
+                <a:schemeClr val="tx1"/>
+              </a:buClr>
+            </a:pPr>
+            <a:r>
+              <a:rPr lang="en-US" dirty="0">
+                <a:solidFill>
+                  <a:srgbClr val="00B050"/>
+                </a:solidFill>
+              </a:rPr>
+              <a:t>What are the capabilities and limitations of robust data structures and algorithms in various models? How do different adversarial models change what’s possible?</a:t>
+            </a:r>
+          </a:p>
+          <a:p>
+            <a:pPr marL="457200" lvl="1" indent="0">
+              <a:buClr>
+                <a:schemeClr val="tx1"/>
+              </a:buClr>
+              <a:buNone/>
+            </a:pPr>
+            <a:r>
+              <a:rPr lang="en-US" sz="2800" dirty="0"/>
+              <a:t>Omri, Amit, Guy, David, Elena, </a:t>
+            </a:r>
+            <a:r>
+              <a:rPr lang="en-US" sz="2800" dirty="0" err="1"/>
+              <a:t>Honghao</a:t>
+            </a:r>
+            <a:endParaRPr lang="en-US" sz="2800" dirty="0"/>
+          </a:p>
+          <a:p>
+            <a:pPr>
+              <a:buClr>
+                <a:schemeClr val="tx1"/>
+              </a:buClr>
+            </a:pPr>
+            <a:r>
+              <a:rPr lang="en-US" sz="2800" dirty="0">
+                <a:solidFill>
+                  <a:schemeClr val="accent2"/>
+                </a:solidFill>
+              </a:rPr>
+              <a:t>New problems and models of adversarial robustness</a:t>
+            </a:r>
+          </a:p>
+          <a:p>
+            <a:pPr marL="457200" lvl="1" indent="0">
+              <a:buClr>
+                <a:schemeClr val="tx1"/>
+              </a:buClr>
+              <a:buNone/>
+            </a:pPr>
+            <a:r>
+              <a:rPr lang="en-US" sz="2800" dirty="0"/>
+              <a:t>Uri, </a:t>
+            </a:r>
+            <a:r>
+              <a:rPr lang="en-US" sz="2800" dirty="0" err="1"/>
+              <a:t>Binghui</a:t>
+            </a:r>
+            <a:r>
+              <a:rPr lang="en-US" sz="2800" dirty="0"/>
+              <a:t>, Sandeep, Chen, </a:t>
+            </a:r>
+            <a:r>
+              <a:rPr lang="en-US" sz="2800" dirty="0" err="1"/>
+              <a:t>Shenghao</a:t>
+            </a:r>
+            <a:r>
+              <a:rPr lang="en-US" sz="2800" dirty="0"/>
+              <a:t>, Yuhan </a:t>
+            </a:r>
+          </a:p>
+        </p:txBody>
+      </p:sp>
+    </p:spTree>
+    <p:extLst>
+      <p:ext uri="{BB962C8B-B14F-4D97-AF65-F5344CB8AC3E}">
+        <p14:creationId xmlns:p14="http://schemas.microsoft.com/office/powerpoint/2010/main" val="3479477602"/>
+      </p:ext>
+    </p:extLst>
+  </p:cSld>
+  <p:clrMapOvr>
+    <a:masterClrMapping/>
+  </p:clrMapOvr>
+</p:sld>
+</file>
+
+<file path=ppt/slides/slide6.xml><?xml version="1.0" encoding="utf-8"?>
+<p:sld xmlns:a="http://schemas.openxmlformats.org/drawingml/2006/main" xmlns:r="http://schemas.openxmlformats.org/officeDocument/2006/relationships" xmlns:p="http://schemas.openxmlformats.org/presentationml/2006/main">
+  <p:cSld>
+    <p:spTree>
+      <p:nvGrpSpPr>
+        <p:cNvPr id="1" name="">
+          <a:extLst>
+            <a:ext uri="{FF2B5EF4-FFF2-40B4-BE49-F238E27FC236}">
+              <a16:creationId xmlns:a16="http://schemas.microsoft.com/office/drawing/2014/main" id="{D19C85C8-78DB-5CBA-3433-0E3F85C5D87C}"/>
+            </a:ext>
+          </a:extLst>
+        </p:cNvPr>
+        <p:cNvGrpSpPr/>
+        <p:nvPr/>
+      </p:nvGrpSpPr>
+      <p:grpSpPr>
+        <a:xfrm>
+          <a:off x="0" y="0"/>
+          <a:ext cx="0" cy="0"/>
+          <a:chOff x="0" y="0"/>
+          <a:chExt cx="0" cy="0"/>
+        </a:xfrm>
+      </p:grpSpPr>
+      <p:sp>
+        <p:nvSpPr>
+          <p:cNvPr id="2" name="Title 1">
+            <a:extLst>
+              <a:ext uri="{FF2B5EF4-FFF2-40B4-BE49-F238E27FC236}">
+                <a16:creationId xmlns:a16="http://schemas.microsoft.com/office/drawing/2014/main" id="{D712534B-C07F-659A-CB58-A6C5012A7140}"/>
               </a:ext>
             </a:extLst>
           </p:cNvPr>
@@ -37943,12 +41212,463 @@
           </a:p>
         </p:txBody>
       </p:sp>
+      <mc:AlternateContent xmlns:mc="http://schemas.openxmlformats.org/markup-compatibility/2006">
+        <mc:Choice xmlns:a14="http://schemas.microsoft.com/office/drawing/2010/main" Requires="a14">
+          <p:sp>
+            <p:nvSpPr>
+              <p:cNvPr id="3" name="Content Placeholder 2">
+                <a:extLst>
+                  <a:ext uri="{FF2B5EF4-FFF2-40B4-BE49-F238E27FC236}">
+                    <a16:creationId xmlns:a16="http://schemas.microsoft.com/office/drawing/2014/main" id="{67DA0FB4-0380-FAF8-E21A-5376F506A55B}"/>
+                  </a:ext>
+                </a:extLst>
+              </p:cNvPr>
+              <p:cNvSpPr>
+                <a:spLocks noGrp="1"/>
+              </p:cNvSpPr>
+              <p:nvPr>
+                <p:ph idx="1"/>
+              </p:nvPr>
+            </p:nvSpPr>
+            <p:spPr/>
+            <p:txBody>
+              <a:bodyPr>
+                <a:normAutofit/>
+              </a:bodyPr>
+              <a:lstStyle/>
+              <a:p>
+                <a:pPr>
+                  <a:buClr>
+                    <a:schemeClr val="tx1"/>
+                  </a:buClr>
+                </a:pPr>
+                <a:r>
+                  <a:rPr lang="en-US" dirty="0"/>
+                  <a:t>Have a “working range”, starting with the interval </a:t>
+                </a:r>
+                <a14:m>
+                  <m:oMath xmlns:m="http://schemas.openxmlformats.org/officeDocument/2006/math">
+                    <m:r>
+                      <a:rPr lang="en-US" b="0" i="1" smtClean="0">
+                        <a:solidFill>
+                          <a:srgbClr val="C00000"/>
+                        </a:solidFill>
+                        <a:latin typeface="Cambria Math" panose="02040503050406030204" pitchFamily="18" charset="0"/>
+                      </a:rPr>
+                      <m:t>[0,1]</m:t>
+                    </m:r>
+                  </m:oMath>
+                </a14:m>
+                <a:r>
+                  <a:rPr lang="en-US" sz="2800" dirty="0"/>
+                  <a:t> and </a:t>
+                </a:r>
+                <a14:m>
+                  <m:oMath xmlns:m="http://schemas.openxmlformats.org/officeDocument/2006/math">
+                    <m:sSub>
+                      <m:sSubPr>
+                        <m:ctrlPr>
+                          <a:rPr lang="en-US" b="0" i="1" smtClean="0">
+                            <a:solidFill>
+                              <a:srgbClr val="C00000"/>
+                            </a:solidFill>
+                            <a:latin typeface="Cambria Math" panose="02040503050406030204" pitchFamily="18" charset="0"/>
+                          </a:rPr>
+                        </m:ctrlPr>
+                      </m:sSubPr>
+                      <m:e>
+                        <m:r>
+                          <a:rPr lang="en-US" b="0" i="1" smtClean="0">
+                            <a:solidFill>
+                              <a:srgbClr val="C00000"/>
+                            </a:solidFill>
+                            <a:latin typeface="Cambria Math" panose="02040503050406030204" pitchFamily="18" charset="0"/>
+                          </a:rPr>
+                          <m:t>𝑥</m:t>
+                        </m:r>
+                      </m:e>
+                      <m:sub>
+                        <m:r>
+                          <a:rPr lang="en-US" b="0" i="1" smtClean="0">
+                            <a:solidFill>
+                              <a:srgbClr val="C00000"/>
+                            </a:solidFill>
+                            <a:latin typeface="Cambria Math" panose="02040503050406030204" pitchFamily="18" charset="0"/>
+                          </a:rPr>
+                          <m:t>1</m:t>
+                        </m:r>
+                      </m:sub>
+                    </m:sSub>
+                    <m:r>
+                      <a:rPr lang="en-US" b="0" i="1" smtClean="0">
+                        <a:solidFill>
+                          <a:srgbClr val="C00000"/>
+                        </a:solidFill>
+                        <a:latin typeface="Cambria Math" panose="02040503050406030204" pitchFamily="18" charset="0"/>
+                      </a:rPr>
+                      <m:t>=0.5</m:t>
+                    </m:r>
+                  </m:oMath>
+                </a14:m>
+                <a:endParaRPr lang="en-US" sz="2800" dirty="0"/>
+              </a:p>
+              <a:p>
+                <a:pPr>
+                  <a:buClr>
+                    <a:schemeClr val="tx1"/>
+                  </a:buClr>
+                </a:pPr>
+                <a:r>
+                  <a:rPr lang="en-US" dirty="0"/>
+                  <a:t>If </a:t>
+                </a:r>
+                <a14:m>
+                  <m:oMath xmlns:m="http://schemas.openxmlformats.org/officeDocument/2006/math">
+                    <m:sSub>
+                      <m:sSubPr>
+                        <m:ctrlPr>
+                          <a:rPr lang="en-US" b="0" i="1" smtClean="0">
+                            <a:solidFill>
+                              <a:srgbClr val="C00000"/>
+                            </a:solidFill>
+                            <a:latin typeface="Cambria Math" panose="02040503050406030204" pitchFamily="18" charset="0"/>
+                          </a:rPr>
+                        </m:ctrlPr>
+                      </m:sSubPr>
+                      <m:e>
+                        <m:r>
+                          <a:rPr lang="en-US" b="0" i="1" smtClean="0">
+                            <a:solidFill>
+                              <a:srgbClr val="C00000"/>
+                            </a:solidFill>
+                            <a:latin typeface="Cambria Math" panose="02040503050406030204" pitchFamily="18" charset="0"/>
+                          </a:rPr>
+                          <m:t>𝑥</m:t>
+                        </m:r>
+                      </m:e>
+                      <m:sub>
+                        <m:r>
+                          <a:rPr lang="en-US" b="0" i="1" smtClean="0">
+                            <a:solidFill>
+                              <a:srgbClr val="C00000"/>
+                            </a:solidFill>
+                            <a:latin typeface="Cambria Math" panose="02040503050406030204" pitchFamily="18" charset="0"/>
+                          </a:rPr>
+                          <m:t>1</m:t>
+                        </m:r>
+                      </m:sub>
+                    </m:sSub>
+                  </m:oMath>
+                </a14:m>
+                <a:r>
+                  <a:rPr lang="en-US" dirty="0"/>
+                  <a:t> is sampled, change interval to </a:t>
+                </a:r>
+                <a14:m>
+                  <m:oMath xmlns:m="http://schemas.openxmlformats.org/officeDocument/2006/math">
+                    <m:d>
+                      <m:dPr>
+                        <m:begChr m:val="["/>
+                        <m:endChr m:val="]"/>
+                        <m:ctrlPr>
+                          <a:rPr lang="en-US" b="0" i="1" smtClean="0">
+                            <a:solidFill>
+                              <a:srgbClr val="C00000"/>
+                            </a:solidFill>
+                            <a:latin typeface="Cambria Math" panose="02040503050406030204" pitchFamily="18" charset="0"/>
+                          </a:rPr>
+                        </m:ctrlPr>
+                      </m:dPr>
+                      <m:e>
+                        <m:r>
+                          <a:rPr lang="en-US" b="0" i="1" smtClean="0">
+                            <a:solidFill>
+                              <a:srgbClr val="C00000"/>
+                            </a:solidFill>
+                            <a:latin typeface="Cambria Math" panose="02040503050406030204" pitchFamily="18" charset="0"/>
+                          </a:rPr>
+                          <m:t>0,0.5</m:t>
+                        </m:r>
+                      </m:e>
+                    </m:d>
+                  </m:oMath>
+                </a14:m>
+                <a:endParaRPr lang="en-US" b="0" dirty="0">
+                  <a:solidFill>
+                    <a:srgbClr val="C00000"/>
+                  </a:solidFill>
+                </a:endParaRPr>
+              </a:p>
+              <a:p>
+                <a:pPr>
+                  <a:buClr>
+                    <a:schemeClr val="tx1"/>
+                  </a:buClr>
+                </a:pPr>
+                <a:r>
+                  <a:rPr lang="en-US" dirty="0"/>
+                  <a:t>Otherwise change to </a:t>
+                </a:r>
+                <a14:m>
+                  <m:oMath xmlns:m="http://schemas.openxmlformats.org/officeDocument/2006/math">
+                    <m:r>
+                      <a:rPr lang="en-US" b="0" i="1" smtClean="0">
+                        <a:solidFill>
+                          <a:srgbClr val="C00000"/>
+                        </a:solidFill>
+                        <a:latin typeface="Cambria Math" panose="02040503050406030204" pitchFamily="18" charset="0"/>
+                      </a:rPr>
+                      <m:t>[0.5, 1]</m:t>
+                    </m:r>
+                  </m:oMath>
+                </a14:m>
+                <a:endParaRPr lang="en-US" dirty="0"/>
+              </a:p>
+              <a:p>
+                <a:pPr>
+                  <a:buClr>
+                    <a:schemeClr val="tx1"/>
+                  </a:buClr>
+                </a:pPr>
+                <a:endParaRPr lang="en-US" dirty="0"/>
+              </a:p>
+              <a:p>
+                <a:pPr>
+                  <a:buClr>
+                    <a:schemeClr val="tx1"/>
+                  </a:buClr>
+                </a:pPr>
+                <a:r>
+                  <a:rPr lang="en-US" dirty="0"/>
+                  <a:t>If item is sampled, change interval to “smaller”, else “larger”</a:t>
+                </a:r>
+              </a:p>
+              <a:p>
+                <a:pPr>
+                  <a:buClr>
+                    <a:schemeClr val="tx1"/>
+                  </a:buClr>
+                </a:pPr>
+                <a:endParaRPr lang="en-US" sz="2800" dirty="0"/>
+              </a:p>
+              <a:p>
+                <a:pPr>
+                  <a:buClr>
+                    <a:schemeClr val="tx1"/>
+                  </a:buClr>
+                </a:pPr>
+                <a:r>
+                  <a:rPr lang="en-US" dirty="0"/>
+                  <a:t>Sampled item among the </a:t>
+                </a:r>
+                <a14:m>
+                  <m:oMath xmlns:m="http://schemas.openxmlformats.org/officeDocument/2006/math">
+                    <m:r>
+                      <a:rPr lang="en-US" b="0" i="1" smtClean="0">
+                        <a:solidFill>
+                          <a:srgbClr val="C00000"/>
+                        </a:solidFill>
+                        <a:latin typeface="Cambria Math" panose="02040503050406030204" pitchFamily="18" charset="0"/>
+                      </a:rPr>
+                      <m:t>𝑂</m:t>
+                    </m:r>
+                    <m:r>
+                      <a:rPr lang="en-US" b="0" i="1" smtClean="0">
+                        <a:solidFill>
+                          <a:srgbClr val="C00000"/>
+                        </a:solidFill>
+                        <a:latin typeface="Cambria Math" panose="02040503050406030204" pitchFamily="18" charset="0"/>
+                      </a:rPr>
+                      <m:t>(</m:t>
+                    </m:r>
+                    <m:func>
+                      <m:funcPr>
+                        <m:ctrlPr>
+                          <a:rPr lang="en-US" b="0" i="1" smtClean="0">
+                            <a:solidFill>
+                              <a:srgbClr val="C00000"/>
+                            </a:solidFill>
+                            <a:latin typeface="Cambria Math" panose="02040503050406030204" pitchFamily="18" charset="0"/>
+                          </a:rPr>
+                        </m:ctrlPr>
+                      </m:funcPr>
+                      <m:fName>
+                        <m:r>
+                          <m:rPr>
+                            <m:sty m:val="p"/>
+                          </m:rPr>
+                          <a:rPr lang="en-US" b="0" i="0" smtClean="0">
+                            <a:solidFill>
+                              <a:srgbClr val="C00000"/>
+                            </a:solidFill>
+                            <a:latin typeface="Cambria Math" panose="02040503050406030204" pitchFamily="18" charset="0"/>
+                          </a:rPr>
+                          <m:t>log</m:t>
+                        </m:r>
+                      </m:fName>
+                      <m:e>
+                        <m:r>
+                          <a:rPr lang="en-US" b="0" i="1" smtClean="0">
+                            <a:solidFill>
+                              <a:srgbClr val="C00000"/>
+                            </a:solidFill>
+                            <a:latin typeface="Cambria Math" panose="02040503050406030204" pitchFamily="18" charset="0"/>
+                          </a:rPr>
+                          <m:t>𝑛</m:t>
+                        </m:r>
+                      </m:e>
+                    </m:func>
+                    <m:r>
+                      <a:rPr lang="en-US" b="0" i="1" smtClean="0">
+                        <a:solidFill>
+                          <a:srgbClr val="C00000"/>
+                        </a:solidFill>
+                        <a:latin typeface="Cambria Math" panose="02040503050406030204" pitchFamily="18" charset="0"/>
+                      </a:rPr>
+                      <m:t>)</m:t>
+                    </m:r>
+                  </m:oMath>
+                </a14:m>
+                <a:r>
+                  <a:rPr lang="en-US" dirty="0"/>
+                  <a:t> largest elements </a:t>
+                </a:r>
+                <a:r>
+                  <a:rPr lang="en-US" dirty="0">
+                    <a:solidFill>
+                      <a:schemeClr val="accent1"/>
+                    </a:solidFill>
+                  </a:rPr>
+                  <a:t>[Ben-EliezerYogev20]</a:t>
+                </a:r>
+                <a:endParaRPr lang="en-US" dirty="0"/>
+              </a:p>
+              <a:p>
+                <a:pPr>
+                  <a:buClr>
+                    <a:schemeClr val="tx1"/>
+                  </a:buClr>
+                </a:pPr>
+                <a:endParaRPr lang="en-US" sz="2800" dirty="0"/>
+              </a:p>
+            </p:txBody>
+          </p:sp>
+        </mc:Choice>
+        <mc:Fallback>
+          <p:sp>
+            <p:nvSpPr>
+              <p:cNvPr id="3" name="Content Placeholder 2">
+                <a:extLst>
+                  <a:ext uri="{FF2B5EF4-FFF2-40B4-BE49-F238E27FC236}">
+                    <a16:creationId xmlns:a16="http://schemas.microsoft.com/office/drawing/2014/main" id="{67DA0FB4-0380-FAF8-E21A-5376F506A55B}"/>
+                  </a:ext>
+                </a:extLst>
+              </p:cNvPr>
+              <p:cNvSpPr>
+                <a:spLocks noGrp="1" noRot="1" noChangeAspect="1" noMove="1" noResize="1" noEditPoints="1" noAdjustHandles="1" noChangeArrowheads="1" noChangeShapeType="1" noTextEdit="1"/>
+              </p:cNvSpPr>
+              <p:nvPr>
+                <p:ph idx="1"/>
+              </p:nvPr>
+            </p:nvSpPr>
+            <p:spPr>
+              <a:blipFill>
+                <a:blip r:embed="rId3"/>
+                <a:stretch>
+                  <a:fillRect l="-1043" t="-2241"/>
+                </a:stretch>
+              </a:blipFill>
+            </p:spPr>
+            <p:txBody>
+              <a:bodyPr/>
+              <a:lstStyle/>
+              <a:p>
+                <a:r>
+                  <a:rPr lang="en-US">
+                    <a:noFill/>
+                  </a:rPr>
+                  <a:t> </a:t>
+                </a:r>
+              </a:p>
+            </p:txBody>
+          </p:sp>
+        </mc:Fallback>
+      </mc:AlternateContent>
+    </p:spTree>
+    <p:extLst>
+      <p:ext uri="{BB962C8B-B14F-4D97-AF65-F5344CB8AC3E}">
+        <p14:creationId xmlns:p14="http://schemas.microsoft.com/office/powerpoint/2010/main" val="3792396948"/>
+      </p:ext>
+    </p:extLst>
+  </p:cSld>
+  <p:clrMapOvr>
+    <a:masterClrMapping/>
+  </p:clrMapOvr>
+</p:sld>
+</file>
+
+<file path=ppt/slides/slide7.xml><?xml version="1.0" encoding="utf-8"?>
+<p:sld xmlns:a="http://schemas.openxmlformats.org/drawingml/2006/main" xmlns:r="http://schemas.openxmlformats.org/officeDocument/2006/relationships" xmlns:p="http://schemas.openxmlformats.org/presentationml/2006/main">
+  <p:cSld>
+    <p:spTree>
+      <p:nvGrpSpPr>
+        <p:cNvPr id="1" name="">
+          <a:extLst>
+            <a:ext uri="{FF2B5EF4-FFF2-40B4-BE49-F238E27FC236}">
+              <a16:creationId xmlns:a16="http://schemas.microsoft.com/office/drawing/2014/main" id="{228A38BE-A38E-B459-DE7B-EC3AFBC9FBE7}"/>
+            </a:ext>
+          </a:extLst>
+        </p:cNvPr>
+        <p:cNvGrpSpPr/>
+        <p:nvPr/>
+      </p:nvGrpSpPr>
+      <p:grpSpPr>
+        <a:xfrm>
+          <a:off x="0" y="0"/>
+          <a:ext cx="0" cy="0"/>
+          <a:chOff x="0" y="0"/>
+          <a:chExt cx="0" cy="0"/>
+        </a:xfrm>
+      </p:grpSpPr>
+      <p:sp>
+        <p:nvSpPr>
+          <p:cNvPr id="2" name="Title 1">
+            <a:extLst>
+              <a:ext uri="{FF2B5EF4-FFF2-40B4-BE49-F238E27FC236}">
+                <a16:creationId xmlns:a16="http://schemas.microsoft.com/office/drawing/2014/main" id="{37B4E0C3-A905-E49D-3F46-D26613A3ABC5}"/>
+              </a:ext>
+            </a:extLst>
+          </p:cNvPr>
+          <p:cNvSpPr>
+            <a:spLocks noGrp="1"/>
+          </p:cNvSpPr>
+          <p:nvPr>
+            <p:ph type="title"/>
+          </p:nvPr>
+        </p:nvSpPr>
+        <p:spPr/>
+        <p:txBody>
+          <a:bodyPr/>
+          <a:lstStyle/>
+          <a:p>
+            <a:r>
+              <a:rPr lang="en-US" dirty="0">
+                <a:solidFill>
+                  <a:srgbClr val="C00000"/>
+                </a:solidFill>
+              </a:rPr>
+              <a:t>Upshot</a:t>
+            </a:r>
+            <a:endParaRPr lang="en-US" dirty="0"/>
+          </a:p>
+        </p:txBody>
+      </p:sp>
       <p:sp>
         <p:nvSpPr>
           <p:cNvPr id="3" name="Content Placeholder 2">
             <a:extLst>
               <a:ext uri="{FF2B5EF4-FFF2-40B4-BE49-F238E27FC236}">
-                <a16:creationId xmlns:a16="http://schemas.microsoft.com/office/drawing/2014/main" id="{33E10F43-86CC-0EDE-7C48-CC6A912E4D3C}"/>
+                <a16:creationId xmlns:a16="http://schemas.microsoft.com/office/drawing/2014/main" id="{D9C77824-238C-069F-1AE9-69A0CA835EB4}"/>
               </a:ext>
             </a:extLst>
           </p:cNvPr>
@@ -37961,7 +41681,9 @@
         </p:nvSpPr>
         <p:spPr/>
         <p:txBody>
-          <a:bodyPr/>
+          <a:bodyPr>
+            <a:normAutofit/>
+          </a:bodyPr>
           <a:lstStyle/>
           <a:p>
             <a:pPr>
@@ -37969,14 +41691,111 @@
                 <a:schemeClr val="tx1"/>
               </a:buClr>
             </a:pPr>
+            <a:r>
+              <a:rPr lang="en-US" dirty="0"/>
+              <a:t>Even fundamental primitives such as sampling are not robust!</a:t>
+            </a:r>
             <a:endParaRPr lang="en-US" sz="2800" dirty="0"/>
+          </a:p>
+          <a:p>
+            <a:pPr>
+              <a:buClr>
+                <a:schemeClr val="tx1"/>
+              </a:buClr>
+            </a:pPr>
+            <a:r>
+              <a:rPr lang="en-US" dirty="0"/>
+              <a:t>Need new techniques</a:t>
+            </a:r>
+          </a:p>
+          <a:p>
+            <a:pPr>
+              <a:buClr>
+                <a:schemeClr val="tx1"/>
+              </a:buClr>
+            </a:pPr>
+            <a:endParaRPr lang="en-US" dirty="0"/>
+          </a:p>
+          <a:p>
+            <a:pPr>
+              <a:buClr>
+                <a:schemeClr val="tx1"/>
+              </a:buClr>
+            </a:pPr>
+            <a:r>
+              <a:rPr lang="en-US" dirty="0">
+                <a:solidFill>
+                  <a:srgbClr val="FF0000"/>
+                </a:solidFill>
+              </a:rPr>
+              <a:t>NEW</a:t>
+            </a:r>
+            <a:r>
+              <a:rPr lang="en-US" dirty="0"/>
+              <a:t> Connections across many areas: </a:t>
+            </a:r>
+          </a:p>
+          <a:p>
+            <a:pPr lvl="1">
+              <a:buClr>
+                <a:schemeClr val="tx1"/>
+              </a:buClr>
+            </a:pPr>
+            <a:r>
+              <a:rPr lang="en-US" sz="2800" dirty="0"/>
+              <a:t>Sublinear algorithms</a:t>
+            </a:r>
+          </a:p>
+          <a:p>
+            <a:pPr lvl="1">
+              <a:buClr>
+                <a:schemeClr val="tx1"/>
+              </a:buClr>
+            </a:pPr>
+            <a:r>
+              <a:rPr lang="en-US" sz="2800" dirty="0"/>
+              <a:t>Differential privacy</a:t>
+            </a:r>
+          </a:p>
+          <a:p>
+            <a:pPr lvl="1">
+              <a:buClr>
+                <a:schemeClr val="tx1"/>
+              </a:buClr>
+            </a:pPr>
+            <a:r>
+              <a:rPr lang="en-US" sz="2800" dirty="0"/>
+              <a:t>Adaptive data analysis</a:t>
+            </a:r>
+          </a:p>
+          <a:p>
+            <a:pPr lvl="1">
+              <a:buClr>
+                <a:schemeClr val="tx1"/>
+              </a:buClr>
+            </a:pPr>
+            <a:r>
+              <a:rPr lang="en-US" sz="2800" dirty="0"/>
+              <a:t>Cryptography</a:t>
+            </a:r>
+          </a:p>
+          <a:p>
+            <a:pPr lvl="1">
+              <a:buClr>
+                <a:schemeClr val="tx1"/>
+              </a:buClr>
+            </a:pPr>
+            <a:r>
+              <a:rPr lang="en-US" sz="2800" dirty="0"/>
+              <a:t>Lattice theory</a:t>
+            </a:r>
           </a:p>
         </p:txBody>
       </p:sp>
     </p:spTree>
     <p:extLst>
       <p:ext uri="{BB962C8B-B14F-4D97-AF65-F5344CB8AC3E}">
-        <p14:creationId xmlns:p14="http://schemas.microsoft.com/office/powerpoint/2010/main" val="2726656973"/>
+        <p14:creationId xmlns:p14="http://schemas.microsoft.com/office/powerpoint/2010/main" val="527795764"/>
       </p:ext>
     </p:extLst>
   </p:cSld>
@@ -37986,7 +41805,7 @@
 </p:sld>
 </file>
 
-<file path=ppt/slides/slide7.xml><?xml version="1.0" encoding="utf-8"?>
+<file path=ppt/slides/slide8.xml><?xml version="1.0" encoding="utf-8"?>
 <p:sld xmlns:a="http://schemas.openxmlformats.org/drawingml/2006/main" xmlns:r="http://schemas.openxmlformats.org/officeDocument/2006/relationships" xmlns:p="http://schemas.openxmlformats.org/presentationml/2006/main">
   <p:cSld>
     <p:spTree>
@@ -38060,7 +41879,9 @@
         </p:nvSpPr>
         <p:spPr/>
         <p:txBody>
-          <a:bodyPr/>
+          <a:bodyPr>
+            <a:normAutofit/>
+          </a:bodyPr>
           <a:lstStyle/>
           <a:p>
             <a:pPr>
@@ -38068,7 +41889,101 @@
                 <a:schemeClr val="tx1"/>
               </a:buClr>
             </a:pPr>
+            <a:r>
+              <a:rPr lang="en-US" sz="2800" dirty="0">
+                <a:solidFill>
+                  <a:schemeClr val="accent1"/>
+                </a:solidFill>
+              </a:rPr>
+              <a:t>What attacks are possible against classical data structure and algorithms? How efficient can we make them?</a:t>
+            </a:r>
+          </a:p>
+          <a:p>
+            <a:pPr marL="457200" lvl="1" indent="0">
+              <a:buClr>
+                <a:schemeClr val="tx1"/>
+              </a:buClr>
+              <a:buNone/>
+            </a:pPr>
+            <a:r>
+              <a:rPr lang="en-US" sz="2800" dirty="0"/>
+              <a:t>Xin, Mihir, Sara, Edith</a:t>
+            </a:r>
+          </a:p>
+          <a:p>
+            <a:pPr>
+              <a:buClr>
+                <a:schemeClr val="tx1"/>
+              </a:buClr>
+            </a:pPr>
+            <a:r>
+              <a:rPr lang="en-US" dirty="0">
+                <a:solidFill>
+                  <a:srgbClr val="00B050"/>
+                </a:solidFill>
+              </a:rPr>
+              <a:t>What are the capabilities and limitations of robust data structures and algorithms in various models? How do different adversarial models change what’s possible?</a:t>
+            </a:r>
+          </a:p>
+          <a:p>
+            <a:pPr marL="457200" lvl="1" indent="0">
+              <a:buClr>
+                <a:schemeClr val="tx1"/>
+              </a:buClr>
+              <a:buNone/>
+            </a:pPr>
+            <a:r>
+              <a:rPr lang="en-US" sz="2800" dirty="0"/>
+              <a:t>Omri, Amit, Guy, David, Elena, </a:t>
+            </a:r>
+            <a:r>
+              <a:rPr lang="en-US" sz="2800" dirty="0" err="1"/>
+              <a:t>Honghao</a:t>
+            </a:r>
             <a:endParaRPr lang="en-US" sz="2800" dirty="0"/>
+          </a:p>
+          <a:p>
+            <a:pPr>
+              <a:buClr>
+                <a:schemeClr val="tx1"/>
+              </a:buClr>
+            </a:pPr>
+            <a:r>
+              <a:rPr lang="en-US" sz="2800" dirty="0">
+                <a:solidFill>
+                  <a:schemeClr val="accent2"/>
+                </a:solidFill>
+              </a:rPr>
+              <a:t>New problems and models of adversarial robustness</a:t>
+            </a:r>
+          </a:p>
+          <a:p>
+            <a:pPr marL="457200" lvl="1" indent="0">
+              <a:buClr>
+                <a:schemeClr val="tx1"/>
+              </a:buClr>
+              <a:buNone/>
+            </a:pPr>
+            <a:r>
+              <a:rPr lang="en-US" sz="2800" dirty="0"/>
+              <a:t>Uri, </a:t>
+            </a:r>
+            <a:r>
+              <a:rPr lang="en-US" sz="2800" dirty="0" err="1"/>
+              <a:t>Binghui</a:t>
+            </a:r>
+            <a:r>
+              <a:rPr lang="en-US" sz="2800" dirty="0"/>
+              <a:t>, Sandeep, Chen, </a:t>
+            </a:r>
+            <a:r>
+              <a:rPr lang="en-US" sz="2800" dirty="0" err="1"/>
+              <a:t>Shenghao</a:t>
+            </a:r>
+            <a:r>
+              <a:rPr lang="en-US" sz="2800" dirty="0"/>
+              <a:t>, Yuhan </a:t>
+            </a:r>
           </a:p>
         </p:txBody>
       </p:sp>
@@ -38085,7 +42000,7 @@
 </p:sld>
 </file>
 
-<file path=ppt/slides/slide8.xml><?xml version="1.0" encoding="utf-8"?>
+<file path=ppt/slides/slide9.xml><?xml version="1.0" encoding="utf-8"?>
 <p:sld xmlns:a="http://schemas.openxmlformats.org/drawingml/2006/main" xmlns:r="http://schemas.openxmlformats.org/officeDocument/2006/relationships" xmlns:p="http://schemas.openxmlformats.org/presentationml/2006/main">
   <p:cSld>
     <p:spTree>
@@ -38497,505 +42412,6 @@
       </p:par>
     </p:tnLst>
   </p:timing>
-</p:sld>
-</file>
-
-<file path=ppt/slides/slide9.xml><?xml version="1.0" encoding="utf-8"?>
-<p:sld xmlns:a="http://schemas.openxmlformats.org/drawingml/2006/main" xmlns:r="http://schemas.openxmlformats.org/officeDocument/2006/relationships" xmlns:p="http://schemas.openxmlformats.org/presentationml/2006/main">
-  <p:cSld>
-    <p:spTree>
-      <p:nvGrpSpPr>
-        <p:cNvPr id="1" name=""/>
-        <p:cNvGrpSpPr/>
-        <p:nvPr/>
-      </p:nvGrpSpPr>
-      <p:grpSpPr>
-        <a:xfrm>
-          <a:off x="0" y="0"/>
-          <a:ext cx="0" cy="0"/>
-          <a:chOff x="0" y="0"/>
-          <a:chExt cx="0" cy="0"/>
-        </a:xfrm>
-      </p:grpSpPr>
-      <p:sp>
-        <p:nvSpPr>
-          <p:cNvPr id="3" name="Title 2"/>
-          <p:cNvSpPr>
-            <a:spLocks noGrp="1"/>
-          </p:cNvSpPr>
-          <p:nvPr>
-            <p:ph type="title"/>
-          </p:nvPr>
-        </p:nvSpPr>
-        <p:spPr/>
-        <p:txBody>
-          <a:bodyPr/>
-          <a:lstStyle/>
-          <a:p>
-            <a:r>
-              <a:rPr lang="en-US">
-                <a:solidFill>
-                  <a:srgbClr val="C00000"/>
-                </a:solidFill>
-              </a:rPr>
-              <a:t>Frequency Vector</a:t>
-            </a:r>
-            <a:endParaRPr lang="en-US" dirty="0">
-              <a:solidFill>
-                <a:srgbClr val="C00000"/>
-              </a:solidFill>
-            </a:endParaRPr>
-          </a:p>
-        </p:txBody>
-      </p:sp>
-      <mc:AlternateContent xmlns:mc="http://schemas.openxmlformats.org/markup-compatibility/2006" xmlns:a14="http://schemas.microsoft.com/office/drawing/2010/main">
-        <mc:Choice Requires="a14">
-          <p:sp>
-            <p:nvSpPr>
-              <p:cNvPr id="4" name="Content Placeholder 3"/>
-              <p:cNvSpPr>
-                <a:spLocks noGrp="1"/>
-              </p:cNvSpPr>
-              <p:nvPr>
-                <p:ph idx="1"/>
-              </p:nvPr>
-            </p:nvSpPr>
-            <p:spPr>
-              <a:xfrm>
-                <a:off x="838200" y="1825625"/>
-                <a:ext cx="10242755" cy="4859260"/>
-              </a:xfrm>
-            </p:spPr>
-            <p:txBody>
-              <a:bodyPr>
-                <a:normAutofit/>
-              </a:bodyPr>
-              <a:lstStyle/>
-              <a:p>
-                <a:r>
-                  <a:rPr lang="en-US" dirty="0"/>
-                  <a:t>Given a set </a:t>
-                </a:r>
-                <a14:m>
-                  <m:oMath xmlns:m="http://schemas.openxmlformats.org/officeDocument/2006/math">
-                    <m:r>
-                      <a:rPr lang="en-US" i="1" smtClean="0">
-                        <a:solidFill>
-                          <a:srgbClr val="C00000"/>
-                        </a:solidFill>
-                        <a:latin typeface="Cambria Math" panose="02040503050406030204" pitchFamily="18" charset="0"/>
-                      </a:rPr>
-                      <m:t>𝑆</m:t>
-                    </m:r>
-                  </m:oMath>
-                </a14:m>
-                <a:r>
-                  <a:rPr lang="en-US" dirty="0"/>
-                  <a:t> of </a:t>
-                </a:r>
-                <a14:m>
-                  <m:oMath xmlns:m="http://schemas.openxmlformats.org/officeDocument/2006/math">
-                    <m:r>
-                      <a:rPr lang="en-US" i="1" smtClean="0">
-                        <a:solidFill>
-                          <a:srgbClr val="C00000"/>
-                        </a:solidFill>
-                        <a:latin typeface="Cambria Math" panose="02040503050406030204" pitchFamily="18" charset="0"/>
-                      </a:rPr>
-                      <m:t>𝑚</m:t>
-                    </m:r>
-                  </m:oMath>
-                </a14:m>
-                <a:r>
-                  <a:rPr lang="en-US" dirty="0"/>
-                  <a:t> elements from </a:t>
-                </a:r>
-                <a14:m>
-                  <m:oMath xmlns:m="http://schemas.openxmlformats.org/officeDocument/2006/math">
-                    <m:r>
-                      <a:rPr lang="en-US" i="1" smtClean="0">
-                        <a:solidFill>
-                          <a:srgbClr val="C00000"/>
-                        </a:solidFill>
-                        <a:latin typeface="Cambria Math" panose="02040503050406030204" pitchFamily="18" charset="0"/>
-                      </a:rPr>
-                      <m:t>[</m:t>
-                    </m:r>
-                    <m:r>
-                      <a:rPr lang="en-US" i="1" smtClean="0">
-                        <a:solidFill>
-                          <a:srgbClr val="C00000"/>
-                        </a:solidFill>
-                        <a:latin typeface="Cambria Math" panose="02040503050406030204" pitchFamily="18" charset="0"/>
-                      </a:rPr>
-                      <m:t>𝑛</m:t>
-                    </m:r>
-                    <m:r>
-                      <a:rPr lang="en-US" i="1" smtClean="0">
-                        <a:solidFill>
-                          <a:srgbClr val="C00000"/>
-                        </a:solidFill>
-                        <a:latin typeface="Cambria Math" panose="02040503050406030204" pitchFamily="18" charset="0"/>
-                      </a:rPr>
-                      <m:t>]</m:t>
-                    </m:r>
-                  </m:oMath>
-                </a14:m>
-                <a:r>
-                  <a:rPr lang="en-US" dirty="0"/>
-                  <a:t>, let </a:t>
-                </a:r>
-                <a14:m>
-                  <m:oMath xmlns:m="http://schemas.openxmlformats.org/officeDocument/2006/math">
-                    <m:sSub>
-                      <m:sSubPr>
-                        <m:ctrlPr>
-                          <a:rPr lang="en-US" b="0" i="1" smtClean="0">
-                            <a:solidFill>
-                              <a:srgbClr val="C00000"/>
-                            </a:solidFill>
-                            <a:latin typeface="Cambria Math" panose="02040503050406030204" pitchFamily="18" charset="0"/>
-                          </a:rPr>
-                        </m:ctrlPr>
-                      </m:sSubPr>
-                      <m:e>
-                        <m:r>
-                          <a:rPr lang="en-US" b="0" i="1" smtClean="0">
-                            <a:solidFill>
-                              <a:srgbClr val="C00000"/>
-                            </a:solidFill>
-                            <a:latin typeface="Cambria Math" panose="02040503050406030204" pitchFamily="18" charset="0"/>
-                          </a:rPr>
-                          <m:t>𝑓</m:t>
-                        </m:r>
-                      </m:e>
-                      <m:sub>
-                        <m:r>
-                          <a:rPr lang="en-US" b="0" i="1" smtClean="0">
-                            <a:solidFill>
-                              <a:srgbClr val="C00000"/>
-                            </a:solidFill>
-                            <a:latin typeface="Cambria Math" panose="02040503050406030204" pitchFamily="18" charset="0"/>
-                          </a:rPr>
-                          <m:t>𝑖</m:t>
-                        </m:r>
-                      </m:sub>
-                    </m:sSub>
-                  </m:oMath>
-                </a14:m>
-                <a:r>
-                  <a:rPr lang="en-US" dirty="0">
-                    <a:solidFill>
-                      <a:srgbClr val="C00000"/>
-                    </a:solidFill>
-                  </a:rPr>
-                  <a:t> </a:t>
-                </a:r>
-                <a:r>
-                  <a:rPr lang="en-US" dirty="0">
-                    <a:solidFill>
-                      <a:schemeClr val="tx1"/>
-                    </a:solidFill>
-                  </a:rPr>
-                  <a:t>be the frequency of element </a:t>
-                </a:r>
-                <a14:m>
-                  <m:oMath xmlns:m="http://schemas.openxmlformats.org/officeDocument/2006/math">
-                    <m:r>
-                      <a:rPr lang="en-US" b="0" i="1" smtClean="0">
-                        <a:solidFill>
-                          <a:srgbClr val="C00000"/>
-                        </a:solidFill>
-                        <a:latin typeface="Cambria Math" panose="02040503050406030204" pitchFamily="18" charset="0"/>
-                      </a:rPr>
-                      <m:t>𝑖</m:t>
-                    </m:r>
-                  </m:oMath>
-                </a14:m>
-                <a:r>
-                  <a:rPr lang="en-US" dirty="0">
-                    <a:solidFill>
-                      <a:schemeClr val="tx1"/>
-                    </a:solidFill>
-                  </a:rPr>
-                  <a:t>. (How often it appears)</a:t>
-                </a:r>
-              </a:p>
-            </p:txBody>
-          </p:sp>
-        </mc:Choice>
-        <mc:Fallback xmlns="">
-          <p:sp>
-            <p:nvSpPr>
-              <p:cNvPr id="4" name="Content Placeholder 3"/>
-              <p:cNvSpPr>
-                <a:spLocks noGrp="1" noRot="1" noChangeAspect="1" noMove="1" noResize="1" noEditPoints="1" noAdjustHandles="1" noChangeArrowheads="1" noChangeShapeType="1" noTextEdit="1"/>
-              </p:cNvSpPr>
-              <p:nvPr>
-                <p:ph idx="1"/>
-              </p:nvPr>
-            </p:nvSpPr>
-            <p:spPr>
-              <a:xfrm>
-                <a:off x="838200" y="1825625"/>
-                <a:ext cx="10242755" cy="4859260"/>
-              </a:xfrm>
-              <a:blipFill>
-                <a:blip r:embed="rId2"/>
-                <a:stretch>
-                  <a:fillRect l="-1071" t="-2005"/>
-                </a:stretch>
-              </a:blipFill>
-            </p:spPr>
-            <p:txBody>
-              <a:bodyPr/>
-              <a:lstStyle/>
-              <a:p>
-                <a:r>
-                  <a:rPr lang="en-US">
-                    <a:noFill/>
-                  </a:rPr>
-                  <a:t> </a:t>
-                </a:r>
-              </a:p>
-            </p:txBody>
-          </p:sp>
-        </mc:Fallback>
-      </mc:AlternateContent>
-      <mc:AlternateContent xmlns:mc="http://schemas.openxmlformats.org/markup-compatibility/2006" xmlns:a14="http://schemas.microsoft.com/office/drawing/2010/main">
-        <mc:Choice Requires="a14">
-          <p:sp>
-            <p:nvSpPr>
-              <p:cNvPr id="5" name="TextBox 4">
-                <a:extLst>
-                  <a:ext uri="{FF2B5EF4-FFF2-40B4-BE49-F238E27FC236}">
-                    <a16:creationId xmlns:a16="http://schemas.microsoft.com/office/drawing/2014/main" id="{2600D81D-0252-476F-8A28-E78DFD4FAB04}"/>
-                  </a:ext>
-                </a:extLst>
-              </p:cNvPr>
-              <p:cNvSpPr txBox="1"/>
-              <p:nvPr/>
-            </p:nvSpPr>
-            <p:spPr>
-              <a:xfrm>
-                <a:off x="2154216" y="3429000"/>
-                <a:ext cx="7262181" cy="707886"/>
-              </a:xfrm>
-              <a:prstGeom prst="rect">
-                <a:avLst/>
-              </a:prstGeom>
-              <a:noFill/>
-            </p:spPr>
-            <p:txBody>
-              <a:bodyPr wrap="none" rtlCol="0">
-                <a:spAutoFit/>
-              </a:bodyPr>
-              <a:lstStyle/>
-              <a:p>
-                <a:pPr marL="0" marR="0" lvl="0" indent="0" algn="l" defTabSz="914400" rtl="0" eaLnBrk="1" fontAlgn="auto" latinLnBrk="0" hangingPunct="1">
-                  <a:lnSpc>
-                    <a:spcPct val="100000"/>
-                  </a:lnSpc>
-                  <a:spcBef>
-                    <a:spcPts val="0"/>
-                  </a:spcBef>
-                  <a:spcAft>
-                    <a:spcPts val="0"/>
-                  </a:spcAft>
-                  <a:buClrTx/>
-                  <a:buSzTx/>
-                  <a:buFontTx/>
-                  <a:buNone/>
-                  <a:tabLst/>
-                  <a:defRPr/>
-                </a:pPr>
-                <a:r>
-                  <a:rPr kumimoji="0" lang="en-US" sz="4000" b="0" i="0" u="none" strike="noStrike" kern="1200" cap="none" spc="0" normalizeH="0" baseline="0" noProof="0" dirty="0">
-                    <a:ln>
-                      <a:noFill/>
-                    </a:ln>
-                    <a:solidFill>
-                      <a:prstClr val="black"/>
-                    </a:solidFill>
-                    <a:effectLst/>
-                    <a:uLnTx/>
-                    <a:uFillTx/>
-                    <a:latin typeface="Calibri" panose="020F0502020204030204"/>
-                    <a:ea typeface="+mn-ea"/>
-                    <a:cs typeface="+mn-cs"/>
-                  </a:rPr>
-                  <a:t>1 1 2 1 2 1 1 2 3 </a:t>
-                </a:r>
-                <a:r>
-                  <a:rPr kumimoji="0" lang="en-US" sz="4000" b="0" i="0" u="none" strike="noStrike" kern="1200" cap="none" spc="0" normalizeH="0" baseline="0" noProof="0" dirty="0">
-                    <a:ln>
-                      <a:noFill/>
-                    </a:ln>
-                    <a:solidFill>
-                      <a:prstClr val="black"/>
-                    </a:solidFill>
-                    <a:effectLst/>
-                    <a:uLnTx/>
-                    <a:uFillTx/>
-                    <a:latin typeface="Calibri" panose="020F0502020204030204"/>
-                    <a:ea typeface="+mn-ea"/>
-                    <a:cs typeface="+mn-cs"/>
-                    <a:sym typeface="Wingdings 3" panose="05040102010807070707" pitchFamily="18" charset="2"/>
-                  </a:rPr>
-                  <a:t> </a:t>
-                </a:r>
-                <a14:m>
-                  <m:oMath xmlns:m="http://schemas.openxmlformats.org/officeDocument/2006/math">
-                    <m:d>
-                      <m:dPr>
-                        <m:begChr m:val="["/>
-                        <m:endChr m:val="]"/>
-                        <m:ctrlPr>
-                          <a:rPr kumimoji="0" lang="en-US" sz="4000" b="0" i="1" u="none" strike="noStrike" kern="1200" cap="none" spc="0" normalizeH="0" baseline="0" noProof="0" smtClean="0">
-                            <a:ln>
-                              <a:noFill/>
-                            </a:ln>
-                            <a:solidFill>
-                              <a:srgbClr val="C00000"/>
-                            </a:solidFill>
-                            <a:effectLst/>
-                            <a:uLnTx/>
-                            <a:uFillTx/>
-                            <a:latin typeface="Cambria Math" panose="02040503050406030204" pitchFamily="18" charset="0"/>
-                            <a:ea typeface="+mn-ea"/>
-                            <a:cs typeface="+mn-cs"/>
-                          </a:rPr>
-                        </m:ctrlPr>
-                      </m:dPr>
-                      <m:e>
-                        <m:r>
-                          <a:rPr kumimoji="0" lang="en-US" sz="4000" b="0" i="1" u="none" strike="noStrike" kern="1200" cap="none" spc="0" normalizeH="0" baseline="0" noProof="0" smtClean="0">
-                            <a:ln>
-                              <a:noFill/>
-                            </a:ln>
-                            <a:solidFill>
-                              <a:srgbClr val="C00000"/>
-                            </a:solidFill>
-                            <a:effectLst/>
-                            <a:uLnTx/>
-                            <a:uFillTx/>
-                            <a:latin typeface="Cambria Math" panose="02040503050406030204" pitchFamily="18" charset="0"/>
-                            <a:ea typeface="+mn-ea"/>
-                            <a:cs typeface="+mn-cs"/>
-                          </a:rPr>
-                          <m:t>5, 3, 1, 0</m:t>
-                        </m:r>
-                      </m:e>
-                    </m:d>
-                    <m:r>
-                      <a:rPr kumimoji="0" lang="en-US" sz="4000" b="0" i="1" u="none" strike="noStrike" kern="1200" cap="none" spc="0" normalizeH="0" baseline="0" noProof="0" smtClean="0">
-                        <a:ln>
-                          <a:noFill/>
-                        </a:ln>
-                        <a:solidFill>
-                          <a:srgbClr val="C00000"/>
-                        </a:solidFill>
-                        <a:effectLst/>
-                        <a:uLnTx/>
-                        <a:uFillTx/>
-                        <a:latin typeface="Cambria Math" panose="02040503050406030204" pitchFamily="18" charset="0"/>
-                        <a:ea typeface="+mn-ea"/>
-                        <a:cs typeface="+mn-cs"/>
-                      </a:rPr>
-                      <m:t>≔</m:t>
-                    </m:r>
-                    <m:r>
-                      <a:rPr kumimoji="0" lang="en-US" sz="4000" b="0" i="1" u="none" strike="noStrike" kern="1200" cap="none" spc="0" normalizeH="0" baseline="0" noProof="0" smtClean="0">
-                        <a:ln>
-                          <a:noFill/>
-                        </a:ln>
-                        <a:solidFill>
-                          <a:srgbClr val="C00000"/>
-                        </a:solidFill>
-                        <a:effectLst/>
-                        <a:uLnTx/>
-                        <a:uFillTx/>
-                        <a:latin typeface="Cambria Math" panose="02040503050406030204" pitchFamily="18" charset="0"/>
-                        <a:ea typeface="+mn-ea"/>
-                        <a:cs typeface="+mn-cs"/>
-                      </a:rPr>
-                      <m:t>𝑓</m:t>
-                    </m:r>
-                  </m:oMath>
-                </a14:m>
-                <a:endParaRPr kumimoji="0" lang="en-US" sz="4000" b="0" i="0" u="none" strike="noStrike" kern="1200" cap="none" spc="0" normalizeH="0" baseline="0" noProof="0" dirty="0">
-                  <a:ln>
-                    <a:noFill/>
-                  </a:ln>
-                  <a:solidFill>
-                    <a:prstClr val="black"/>
-                  </a:solidFill>
-                  <a:effectLst/>
-                  <a:uLnTx/>
-                  <a:uFillTx/>
-                  <a:latin typeface="Calibri" panose="020F0502020204030204"/>
-                  <a:ea typeface="+mn-ea"/>
-                  <a:cs typeface="+mn-cs"/>
-                </a:endParaRPr>
-              </a:p>
-            </p:txBody>
-          </p:sp>
-        </mc:Choice>
-        <mc:Fallback xmlns="">
-          <p:sp>
-            <p:nvSpPr>
-              <p:cNvPr id="5" name="TextBox 4">
-                <a:extLst>
-                  <a:ext uri="{FF2B5EF4-FFF2-40B4-BE49-F238E27FC236}">
-                    <a16:creationId xmlns:a16="http://schemas.microsoft.com/office/drawing/2014/main" id="{2600D81D-0252-476F-8A28-E78DFD4FAB04}"/>
-                  </a:ext>
-                </a:extLst>
-              </p:cNvPr>
-              <p:cNvSpPr txBox="1">
-                <a:spLocks noRot="1" noChangeAspect="1" noMove="1" noResize="1" noEditPoints="1" noAdjustHandles="1" noChangeArrowheads="1" noChangeShapeType="1" noTextEdit="1"/>
-              </p:cNvSpPr>
-              <p:nvPr/>
-            </p:nvSpPr>
-            <p:spPr>
-              <a:xfrm>
-                <a:off x="2154216" y="3429000"/>
-                <a:ext cx="7262181" cy="707886"/>
-              </a:xfrm>
-              <a:prstGeom prst="rect">
-                <a:avLst/>
-              </a:prstGeom>
-              <a:blipFill>
-                <a:blip r:embed="rId3"/>
-                <a:stretch>
-                  <a:fillRect l="-2936" t="-17241" b="-36207"/>
-                </a:stretch>
-              </a:blipFill>
-            </p:spPr>
-            <p:txBody>
-              <a:bodyPr/>
-              <a:lstStyle/>
-              <a:p>
-                <a:r>
-                  <a:rPr lang="en-US">
-                    <a:noFill/>
-                  </a:rPr>
-                  <a:t> </a:t>
-                </a:r>
-              </a:p>
-            </p:txBody>
-          </p:sp>
-        </mc:Fallback>
-      </mc:AlternateContent>
-    </p:spTree>
-    <p:extLst>
-      <p:ext uri="{BB962C8B-B14F-4D97-AF65-F5344CB8AC3E}">
-        <p14:creationId xmlns:p14="http://schemas.microsoft.com/office/powerpoint/2010/main" val="3757202892"/>
-      </p:ext>
-    </p:extLst>
-  </p:cSld>
-  <p:clrMapOvr>
-    <a:masterClrMapping/>
-  </p:clrMapOvr>
 </p:sld>
 </file>
 
